--- a/doc/Phenology.pptx
+++ b/doc/Phenology.pptx
@@ -5,12 +5,12 @@
     <p:sldMasterId id="2147483648" r:id="rId1"/>
   </p:sldMasterIdLst>
   <p:sldIdLst>
-    <p:sldId id="257" r:id="rId2"/>
-    <p:sldId id="262" r:id="rId3"/>
-    <p:sldId id="261" r:id="rId4"/>
-    <p:sldId id="259" r:id="rId5"/>
+    <p:sldId id="263" r:id="rId2"/>
+    <p:sldId id="257" r:id="rId3"/>
+    <p:sldId id="262" r:id="rId4"/>
+    <p:sldId id="261" r:id="rId5"/>
     <p:sldId id="258" r:id="rId6"/>
-    <p:sldId id="263" r:id="rId7"/>
+    <p:sldId id="259" r:id="rId7"/>
   </p:sldIdLst>
   <p:sldSz cx="12192000" cy="6858000"/>
   <p:notesSz cx="6858000" cy="9144000"/>
@@ -109,6 +109,11 @@
       </a:defRPr>
     </a:lvl9pPr>
   </p:defaultTextStyle>
+  <p:extLst>
+    <p:ext uri="{EFAFB233-063F-42B5-8137-9DF3F51BA10A}">
+      <p15:sldGuideLst xmlns:p15="http://schemas.microsoft.com/office/powerpoint/2012/main"/>
+    </p:ext>
+  </p:extLst>
 </p:presentation>
 </file>
 
@@ -2971,6 +2976,2847 @@
       </p:grpSpPr>
       <p:sp>
         <p:nvSpPr>
+          <p:cNvPr id="5" name="Rectangle 4"/>
+          <p:cNvSpPr/>
+          <p:nvPr/>
+        </p:nvSpPr>
+        <p:spPr>
+          <a:xfrm rot="16200000">
+            <a:off x="-1252634" y="2810928"/>
+            <a:ext cx="4068743" cy="923330"/>
+          </a:xfrm>
+          <a:prstGeom prst="rect">
+            <a:avLst/>
+          </a:prstGeom>
+          <a:noFill/>
+        </p:spPr>
+        <p:txBody>
+          <a:bodyPr wrap="none" lIns="91440" tIns="45720" rIns="91440" bIns="45720">
+            <a:spAutoFit/>
+          </a:bodyPr>
+          <a:lstStyle/>
+          <a:p>
+            <a:pPr algn="ctr"/>
+            <a:r>
+              <a:rPr lang="fr-FR" sz="5400" b="0" cap="none" spc="0" dirty="0" smtClean="0">
+                <a:ln w="0"/>
+                <a:gradFill>
+                  <a:gsLst>
+                    <a:gs pos="0">
+                      <a:schemeClr val="accent5">
+                        <a:lumMod val="50000"/>
+                      </a:schemeClr>
+                    </a:gs>
+                    <a:gs pos="50000">
+                      <a:schemeClr val="accent5"/>
+                    </a:gs>
+                    <a:gs pos="100000">
+                      <a:schemeClr val="accent5">
+                        <a:lumMod val="60000"/>
+                        <a:lumOff val="40000"/>
+                      </a:schemeClr>
+                    </a:gs>
+                  </a:gsLst>
+                  <a:lin ang="5400000"/>
+                </a:gradFill>
+                <a:effectLst>
+                  <a:reflection blurRad="6350" stA="53000" endA="300" endPos="35500" dir="5400000" sy="-90000" algn="bl" rotWithShape="0"/>
+                </a:effectLst>
+              </a:rPr>
+              <a:t>Thermal Time</a:t>
+            </a:r>
+            <a:endParaRPr lang="fr-FR" sz="5400" b="0" cap="none" spc="0" dirty="0">
+              <a:ln w="0"/>
+              <a:gradFill>
+                <a:gsLst>
+                  <a:gs pos="0">
+                    <a:schemeClr val="accent5">
+                      <a:lumMod val="50000"/>
+                    </a:schemeClr>
+                  </a:gs>
+                  <a:gs pos="50000">
+                    <a:schemeClr val="accent5"/>
+                  </a:gs>
+                  <a:gs pos="100000">
+                    <a:schemeClr val="accent5">
+                      <a:lumMod val="60000"/>
+                      <a:lumOff val="40000"/>
+                    </a:schemeClr>
+                  </a:gs>
+                </a:gsLst>
+                <a:lin ang="5400000"/>
+              </a:gradFill>
+              <a:effectLst>
+                <a:reflection blurRad="6350" stA="53000" endA="300" endPos="35500" dir="5400000" sy="-90000" algn="bl" rotWithShape="0"/>
+              </a:effectLst>
+            </a:endParaRPr>
+          </a:p>
+        </p:txBody>
+      </p:sp>
+      <p:sp>
+        <p:nvSpPr>
+          <p:cNvPr id="6" name="Rectangle 5"/>
+          <p:cNvSpPr>
+            <a:spLocks noChangeArrowheads="1"/>
+          </p:cNvSpPr>
+          <p:nvPr/>
+        </p:nvSpPr>
+        <p:spPr bwMode="auto">
+          <a:xfrm>
+            <a:off x="2490537" y="299822"/>
+            <a:ext cx="9312442" cy="6432530"/>
+          </a:xfrm>
+          <a:prstGeom prst="rect">
+            <a:avLst/>
+          </a:prstGeom>
+          <a:noFill/>
+          <a:ln>
+            <a:noFill/>
+          </a:ln>
+          <a:effectLst/>
+          <a:extLst>
+            <a:ext uri="{909E8E84-426E-40DD-AFC4-6F175D3DCCD1}">
+              <a14:hiddenFill xmlns:a14="http://schemas.microsoft.com/office/drawing/2010/main">
+                <a:solidFill>
+                  <a:schemeClr val="accent1"/>
+                </a:solidFill>
+              </a14:hiddenFill>
+            </a:ext>
+            <a:ext uri="{91240B29-F687-4F45-9708-019B960494DF}">
+              <a14:hiddenLine xmlns:a14="http://schemas.microsoft.com/office/drawing/2010/main" w="9525">
+                <a:solidFill>
+                  <a:schemeClr val="tx1"/>
+                </a:solidFill>
+                <a:miter lim="800000"/>
+                <a:headEnd/>
+                <a:tailEnd/>
+              </a14:hiddenLine>
+            </a:ext>
+            <a:ext uri="{AF507438-7753-43E0-B8FC-AC1667EBCBE1}">
+              <a14:hiddenEffects xmlns:a14="http://schemas.microsoft.com/office/drawing/2010/main">
+                <a:effectLst>
+                  <a:outerShdw dist="35921" dir="2700000" algn="ctr" rotWithShape="0">
+                    <a:schemeClr val="bg2"/>
+                  </a:outerShdw>
+                </a:effectLst>
+              </a14:hiddenEffects>
+            </a:ext>
+          </a:extLst>
+        </p:spPr>
+        <p:txBody>
+          <a:bodyPr vert="horz" wrap="square" lIns="0" tIns="0" rIns="0" bIns="0" numCol="1" anchor="ctr" anchorCtr="0" compatLnSpc="1">
+            <a:prstTxWarp prst="textNoShape">
+              <a:avLst/>
+            </a:prstTxWarp>
+            <a:spAutoFit/>
+          </a:bodyPr>
+          <a:lstStyle/>
+          <a:p>
+            <a:pPr marL="0" marR="0" lvl="0" indent="0" algn="l" defTabSz="914400" rtl="0" eaLnBrk="0" fontAlgn="base" latinLnBrk="0" hangingPunct="0">
+              <a:lnSpc>
+                <a:spcPct val="100000"/>
+              </a:lnSpc>
+              <a:spcBef>
+                <a:spcPct val="0"/>
+              </a:spcBef>
+              <a:spcAft>
+                <a:spcPct val="0"/>
+              </a:spcAft>
+              <a:buClrTx/>
+              <a:buSzTx/>
+              <a:buFontTx/>
+              <a:buNone/>
+              <a:tabLst/>
+            </a:pPr>
+            <a:r>
+              <a:rPr kumimoji="0" lang="fr-FR" altLang="fr-FR" sz="1600" b="0" i="0" u="none" strike="noStrike" cap="none" normalizeH="0" baseline="0" dirty="0" err="1" smtClean="0">
+                <a:ln>
+                  <a:noFill/>
+                </a:ln>
+                <a:solidFill>
+                  <a:srgbClr val="800000"/>
+                </a:solidFill>
+                <a:effectLst/>
+                <a:latin typeface="Cambria" panose="02040503050406030204" pitchFamily="18" charset="0"/>
+              </a:rPr>
+              <a:t>deltaT</a:t>
+            </a:r>
+            <a:r>
+              <a:rPr kumimoji="0" lang="fr-FR" altLang="fr-FR" sz="1600" b="0" i="0" u="none" strike="noStrike" cap="none" normalizeH="0" baseline="0" dirty="0" smtClean="0">
+                <a:ln>
+                  <a:noFill/>
+                </a:ln>
+                <a:solidFill>
+                  <a:srgbClr val="C0C0C0"/>
+                </a:solidFill>
+                <a:effectLst/>
+                <a:latin typeface="Cambria" panose="02040503050406030204" pitchFamily="18" charset="0"/>
+              </a:rPr>
+              <a:t> </a:t>
+            </a:r>
+            <a:r>
+              <a:rPr kumimoji="0" lang="fr-FR" altLang="fr-FR" sz="1600" b="0" i="0" u="none" strike="noStrike" cap="none" normalizeH="0" baseline="0" dirty="0" smtClean="0">
+                <a:ln>
+                  <a:noFill/>
+                </a:ln>
+                <a:solidFill>
+                  <a:schemeClr val="tx1"/>
+                </a:solidFill>
+                <a:effectLst/>
+                <a:latin typeface="Cambria" panose="02040503050406030204" pitchFamily="18" charset="0"/>
+              </a:rPr>
+              <a:t>=</a:t>
+            </a:r>
+            <a:r>
+              <a:rPr kumimoji="0" lang="fr-FR" altLang="fr-FR" sz="1600" b="0" i="0" u="none" strike="noStrike" cap="none" normalizeH="0" baseline="0" dirty="0" smtClean="0">
+                <a:ln>
+                  <a:noFill/>
+                </a:ln>
+                <a:solidFill>
+                  <a:srgbClr val="C0C0C0"/>
+                </a:solidFill>
+                <a:effectLst/>
+                <a:latin typeface="Cambria" panose="02040503050406030204" pitchFamily="18" charset="0"/>
+              </a:rPr>
+              <a:t> </a:t>
+            </a:r>
+            <a:r>
+              <a:rPr kumimoji="0" lang="fr-FR" altLang="fr-FR" sz="1600" b="0" i="0" u="none" strike="noStrike" cap="none" normalizeH="0" baseline="0" dirty="0" smtClean="0">
+                <a:ln>
+                  <a:noFill/>
+                </a:ln>
+                <a:solidFill>
+                  <a:srgbClr val="800000"/>
+                </a:solidFill>
+                <a:effectLst/>
+                <a:latin typeface="Cambria" panose="02040503050406030204" pitchFamily="18" charset="0"/>
+              </a:rPr>
+              <a:t>Ta</a:t>
+            </a:r>
+            <a:r>
+              <a:rPr kumimoji="0" lang="fr-FR" altLang="fr-FR" sz="1600" b="0" i="0" u="none" strike="noStrike" cap="none" normalizeH="0" baseline="0" dirty="0" smtClean="0">
+                <a:ln>
+                  <a:noFill/>
+                </a:ln>
+                <a:solidFill>
+                  <a:srgbClr val="C0C0C0"/>
+                </a:solidFill>
+                <a:effectLst/>
+                <a:latin typeface="Cambria" panose="02040503050406030204" pitchFamily="18" charset="0"/>
+              </a:rPr>
+              <a:t> </a:t>
+            </a:r>
+            <a:r>
+              <a:rPr kumimoji="0" lang="fr-FR" altLang="fr-FR" sz="1600" b="0" i="0" u="none" strike="noStrike" cap="none" normalizeH="0" baseline="0" dirty="0" smtClean="0">
+                <a:ln>
+                  <a:noFill/>
+                </a:ln>
+                <a:solidFill>
+                  <a:schemeClr val="tx1"/>
+                </a:solidFill>
+                <a:effectLst/>
+                <a:latin typeface="Cambria" panose="02040503050406030204" pitchFamily="18" charset="0"/>
+              </a:rPr>
+              <a:t>-</a:t>
+            </a:r>
+            <a:r>
+              <a:rPr kumimoji="0" lang="fr-FR" altLang="fr-FR" sz="1600" b="0" i="0" u="none" strike="noStrike" cap="none" normalizeH="0" baseline="0" dirty="0" smtClean="0">
+                <a:ln>
+                  <a:noFill/>
+                </a:ln>
+                <a:solidFill>
+                  <a:srgbClr val="C0C0C0"/>
+                </a:solidFill>
+                <a:effectLst/>
+                <a:latin typeface="Cambria" panose="02040503050406030204" pitchFamily="18" charset="0"/>
+              </a:rPr>
+              <a:t> </a:t>
+            </a:r>
+            <a:r>
+              <a:rPr kumimoji="0" lang="fr-FR" altLang="fr-FR" sz="1600" b="0" i="0" u="none" strike="noStrike" cap="none" normalizeH="0" baseline="0" dirty="0" smtClean="0">
+                <a:ln>
+                  <a:noFill/>
+                </a:ln>
+                <a:solidFill>
+                  <a:srgbClr val="800000"/>
+                </a:solidFill>
+                <a:effectLst/>
+                <a:latin typeface="Cambria" panose="02040503050406030204" pitchFamily="18" charset="0"/>
+              </a:rPr>
+              <a:t>Tb</a:t>
+            </a:r>
+            <a:r>
+              <a:rPr kumimoji="0" lang="fr-FR" altLang="fr-FR" sz="1600" b="0" i="0" u="none" strike="noStrike" cap="none" normalizeH="0" baseline="0" dirty="0" smtClean="0">
+                <a:ln>
+                  <a:noFill/>
+                </a:ln>
+                <a:solidFill>
+                  <a:schemeClr val="tx1"/>
+                </a:solidFill>
+                <a:effectLst/>
+                <a:latin typeface="Cambria" panose="02040503050406030204" pitchFamily="18" charset="0"/>
+              </a:rPr>
+              <a:t>; </a:t>
+            </a:r>
+            <a:br>
+              <a:rPr kumimoji="0" lang="fr-FR" altLang="fr-FR" sz="1600" b="0" i="0" u="none" strike="noStrike" cap="none" normalizeH="0" baseline="0" dirty="0" smtClean="0">
+                <a:ln>
+                  <a:noFill/>
+                </a:ln>
+                <a:solidFill>
+                  <a:schemeClr val="tx1"/>
+                </a:solidFill>
+                <a:effectLst/>
+                <a:latin typeface="Cambria" panose="02040503050406030204" pitchFamily="18" charset="0"/>
+              </a:rPr>
+            </a:br>
+            <a:r>
+              <a:rPr kumimoji="0" lang="fr-FR" altLang="fr-FR" sz="1600" b="0" i="0" u="none" strike="noStrike" cap="none" normalizeH="0" baseline="0" dirty="0" smtClean="0">
+                <a:ln>
+                  <a:noFill/>
+                </a:ln>
+                <a:solidFill>
+                  <a:srgbClr val="800000"/>
+                </a:solidFill>
+                <a:effectLst/>
+                <a:latin typeface="Cambria" panose="02040503050406030204" pitchFamily="18" charset="0"/>
+              </a:rPr>
+              <a:t>TT</a:t>
+            </a:r>
+            <a:r>
+              <a:rPr kumimoji="0" lang="fr-FR" altLang="fr-FR" sz="1600" b="0" i="0" u="none" strike="noStrike" cap="none" normalizeH="0" baseline="0" dirty="0" smtClean="0">
+                <a:ln>
+                  <a:noFill/>
+                </a:ln>
+                <a:solidFill>
+                  <a:srgbClr val="C0C0C0"/>
+                </a:solidFill>
+                <a:effectLst/>
+                <a:latin typeface="Cambria" panose="02040503050406030204" pitchFamily="18" charset="0"/>
+              </a:rPr>
+              <a:t> </a:t>
+            </a:r>
+            <a:r>
+              <a:rPr kumimoji="0" lang="fr-FR" altLang="fr-FR" sz="1600" b="0" i="0" u="none" strike="noStrike" cap="none" normalizeH="0" baseline="0" dirty="0" smtClean="0">
+                <a:ln>
+                  <a:noFill/>
+                </a:ln>
+                <a:solidFill>
+                  <a:schemeClr val="tx1"/>
+                </a:solidFill>
+                <a:effectLst/>
+                <a:latin typeface="Cambria" panose="02040503050406030204" pitchFamily="18" charset="0"/>
+              </a:rPr>
+              <a:t>=</a:t>
+            </a:r>
+            <a:r>
+              <a:rPr kumimoji="0" lang="fr-FR" altLang="fr-FR" sz="1600" b="0" i="0" u="none" strike="noStrike" cap="none" normalizeH="0" baseline="0" dirty="0" smtClean="0">
+                <a:ln>
+                  <a:noFill/>
+                </a:ln>
+                <a:solidFill>
+                  <a:srgbClr val="C0C0C0"/>
+                </a:solidFill>
+                <a:effectLst/>
+                <a:latin typeface="Cambria" panose="02040503050406030204" pitchFamily="18" charset="0"/>
+              </a:rPr>
+              <a:t> </a:t>
+            </a:r>
+            <a:r>
+              <a:rPr kumimoji="0" lang="fr-FR" altLang="fr-FR" sz="1600" b="0" i="0" u="none" strike="noStrike" cap="none" normalizeH="0" baseline="0" dirty="0" smtClean="0">
+                <a:ln>
+                  <a:noFill/>
+                </a:ln>
+                <a:solidFill>
+                  <a:srgbClr val="800000"/>
+                </a:solidFill>
+                <a:effectLst/>
+                <a:latin typeface="Cambria" panose="02040503050406030204" pitchFamily="18" charset="0"/>
+              </a:rPr>
+              <a:t>TT</a:t>
+            </a:r>
+            <a:r>
+              <a:rPr kumimoji="0" lang="fr-FR" altLang="fr-FR" sz="1600" b="0" i="0" u="none" strike="noStrike" cap="none" normalizeH="0" baseline="0" dirty="0" smtClean="0">
+                <a:ln>
+                  <a:noFill/>
+                </a:ln>
+                <a:solidFill>
+                  <a:srgbClr val="C0C0C0"/>
+                </a:solidFill>
+                <a:effectLst/>
+                <a:latin typeface="Cambria" panose="02040503050406030204" pitchFamily="18" charset="0"/>
+              </a:rPr>
+              <a:t> </a:t>
+            </a:r>
+            <a:r>
+              <a:rPr kumimoji="0" lang="fr-FR" altLang="fr-FR" sz="1600" b="0" i="0" u="none" strike="noStrike" cap="none" normalizeH="0" baseline="0" dirty="0" smtClean="0">
+                <a:ln>
+                  <a:noFill/>
+                </a:ln>
+                <a:solidFill>
+                  <a:schemeClr val="tx1"/>
+                </a:solidFill>
+                <a:effectLst/>
+                <a:latin typeface="Cambria" panose="02040503050406030204" pitchFamily="18" charset="0"/>
+              </a:rPr>
+              <a:t>+</a:t>
+            </a:r>
+            <a:r>
+              <a:rPr kumimoji="0" lang="fr-FR" altLang="fr-FR" sz="1600" b="0" i="0" u="none" strike="noStrike" cap="none" normalizeH="0" baseline="0" dirty="0" smtClean="0">
+                <a:ln>
+                  <a:noFill/>
+                </a:ln>
+                <a:solidFill>
+                  <a:srgbClr val="C0C0C0"/>
+                </a:solidFill>
+                <a:effectLst/>
+                <a:latin typeface="Cambria" panose="02040503050406030204" pitchFamily="18" charset="0"/>
+              </a:rPr>
+              <a:t> </a:t>
+            </a:r>
+            <a:r>
+              <a:rPr kumimoji="0" lang="fr-FR" altLang="fr-FR" sz="1600" b="0" i="0" u="none" strike="noStrike" cap="none" normalizeH="0" baseline="0" dirty="0" err="1" smtClean="0">
+                <a:ln>
+                  <a:noFill/>
+                </a:ln>
+                <a:solidFill>
+                  <a:srgbClr val="800000"/>
+                </a:solidFill>
+                <a:effectLst/>
+                <a:latin typeface="Cambria" panose="02040503050406030204" pitchFamily="18" charset="0"/>
+              </a:rPr>
+              <a:t>deltaT</a:t>
+            </a:r>
+            <a:r>
+              <a:rPr kumimoji="0" lang="fr-FR" altLang="fr-FR" sz="1600" b="0" i="0" u="none" strike="noStrike" cap="none" normalizeH="0" baseline="0" dirty="0" smtClean="0">
+                <a:ln>
+                  <a:noFill/>
+                </a:ln>
+                <a:solidFill>
+                  <a:schemeClr val="tx1"/>
+                </a:solidFill>
+                <a:effectLst/>
+                <a:latin typeface="Cambria" panose="02040503050406030204" pitchFamily="18" charset="0"/>
+              </a:rPr>
+              <a:t>; </a:t>
+            </a:r>
+          </a:p>
+          <a:p>
+            <a:pPr eaLnBrk="0" fontAlgn="base" hangingPunct="0">
+              <a:spcBef>
+                <a:spcPct val="0"/>
+              </a:spcBef>
+              <a:spcAft>
+                <a:spcPct val="0"/>
+              </a:spcAft>
+            </a:pPr>
+            <a:r>
+              <a:rPr kumimoji="0" lang="fr-FR" altLang="fr-FR" sz="1600" b="0" i="0" u="none" strike="noStrike" cap="none" normalizeH="0" baseline="0" dirty="0" smtClean="0">
+                <a:ln>
+                  <a:noFill/>
+                </a:ln>
+                <a:solidFill>
+                  <a:schemeClr val="tx1"/>
+                </a:solidFill>
+                <a:effectLst/>
+                <a:latin typeface="Cambria" panose="02040503050406030204" pitchFamily="18" charset="0"/>
+              </a:rPr>
+              <a:t/>
+            </a:r>
+            <a:br>
+              <a:rPr kumimoji="0" lang="fr-FR" altLang="fr-FR" sz="1600" b="0" i="0" u="none" strike="noStrike" cap="none" normalizeH="0" baseline="0" dirty="0" smtClean="0">
+                <a:ln>
+                  <a:noFill/>
+                </a:ln>
+                <a:solidFill>
+                  <a:schemeClr val="tx1"/>
+                </a:solidFill>
+                <a:effectLst/>
+                <a:latin typeface="Cambria" panose="02040503050406030204" pitchFamily="18" charset="0"/>
+              </a:rPr>
+            </a:br>
+            <a:r>
+              <a:rPr kumimoji="0" lang="fr-FR" altLang="fr-FR" sz="1600" b="0" i="0" u="none" strike="noStrike" cap="none" normalizeH="0" baseline="0" dirty="0" smtClean="0">
+                <a:ln>
+                  <a:noFill/>
+                </a:ln>
+                <a:solidFill>
+                  <a:srgbClr val="808000"/>
+                </a:solidFill>
+                <a:effectLst/>
+                <a:latin typeface="Cambria" panose="02040503050406030204" pitchFamily="18" charset="0"/>
+              </a:rPr>
+              <a:t>if</a:t>
+            </a:r>
+            <a:r>
+              <a:rPr kumimoji="0" lang="fr-FR" altLang="fr-FR" sz="1600" b="0" i="0" u="none" strike="noStrike" cap="none" normalizeH="0" baseline="0" dirty="0" smtClean="0">
+                <a:ln>
+                  <a:noFill/>
+                </a:ln>
+                <a:solidFill>
+                  <a:srgbClr val="C0C0C0"/>
+                </a:solidFill>
+                <a:effectLst/>
+                <a:latin typeface="Cambria" panose="02040503050406030204" pitchFamily="18" charset="0"/>
+              </a:rPr>
+              <a:t> </a:t>
+            </a:r>
+            <a:r>
+              <a:rPr kumimoji="0" lang="fr-FR" altLang="fr-FR" sz="1600" b="0" i="0" u="none" strike="noStrike" cap="none" normalizeH="0" baseline="0" dirty="0" smtClean="0">
+                <a:ln>
+                  <a:noFill/>
+                </a:ln>
+                <a:solidFill>
+                  <a:schemeClr val="tx1"/>
+                </a:solidFill>
+                <a:effectLst/>
+                <a:latin typeface="Cambria" panose="02040503050406030204" pitchFamily="18" charset="0"/>
+              </a:rPr>
+              <a:t>(</a:t>
+            </a:r>
+            <a:r>
+              <a:rPr kumimoji="0" lang="fr-FR" altLang="fr-FR" sz="1600" b="0" i="0" u="none" strike="noStrike" cap="none" normalizeH="0" baseline="0" dirty="0" smtClean="0">
+                <a:ln>
+                  <a:noFill/>
+                </a:ln>
+                <a:solidFill>
+                  <a:srgbClr val="800080"/>
+                </a:solidFill>
+                <a:effectLst/>
+                <a:latin typeface="Cambria" panose="02040503050406030204" pitchFamily="18" charset="0"/>
+              </a:rPr>
+              <a:t>STOCKAVAILABLE</a:t>
+            </a:r>
+            <a:r>
+              <a:rPr kumimoji="0" lang="fr-FR" altLang="fr-FR" sz="1600" b="0" i="0" u="none" strike="noStrike" cap="none" normalizeH="0" baseline="0" dirty="0" smtClean="0">
+                <a:ln>
+                  <a:noFill/>
+                </a:ln>
+                <a:solidFill>
+                  <a:schemeClr val="tx1"/>
+                </a:solidFill>
+                <a:effectLst/>
+                <a:latin typeface="Cambria" panose="02040503050406030204" pitchFamily="18" charset="0"/>
+              </a:rPr>
+              <a:t>)</a:t>
+            </a:r>
+            <a:r>
+              <a:rPr kumimoji="0" lang="fr-FR" altLang="fr-FR" sz="1600" b="0" i="0" u="none" strike="noStrike" cap="none" normalizeH="0" baseline="0" dirty="0" smtClean="0">
+                <a:ln>
+                  <a:noFill/>
+                </a:ln>
+                <a:solidFill>
+                  <a:srgbClr val="C0C0C0"/>
+                </a:solidFill>
+                <a:effectLst/>
+                <a:latin typeface="Cambria" panose="02040503050406030204" pitchFamily="18" charset="0"/>
+              </a:rPr>
+              <a:t>  </a:t>
+            </a:r>
+            <a:r>
+              <a:rPr kumimoji="0" lang="fr-FR" altLang="fr-FR" sz="1600" b="0" i="0" u="none" strike="noStrike" cap="none" normalizeH="0" baseline="0" dirty="0" smtClean="0">
+                <a:ln>
+                  <a:noFill/>
+                </a:ln>
+                <a:solidFill>
+                  <a:schemeClr val="tx1"/>
+                </a:solidFill>
+                <a:effectLst/>
+                <a:latin typeface="Cambria" panose="02040503050406030204" pitchFamily="18" charset="0"/>
+              </a:rPr>
+              <a:t>{ </a:t>
+            </a:r>
+          </a:p>
+          <a:p>
+            <a:pPr marL="0" marR="0" lvl="0" indent="0" algn="l" defTabSz="914400" rtl="0" eaLnBrk="0" fontAlgn="base" latinLnBrk="0" hangingPunct="0">
+              <a:lnSpc>
+                <a:spcPct val="100000"/>
+              </a:lnSpc>
+              <a:spcBef>
+                <a:spcPct val="0"/>
+              </a:spcBef>
+              <a:spcAft>
+                <a:spcPct val="0"/>
+              </a:spcAft>
+              <a:buClrTx/>
+              <a:buSzTx/>
+              <a:buFontTx/>
+              <a:buNone/>
+              <a:tabLst/>
+            </a:pPr>
+            <a:r>
+              <a:rPr lang="fr-FR" altLang="fr-FR" sz="1600" dirty="0">
+                <a:latin typeface="Cambria" panose="02040503050406030204" pitchFamily="18" charset="0"/>
+              </a:rPr>
+              <a:t>	</a:t>
+            </a:r>
+            <a:r>
+              <a:rPr kumimoji="0" lang="fr-FR" altLang="fr-FR" sz="1600" b="0" i="0" u="none" strike="noStrike" cap="none" normalizeH="0" baseline="0" dirty="0" err="1" smtClean="0">
+                <a:ln>
+                  <a:noFill/>
+                </a:ln>
+                <a:solidFill>
+                  <a:schemeClr val="tx1"/>
+                </a:solidFill>
+                <a:effectLst/>
+                <a:latin typeface="Cambria" panose="02040503050406030204" pitchFamily="18" charset="0"/>
+              </a:rPr>
+              <a:t>tempDD</a:t>
+            </a:r>
+            <a:r>
+              <a:rPr kumimoji="0" lang="fr-FR" altLang="fr-FR" sz="1600" b="0" i="0" u="none" strike="noStrike" cap="none" normalizeH="0" baseline="0" dirty="0" smtClean="0">
+                <a:ln>
+                  <a:noFill/>
+                </a:ln>
+                <a:solidFill>
+                  <a:srgbClr val="C0C0C0"/>
+                </a:solidFill>
+                <a:effectLst/>
+                <a:latin typeface="Cambria" panose="02040503050406030204" pitchFamily="18" charset="0"/>
+              </a:rPr>
+              <a:t> </a:t>
+            </a:r>
+            <a:r>
+              <a:rPr kumimoji="0" lang="fr-FR" altLang="fr-FR" sz="1600" b="0" i="0" u="none" strike="noStrike" cap="none" normalizeH="0" baseline="0" dirty="0" smtClean="0">
+                <a:ln>
+                  <a:noFill/>
+                </a:ln>
+                <a:solidFill>
+                  <a:schemeClr val="tx1"/>
+                </a:solidFill>
+                <a:effectLst/>
+                <a:latin typeface="Cambria" panose="02040503050406030204" pitchFamily="18" charset="0"/>
+              </a:rPr>
+              <a:t>=</a:t>
+            </a:r>
+            <a:r>
+              <a:rPr kumimoji="0" lang="fr-FR" altLang="fr-FR" sz="1600" b="0" i="0" u="none" strike="noStrike" cap="none" normalizeH="0" baseline="0" dirty="0" smtClean="0">
+                <a:ln>
+                  <a:noFill/>
+                </a:ln>
+                <a:solidFill>
+                  <a:srgbClr val="C0C0C0"/>
+                </a:solidFill>
+                <a:effectLst/>
+                <a:latin typeface="Cambria" panose="02040503050406030204" pitchFamily="18" charset="0"/>
+              </a:rPr>
+              <a:t> </a:t>
+            </a:r>
+            <a:r>
+              <a:rPr kumimoji="0" lang="fr-FR" altLang="fr-FR" sz="1600" b="0" i="0" u="none" strike="noStrike" cap="none" normalizeH="0" baseline="0" dirty="0" smtClean="0">
+                <a:ln>
+                  <a:noFill/>
+                </a:ln>
+                <a:solidFill>
+                  <a:srgbClr val="800000"/>
+                </a:solidFill>
+                <a:effectLst/>
+                <a:latin typeface="Cambria" panose="02040503050406030204" pitchFamily="18" charset="0"/>
+              </a:rPr>
+              <a:t>DD</a:t>
+            </a:r>
+            <a:r>
+              <a:rPr kumimoji="0" lang="fr-FR" altLang="fr-FR" sz="1600" b="0" i="0" u="none" strike="noStrike" cap="none" normalizeH="0" baseline="0" dirty="0" smtClean="0">
+                <a:ln>
+                  <a:noFill/>
+                </a:ln>
+                <a:solidFill>
+                  <a:srgbClr val="C0C0C0"/>
+                </a:solidFill>
+                <a:effectLst/>
+                <a:latin typeface="Cambria" panose="02040503050406030204" pitchFamily="18" charset="0"/>
+              </a:rPr>
+              <a:t> </a:t>
+            </a:r>
+            <a:r>
+              <a:rPr kumimoji="0" lang="fr-FR" altLang="fr-FR" sz="1600" b="0" i="0" u="none" strike="noStrike" cap="none" normalizeH="0" baseline="0" dirty="0" smtClean="0">
+                <a:ln>
+                  <a:noFill/>
+                </a:ln>
+                <a:solidFill>
+                  <a:schemeClr val="tx1"/>
+                </a:solidFill>
+                <a:effectLst/>
+                <a:latin typeface="Cambria" panose="02040503050406030204" pitchFamily="18" charset="0"/>
+              </a:rPr>
+              <a:t>+</a:t>
+            </a:r>
+            <a:r>
+              <a:rPr kumimoji="0" lang="fr-FR" altLang="fr-FR" sz="1600" b="0" i="0" u="none" strike="noStrike" cap="none" normalizeH="0" baseline="0" dirty="0" smtClean="0">
+                <a:ln>
+                  <a:noFill/>
+                </a:ln>
+                <a:solidFill>
+                  <a:srgbClr val="C0C0C0"/>
+                </a:solidFill>
+                <a:effectLst/>
+                <a:latin typeface="Cambria" panose="02040503050406030204" pitchFamily="18" charset="0"/>
+              </a:rPr>
+              <a:t> </a:t>
+            </a:r>
+            <a:r>
+              <a:rPr kumimoji="0" lang="fr-FR" altLang="fr-FR" sz="1600" b="0" i="0" u="none" strike="noStrike" cap="none" normalizeH="0" baseline="0" dirty="0" err="1" smtClean="0">
+                <a:ln>
+                  <a:noFill/>
+                </a:ln>
+                <a:solidFill>
+                  <a:srgbClr val="800000"/>
+                </a:solidFill>
+                <a:effectLst/>
+                <a:latin typeface="Cambria" panose="02040503050406030204" pitchFamily="18" charset="0"/>
+              </a:rPr>
+              <a:t>deltaT</a:t>
+            </a:r>
+            <a:r>
+              <a:rPr kumimoji="0" lang="fr-FR" altLang="fr-FR" sz="1600" b="0" i="0" u="none" strike="noStrike" cap="none" normalizeH="0" baseline="0" dirty="0" smtClean="0">
+                <a:ln>
+                  <a:noFill/>
+                </a:ln>
+                <a:solidFill>
+                  <a:srgbClr val="C0C0C0"/>
+                </a:solidFill>
+                <a:effectLst/>
+                <a:latin typeface="Cambria" panose="02040503050406030204" pitchFamily="18" charset="0"/>
+              </a:rPr>
+              <a:t> </a:t>
+            </a:r>
+            <a:r>
+              <a:rPr kumimoji="0" lang="fr-FR" altLang="fr-FR" sz="1600" b="0" i="0" u="none" strike="noStrike" cap="none" normalizeH="0" baseline="0" dirty="0" smtClean="0">
+                <a:ln>
+                  <a:noFill/>
+                </a:ln>
+                <a:solidFill>
+                  <a:schemeClr val="tx1"/>
+                </a:solidFill>
+                <a:effectLst/>
+                <a:latin typeface="Cambria" panose="02040503050406030204" pitchFamily="18" charset="0"/>
+              </a:rPr>
+              <a:t>+</a:t>
+            </a:r>
+            <a:r>
+              <a:rPr kumimoji="0" lang="fr-FR" altLang="fr-FR" sz="1600" b="0" i="0" u="none" strike="noStrike" cap="none" normalizeH="0" baseline="0" dirty="0" smtClean="0">
+                <a:ln>
+                  <a:noFill/>
+                </a:ln>
+                <a:solidFill>
+                  <a:srgbClr val="C0C0C0"/>
+                </a:solidFill>
+                <a:effectLst/>
+                <a:latin typeface="Cambria" panose="02040503050406030204" pitchFamily="18" charset="0"/>
+              </a:rPr>
+              <a:t> </a:t>
+            </a:r>
+            <a:r>
+              <a:rPr kumimoji="0" lang="fr-FR" altLang="fr-FR" sz="1600" b="0" i="0" u="none" strike="noStrike" cap="none" normalizeH="0" baseline="0" dirty="0" err="1" smtClean="0">
+                <a:ln>
+                  <a:noFill/>
+                </a:ln>
+                <a:solidFill>
+                  <a:srgbClr val="800000"/>
+                </a:solidFill>
+                <a:effectLst/>
+                <a:latin typeface="Cambria" panose="02040503050406030204" pitchFamily="18" charset="0"/>
+              </a:rPr>
+              <a:t>plastodelay</a:t>
+            </a:r>
+            <a:r>
+              <a:rPr kumimoji="0" lang="fr-FR" altLang="fr-FR" sz="1600" b="0" i="0" u="none" strike="noStrike" cap="none" normalizeH="0" baseline="0" dirty="0" smtClean="0">
+                <a:ln>
+                  <a:noFill/>
+                </a:ln>
+                <a:solidFill>
+                  <a:schemeClr val="tx1"/>
+                </a:solidFill>
+                <a:effectLst/>
+                <a:latin typeface="Cambria" panose="02040503050406030204" pitchFamily="18" charset="0"/>
+              </a:rPr>
+              <a:t>; </a:t>
+            </a:r>
+            <a:br>
+              <a:rPr kumimoji="0" lang="fr-FR" altLang="fr-FR" sz="1600" b="0" i="0" u="none" strike="noStrike" cap="none" normalizeH="0" baseline="0" dirty="0" smtClean="0">
+                <a:ln>
+                  <a:noFill/>
+                </a:ln>
+                <a:solidFill>
+                  <a:schemeClr val="tx1"/>
+                </a:solidFill>
+                <a:effectLst/>
+                <a:latin typeface="Cambria" panose="02040503050406030204" pitchFamily="18" charset="0"/>
+              </a:rPr>
+            </a:br>
+            <a:r>
+              <a:rPr kumimoji="0" lang="fr-FR" altLang="fr-FR" sz="1600" b="0" i="0" u="none" strike="noStrike" cap="none" normalizeH="0" baseline="0" dirty="0" smtClean="0">
+                <a:ln>
+                  <a:noFill/>
+                </a:ln>
+                <a:solidFill>
+                  <a:schemeClr val="tx1"/>
+                </a:solidFill>
+                <a:effectLst/>
+                <a:latin typeface="Cambria" panose="02040503050406030204" pitchFamily="18" charset="0"/>
+              </a:rPr>
+              <a:t>	</a:t>
+            </a:r>
+            <a:r>
+              <a:rPr kumimoji="0" lang="fr-FR" altLang="fr-FR" sz="1600" b="0" i="0" u="none" strike="noStrike" cap="none" normalizeH="0" baseline="0" dirty="0" err="1" smtClean="0">
+                <a:ln>
+                  <a:noFill/>
+                </a:ln>
+                <a:solidFill>
+                  <a:srgbClr val="800000"/>
+                </a:solidFill>
+                <a:effectLst/>
+                <a:latin typeface="Cambria" panose="02040503050406030204" pitchFamily="18" charset="0"/>
+              </a:rPr>
+              <a:t>boolCrossedPlasto</a:t>
+            </a:r>
+            <a:r>
+              <a:rPr kumimoji="0" lang="fr-FR" altLang="fr-FR" sz="1600" b="0" i="0" u="none" strike="noStrike" cap="none" normalizeH="0" baseline="0" dirty="0" smtClean="0">
+                <a:ln>
+                  <a:noFill/>
+                </a:ln>
+                <a:solidFill>
+                  <a:srgbClr val="C0C0C0"/>
+                </a:solidFill>
+                <a:effectLst/>
+                <a:latin typeface="Cambria" panose="02040503050406030204" pitchFamily="18" charset="0"/>
+              </a:rPr>
+              <a:t> </a:t>
+            </a:r>
+            <a:r>
+              <a:rPr kumimoji="0" lang="fr-FR" altLang="fr-FR" sz="1600" b="0" i="0" u="none" strike="noStrike" cap="none" normalizeH="0" baseline="0" dirty="0" smtClean="0">
+                <a:ln>
+                  <a:noFill/>
+                </a:ln>
+                <a:solidFill>
+                  <a:schemeClr val="tx1"/>
+                </a:solidFill>
+                <a:effectLst/>
+                <a:latin typeface="Cambria" panose="02040503050406030204" pitchFamily="18" charset="0"/>
+              </a:rPr>
+              <a:t>=</a:t>
+            </a:r>
+            <a:r>
+              <a:rPr kumimoji="0" lang="fr-FR" altLang="fr-FR" sz="1600" b="0" i="0" u="none" strike="noStrike" cap="none" normalizeH="0" baseline="0" dirty="0" smtClean="0">
+                <a:ln>
+                  <a:noFill/>
+                </a:ln>
+                <a:solidFill>
+                  <a:srgbClr val="C0C0C0"/>
+                </a:solidFill>
+                <a:effectLst/>
+                <a:latin typeface="Cambria" panose="02040503050406030204" pitchFamily="18" charset="0"/>
+              </a:rPr>
+              <a:t> </a:t>
+            </a:r>
+            <a:r>
+              <a:rPr kumimoji="0" lang="fr-FR" altLang="fr-FR" sz="1600" b="0" i="0" u="none" strike="noStrike" cap="none" normalizeH="0" baseline="0" dirty="0" err="1" smtClean="0">
+                <a:ln>
+                  <a:noFill/>
+                </a:ln>
+                <a:solidFill>
+                  <a:schemeClr val="tx1"/>
+                </a:solidFill>
+                <a:effectLst/>
+                <a:latin typeface="Cambria" panose="02040503050406030204" pitchFamily="18" charset="0"/>
+              </a:rPr>
+              <a:t>tempDD</a:t>
+            </a:r>
+            <a:r>
+              <a:rPr kumimoji="0" lang="fr-FR" altLang="fr-FR" sz="1600" b="0" i="0" u="none" strike="noStrike" cap="none" normalizeH="0" baseline="0" dirty="0" smtClean="0">
+                <a:ln>
+                  <a:noFill/>
+                </a:ln>
+                <a:solidFill>
+                  <a:srgbClr val="C0C0C0"/>
+                </a:solidFill>
+                <a:effectLst/>
+                <a:latin typeface="Cambria" panose="02040503050406030204" pitchFamily="18" charset="0"/>
+              </a:rPr>
+              <a:t> </a:t>
+            </a:r>
+            <a:r>
+              <a:rPr kumimoji="0" lang="fr-FR" altLang="fr-FR" sz="1600" b="0" i="0" u="none" strike="noStrike" cap="none" normalizeH="0" baseline="0" dirty="0" smtClean="0">
+                <a:ln>
+                  <a:noFill/>
+                </a:ln>
+                <a:solidFill>
+                  <a:schemeClr val="tx1"/>
+                </a:solidFill>
+                <a:effectLst/>
+                <a:latin typeface="Cambria" panose="02040503050406030204" pitchFamily="18" charset="0"/>
+              </a:rPr>
+              <a:t>-</a:t>
+            </a:r>
+            <a:r>
+              <a:rPr kumimoji="0" lang="fr-FR" altLang="fr-FR" sz="1600" b="0" i="0" u="none" strike="noStrike" cap="none" normalizeH="0" baseline="0" dirty="0" smtClean="0">
+                <a:ln>
+                  <a:noFill/>
+                </a:ln>
+                <a:solidFill>
+                  <a:srgbClr val="C0C0C0"/>
+                </a:solidFill>
+                <a:effectLst/>
+                <a:latin typeface="Cambria" panose="02040503050406030204" pitchFamily="18" charset="0"/>
+              </a:rPr>
+              <a:t> </a:t>
+            </a:r>
+            <a:r>
+              <a:rPr kumimoji="0" lang="fr-FR" altLang="fr-FR" sz="1600" b="0" i="0" u="none" strike="noStrike" cap="none" normalizeH="0" baseline="0" dirty="0" err="1" smtClean="0">
+                <a:ln>
+                  <a:noFill/>
+                </a:ln>
+                <a:solidFill>
+                  <a:srgbClr val="800000"/>
+                </a:solidFill>
+                <a:effectLst/>
+                <a:latin typeface="Cambria" panose="02040503050406030204" pitchFamily="18" charset="0"/>
+              </a:rPr>
+              <a:t>plasto</a:t>
+            </a:r>
+            <a:r>
+              <a:rPr kumimoji="0" lang="fr-FR" altLang="fr-FR" sz="1600" b="0" i="0" u="none" strike="noStrike" cap="none" normalizeH="0" baseline="0" dirty="0" smtClean="0">
+                <a:ln>
+                  <a:noFill/>
+                </a:ln>
+                <a:solidFill>
+                  <a:schemeClr val="tx1"/>
+                </a:solidFill>
+                <a:effectLst/>
+                <a:latin typeface="Cambria" panose="02040503050406030204" pitchFamily="18" charset="0"/>
+              </a:rPr>
+              <a:t>; </a:t>
+            </a:r>
+          </a:p>
+          <a:p>
+            <a:pPr lvl="0" eaLnBrk="0" fontAlgn="base" hangingPunct="0">
+              <a:spcBef>
+                <a:spcPct val="0"/>
+              </a:spcBef>
+              <a:spcAft>
+                <a:spcPct val="0"/>
+              </a:spcAft>
+            </a:pPr>
+            <a:r>
+              <a:rPr kumimoji="0" lang="fr-FR" altLang="fr-FR" sz="1600" b="0" i="0" u="none" strike="noStrike" cap="none" normalizeH="0" baseline="0" dirty="0" smtClean="0">
+                <a:ln>
+                  <a:noFill/>
+                </a:ln>
+                <a:solidFill>
+                  <a:srgbClr val="800000"/>
+                </a:solidFill>
+                <a:effectLst/>
+                <a:latin typeface="Cambria" panose="02040503050406030204" pitchFamily="18" charset="0"/>
+              </a:rPr>
+              <a:t>	</a:t>
+            </a:r>
+            <a:r>
+              <a:rPr kumimoji="0" lang="fr-FR" altLang="fr-FR" sz="1600" b="0" i="0" u="none" strike="noStrike" cap="none" normalizeH="0" baseline="0" dirty="0" err="1" smtClean="0">
+                <a:ln>
+                  <a:noFill/>
+                </a:ln>
+                <a:solidFill>
+                  <a:srgbClr val="800000"/>
+                </a:solidFill>
+                <a:effectLst/>
+                <a:latin typeface="Cambria" panose="02040503050406030204" pitchFamily="18" charset="0"/>
+              </a:rPr>
+              <a:t>plastoVisu</a:t>
+            </a:r>
+            <a:r>
+              <a:rPr kumimoji="0" lang="fr-FR" altLang="fr-FR" sz="1600" b="0" i="0" u="none" strike="noStrike" cap="none" normalizeH="0" baseline="0" dirty="0" smtClean="0">
+                <a:ln>
+                  <a:noFill/>
+                </a:ln>
+                <a:solidFill>
+                  <a:srgbClr val="C0C0C0"/>
+                </a:solidFill>
+                <a:effectLst/>
+                <a:latin typeface="Cambria" panose="02040503050406030204" pitchFamily="18" charset="0"/>
+              </a:rPr>
+              <a:t> </a:t>
+            </a:r>
+            <a:r>
+              <a:rPr kumimoji="0" lang="fr-FR" altLang="fr-FR" sz="1600" b="0" i="0" u="none" strike="noStrike" cap="none" normalizeH="0" baseline="0" dirty="0" smtClean="0">
+                <a:ln>
+                  <a:noFill/>
+                </a:ln>
+                <a:solidFill>
+                  <a:schemeClr val="tx1"/>
+                </a:solidFill>
+                <a:effectLst/>
+                <a:latin typeface="Cambria" panose="02040503050406030204" pitchFamily="18" charset="0"/>
+              </a:rPr>
+              <a:t>=</a:t>
+            </a:r>
+            <a:r>
+              <a:rPr kumimoji="0" lang="fr-FR" altLang="fr-FR" sz="1600" b="0" i="0" u="none" strike="noStrike" cap="none" normalizeH="0" baseline="0" dirty="0" smtClean="0">
+                <a:ln>
+                  <a:noFill/>
+                </a:ln>
+                <a:solidFill>
+                  <a:srgbClr val="C0C0C0"/>
+                </a:solidFill>
+                <a:effectLst/>
+                <a:latin typeface="Cambria" panose="02040503050406030204" pitchFamily="18" charset="0"/>
+              </a:rPr>
+              <a:t> </a:t>
+            </a:r>
+            <a:r>
+              <a:rPr kumimoji="0" lang="fr-FR" altLang="fr-FR" sz="1600" b="0" i="0" u="none" strike="noStrike" cap="none" normalizeH="0" baseline="0" dirty="0" err="1" smtClean="0">
+                <a:ln>
+                  <a:noFill/>
+                </a:ln>
+                <a:solidFill>
+                  <a:srgbClr val="800000"/>
+                </a:solidFill>
+                <a:effectLst/>
+                <a:latin typeface="Cambria" panose="02040503050406030204" pitchFamily="18" charset="0"/>
+              </a:rPr>
+              <a:t>plastoVisu</a:t>
+            </a:r>
+            <a:r>
+              <a:rPr kumimoji="0" lang="fr-FR" altLang="fr-FR" sz="1600" b="0" i="0" u="none" strike="noStrike" cap="none" normalizeH="0" baseline="0" dirty="0" smtClean="0">
+                <a:ln>
+                  <a:noFill/>
+                </a:ln>
+                <a:solidFill>
+                  <a:srgbClr val="C0C0C0"/>
+                </a:solidFill>
+                <a:effectLst/>
+                <a:latin typeface="Cambria" panose="02040503050406030204" pitchFamily="18" charset="0"/>
+              </a:rPr>
+              <a:t> </a:t>
+            </a:r>
+            <a:r>
+              <a:rPr kumimoji="0" lang="fr-FR" altLang="fr-FR" sz="1600" b="0" i="0" u="none" strike="noStrike" cap="none" normalizeH="0" baseline="0" dirty="0" smtClean="0">
+                <a:ln>
+                  <a:noFill/>
+                </a:ln>
+                <a:solidFill>
+                  <a:schemeClr val="tx1"/>
+                </a:solidFill>
+                <a:effectLst/>
+                <a:latin typeface="Cambria" panose="02040503050406030204" pitchFamily="18" charset="0"/>
+              </a:rPr>
+              <a:t>-</a:t>
+            </a:r>
+            <a:r>
+              <a:rPr kumimoji="0" lang="fr-FR" altLang="fr-FR" sz="1600" b="0" i="0" u="none" strike="noStrike" cap="none" normalizeH="0" baseline="0" dirty="0" smtClean="0">
+                <a:ln>
+                  <a:noFill/>
+                </a:ln>
+                <a:solidFill>
+                  <a:srgbClr val="C0C0C0"/>
+                </a:solidFill>
+                <a:effectLst/>
+                <a:latin typeface="Cambria" panose="02040503050406030204" pitchFamily="18" charset="0"/>
+              </a:rPr>
+              <a:t> </a:t>
+            </a:r>
+            <a:r>
+              <a:rPr kumimoji="0" lang="fr-FR" altLang="fr-FR" sz="1600" b="0" i="0" u="none" strike="noStrike" cap="none" normalizeH="0" baseline="0" dirty="0" err="1" smtClean="0">
+                <a:ln>
+                  <a:noFill/>
+                </a:ln>
+                <a:solidFill>
+                  <a:srgbClr val="800000"/>
+                </a:solidFill>
+                <a:effectLst/>
+                <a:latin typeface="Cambria" panose="02040503050406030204" pitchFamily="18" charset="0"/>
+              </a:rPr>
+              <a:t>plastodelay</a:t>
+            </a:r>
+            <a:r>
+              <a:rPr kumimoji="0" lang="fr-FR" altLang="fr-FR" sz="1600" b="0" i="0" u="none" strike="noStrike" cap="none" normalizeH="0" baseline="0" dirty="0" smtClean="0">
+                <a:ln>
+                  <a:noFill/>
+                </a:ln>
+                <a:solidFill>
+                  <a:schemeClr val="tx1"/>
+                </a:solidFill>
+                <a:effectLst/>
+                <a:latin typeface="Cambria" panose="02040503050406030204" pitchFamily="18" charset="0"/>
+              </a:rPr>
+              <a:t>;</a:t>
+            </a:r>
+          </a:p>
+          <a:p>
+            <a:pPr lvl="0" eaLnBrk="0" fontAlgn="base" hangingPunct="0">
+              <a:spcBef>
+                <a:spcPct val="0"/>
+              </a:spcBef>
+              <a:spcAft>
+                <a:spcPct val="0"/>
+              </a:spcAft>
+            </a:pPr>
+            <a:r>
+              <a:rPr kumimoji="0" lang="fr-FR" altLang="fr-FR" sz="1600" b="0" i="0" u="none" strike="noStrike" cap="none" normalizeH="0" baseline="0" dirty="0" smtClean="0">
+                <a:ln>
+                  <a:noFill/>
+                </a:ln>
+                <a:solidFill>
+                  <a:srgbClr val="800000"/>
+                </a:solidFill>
+                <a:effectLst/>
+                <a:latin typeface="Cambria" panose="02040503050406030204" pitchFamily="18" charset="0"/>
+              </a:rPr>
+              <a:t>	</a:t>
+            </a:r>
+            <a:r>
+              <a:rPr kumimoji="0" lang="fr-FR" altLang="fr-FR" sz="1600" b="0" i="0" u="none" strike="noStrike" cap="none" normalizeH="0" baseline="0" dirty="0" err="1" smtClean="0">
+                <a:ln>
+                  <a:noFill/>
+                </a:ln>
+                <a:solidFill>
+                  <a:srgbClr val="800000"/>
+                </a:solidFill>
+                <a:effectLst/>
+                <a:latin typeface="Cambria" panose="02040503050406030204" pitchFamily="18" charset="0"/>
+              </a:rPr>
+              <a:t>liguloVisu</a:t>
+            </a:r>
+            <a:r>
+              <a:rPr kumimoji="0" lang="fr-FR" altLang="fr-FR" sz="1600" b="0" i="0" u="none" strike="noStrike" cap="none" normalizeH="0" baseline="0" dirty="0" smtClean="0">
+                <a:ln>
+                  <a:noFill/>
+                </a:ln>
+                <a:solidFill>
+                  <a:srgbClr val="C0C0C0"/>
+                </a:solidFill>
+                <a:effectLst/>
+                <a:latin typeface="Cambria" panose="02040503050406030204" pitchFamily="18" charset="0"/>
+              </a:rPr>
+              <a:t> </a:t>
+            </a:r>
+            <a:r>
+              <a:rPr kumimoji="0" lang="fr-FR" altLang="fr-FR" sz="1600" b="0" i="0" u="none" strike="noStrike" cap="none" normalizeH="0" baseline="0" dirty="0" smtClean="0">
+                <a:ln>
+                  <a:noFill/>
+                </a:ln>
+                <a:solidFill>
+                  <a:schemeClr val="tx1"/>
+                </a:solidFill>
+                <a:effectLst/>
+                <a:latin typeface="Cambria" panose="02040503050406030204" pitchFamily="18" charset="0"/>
+              </a:rPr>
+              <a:t>=</a:t>
+            </a:r>
+            <a:r>
+              <a:rPr kumimoji="0" lang="fr-FR" altLang="fr-FR" sz="1600" b="0" i="0" u="none" strike="noStrike" cap="none" normalizeH="0" baseline="0" dirty="0" smtClean="0">
+                <a:ln>
+                  <a:noFill/>
+                </a:ln>
+                <a:solidFill>
+                  <a:srgbClr val="C0C0C0"/>
+                </a:solidFill>
+                <a:effectLst/>
+                <a:latin typeface="Cambria" panose="02040503050406030204" pitchFamily="18" charset="0"/>
+              </a:rPr>
+              <a:t> </a:t>
+            </a:r>
+            <a:r>
+              <a:rPr kumimoji="0" lang="fr-FR" altLang="fr-FR" sz="1600" b="0" i="0" u="none" strike="noStrike" cap="none" normalizeH="0" baseline="0" dirty="0" err="1" smtClean="0">
+                <a:ln>
+                  <a:noFill/>
+                </a:ln>
+                <a:solidFill>
+                  <a:srgbClr val="800000"/>
+                </a:solidFill>
+                <a:effectLst/>
+                <a:latin typeface="Cambria" panose="02040503050406030204" pitchFamily="18" charset="0"/>
+              </a:rPr>
+              <a:t>liguloVisu</a:t>
+            </a:r>
+            <a:r>
+              <a:rPr kumimoji="0" lang="fr-FR" altLang="fr-FR" sz="1600" b="0" i="0" u="none" strike="noStrike" cap="none" normalizeH="0" baseline="0" dirty="0" smtClean="0">
+                <a:ln>
+                  <a:noFill/>
+                </a:ln>
+                <a:solidFill>
+                  <a:srgbClr val="C0C0C0"/>
+                </a:solidFill>
+                <a:effectLst/>
+                <a:latin typeface="Cambria" panose="02040503050406030204" pitchFamily="18" charset="0"/>
+              </a:rPr>
+              <a:t> </a:t>
+            </a:r>
+            <a:r>
+              <a:rPr kumimoji="0" lang="fr-FR" altLang="fr-FR" sz="1600" b="0" i="0" u="none" strike="noStrike" cap="none" normalizeH="0" baseline="0" dirty="0" smtClean="0">
+                <a:ln>
+                  <a:noFill/>
+                </a:ln>
+                <a:solidFill>
+                  <a:schemeClr val="tx1"/>
+                </a:solidFill>
+                <a:effectLst/>
+                <a:latin typeface="Cambria" panose="02040503050406030204" pitchFamily="18" charset="0"/>
+              </a:rPr>
+              <a:t>-</a:t>
+            </a:r>
+            <a:r>
+              <a:rPr kumimoji="0" lang="fr-FR" altLang="fr-FR" sz="1600" b="0" i="0" u="none" strike="noStrike" cap="none" normalizeH="0" baseline="0" dirty="0" smtClean="0">
+                <a:ln>
+                  <a:noFill/>
+                </a:ln>
+                <a:solidFill>
+                  <a:srgbClr val="C0C0C0"/>
+                </a:solidFill>
+                <a:effectLst/>
+                <a:latin typeface="Cambria" panose="02040503050406030204" pitchFamily="18" charset="0"/>
+              </a:rPr>
+              <a:t> </a:t>
+            </a:r>
+            <a:r>
+              <a:rPr kumimoji="0" lang="fr-FR" altLang="fr-FR" sz="1600" b="0" i="0" u="none" strike="noStrike" cap="none" normalizeH="0" baseline="0" dirty="0" err="1" smtClean="0">
+                <a:ln>
+                  <a:noFill/>
+                </a:ln>
+                <a:solidFill>
+                  <a:srgbClr val="800000"/>
+                </a:solidFill>
+                <a:effectLst/>
+                <a:latin typeface="Cambria" panose="02040503050406030204" pitchFamily="18" charset="0"/>
+              </a:rPr>
+              <a:t>plastodelay</a:t>
+            </a:r>
+            <a:r>
+              <a:rPr kumimoji="0" lang="fr-FR" altLang="fr-FR" sz="1600" b="0" i="0" u="none" strike="noStrike" cap="none" normalizeH="0" baseline="0" dirty="0" smtClean="0">
+                <a:ln>
+                  <a:noFill/>
+                </a:ln>
+                <a:solidFill>
+                  <a:schemeClr val="tx1"/>
+                </a:solidFill>
+                <a:effectLst/>
+                <a:latin typeface="Cambria" panose="02040503050406030204" pitchFamily="18" charset="0"/>
+              </a:rPr>
+              <a:t>;</a:t>
+            </a:r>
+            <a:br>
+              <a:rPr kumimoji="0" lang="fr-FR" altLang="fr-FR" sz="1600" b="0" i="0" u="none" strike="noStrike" cap="none" normalizeH="0" baseline="0" dirty="0" smtClean="0">
+                <a:ln>
+                  <a:noFill/>
+                </a:ln>
+                <a:solidFill>
+                  <a:schemeClr val="tx1"/>
+                </a:solidFill>
+                <a:effectLst/>
+                <a:latin typeface="Cambria" panose="02040503050406030204" pitchFamily="18" charset="0"/>
+              </a:rPr>
+            </a:br>
+            <a:endParaRPr kumimoji="0" lang="fr-FR" altLang="fr-FR" sz="1600" b="0" i="0" u="none" strike="noStrike" cap="none" normalizeH="0" baseline="0" dirty="0" smtClean="0">
+              <a:ln>
+                <a:noFill/>
+              </a:ln>
+              <a:solidFill>
+                <a:schemeClr val="tx1"/>
+              </a:solidFill>
+              <a:effectLst/>
+              <a:latin typeface="Cambria" panose="02040503050406030204" pitchFamily="18" charset="0"/>
+            </a:endParaRPr>
+          </a:p>
+          <a:p>
+            <a:pPr lvl="0" eaLnBrk="0" fontAlgn="base" hangingPunct="0">
+              <a:spcBef>
+                <a:spcPct val="0"/>
+              </a:spcBef>
+              <a:spcAft>
+                <a:spcPct val="0"/>
+              </a:spcAft>
+            </a:pPr>
+            <a:r>
+              <a:rPr lang="fr-FR" altLang="fr-FR" sz="1600" dirty="0">
+                <a:latin typeface="Cambria" panose="02040503050406030204" pitchFamily="18" charset="0"/>
+              </a:rPr>
+              <a:t>	</a:t>
+            </a:r>
+            <a:r>
+              <a:rPr kumimoji="0" lang="fr-FR" altLang="fr-FR" sz="1600" b="0" i="0" u="none" strike="noStrike" cap="none" normalizeH="0" baseline="0" dirty="0" smtClean="0">
+                <a:ln>
+                  <a:noFill/>
+                </a:ln>
+                <a:solidFill>
+                  <a:srgbClr val="808000"/>
+                </a:solidFill>
+                <a:effectLst/>
+                <a:latin typeface="Cambria" panose="02040503050406030204" pitchFamily="18" charset="0"/>
+              </a:rPr>
+              <a:t> if</a:t>
+            </a:r>
+            <a:r>
+              <a:rPr kumimoji="0" lang="fr-FR" altLang="fr-FR" sz="1600" b="0" i="0" u="none" strike="noStrike" cap="none" normalizeH="0" baseline="0" dirty="0" smtClean="0">
+                <a:ln>
+                  <a:noFill/>
+                </a:ln>
+                <a:solidFill>
+                  <a:srgbClr val="C0C0C0"/>
+                </a:solidFill>
+                <a:effectLst/>
+                <a:latin typeface="Cambria" panose="02040503050406030204" pitchFamily="18" charset="0"/>
+              </a:rPr>
+              <a:t> </a:t>
+            </a:r>
+            <a:r>
+              <a:rPr kumimoji="0" lang="fr-FR" altLang="fr-FR" sz="1600" b="0" i="0" u="none" strike="noStrike" cap="none" normalizeH="0" baseline="0" dirty="0" smtClean="0">
+                <a:ln>
+                  <a:noFill/>
+                </a:ln>
+                <a:solidFill>
+                  <a:schemeClr val="tx1"/>
+                </a:solidFill>
+                <a:effectLst/>
+                <a:latin typeface="Cambria" panose="02040503050406030204" pitchFamily="18" charset="0"/>
+              </a:rPr>
+              <a:t>(</a:t>
+            </a:r>
+            <a:r>
+              <a:rPr kumimoji="0" lang="fr-FR" altLang="fr-FR" sz="1600" b="0" i="0" u="none" strike="noStrike" cap="none" normalizeH="0" baseline="0" dirty="0" err="1" smtClean="0">
+                <a:ln>
+                  <a:noFill/>
+                </a:ln>
+                <a:solidFill>
+                  <a:srgbClr val="800000"/>
+                </a:solidFill>
+                <a:effectLst/>
+                <a:latin typeface="Cambria" panose="02040503050406030204" pitchFamily="18" charset="0"/>
+              </a:rPr>
+              <a:t>boolCrossedPlasto</a:t>
+            </a:r>
+            <a:r>
+              <a:rPr kumimoji="0" lang="fr-FR" altLang="fr-FR" sz="1600" b="0" i="0" u="none" strike="noStrike" cap="none" normalizeH="0" baseline="0" dirty="0" smtClean="0">
+                <a:ln>
+                  <a:noFill/>
+                </a:ln>
+                <a:solidFill>
+                  <a:srgbClr val="C0C0C0"/>
+                </a:solidFill>
+                <a:effectLst/>
+                <a:latin typeface="Cambria" panose="02040503050406030204" pitchFamily="18" charset="0"/>
+              </a:rPr>
+              <a:t> </a:t>
+            </a:r>
+            <a:r>
+              <a:rPr kumimoji="0" lang="fr-FR" altLang="fr-FR" sz="1600" b="0" i="0" u="none" strike="noStrike" cap="none" normalizeH="0" baseline="0" dirty="0" smtClean="0">
+                <a:ln>
+                  <a:noFill/>
+                </a:ln>
+                <a:solidFill>
+                  <a:schemeClr val="tx1"/>
+                </a:solidFill>
+                <a:effectLst/>
+                <a:latin typeface="Cambria" panose="02040503050406030204" pitchFamily="18" charset="0"/>
+              </a:rPr>
+              <a:t>&gt;=</a:t>
+            </a:r>
+            <a:r>
+              <a:rPr kumimoji="0" lang="fr-FR" altLang="fr-FR" sz="1600" b="0" i="0" u="none" strike="noStrike" cap="none" normalizeH="0" baseline="0" dirty="0" smtClean="0">
+                <a:ln>
+                  <a:noFill/>
+                </a:ln>
+                <a:solidFill>
+                  <a:srgbClr val="C0C0C0"/>
+                </a:solidFill>
+                <a:effectLst/>
+                <a:latin typeface="Cambria" panose="02040503050406030204" pitchFamily="18" charset="0"/>
+              </a:rPr>
+              <a:t> </a:t>
+            </a:r>
+            <a:r>
+              <a:rPr kumimoji="0" lang="fr-FR" altLang="fr-FR" sz="1600" b="0" i="0" u="none" strike="noStrike" cap="none" normalizeH="0" baseline="0" dirty="0" smtClean="0">
+                <a:ln>
+                  <a:noFill/>
+                </a:ln>
+                <a:solidFill>
+                  <a:srgbClr val="000080"/>
+                </a:solidFill>
+                <a:effectLst/>
+                <a:latin typeface="Cambria" panose="02040503050406030204" pitchFamily="18" charset="0"/>
+              </a:rPr>
+              <a:t>0</a:t>
+            </a:r>
+            <a:r>
+              <a:rPr kumimoji="0" lang="fr-FR" altLang="fr-FR" sz="1600" b="0" i="0" u="none" strike="noStrike" cap="none" normalizeH="0" baseline="0" dirty="0" smtClean="0">
+                <a:ln>
+                  <a:noFill/>
+                </a:ln>
+                <a:solidFill>
+                  <a:schemeClr val="tx1"/>
+                </a:solidFill>
+                <a:effectLst/>
+                <a:latin typeface="Cambria" panose="02040503050406030204" pitchFamily="18" charset="0"/>
+              </a:rPr>
+              <a:t>)</a:t>
+            </a:r>
+            <a:r>
+              <a:rPr kumimoji="0" lang="fr-FR" altLang="fr-FR" sz="1600" b="0" i="0" u="none" strike="noStrike" cap="none" normalizeH="0" baseline="0" dirty="0" smtClean="0">
+                <a:ln>
+                  <a:noFill/>
+                </a:ln>
+                <a:solidFill>
+                  <a:srgbClr val="C0C0C0"/>
+                </a:solidFill>
+                <a:effectLst/>
+                <a:latin typeface="Cambria" panose="02040503050406030204" pitchFamily="18" charset="0"/>
+              </a:rPr>
+              <a:t> </a:t>
+            </a:r>
+            <a:r>
+              <a:rPr kumimoji="0" lang="fr-FR" altLang="fr-FR" sz="1600" b="0" i="0" u="none" strike="noStrike" cap="none" normalizeH="0" baseline="0" dirty="0" smtClean="0">
+                <a:ln>
+                  <a:noFill/>
+                </a:ln>
+                <a:effectLst/>
+                <a:latin typeface="Cambria" panose="02040503050406030204" pitchFamily="18" charset="0"/>
+              </a:rPr>
+              <a:t> {</a:t>
+            </a:r>
+          </a:p>
+          <a:p>
+            <a:pPr lvl="0" eaLnBrk="0" fontAlgn="base" hangingPunct="0">
+              <a:spcBef>
+                <a:spcPct val="0"/>
+              </a:spcBef>
+              <a:spcAft>
+                <a:spcPct val="0"/>
+              </a:spcAft>
+            </a:pPr>
+            <a:r>
+              <a:rPr lang="fr-FR" altLang="fr-FR" sz="1600" dirty="0">
+                <a:solidFill>
+                  <a:srgbClr val="C0C0C0"/>
+                </a:solidFill>
+                <a:latin typeface="Cambria" panose="02040503050406030204" pitchFamily="18" charset="0"/>
+              </a:rPr>
+              <a:t>	</a:t>
+            </a:r>
+            <a:r>
+              <a:rPr lang="fr-FR" altLang="fr-FR" sz="1600" dirty="0" smtClean="0">
+                <a:solidFill>
+                  <a:srgbClr val="C0C0C0"/>
+                </a:solidFill>
+                <a:latin typeface="Cambria" panose="02040503050406030204" pitchFamily="18" charset="0"/>
+              </a:rPr>
+              <a:t>	</a:t>
+            </a:r>
+            <a:r>
+              <a:rPr kumimoji="0" lang="fr-FR" altLang="fr-FR" sz="1600" b="0" i="0" u="none" strike="noStrike" cap="none" normalizeH="0" baseline="0" dirty="0" smtClean="0">
+                <a:ln>
+                  <a:noFill/>
+                </a:ln>
+                <a:solidFill>
+                  <a:srgbClr val="800000"/>
+                </a:solidFill>
+                <a:effectLst/>
+                <a:latin typeface="Cambria" panose="02040503050406030204" pitchFamily="18" charset="0"/>
+              </a:rPr>
+              <a:t>EDD</a:t>
+            </a:r>
+            <a:r>
+              <a:rPr kumimoji="0" lang="fr-FR" altLang="fr-FR" sz="1600" b="0" i="0" u="none" strike="noStrike" cap="none" normalizeH="0" baseline="0" dirty="0" smtClean="0">
+                <a:ln>
+                  <a:noFill/>
+                </a:ln>
+                <a:solidFill>
+                  <a:srgbClr val="C0C0C0"/>
+                </a:solidFill>
+                <a:effectLst/>
+                <a:latin typeface="Cambria" panose="02040503050406030204" pitchFamily="18" charset="0"/>
+              </a:rPr>
+              <a:t> </a:t>
+            </a:r>
+            <a:r>
+              <a:rPr kumimoji="0" lang="fr-FR" altLang="fr-FR" sz="1600" b="0" i="0" u="none" strike="noStrike" cap="none" normalizeH="0" baseline="0" dirty="0" smtClean="0">
+                <a:ln>
+                  <a:noFill/>
+                </a:ln>
+                <a:solidFill>
+                  <a:schemeClr val="tx1"/>
+                </a:solidFill>
+                <a:effectLst/>
+                <a:latin typeface="Cambria" panose="02040503050406030204" pitchFamily="18" charset="0"/>
+              </a:rPr>
+              <a:t>=</a:t>
+            </a:r>
+            <a:r>
+              <a:rPr kumimoji="0" lang="fr-FR" altLang="fr-FR" sz="1600" b="0" i="0" u="none" strike="noStrike" cap="none" normalizeH="0" baseline="0" dirty="0" smtClean="0">
+                <a:ln>
+                  <a:noFill/>
+                </a:ln>
+                <a:solidFill>
+                  <a:srgbClr val="C0C0C0"/>
+                </a:solidFill>
+                <a:effectLst/>
+                <a:latin typeface="Cambria" panose="02040503050406030204" pitchFamily="18" charset="0"/>
+              </a:rPr>
+              <a:t> </a:t>
+            </a:r>
+            <a:r>
+              <a:rPr kumimoji="0" lang="fr-FR" altLang="fr-FR" sz="1600" b="0" i="0" u="none" strike="noStrike" cap="none" normalizeH="0" baseline="0" dirty="0" err="1" smtClean="0">
+                <a:ln>
+                  <a:noFill/>
+                </a:ln>
+                <a:solidFill>
+                  <a:srgbClr val="800000"/>
+                </a:solidFill>
+                <a:effectLst/>
+                <a:latin typeface="Cambria" panose="02040503050406030204" pitchFamily="18" charset="0"/>
+              </a:rPr>
+              <a:t>plasto</a:t>
+            </a:r>
+            <a:r>
+              <a:rPr kumimoji="0" lang="fr-FR" altLang="fr-FR" sz="1600" b="0" i="0" u="none" strike="noStrike" cap="none" normalizeH="0" baseline="0" dirty="0" smtClean="0">
+                <a:ln>
+                  <a:noFill/>
+                </a:ln>
+                <a:solidFill>
+                  <a:srgbClr val="C0C0C0"/>
+                </a:solidFill>
+                <a:effectLst/>
+                <a:latin typeface="Cambria" panose="02040503050406030204" pitchFamily="18" charset="0"/>
+              </a:rPr>
+              <a:t> </a:t>
+            </a:r>
+            <a:r>
+              <a:rPr kumimoji="0" lang="fr-FR" altLang="fr-FR" sz="1600" b="0" i="0" u="none" strike="noStrike" cap="none" normalizeH="0" baseline="0" dirty="0" smtClean="0">
+                <a:ln>
+                  <a:noFill/>
+                </a:ln>
+                <a:solidFill>
+                  <a:schemeClr val="tx1"/>
+                </a:solidFill>
+                <a:effectLst/>
+                <a:latin typeface="Cambria" panose="02040503050406030204" pitchFamily="18" charset="0"/>
+              </a:rPr>
+              <a:t>-</a:t>
+            </a:r>
+            <a:r>
+              <a:rPr kumimoji="0" lang="fr-FR" altLang="fr-FR" sz="1600" b="0" i="0" u="none" strike="noStrike" cap="none" normalizeH="0" baseline="0" dirty="0" smtClean="0">
+                <a:ln>
+                  <a:noFill/>
+                </a:ln>
+                <a:solidFill>
+                  <a:srgbClr val="C0C0C0"/>
+                </a:solidFill>
+                <a:effectLst/>
+                <a:latin typeface="Cambria" panose="02040503050406030204" pitchFamily="18" charset="0"/>
+              </a:rPr>
+              <a:t> </a:t>
+            </a:r>
+            <a:r>
+              <a:rPr kumimoji="0" lang="fr-FR" altLang="fr-FR" sz="1600" b="0" i="0" u="none" strike="noStrike" cap="none" normalizeH="0" baseline="0" dirty="0" smtClean="0">
+                <a:ln>
+                  <a:noFill/>
+                </a:ln>
+                <a:solidFill>
+                  <a:srgbClr val="800000"/>
+                </a:solidFill>
+                <a:effectLst/>
+                <a:latin typeface="Cambria" panose="02040503050406030204" pitchFamily="18" charset="0"/>
+              </a:rPr>
+              <a:t>DD</a:t>
+            </a:r>
+            <a:r>
+              <a:rPr kumimoji="0" lang="fr-FR" altLang="fr-FR" sz="1600" b="0" i="0" u="none" strike="noStrike" cap="none" normalizeH="0" baseline="0" dirty="0" smtClean="0">
+                <a:ln>
+                  <a:noFill/>
+                </a:ln>
+                <a:solidFill>
+                  <a:schemeClr val="tx1"/>
+                </a:solidFill>
+                <a:effectLst/>
+                <a:latin typeface="Cambria" panose="02040503050406030204" pitchFamily="18" charset="0"/>
+              </a:rPr>
+              <a:t>; </a:t>
+            </a:r>
+          </a:p>
+          <a:p>
+            <a:pPr eaLnBrk="0" fontAlgn="base" hangingPunct="0">
+              <a:spcBef>
+                <a:spcPct val="0"/>
+              </a:spcBef>
+              <a:spcAft>
+                <a:spcPct val="0"/>
+              </a:spcAft>
+            </a:pPr>
+            <a:r>
+              <a:rPr kumimoji="0" lang="fr-FR" altLang="fr-FR" sz="1600" b="0" i="0" u="none" strike="noStrike" cap="none" normalizeH="0" baseline="0" dirty="0" smtClean="0">
+                <a:ln>
+                  <a:noFill/>
+                </a:ln>
+                <a:solidFill>
+                  <a:srgbClr val="800000"/>
+                </a:solidFill>
+                <a:effectLst/>
+                <a:latin typeface="Cambria" panose="02040503050406030204" pitchFamily="18" charset="0"/>
+              </a:rPr>
+              <a:t>		DD</a:t>
+            </a:r>
+            <a:r>
+              <a:rPr kumimoji="0" lang="fr-FR" altLang="fr-FR" sz="1600" b="0" i="0" u="none" strike="noStrike" cap="none" normalizeH="0" baseline="0" dirty="0" smtClean="0">
+                <a:ln>
+                  <a:noFill/>
+                </a:ln>
+                <a:solidFill>
+                  <a:srgbClr val="C0C0C0"/>
+                </a:solidFill>
+                <a:effectLst/>
+                <a:latin typeface="Cambria" panose="02040503050406030204" pitchFamily="18" charset="0"/>
+              </a:rPr>
+              <a:t> </a:t>
+            </a:r>
+            <a:r>
+              <a:rPr kumimoji="0" lang="fr-FR" altLang="fr-FR" sz="1600" b="0" i="0" u="none" strike="noStrike" cap="none" normalizeH="0" baseline="0" dirty="0" smtClean="0">
+                <a:ln>
+                  <a:noFill/>
+                </a:ln>
+                <a:solidFill>
+                  <a:schemeClr val="tx1"/>
+                </a:solidFill>
+                <a:effectLst/>
+                <a:latin typeface="Cambria" panose="02040503050406030204" pitchFamily="18" charset="0"/>
+              </a:rPr>
+              <a:t>=</a:t>
+            </a:r>
+            <a:r>
+              <a:rPr kumimoji="0" lang="fr-FR" altLang="fr-FR" sz="1600" b="0" i="0" u="none" strike="noStrike" cap="none" normalizeH="0" baseline="0" dirty="0" smtClean="0">
+                <a:ln>
+                  <a:noFill/>
+                </a:ln>
+                <a:solidFill>
+                  <a:srgbClr val="C0C0C0"/>
+                </a:solidFill>
+                <a:effectLst/>
+                <a:latin typeface="Cambria" panose="02040503050406030204" pitchFamily="18" charset="0"/>
+              </a:rPr>
+              <a:t> </a:t>
+            </a:r>
+            <a:r>
+              <a:rPr kumimoji="0" lang="fr-FR" altLang="fr-FR" sz="1600" b="0" i="0" u="none" strike="noStrike" cap="none" normalizeH="0" baseline="0" dirty="0" err="1" smtClean="0">
+                <a:ln>
+                  <a:noFill/>
+                </a:ln>
+                <a:solidFill>
+                  <a:schemeClr val="tx1"/>
+                </a:solidFill>
+                <a:effectLst/>
+                <a:latin typeface="Cambria" panose="02040503050406030204" pitchFamily="18" charset="0"/>
+              </a:rPr>
+              <a:t>tempDD</a:t>
+            </a:r>
+            <a:r>
+              <a:rPr kumimoji="0" lang="fr-FR" altLang="fr-FR" sz="1600" b="0" i="0" u="none" strike="noStrike" cap="none" normalizeH="0" baseline="0" dirty="0" smtClean="0">
+                <a:ln>
+                  <a:noFill/>
+                </a:ln>
+                <a:solidFill>
+                  <a:srgbClr val="C0C0C0"/>
+                </a:solidFill>
+                <a:effectLst/>
+                <a:latin typeface="Cambria" panose="02040503050406030204" pitchFamily="18" charset="0"/>
+              </a:rPr>
+              <a:t> </a:t>
+            </a:r>
+            <a:r>
+              <a:rPr kumimoji="0" lang="fr-FR" altLang="fr-FR" sz="1600" b="0" i="0" u="none" strike="noStrike" cap="none" normalizeH="0" baseline="0" dirty="0" smtClean="0">
+                <a:ln>
+                  <a:noFill/>
+                </a:ln>
+                <a:solidFill>
+                  <a:schemeClr val="tx1"/>
+                </a:solidFill>
+                <a:effectLst/>
+                <a:latin typeface="Cambria" panose="02040503050406030204" pitchFamily="18" charset="0"/>
+              </a:rPr>
+              <a:t>-</a:t>
+            </a:r>
+            <a:r>
+              <a:rPr kumimoji="0" lang="fr-FR" altLang="fr-FR" sz="1600" b="0" i="0" u="none" strike="noStrike" cap="none" normalizeH="0" baseline="0" dirty="0" smtClean="0">
+                <a:ln>
+                  <a:noFill/>
+                </a:ln>
+                <a:solidFill>
+                  <a:srgbClr val="C0C0C0"/>
+                </a:solidFill>
+                <a:effectLst/>
+                <a:latin typeface="Cambria" panose="02040503050406030204" pitchFamily="18" charset="0"/>
+              </a:rPr>
+              <a:t> </a:t>
+            </a:r>
+            <a:r>
+              <a:rPr kumimoji="0" lang="fr-FR" altLang="fr-FR" sz="1600" b="0" i="0" u="none" strike="noStrike" cap="none" normalizeH="0" baseline="0" dirty="0" err="1" smtClean="0">
+                <a:ln>
+                  <a:noFill/>
+                </a:ln>
+                <a:solidFill>
+                  <a:srgbClr val="800000"/>
+                </a:solidFill>
+                <a:effectLst/>
+                <a:latin typeface="Cambria" panose="02040503050406030204" pitchFamily="18" charset="0"/>
+              </a:rPr>
+              <a:t>plasto</a:t>
+            </a:r>
+            <a:r>
+              <a:rPr kumimoji="0" lang="fr-FR" altLang="fr-FR" sz="1600" b="0" i="0" u="none" strike="noStrike" cap="none" normalizeH="0" baseline="0" dirty="0" smtClean="0">
+                <a:ln>
+                  <a:noFill/>
+                </a:ln>
+                <a:solidFill>
+                  <a:schemeClr val="tx1"/>
+                </a:solidFill>
+                <a:effectLst/>
+                <a:latin typeface="Cambria" panose="02040503050406030204" pitchFamily="18" charset="0"/>
+              </a:rPr>
+              <a:t>; </a:t>
+            </a:r>
+          </a:p>
+          <a:p>
+            <a:pPr eaLnBrk="0" fontAlgn="base" hangingPunct="0">
+              <a:spcBef>
+                <a:spcPct val="0"/>
+              </a:spcBef>
+              <a:spcAft>
+                <a:spcPct val="0"/>
+              </a:spcAft>
+            </a:pPr>
+            <a:r>
+              <a:rPr lang="fr-FR" altLang="fr-FR" sz="1600" dirty="0">
+                <a:latin typeface="Cambria" panose="02040503050406030204" pitchFamily="18" charset="0"/>
+              </a:rPr>
+              <a:t>	</a:t>
+            </a:r>
+            <a:r>
+              <a:rPr lang="fr-FR" altLang="fr-FR" sz="1600" dirty="0" smtClean="0">
+                <a:latin typeface="Cambria" panose="02040503050406030204" pitchFamily="18" charset="0"/>
+              </a:rPr>
+              <a:t>	</a:t>
+            </a:r>
+            <a:r>
+              <a:rPr kumimoji="0" lang="fr-FR" altLang="fr-FR" sz="1600" b="0" i="0" u="none" strike="noStrike" cap="none" normalizeH="0" baseline="0" dirty="0" err="1" smtClean="0">
+                <a:ln>
+                  <a:noFill/>
+                </a:ln>
+                <a:solidFill>
+                  <a:srgbClr val="800000"/>
+                </a:solidFill>
+                <a:effectLst/>
+                <a:latin typeface="Cambria" panose="02040503050406030204" pitchFamily="18" charset="0"/>
+              </a:rPr>
+              <a:t>phenoStage</a:t>
+            </a:r>
+            <a:r>
+              <a:rPr kumimoji="0" lang="fr-FR" altLang="fr-FR" sz="1600" b="0" i="0" u="none" strike="noStrike" cap="none" normalizeH="0" baseline="0" dirty="0" smtClean="0">
+                <a:ln>
+                  <a:noFill/>
+                </a:ln>
+                <a:solidFill>
+                  <a:srgbClr val="C0C0C0"/>
+                </a:solidFill>
+                <a:effectLst/>
+                <a:latin typeface="Cambria" panose="02040503050406030204" pitchFamily="18" charset="0"/>
+              </a:rPr>
+              <a:t> </a:t>
+            </a:r>
+            <a:r>
+              <a:rPr kumimoji="0" lang="fr-FR" altLang="fr-FR" sz="1600" b="0" i="0" u="none" strike="noStrike" cap="none" normalizeH="0" baseline="0" dirty="0" smtClean="0">
+                <a:ln>
+                  <a:noFill/>
+                </a:ln>
+                <a:solidFill>
+                  <a:schemeClr val="tx1"/>
+                </a:solidFill>
+                <a:effectLst/>
+                <a:latin typeface="Cambria" panose="02040503050406030204" pitchFamily="18" charset="0"/>
+              </a:rPr>
+              <a:t>=</a:t>
+            </a:r>
+            <a:r>
+              <a:rPr kumimoji="0" lang="fr-FR" altLang="fr-FR" sz="1600" b="0" i="0" u="none" strike="noStrike" cap="none" normalizeH="0" baseline="0" dirty="0" smtClean="0">
+                <a:ln>
+                  <a:noFill/>
+                </a:ln>
+                <a:solidFill>
+                  <a:srgbClr val="C0C0C0"/>
+                </a:solidFill>
+                <a:effectLst/>
+                <a:latin typeface="Cambria" panose="02040503050406030204" pitchFamily="18" charset="0"/>
+              </a:rPr>
+              <a:t> </a:t>
+            </a:r>
+            <a:r>
+              <a:rPr kumimoji="0" lang="fr-FR" altLang="fr-FR" sz="1600" b="0" i="0" u="none" strike="noStrike" cap="none" normalizeH="0" baseline="0" dirty="0" err="1" smtClean="0">
+                <a:ln>
+                  <a:noFill/>
+                </a:ln>
+                <a:solidFill>
+                  <a:srgbClr val="800000"/>
+                </a:solidFill>
+                <a:effectLst/>
+                <a:latin typeface="Cambria" panose="02040503050406030204" pitchFamily="18" charset="0"/>
+              </a:rPr>
+              <a:t>phenoStage</a:t>
+            </a:r>
+            <a:r>
+              <a:rPr kumimoji="0" lang="fr-FR" altLang="fr-FR" sz="1600" b="0" i="0" u="none" strike="noStrike" cap="none" normalizeH="0" baseline="0" dirty="0" smtClean="0">
+                <a:ln>
+                  <a:noFill/>
+                </a:ln>
+                <a:solidFill>
+                  <a:srgbClr val="C0C0C0"/>
+                </a:solidFill>
+                <a:effectLst/>
+                <a:latin typeface="Cambria" panose="02040503050406030204" pitchFamily="18" charset="0"/>
+              </a:rPr>
+              <a:t> </a:t>
+            </a:r>
+            <a:r>
+              <a:rPr kumimoji="0" lang="fr-FR" altLang="fr-FR" sz="1600" b="0" i="0" u="none" strike="noStrike" cap="none" normalizeH="0" baseline="0" dirty="0" smtClean="0">
+                <a:ln>
+                  <a:noFill/>
+                </a:ln>
+                <a:solidFill>
+                  <a:schemeClr val="tx1"/>
+                </a:solidFill>
+                <a:effectLst/>
+                <a:latin typeface="Cambria" panose="02040503050406030204" pitchFamily="18" charset="0"/>
+              </a:rPr>
+              <a:t>+</a:t>
+            </a:r>
+            <a:r>
+              <a:rPr kumimoji="0" lang="fr-FR" altLang="fr-FR" sz="1600" b="0" i="0" u="none" strike="noStrike" cap="none" normalizeH="0" baseline="0" dirty="0" smtClean="0">
+                <a:ln>
+                  <a:noFill/>
+                </a:ln>
+                <a:solidFill>
+                  <a:srgbClr val="C0C0C0"/>
+                </a:solidFill>
+                <a:effectLst/>
+                <a:latin typeface="Cambria" panose="02040503050406030204" pitchFamily="18" charset="0"/>
+              </a:rPr>
+              <a:t> </a:t>
+            </a:r>
+            <a:r>
+              <a:rPr kumimoji="0" lang="fr-FR" altLang="fr-FR" sz="1600" b="0" i="0" u="none" strike="noStrike" cap="none" normalizeH="0" baseline="0" dirty="0" smtClean="0">
+                <a:ln>
+                  <a:noFill/>
+                </a:ln>
+                <a:solidFill>
+                  <a:srgbClr val="000080"/>
+                </a:solidFill>
+                <a:effectLst/>
+                <a:latin typeface="Cambria" panose="02040503050406030204" pitchFamily="18" charset="0"/>
+              </a:rPr>
+              <a:t>1</a:t>
+            </a:r>
+            <a:r>
+              <a:rPr kumimoji="0" lang="fr-FR" altLang="fr-FR" sz="1600" b="0" i="0" u="none" strike="noStrike" cap="none" normalizeH="0" baseline="0" dirty="0" smtClean="0">
+                <a:ln>
+                  <a:noFill/>
+                </a:ln>
+                <a:solidFill>
+                  <a:schemeClr val="tx1"/>
+                </a:solidFill>
+                <a:effectLst/>
+                <a:latin typeface="Cambria" panose="02040503050406030204" pitchFamily="18" charset="0"/>
+              </a:rPr>
+              <a:t>;</a:t>
+            </a:r>
+          </a:p>
+          <a:p>
+            <a:pPr eaLnBrk="0" fontAlgn="base" hangingPunct="0">
+              <a:spcBef>
+                <a:spcPct val="0"/>
+              </a:spcBef>
+              <a:spcAft>
+                <a:spcPct val="0"/>
+              </a:spcAft>
+            </a:pPr>
+            <a:r>
+              <a:rPr kumimoji="0" lang="fr-FR" altLang="fr-FR" sz="1600" b="0" i="0" u="none" strike="noStrike" cap="none" normalizeH="0" baseline="0" dirty="0" smtClean="0">
+                <a:ln>
+                  <a:noFill/>
+                </a:ln>
+                <a:solidFill>
+                  <a:schemeClr val="tx1"/>
+                </a:solidFill>
+                <a:effectLst/>
+                <a:latin typeface="Cambria" panose="02040503050406030204" pitchFamily="18" charset="0"/>
+              </a:rPr>
+              <a:t>	}</a:t>
+            </a:r>
+          </a:p>
+          <a:p>
+            <a:pPr lvl="0" eaLnBrk="0" fontAlgn="base" hangingPunct="0">
+              <a:spcBef>
+                <a:spcPct val="0"/>
+              </a:spcBef>
+              <a:spcAft>
+                <a:spcPct val="0"/>
+              </a:spcAft>
+            </a:pPr>
+            <a:r>
+              <a:rPr kumimoji="0" lang="fr-FR" altLang="fr-FR" sz="1600" b="0" i="0" u="none" strike="noStrike" cap="none" normalizeH="0" baseline="0" dirty="0" smtClean="0">
+                <a:ln>
+                  <a:noFill/>
+                </a:ln>
+                <a:solidFill>
+                  <a:schemeClr val="tx1"/>
+                </a:solidFill>
+                <a:effectLst/>
+                <a:latin typeface="Cambria" panose="02040503050406030204" pitchFamily="18" charset="0"/>
+              </a:rPr>
+              <a:t>	</a:t>
+            </a:r>
+            <a:r>
+              <a:rPr kumimoji="0" lang="fr-FR" altLang="fr-FR" sz="1600" b="0" i="0" u="none" strike="noStrike" cap="none" normalizeH="0" baseline="0" dirty="0" smtClean="0">
+                <a:ln>
+                  <a:noFill/>
+                </a:ln>
+                <a:solidFill>
+                  <a:srgbClr val="808000"/>
+                </a:solidFill>
+                <a:effectLst/>
+                <a:latin typeface="Cambria" panose="02040503050406030204" pitchFamily="18" charset="0"/>
+              </a:rPr>
+              <a:t> </a:t>
+            </a:r>
+            <a:r>
+              <a:rPr kumimoji="0" lang="fr-FR" altLang="fr-FR" sz="1600" b="0" i="0" u="none" strike="noStrike" cap="none" normalizeH="0" baseline="0" dirty="0" err="1" smtClean="0">
+                <a:ln>
+                  <a:noFill/>
+                </a:ln>
+                <a:solidFill>
+                  <a:srgbClr val="808000"/>
+                </a:solidFill>
+                <a:effectLst/>
+                <a:latin typeface="Cambria" panose="02040503050406030204" pitchFamily="18" charset="0"/>
+              </a:rPr>
+              <a:t>else</a:t>
+            </a:r>
+            <a:r>
+              <a:rPr kumimoji="0" lang="fr-FR" altLang="fr-FR" sz="1600" b="0" i="0" u="none" strike="noStrike" cap="none" normalizeH="0" baseline="0" dirty="0" smtClean="0">
+                <a:ln>
+                  <a:noFill/>
+                </a:ln>
+                <a:solidFill>
+                  <a:srgbClr val="808000"/>
+                </a:solidFill>
+                <a:effectLst/>
+                <a:latin typeface="Cambria" panose="02040503050406030204" pitchFamily="18" charset="0"/>
+              </a:rPr>
+              <a:t> </a:t>
+            </a:r>
+            <a:r>
+              <a:rPr kumimoji="0" lang="fr-FR" altLang="fr-FR" sz="1600" b="0" i="0" u="none" strike="noStrike" cap="none" normalizeH="0" baseline="0" dirty="0" smtClean="0">
+                <a:ln>
+                  <a:noFill/>
+                </a:ln>
+                <a:effectLst/>
+                <a:latin typeface="Cambria" panose="02040503050406030204" pitchFamily="18" charset="0"/>
+              </a:rPr>
+              <a:t>{</a:t>
+            </a:r>
+          </a:p>
+          <a:p>
+            <a:pPr lvl="0" eaLnBrk="0" fontAlgn="base" hangingPunct="0">
+              <a:spcBef>
+                <a:spcPct val="0"/>
+              </a:spcBef>
+              <a:spcAft>
+                <a:spcPct val="0"/>
+              </a:spcAft>
+            </a:pPr>
+            <a:r>
+              <a:rPr lang="fr-FR" altLang="fr-FR" sz="1600" dirty="0" smtClean="0">
+                <a:solidFill>
+                  <a:srgbClr val="C0C0C0"/>
+                </a:solidFill>
+                <a:latin typeface="Cambria" panose="02040503050406030204" pitchFamily="18" charset="0"/>
+              </a:rPr>
+              <a:t>		</a:t>
+            </a:r>
+            <a:r>
+              <a:rPr kumimoji="0" lang="fr-FR" altLang="fr-FR" sz="1600" b="0" i="0" u="none" strike="noStrike" cap="none" normalizeH="0" baseline="0" dirty="0" smtClean="0">
+                <a:ln>
+                  <a:noFill/>
+                </a:ln>
+                <a:solidFill>
+                  <a:srgbClr val="800000"/>
+                </a:solidFill>
+                <a:effectLst/>
+                <a:latin typeface="Cambria" panose="02040503050406030204" pitchFamily="18" charset="0"/>
+              </a:rPr>
+              <a:t>EDD</a:t>
+            </a:r>
+            <a:r>
+              <a:rPr kumimoji="0" lang="fr-FR" altLang="fr-FR" sz="1600" b="0" i="0" u="none" strike="noStrike" cap="none" normalizeH="0" baseline="0" dirty="0" smtClean="0">
+                <a:ln>
+                  <a:noFill/>
+                </a:ln>
+                <a:solidFill>
+                  <a:srgbClr val="C0C0C0"/>
+                </a:solidFill>
+                <a:effectLst/>
+                <a:latin typeface="Cambria" panose="02040503050406030204" pitchFamily="18" charset="0"/>
+              </a:rPr>
+              <a:t> </a:t>
+            </a:r>
+            <a:r>
+              <a:rPr kumimoji="0" lang="fr-FR" altLang="fr-FR" sz="1600" b="0" i="0" u="none" strike="noStrike" cap="none" normalizeH="0" baseline="0" dirty="0" smtClean="0">
+                <a:ln>
+                  <a:noFill/>
+                </a:ln>
+                <a:solidFill>
+                  <a:schemeClr val="tx1"/>
+                </a:solidFill>
+                <a:effectLst/>
+                <a:latin typeface="Cambria" panose="02040503050406030204" pitchFamily="18" charset="0"/>
+              </a:rPr>
+              <a:t>=</a:t>
+            </a:r>
+            <a:r>
+              <a:rPr kumimoji="0" lang="fr-FR" altLang="fr-FR" sz="1600" b="0" i="0" u="none" strike="noStrike" cap="none" normalizeH="0" baseline="0" dirty="0" smtClean="0">
+                <a:ln>
+                  <a:noFill/>
+                </a:ln>
+                <a:solidFill>
+                  <a:srgbClr val="C0C0C0"/>
+                </a:solidFill>
+                <a:effectLst/>
+                <a:latin typeface="Cambria" panose="02040503050406030204" pitchFamily="18" charset="0"/>
+              </a:rPr>
+              <a:t> </a:t>
+            </a:r>
+            <a:r>
+              <a:rPr kumimoji="0" lang="fr-FR" altLang="fr-FR" sz="1600" b="0" i="0" u="none" strike="noStrike" cap="none" normalizeH="0" baseline="0" dirty="0" err="1" smtClean="0">
+                <a:ln>
+                  <a:noFill/>
+                </a:ln>
+                <a:solidFill>
+                  <a:srgbClr val="800000"/>
+                </a:solidFill>
+                <a:effectLst/>
+                <a:latin typeface="Cambria" panose="02040503050406030204" pitchFamily="18" charset="0"/>
+              </a:rPr>
+              <a:t>deltaT</a:t>
+            </a:r>
+            <a:r>
+              <a:rPr kumimoji="0" lang="fr-FR" altLang="fr-FR" sz="1600" b="0" i="0" u="none" strike="noStrike" cap="none" normalizeH="0" baseline="0" dirty="0" smtClean="0">
+                <a:ln>
+                  <a:noFill/>
+                </a:ln>
+                <a:solidFill>
+                  <a:srgbClr val="C0C0C0"/>
+                </a:solidFill>
+                <a:effectLst/>
+                <a:latin typeface="Cambria" panose="02040503050406030204" pitchFamily="18" charset="0"/>
+              </a:rPr>
+              <a:t> </a:t>
+            </a:r>
+            <a:r>
+              <a:rPr kumimoji="0" lang="fr-FR" altLang="fr-FR" sz="1600" b="0" i="0" u="none" strike="noStrike" cap="none" normalizeH="0" baseline="0" dirty="0" smtClean="0">
+                <a:ln>
+                  <a:noFill/>
+                </a:ln>
+                <a:solidFill>
+                  <a:schemeClr val="tx1"/>
+                </a:solidFill>
+                <a:effectLst/>
+                <a:latin typeface="Cambria" panose="02040503050406030204" pitchFamily="18" charset="0"/>
+              </a:rPr>
+              <a:t>+</a:t>
+            </a:r>
+            <a:r>
+              <a:rPr kumimoji="0" lang="fr-FR" altLang="fr-FR" sz="1600" b="0" i="0" u="none" strike="noStrike" cap="none" normalizeH="0" baseline="0" dirty="0" smtClean="0">
+                <a:ln>
+                  <a:noFill/>
+                </a:ln>
+                <a:solidFill>
+                  <a:srgbClr val="C0C0C0"/>
+                </a:solidFill>
+                <a:effectLst/>
+                <a:latin typeface="Cambria" panose="02040503050406030204" pitchFamily="18" charset="0"/>
+              </a:rPr>
+              <a:t> </a:t>
+            </a:r>
+            <a:r>
+              <a:rPr kumimoji="0" lang="fr-FR" altLang="fr-FR" sz="1600" b="0" i="0" u="none" strike="noStrike" cap="none" normalizeH="0" baseline="0" dirty="0" err="1" smtClean="0">
+                <a:ln>
+                  <a:noFill/>
+                </a:ln>
+                <a:solidFill>
+                  <a:srgbClr val="800000"/>
+                </a:solidFill>
+                <a:effectLst/>
+                <a:latin typeface="Cambria" panose="02040503050406030204" pitchFamily="18" charset="0"/>
+              </a:rPr>
+              <a:t>plastodelay</a:t>
+            </a:r>
+            <a:r>
+              <a:rPr kumimoji="0" lang="fr-FR" altLang="fr-FR" sz="1600" b="0" i="0" u="none" strike="noStrike" cap="none" normalizeH="0" baseline="0" dirty="0" smtClean="0">
+                <a:ln>
+                  <a:noFill/>
+                </a:ln>
+                <a:solidFill>
+                  <a:schemeClr val="tx1"/>
+                </a:solidFill>
+                <a:effectLst/>
+                <a:latin typeface="Cambria" panose="02040503050406030204" pitchFamily="18" charset="0"/>
+              </a:rPr>
+              <a:t>; </a:t>
+            </a:r>
+          </a:p>
+          <a:p>
+            <a:pPr eaLnBrk="0" fontAlgn="base" hangingPunct="0">
+              <a:spcBef>
+                <a:spcPct val="0"/>
+              </a:spcBef>
+              <a:spcAft>
+                <a:spcPct val="0"/>
+              </a:spcAft>
+            </a:pPr>
+            <a:r>
+              <a:rPr kumimoji="0" lang="fr-FR" altLang="fr-FR" sz="1600" b="0" i="0" u="none" strike="noStrike" cap="none" normalizeH="0" baseline="0" dirty="0" smtClean="0">
+                <a:ln>
+                  <a:noFill/>
+                </a:ln>
+                <a:solidFill>
+                  <a:srgbClr val="800000"/>
+                </a:solidFill>
+                <a:effectLst/>
+                <a:latin typeface="Cambria" panose="02040503050406030204" pitchFamily="18" charset="0"/>
+              </a:rPr>
+              <a:t>		DD</a:t>
+            </a:r>
+            <a:r>
+              <a:rPr kumimoji="0" lang="fr-FR" altLang="fr-FR" sz="1600" b="0" i="0" u="none" strike="noStrike" cap="none" normalizeH="0" baseline="0" dirty="0" smtClean="0">
+                <a:ln>
+                  <a:noFill/>
+                </a:ln>
+                <a:solidFill>
+                  <a:srgbClr val="C0C0C0"/>
+                </a:solidFill>
+                <a:effectLst/>
+                <a:latin typeface="Cambria" panose="02040503050406030204" pitchFamily="18" charset="0"/>
+              </a:rPr>
+              <a:t> </a:t>
+            </a:r>
+            <a:r>
+              <a:rPr kumimoji="0" lang="fr-FR" altLang="fr-FR" sz="1600" b="0" i="0" u="none" strike="noStrike" cap="none" normalizeH="0" baseline="0" dirty="0" smtClean="0">
+                <a:ln>
+                  <a:noFill/>
+                </a:ln>
+                <a:solidFill>
+                  <a:schemeClr val="tx1"/>
+                </a:solidFill>
+                <a:effectLst/>
+                <a:latin typeface="Cambria" panose="02040503050406030204" pitchFamily="18" charset="0"/>
+              </a:rPr>
+              <a:t>=</a:t>
+            </a:r>
+            <a:r>
+              <a:rPr kumimoji="0" lang="fr-FR" altLang="fr-FR" sz="1600" b="0" i="0" u="none" strike="noStrike" cap="none" normalizeH="0" baseline="0" dirty="0" smtClean="0">
+                <a:ln>
+                  <a:noFill/>
+                </a:ln>
+                <a:solidFill>
+                  <a:srgbClr val="C0C0C0"/>
+                </a:solidFill>
+                <a:effectLst/>
+                <a:latin typeface="Cambria" panose="02040503050406030204" pitchFamily="18" charset="0"/>
+              </a:rPr>
+              <a:t> </a:t>
+            </a:r>
+            <a:r>
+              <a:rPr kumimoji="0" lang="fr-FR" altLang="fr-FR" sz="1600" b="0" i="0" u="none" strike="noStrike" cap="none" normalizeH="0" baseline="0" dirty="0" err="1" smtClean="0">
+                <a:ln>
+                  <a:noFill/>
+                </a:ln>
+                <a:solidFill>
+                  <a:schemeClr val="tx1"/>
+                </a:solidFill>
+                <a:effectLst/>
+                <a:latin typeface="Cambria" panose="02040503050406030204" pitchFamily="18" charset="0"/>
+              </a:rPr>
+              <a:t>tempDD</a:t>
+            </a:r>
+            <a:r>
+              <a:rPr kumimoji="0" lang="fr-FR" altLang="fr-FR" sz="1600" b="0" i="0" u="none" strike="noStrike" cap="none" normalizeH="0" baseline="0" dirty="0" smtClean="0">
+                <a:ln>
+                  <a:noFill/>
+                </a:ln>
+                <a:solidFill>
+                  <a:schemeClr val="tx1"/>
+                </a:solidFill>
+                <a:effectLst/>
+                <a:latin typeface="Cambria" panose="02040503050406030204" pitchFamily="18" charset="0"/>
+              </a:rPr>
+              <a:t>; </a:t>
+            </a:r>
+          </a:p>
+          <a:p>
+            <a:pPr eaLnBrk="0" fontAlgn="base" hangingPunct="0">
+              <a:spcBef>
+                <a:spcPct val="0"/>
+              </a:spcBef>
+              <a:spcAft>
+                <a:spcPct val="0"/>
+              </a:spcAft>
+            </a:pPr>
+            <a:r>
+              <a:rPr kumimoji="0" lang="fr-FR" altLang="fr-FR" sz="1600" b="0" i="0" u="none" strike="noStrike" cap="none" normalizeH="0" baseline="0" dirty="0" smtClean="0">
+                <a:ln>
+                  <a:noFill/>
+                </a:ln>
+                <a:solidFill>
+                  <a:schemeClr val="tx1"/>
+                </a:solidFill>
+                <a:effectLst/>
+                <a:latin typeface="Cambria" panose="02040503050406030204" pitchFamily="18" charset="0"/>
+              </a:rPr>
+              <a:t>	}</a:t>
+            </a:r>
+          </a:p>
+          <a:p>
+            <a:pPr marL="0" marR="0" lvl="0" indent="0" algn="l" defTabSz="914400" rtl="0" eaLnBrk="0" fontAlgn="base" latinLnBrk="0" hangingPunct="0">
+              <a:lnSpc>
+                <a:spcPct val="100000"/>
+              </a:lnSpc>
+              <a:spcBef>
+                <a:spcPct val="0"/>
+              </a:spcBef>
+              <a:spcAft>
+                <a:spcPct val="0"/>
+              </a:spcAft>
+              <a:buClrTx/>
+              <a:buSzTx/>
+              <a:buFontTx/>
+              <a:buNone/>
+              <a:tabLst/>
+            </a:pPr>
+            <a:r>
+              <a:rPr kumimoji="0" lang="fr-FR" altLang="fr-FR" sz="1600" b="0" i="0" u="none" strike="noStrike" cap="none" normalizeH="0" baseline="0" dirty="0" smtClean="0">
+                <a:ln>
+                  <a:noFill/>
+                </a:ln>
+                <a:solidFill>
+                  <a:schemeClr val="tx1"/>
+                </a:solidFill>
+                <a:effectLst/>
+                <a:latin typeface="Cambria" panose="02040503050406030204" pitchFamily="18" charset="0"/>
+              </a:rPr>
+              <a:t>} </a:t>
+            </a:r>
+          </a:p>
+          <a:p>
+            <a:pPr lvl="0" eaLnBrk="0" fontAlgn="base" hangingPunct="0">
+              <a:spcBef>
+                <a:spcPct val="0"/>
+              </a:spcBef>
+              <a:spcAft>
+                <a:spcPct val="0"/>
+              </a:spcAft>
+            </a:pPr>
+            <a:r>
+              <a:rPr kumimoji="0" lang="fr-FR" altLang="fr-FR" sz="1600" b="0" i="0" u="none" strike="noStrike" cap="none" normalizeH="0" baseline="0" dirty="0" err="1" smtClean="0">
+                <a:ln>
+                  <a:noFill/>
+                </a:ln>
+                <a:solidFill>
+                  <a:srgbClr val="808000"/>
+                </a:solidFill>
+                <a:effectLst/>
+                <a:latin typeface="Cambria" panose="02040503050406030204" pitchFamily="18" charset="0"/>
+              </a:rPr>
+              <a:t>else</a:t>
+            </a:r>
+            <a:r>
+              <a:rPr kumimoji="0" lang="fr-FR" altLang="fr-FR" sz="1600" b="0" i="0" u="none" strike="noStrike" cap="none" normalizeH="0" baseline="0" dirty="0" smtClean="0">
+                <a:ln>
+                  <a:noFill/>
+                </a:ln>
+                <a:solidFill>
+                  <a:srgbClr val="C0C0C0"/>
+                </a:solidFill>
+                <a:effectLst/>
+                <a:latin typeface="Cambria" panose="02040503050406030204" pitchFamily="18" charset="0"/>
+              </a:rPr>
+              <a:t> </a:t>
+            </a:r>
+            <a:r>
+              <a:rPr kumimoji="0" lang="fr-FR" altLang="fr-FR" sz="1600" b="0" i="0" u="none" strike="noStrike" cap="none" normalizeH="0" baseline="0" dirty="0" smtClean="0">
+                <a:ln>
+                  <a:noFill/>
+                </a:ln>
+                <a:solidFill>
+                  <a:schemeClr val="tx1"/>
+                </a:solidFill>
+                <a:effectLst/>
+                <a:latin typeface="Cambria" panose="02040503050406030204" pitchFamily="18" charset="0"/>
+              </a:rPr>
+              <a:t>{</a:t>
+            </a:r>
+          </a:p>
+          <a:p>
+            <a:pPr lvl="0" eaLnBrk="0" fontAlgn="base" hangingPunct="0">
+              <a:spcBef>
+                <a:spcPct val="0"/>
+              </a:spcBef>
+              <a:spcAft>
+                <a:spcPct val="0"/>
+              </a:spcAft>
+            </a:pPr>
+            <a:r>
+              <a:rPr kumimoji="0" lang="fr-FR" altLang="fr-FR" sz="1600" b="0" i="0" u="none" strike="noStrike" cap="none" normalizeH="0" baseline="0" dirty="0" smtClean="0">
+                <a:ln>
+                  <a:noFill/>
+                </a:ln>
+                <a:solidFill>
+                  <a:schemeClr val="tx1"/>
+                </a:solidFill>
+                <a:effectLst/>
+                <a:latin typeface="Cambria" panose="02040503050406030204" pitchFamily="18" charset="0"/>
+              </a:rPr>
+              <a:t> </a:t>
+            </a:r>
+            <a:r>
+              <a:rPr lang="fr-FR" altLang="fr-FR" sz="1600" dirty="0">
+                <a:latin typeface="Cambria" panose="02040503050406030204" pitchFamily="18" charset="0"/>
+              </a:rPr>
+              <a:t>	</a:t>
+            </a:r>
+            <a:r>
+              <a:rPr kumimoji="0" lang="fr-FR" altLang="fr-FR" sz="1600" b="0" i="0" u="none" strike="noStrike" cap="none" normalizeH="0" baseline="0" dirty="0" err="1" smtClean="0">
+                <a:ln>
+                  <a:noFill/>
+                </a:ln>
+                <a:solidFill>
+                  <a:srgbClr val="800000"/>
+                </a:solidFill>
+                <a:effectLst/>
+                <a:latin typeface="Cambria" panose="02040503050406030204" pitchFamily="18" charset="0"/>
+              </a:rPr>
+              <a:t>plastoVisu</a:t>
+            </a:r>
+            <a:r>
+              <a:rPr kumimoji="0" lang="fr-FR" altLang="fr-FR" sz="1600" b="0" i="0" u="none" strike="noStrike" cap="none" normalizeH="0" baseline="0" dirty="0" smtClean="0">
+                <a:ln>
+                  <a:noFill/>
+                </a:ln>
+                <a:solidFill>
+                  <a:srgbClr val="C0C0C0"/>
+                </a:solidFill>
+                <a:effectLst/>
+                <a:latin typeface="Cambria" panose="02040503050406030204" pitchFamily="18" charset="0"/>
+              </a:rPr>
+              <a:t> </a:t>
+            </a:r>
+            <a:r>
+              <a:rPr kumimoji="0" lang="fr-FR" altLang="fr-FR" sz="1600" b="0" i="0" u="none" strike="noStrike" cap="none" normalizeH="0" baseline="0" dirty="0" smtClean="0">
+                <a:ln>
+                  <a:noFill/>
+                </a:ln>
+                <a:solidFill>
+                  <a:schemeClr val="tx1"/>
+                </a:solidFill>
+                <a:effectLst/>
+                <a:latin typeface="Cambria" panose="02040503050406030204" pitchFamily="18" charset="0"/>
+              </a:rPr>
+              <a:t>=</a:t>
+            </a:r>
+            <a:r>
+              <a:rPr kumimoji="0" lang="fr-FR" altLang="fr-FR" sz="1600" b="0" i="0" u="none" strike="noStrike" cap="none" normalizeH="0" baseline="0" dirty="0" smtClean="0">
+                <a:ln>
+                  <a:noFill/>
+                </a:ln>
+                <a:solidFill>
+                  <a:srgbClr val="C0C0C0"/>
+                </a:solidFill>
+                <a:effectLst/>
+                <a:latin typeface="Cambria" panose="02040503050406030204" pitchFamily="18" charset="0"/>
+              </a:rPr>
+              <a:t> </a:t>
+            </a:r>
+            <a:r>
+              <a:rPr kumimoji="0" lang="fr-FR" altLang="fr-FR" sz="1600" b="0" i="0" u="none" strike="noStrike" cap="none" normalizeH="0" baseline="0" dirty="0" err="1" smtClean="0">
+                <a:ln>
+                  <a:noFill/>
+                </a:ln>
+                <a:solidFill>
+                  <a:srgbClr val="800000"/>
+                </a:solidFill>
+                <a:effectLst/>
+                <a:latin typeface="Cambria" panose="02040503050406030204" pitchFamily="18" charset="0"/>
+              </a:rPr>
+              <a:t>plastoVisu</a:t>
+            </a:r>
+            <a:r>
+              <a:rPr kumimoji="0" lang="fr-FR" altLang="fr-FR" sz="1600" b="0" i="0" u="none" strike="noStrike" cap="none" normalizeH="0" baseline="0" dirty="0" smtClean="0">
+                <a:ln>
+                  <a:noFill/>
+                </a:ln>
+                <a:solidFill>
+                  <a:srgbClr val="C0C0C0"/>
+                </a:solidFill>
+                <a:effectLst/>
+                <a:latin typeface="Cambria" panose="02040503050406030204" pitchFamily="18" charset="0"/>
+              </a:rPr>
+              <a:t> </a:t>
+            </a:r>
+            <a:r>
+              <a:rPr kumimoji="0" lang="fr-FR" altLang="fr-FR" sz="1600" b="0" i="0" u="none" strike="noStrike" cap="none" normalizeH="0" baseline="0" dirty="0" smtClean="0">
+                <a:ln>
+                  <a:noFill/>
+                </a:ln>
+                <a:solidFill>
+                  <a:schemeClr val="tx1"/>
+                </a:solidFill>
+                <a:effectLst/>
+                <a:latin typeface="Cambria" panose="02040503050406030204" pitchFamily="18" charset="0"/>
+              </a:rPr>
+              <a:t>+</a:t>
+            </a:r>
+            <a:r>
+              <a:rPr kumimoji="0" lang="fr-FR" altLang="fr-FR" sz="1600" b="0" i="0" u="none" strike="noStrike" cap="none" normalizeH="0" baseline="0" dirty="0" smtClean="0">
+                <a:ln>
+                  <a:noFill/>
+                </a:ln>
+                <a:solidFill>
+                  <a:srgbClr val="C0C0C0"/>
+                </a:solidFill>
+                <a:effectLst/>
+                <a:latin typeface="Cambria" panose="02040503050406030204" pitchFamily="18" charset="0"/>
+              </a:rPr>
+              <a:t> </a:t>
+            </a:r>
+            <a:r>
+              <a:rPr kumimoji="0" lang="fr-FR" altLang="fr-FR" sz="1600" b="0" i="0" u="none" strike="noStrike" cap="none" normalizeH="0" baseline="0" dirty="0" smtClean="0">
+                <a:ln>
+                  <a:noFill/>
+                </a:ln>
+                <a:solidFill>
+                  <a:srgbClr val="800000"/>
+                </a:solidFill>
+                <a:effectLst/>
+                <a:latin typeface="Cambria" panose="02040503050406030204" pitchFamily="18" charset="0"/>
+              </a:rPr>
+              <a:t>EDD</a:t>
+            </a:r>
+            <a:r>
+              <a:rPr kumimoji="0" lang="fr-FR" altLang="fr-FR" sz="1600" b="0" i="0" u="none" strike="noStrike" cap="none" normalizeH="0" baseline="0" dirty="0" smtClean="0">
+                <a:ln>
+                  <a:noFill/>
+                </a:ln>
+                <a:solidFill>
+                  <a:schemeClr val="tx1"/>
+                </a:solidFill>
+                <a:effectLst/>
+                <a:latin typeface="Cambria" panose="02040503050406030204" pitchFamily="18" charset="0"/>
+              </a:rPr>
+              <a:t>;</a:t>
+            </a:r>
+          </a:p>
+          <a:p>
+            <a:pPr lvl="0" eaLnBrk="0" fontAlgn="base" hangingPunct="0">
+              <a:spcBef>
+                <a:spcPct val="0"/>
+              </a:spcBef>
+              <a:spcAft>
+                <a:spcPct val="0"/>
+              </a:spcAft>
+            </a:pPr>
+            <a:r>
+              <a:rPr lang="fr-FR" altLang="fr-FR" sz="1600" dirty="0">
+                <a:latin typeface="Cambria" panose="02040503050406030204" pitchFamily="18" charset="0"/>
+              </a:rPr>
+              <a:t>	</a:t>
+            </a:r>
+            <a:r>
+              <a:rPr kumimoji="0" lang="fr-FR" altLang="fr-FR" sz="1600" b="0" i="0" u="none" strike="noStrike" cap="none" normalizeH="0" baseline="0" dirty="0" smtClean="0">
+                <a:ln>
+                  <a:noFill/>
+                </a:ln>
+                <a:solidFill>
+                  <a:srgbClr val="800000"/>
+                </a:solidFill>
+                <a:effectLst/>
+                <a:latin typeface="Cambria" panose="02040503050406030204" pitchFamily="18" charset="0"/>
+              </a:rPr>
+              <a:t> </a:t>
+            </a:r>
+            <a:r>
+              <a:rPr kumimoji="0" lang="fr-FR" altLang="fr-FR" sz="1600" b="0" i="0" u="none" strike="noStrike" cap="none" normalizeH="0" baseline="0" dirty="0" err="1" smtClean="0">
+                <a:ln>
+                  <a:noFill/>
+                </a:ln>
+                <a:solidFill>
+                  <a:srgbClr val="800000"/>
+                </a:solidFill>
+                <a:effectLst/>
+                <a:latin typeface="Cambria" panose="02040503050406030204" pitchFamily="18" charset="0"/>
+              </a:rPr>
+              <a:t>liguloVisu</a:t>
+            </a:r>
+            <a:r>
+              <a:rPr kumimoji="0" lang="fr-FR" altLang="fr-FR" sz="1600" b="0" i="0" u="none" strike="noStrike" cap="none" normalizeH="0" baseline="0" dirty="0" smtClean="0">
+                <a:ln>
+                  <a:noFill/>
+                </a:ln>
+                <a:solidFill>
+                  <a:srgbClr val="C0C0C0"/>
+                </a:solidFill>
+                <a:effectLst/>
+                <a:latin typeface="Cambria" panose="02040503050406030204" pitchFamily="18" charset="0"/>
+              </a:rPr>
+              <a:t> </a:t>
+            </a:r>
+            <a:r>
+              <a:rPr kumimoji="0" lang="fr-FR" altLang="fr-FR" sz="1600" b="0" i="0" u="none" strike="noStrike" cap="none" normalizeH="0" baseline="0" dirty="0" smtClean="0">
+                <a:ln>
+                  <a:noFill/>
+                </a:ln>
+                <a:solidFill>
+                  <a:schemeClr val="tx1"/>
+                </a:solidFill>
+                <a:effectLst/>
+                <a:latin typeface="Cambria" panose="02040503050406030204" pitchFamily="18" charset="0"/>
+              </a:rPr>
+              <a:t>=</a:t>
+            </a:r>
+            <a:r>
+              <a:rPr kumimoji="0" lang="fr-FR" altLang="fr-FR" sz="1600" b="0" i="0" u="none" strike="noStrike" cap="none" normalizeH="0" baseline="0" dirty="0" smtClean="0">
+                <a:ln>
+                  <a:noFill/>
+                </a:ln>
+                <a:solidFill>
+                  <a:srgbClr val="C0C0C0"/>
+                </a:solidFill>
+                <a:effectLst/>
+                <a:latin typeface="Cambria" panose="02040503050406030204" pitchFamily="18" charset="0"/>
+              </a:rPr>
+              <a:t> </a:t>
+            </a:r>
+            <a:r>
+              <a:rPr kumimoji="0" lang="fr-FR" altLang="fr-FR" sz="1600" b="0" i="0" u="none" strike="noStrike" cap="none" normalizeH="0" baseline="0" dirty="0" err="1" smtClean="0">
+                <a:ln>
+                  <a:noFill/>
+                </a:ln>
+                <a:solidFill>
+                  <a:srgbClr val="800000"/>
+                </a:solidFill>
+                <a:effectLst/>
+                <a:latin typeface="Cambria" panose="02040503050406030204" pitchFamily="18" charset="0"/>
+              </a:rPr>
+              <a:t>liguloVisu</a:t>
+            </a:r>
+            <a:r>
+              <a:rPr kumimoji="0" lang="fr-FR" altLang="fr-FR" sz="1600" b="0" i="0" u="none" strike="noStrike" cap="none" normalizeH="0" baseline="0" dirty="0" smtClean="0">
+                <a:ln>
+                  <a:noFill/>
+                </a:ln>
+                <a:solidFill>
+                  <a:srgbClr val="C0C0C0"/>
+                </a:solidFill>
+                <a:effectLst/>
+                <a:latin typeface="Cambria" panose="02040503050406030204" pitchFamily="18" charset="0"/>
+              </a:rPr>
+              <a:t> </a:t>
+            </a:r>
+            <a:r>
+              <a:rPr kumimoji="0" lang="fr-FR" altLang="fr-FR" sz="1600" b="0" i="0" u="none" strike="noStrike" cap="none" normalizeH="0" baseline="0" dirty="0" smtClean="0">
+                <a:ln>
+                  <a:noFill/>
+                </a:ln>
+                <a:solidFill>
+                  <a:schemeClr val="tx1"/>
+                </a:solidFill>
+                <a:effectLst/>
+                <a:latin typeface="Cambria" panose="02040503050406030204" pitchFamily="18" charset="0"/>
+              </a:rPr>
+              <a:t>+</a:t>
+            </a:r>
+            <a:r>
+              <a:rPr kumimoji="0" lang="fr-FR" altLang="fr-FR" sz="1600" b="0" i="0" u="none" strike="noStrike" cap="none" normalizeH="0" baseline="0" dirty="0" smtClean="0">
+                <a:ln>
+                  <a:noFill/>
+                </a:ln>
+                <a:solidFill>
+                  <a:srgbClr val="C0C0C0"/>
+                </a:solidFill>
+                <a:effectLst/>
+                <a:latin typeface="Cambria" panose="02040503050406030204" pitchFamily="18" charset="0"/>
+              </a:rPr>
+              <a:t> </a:t>
+            </a:r>
+            <a:r>
+              <a:rPr kumimoji="0" lang="fr-FR" altLang="fr-FR" sz="1600" b="0" i="0" u="none" strike="noStrike" cap="none" normalizeH="0" baseline="0" dirty="0" smtClean="0">
+                <a:ln>
+                  <a:noFill/>
+                </a:ln>
+                <a:solidFill>
+                  <a:srgbClr val="800000"/>
+                </a:solidFill>
+                <a:effectLst/>
+                <a:latin typeface="Cambria" panose="02040503050406030204" pitchFamily="18" charset="0"/>
+              </a:rPr>
+              <a:t>EDD</a:t>
+            </a:r>
+            <a:r>
+              <a:rPr kumimoji="0" lang="fr-FR" altLang="fr-FR" sz="1600" b="0" i="0" u="none" strike="noStrike" cap="none" normalizeH="0" baseline="0" dirty="0" smtClean="0">
+                <a:ln>
+                  <a:noFill/>
+                </a:ln>
+                <a:solidFill>
+                  <a:schemeClr val="tx1"/>
+                </a:solidFill>
+                <a:effectLst/>
+                <a:latin typeface="Cambria" panose="02040503050406030204" pitchFamily="18" charset="0"/>
+              </a:rPr>
+              <a:t>; </a:t>
+            </a:r>
+            <a:endParaRPr lang="fr-FR" altLang="fr-FR" sz="1600" dirty="0">
+              <a:latin typeface="Cambria" panose="02040503050406030204" pitchFamily="18" charset="0"/>
+            </a:endParaRPr>
+          </a:p>
+          <a:p>
+            <a:pPr lvl="0" eaLnBrk="0" fontAlgn="base" hangingPunct="0">
+              <a:spcBef>
+                <a:spcPct val="0"/>
+              </a:spcBef>
+              <a:spcAft>
+                <a:spcPct val="0"/>
+              </a:spcAft>
+            </a:pPr>
+            <a:r>
+              <a:rPr kumimoji="0" lang="fr-FR" altLang="fr-FR" sz="1600" b="0" i="0" u="none" strike="noStrike" cap="none" normalizeH="0" baseline="0" dirty="0" smtClean="0">
+                <a:ln>
+                  <a:noFill/>
+                </a:ln>
+                <a:solidFill>
+                  <a:schemeClr val="tx1"/>
+                </a:solidFill>
+                <a:effectLst/>
+                <a:latin typeface="Cambria" panose="02040503050406030204" pitchFamily="18" charset="0"/>
+              </a:rPr>
+              <a:t>}</a:t>
+            </a:r>
+            <a:br>
+              <a:rPr kumimoji="0" lang="fr-FR" altLang="fr-FR" sz="1600" b="0" i="0" u="none" strike="noStrike" cap="none" normalizeH="0" baseline="0" dirty="0" smtClean="0">
+                <a:ln>
+                  <a:noFill/>
+                </a:ln>
+                <a:solidFill>
+                  <a:schemeClr val="tx1"/>
+                </a:solidFill>
+                <a:effectLst/>
+                <a:latin typeface="Cambria" panose="02040503050406030204" pitchFamily="18" charset="0"/>
+              </a:rPr>
+            </a:br>
+            <a:endParaRPr kumimoji="0" lang="fr-FR" altLang="fr-FR" sz="1600" b="0" i="0" u="none" strike="noStrike" cap="none" normalizeH="0" baseline="0" dirty="0" smtClean="0">
+              <a:ln>
+                <a:noFill/>
+              </a:ln>
+              <a:solidFill>
+                <a:schemeClr val="tx1"/>
+              </a:solidFill>
+              <a:effectLst/>
+              <a:latin typeface="Cambria" panose="02040503050406030204" pitchFamily="18" charset="0"/>
+            </a:endParaRPr>
+          </a:p>
+          <a:p>
+            <a:pPr eaLnBrk="0" fontAlgn="base" hangingPunct="0">
+              <a:spcBef>
+                <a:spcPct val="0"/>
+              </a:spcBef>
+              <a:spcAft>
+                <a:spcPct val="0"/>
+              </a:spcAft>
+            </a:pPr>
+            <a:r>
+              <a:rPr lang="fr-FR" sz="1600" dirty="0" err="1" smtClean="0">
+                <a:solidFill>
+                  <a:srgbClr val="800000"/>
+                </a:solidFill>
+                <a:effectLst/>
+                <a:latin typeface="Cambria" panose="02040503050406030204" pitchFamily="18" charset="0"/>
+              </a:rPr>
+              <a:t>sla</a:t>
+            </a:r>
+            <a:r>
+              <a:rPr lang="fr-FR" sz="1600" dirty="0" smtClean="0">
+                <a:solidFill>
+                  <a:srgbClr val="C0C0C0"/>
+                </a:solidFill>
+                <a:effectLst/>
+                <a:latin typeface="Cambria" panose="02040503050406030204" pitchFamily="18" charset="0"/>
+              </a:rPr>
+              <a:t> </a:t>
+            </a:r>
+            <a:r>
+              <a:rPr lang="fr-FR" sz="1600" dirty="0" smtClean="0">
+                <a:latin typeface="Cambria" panose="02040503050406030204" pitchFamily="18" charset="0"/>
+              </a:rPr>
+              <a:t>=</a:t>
+            </a:r>
+            <a:r>
+              <a:rPr lang="fr-FR" sz="1600" dirty="0" smtClean="0">
+                <a:solidFill>
+                  <a:srgbClr val="C0C0C0"/>
+                </a:solidFill>
+                <a:effectLst/>
+                <a:latin typeface="Cambria" panose="02040503050406030204" pitchFamily="18" charset="0"/>
+              </a:rPr>
+              <a:t> </a:t>
+            </a:r>
+            <a:r>
+              <a:rPr lang="fr-FR" sz="1600" dirty="0" smtClean="0">
+                <a:solidFill>
+                  <a:srgbClr val="800000"/>
+                </a:solidFill>
+                <a:effectLst/>
+                <a:latin typeface="Cambria" panose="02040503050406030204" pitchFamily="18" charset="0"/>
+              </a:rPr>
+              <a:t>FSLA</a:t>
+            </a:r>
+            <a:r>
+              <a:rPr lang="fr-FR" sz="1600" dirty="0" smtClean="0">
+                <a:solidFill>
+                  <a:srgbClr val="C0C0C0"/>
+                </a:solidFill>
+                <a:effectLst/>
+                <a:latin typeface="Cambria" panose="02040503050406030204" pitchFamily="18" charset="0"/>
+              </a:rPr>
+              <a:t> </a:t>
+            </a:r>
+            <a:r>
+              <a:rPr lang="fr-FR" sz="1600" dirty="0" smtClean="0">
+                <a:latin typeface="Cambria" panose="02040503050406030204" pitchFamily="18" charset="0"/>
+              </a:rPr>
+              <a:t>-</a:t>
+            </a:r>
+            <a:r>
+              <a:rPr lang="fr-FR" sz="1600" dirty="0" smtClean="0">
+                <a:solidFill>
+                  <a:srgbClr val="C0C0C0"/>
+                </a:solidFill>
+                <a:effectLst/>
+                <a:latin typeface="Cambria" panose="02040503050406030204" pitchFamily="18" charset="0"/>
+              </a:rPr>
+              <a:t> </a:t>
+            </a:r>
+            <a:r>
+              <a:rPr lang="fr-FR" sz="1600" dirty="0" err="1" smtClean="0">
+                <a:solidFill>
+                  <a:srgbClr val="800000"/>
+                </a:solidFill>
+                <a:effectLst/>
+                <a:latin typeface="Cambria" panose="02040503050406030204" pitchFamily="18" charset="0"/>
+              </a:rPr>
+              <a:t>SLAp</a:t>
+            </a:r>
+            <a:r>
+              <a:rPr lang="fr-FR" sz="1600" dirty="0" smtClean="0">
+                <a:solidFill>
+                  <a:srgbClr val="C0C0C0"/>
+                </a:solidFill>
+                <a:effectLst/>
+                <a:latin typeface="Cambria" panose="02040503050406030204" pitchFamily="18" charset="0"/>
+              </a:rPr>
+              <a:t> </a:t>
+            </a:r>
+            <a:r>
+              <a:rPr lang="fr-FR" sz="1600" dirty="0" smtClean="0">
+                <a:latin typeface="Cambria" panose="02040503050406030204" pitchFamily="18" charset="0"/>
+              </a:rPr>
+              <a:t>*</a:t>
+            </a:r>
+            <a:r>
+              <a:rPr lang="fr-FR" sz="1600" dirty="0" smtClean="0">
+                <a:solidFill>
+                  <a:srgbClr val="C0C0C0"/>
+                </a:solidFill>
+                <a:effectLst/>
+                <a:latin typeface="Cambria" panose="02040503050406030204" pitchFamily="18" charset="0"/>
+              </a:rPr>
+              <a:t> </a:t>
+            </a:r>
+            <a:r>
+              <a:rPr lang="fr-FR" sz="1600" dirty="0" smtClean="0">
+                <a:latin typeface="Cambria" panose="02040503050406030204" pitchFamily="18" charset="0"/>
+              </a:rPr>
+              <a:t>log(</a:t>
+            </a:r>
+            <a:r>
+              <a:rPr lang="fr-FR" sz="1600" dirty="0" err="1" smtClean="0">
+                <a:solidFill>
+                  <a:srgbClr val="800000"/>
+                </a:solidFill>
+                <a:effectLst/>
+                <a:latin typeface="Cambria" panose="02040503050406030204" pitchFamily="18" charset="0"/>
+              </a:rPr>
+              <a:t>phenoStage</a:t>
+            </a:r>
+            <a:r>
+              <a:rPr lang="fr-FR" sz="1600" dirty="0" smtClean="0">
+                <a:latin typeface="Cambria" panose="02040503050406030204" pitchFamily="18" charset="0"/>
+              </a:rPr>
+              <a:t>);</a:t>
+            </a:r>
+          </a:p>
+          <a:p>
+            <a:pPr lvl="0" eaLnBrk="0" fontAlgn="base" hangingPunct="0">
+              <a:spcBef>
+                <a:spcPct val="0"/>
+              </a:spcBef>
+              <a:spcAft>
+                <a:spcPct val="0"/>
+              </a:spcAft>
+            </a:pPr>
+            <a:endParaRPr kumimoji="0" lang="fr-FR" altLang="fr-FR" sz="1600" b="0" i="0" u="none" strike="noStrike" cap="none" normalizeH="0" baseline="0" dirty="0" smtClean="0">
+              <a:ln>
+                <a:noFill/>
+              </a:ln>
+              <a:solidFill>
+                <a:schemeClr val="tx1"/>
+              </a:solidFill>
+              <a:effectLst/>
+              <a:latin typeface="Cambria" panose="02040503050406030204" pitchFamily="18" charset="0"/>
+            </a:endParaRPr>
+          </a:p>
+        </p:txBody>
+      </p:sp>
+    </p:spTree>
+    <p:extLst>
+      <p:ext uri="{BB962C8B-B14F-4D97-AF65-F5344CB8AC3E}">
+        <p14:creationId xmlns:p14="http://schemas.microsoft.com/office/powerpoint/2010/main" val="2774531770"/>
+      </p:ext>
+    </p:extLst>
+  </p:cSld>
+  <p:clrMapOvr>
+    <a:masterClrMapping/>
+  </p:clrMapOvr>
+</p:sld>
+</file>
+
+<file path=ppt/slides/slide2.xml><?xml version="1.0" encoding="utf-8"?>
+<p:sld xmlns:a="http://schemas.openxmlformats.org/drawingml/2006/main" xmlns:r="http://schemas.openxmlformats.org/officeDocument/2006/relationships" xmlns:p="http://schemas.openxmlformats.org/presentationml/2006/main">
+  <p:cSld>
+    <p:spTree>
+      <p:nvGrpSpPr>
+        <p:cNvPr id="1" name=""/>
+        <p:cNvGrpSpPr/>
+        <p:nvPr/>
+      </p:nvGrpSpPr>
+      <p:grpSpPr>
+        <a:xfrm>
+          <a:off x="0" y="0"/>
+          <a:ext cx="0" cy="0"/>
+          <a:chOff x="0" y="0"/>
+          <a:chExt cx="0" cy="0"/>
+        </a:xfrm>
+      </p:grpSpPr>
+      <p:sp>
+        <p:nvSpPr>
           <p:cNvPr id="4" name="Rectangle 3"/>
           <p:cNvSpPr/>
           <p:nvPr/>
@@ -3628,7 +6474,7 @@
         </p:nvSpPr>
         <p:spPr>
           <a:xfrm>
-            <a:off x="10463137" y="5726447"/>
+            <a:off x="5184555" y="5535255"/>
             <a:ext cx="1622559" cy="923330"/>
           </a:xfrm>
           <a:prstGeom prst="rect">
@@ -4236,6 +7082,49 @@
           </a:p>
         </p:txBody>
       </p:sp>
+      <p:sp>
+        <p:nvSpPr>
+          <p:cNvPr id="2" name="Rectangle 1"/>
+          <p:cNvSpPr/>
+          <p:nvPr/>
+        </p:nvSpPr>
+        <p:spPr>
+          <a:xfrm>
+            <a:off x="6425157" y="6273919"/>
+            <a:ext cx="1791388" cy="369332"/>
+          </a:xfrm>
+          <a:prstGeom prst="rect">
+            <a:avLst/>
+          </a:prstGeom>
+        </p:spPr>
+        <p:txBody>
+          <a:bodyPr wrap="none">
+            <a:spAutoFit/>
+          </a:bodyPr>
+          <a:lstStyle/>
+          <a:p>
+            <a:r>
+              <a:rPr lang="fr-FR" altLang="fr-FR" dirty="0" smtClean="0">
+                <a:solidFill>
+                  <a:srgbClr val="800000"/>
+                </a:solidFill>
+                <a:latin typeface="Cambria" panose="02040503050406030204" pitchFamily="18" charset="0"/>
+              </a:rPr>
+              <a:t>Test </a:t>
+            </a:r>
+            <a:r>
+              <a:rPr lang="fr-FR" altLang="fr-FR" dirty="0" err="1" smtClean="0">
+                <a:solidFill>
+                  <a:srgbClr val="800000"/>
+                </a:solidFill>
+                <a:latin typeface="Cambria" panose="02040503050406030204" pitchFamily="18" charset="0"/>
+              </a:rPr>
+              <a:t>phenoStage</a:t>
+            </a:r>
+            <a:endParaRPr lang="fr-FR" dirty="0"/>
+          </a:p>
+        </p:txBody>
+      </p:sp>
     </p:spTree>
     <p:extLst>
       <p:ext uri="{BB962C8B-B14F-4D97-AF65-F5344CB8AC3E}">
@@ -4249,7 +7138,7 @@
 </p:sld>
 </file>
 
-<file path=ppt/slides/slide2.xml><?xml version="1.0" encoding="utf-8"?>
+<file path=ppt/slides/slide3.xml><?xml version="1.0" encoding="utf-8"?>
 <p:sld xmlns:a="http://schemas.openxmlformats.org/drawingml/2006/main" xmlns:r="http://schemas.openxmlformats.org/officeDocument/2006/relationships" xmlns:p="http://schemas.openxmlformats.org/presentationml/2006/main">
   <p:cSld>
     <p:spTree>
@@ -5091,11 +7980,6 @@
               </a:rPr>
               <a:t>&gt; 0</a:t>
             </a:r>
-            <a:endParaRPr lang="fr-FR" sz="1400" dirty="0">
-              <a:latin typeface="Verdana" panose="020B0604030504040204" pitchFamily="34" charset="0"/>
-              <a:ea typeface="Verdana" panose="020B0604030504040204" pitchFamily="34" charset="0"/>
-              <a:cs typeface="Verdana" panose="020B0604030504040204" pitchFamily="34" charset="0"/>
-            </a:endParaRPr>
           </a:p>
         </p:txBody>
       </p:sp>
@@ -5913,7 +8797,7 @@
 </p:sld>
 </file>
 
-<file path=ppt/slides/slide3.xml><?xml version="1.0" encoding="utf-8"?>
+<file path=ppt/slides/slide4.xml><?xml version="1.0" encoding="utf-8"?>
 <p:sld xmlns:a="http://schemas.openxmlformats.org/drawingml/2006/main" xmlns:r="http://schemas.openxmlformats.org/officeDocument/2006/relationships" xmlns:p="http://schemas.openxmlformats.org/presentationml/2006/main">
   <p:cSld>
     <p:spTree>
@@ -6989,7 +9873,7 @@
 </p:sld>
 </file>
 
-<file path=ppt/slides/slide4.xml><?xml version="1.0" encoding="utf-8"?>
+<file path=ppt/slides/slide5.xml><?xml version="1.0" encoding="utf-8"?>
 <p:sld xmlns:a="http://schemas.openxmlformats.org/drawingml/2006/main" xmlns:r="http://schemas.openxmlformats.org/officeDocument/2006/relationships" xmlns:p="http://schemas.openxmlformats.org/presentationml/2006/main">
   <p:cSld>
     <p:spTree>
@@ -7006,8 +9890,818 @@
           <a:chExt cx="0" cy="0"/>
         </a:xfrm>
       </p:grpSpPr>
-      <mc:AlternateContent xmlns:mc="http://schemas.openxmlformats.org/markup-compatibility/2006">
-        <mc:Choice xmlns:a14="http://schemas.microsoft.com/office/drawing/2010/main" Requires="a14">
+      <p:sp>
+        <p:nvSpPr>
+          <p:cNvPr id="9" name="Rectangle à coins arrondis 8"/>
+          <p:cNvSpPr/>
+          <p:nvPr/>
+        </p:nvSpPr>
+        <p:spPr>
+          <a:xfrm>
+            <a:off x="818147" y="992856"/>
+            <a:ext cx="3922296" cy="4469480"/>
+          </a:xfrm>
+          <a:prstGeom prst="roundRect">
+            <a:avLst/>
+          </a:prstGeom>
+        </p:spPr>
+        <p:style>
+          <a:lnRef idx="2">
+            <a:schemeClr val="accent1"/>
+          </a:lnRef>
+          <a:fillRef idx="1">
+            <a:schemeClr val="lt1"/>
+          </a:fillRef>
+          <a:effectRef idx="0">
+            <a:schemeClr val="accent1"/>
+          </a:effectRef>
+          <a:fontRef idx="minor">
+            <a:schemeClr val="dk1"/>
+          </a:fontRef>
+        </p:style>
+        <p:txBody>
+          <a:bodyPr rtlCol="0" anchor="t"/>
+          <a:lstStyle/>
+          <a:p>
+            <a:pPr algn="ctr"/>
+            <a:r>
+              <a:rPr lang="fr-FR" sz="3600" dirty="0" smtClean="0"/>
+              <a:t>Plant</a:t>
+            </a:r>
+            <a:endParaRPr lang="fr-FR" sz="3600" dirty="0"/>
+          </a:p>
+        </p:txBody>
+      </p:sp>
+      <p:sp>
+        <p:nvSpPr>
+          <p:cNvPr id="6" name="Rectangle 3"/>
+          <p:cNvSpPr>
+            <a:spLocks noChangeArrowheads="1"/>
+          </p:cNvSpPr>
+          <p:nvPr/>
+        </p:nvSpPr>
+        <p:spPr bwMode="auto">
+          <a:xfrm>
+            <a:off x="1010653" y="4946674"/>
+            <a:ext cx="3537284" cy="276999"/>
+          </a:xfrm>
+          <a:prstGeom prst="rect">
+            <a:avLst/>
+          </a:prstGeom>
+          <a:noFill/>
+          <a:ln>
+            <a:noFill/>
+          </a:ln>
+          <a:effectLst/>
+          <a:extLst>
+            <a:ext uri="{909E8E84-426E-40DD-AFC4-6F175D3DCCD1}">
+              <a14:hiddenFill xmlns:a14="http://schemas.microsoft.com/office/drawing/2010/main">
+                <a:solidFill>
+                  <a:schemeClr val="accent1"/>
+                </a:solidFill>
+              </a14:hiddenFill>
+            </a:ext>
+            <a:ext uri="{91240B29-F687-4F45-9708-019B960494DF}">
+              <a14:hiddenLine xmlns:a14="http://schemas.microsoft.com/office/drawing/2010/main" w="9525">
+                <a:solidFill>
+                  <a:schemeClr val="tx1"/>
+                </a:solidFill>
+                <a:miter lim="800000"/>
+                <a:headEnd/>
+                <a:tailEnd/>
+              </a14:hiddenLine>
+            </a:ext>
+            <a:ext uri="{AF507438-7753-43E0-B8FC-AC1667EBCBE1}">
+              <a14:hiddenEffects xmlns:a14="http://schemas.microsoft.com/office/drawing/2010/main">
+                <a:effectLst>
+                  <a:outerShdw dist="35921" dir="2700000" algn="ctr" rotWithShape="0">
+                    <a:schemeClr val="bg2"/>
+                  </a:outerShdw>
+                </a:effectLst>
+              </a14:hiddenEffects>
+            </a:ext>
+          </a:extLst>
+        </p:spPr>
+        <p:txBody>
+          <a:bodyPr vert="horz" wrap="square" lIns="0" tIns="0" rIns="0" bIns="0" numCol="1" anchor="ctr" anchorCtr="0" compatLnSpc="1">
+            <a:prstTxWarp prst="textNoShape">
+              <a:avLst/>
+            </a:prstTxWarp>
+            <a:spAutoFit/>
+          </a:bodyPr>
+          <a:lstStyle/>
+          <a:p>
+            <a:pPr marL="0" marR="0" lvl="0" indent="0" algn="ctr" defTabSz="914400" rtl="0" eaLnBrk="0" fontAlgn="base" latinLnBrk="0" hangingPunct="0">
+              <a:lnSpc>
+                <a:spcPct val="100000"/>
+              </a:lnSpc>
+              <a:spcBef>
+                <a:spcPct val="0"/>
+              </a:spcBef>
+              <a:spcAft>
+                <a:spcPct val="0"/>
+              </a:spcAft>
+              <a:buClrTx/>
+              <a:buSzTx/>
+              <a:buFontTx/>
+              <a:buNone/>
+              <a:tabLst/>
+            </a:pPr>
+            <a:r>
+              <a:rPr kumimoji="0" lang="fr-FR" altLang="fr-FR" b="0" i="0" u="none" strike="noStrike" cap="none" normalizeH="0" baseline="0" dirty="0" smtClean="0">
+                <a:ln>
+                  <a:noFill/>
+                </a:ln>
+                <a:solidFill>
+                  <a:srgbClr val="800080"/>
+                </a:solidFill>
+                <a:effectLst/>
+                <a:latin typeface="Arial Unicode MS"/>
+              </a:rPr>
+              <a:t>NEW_PHYTOMER_AVAILABLE</a:t>
+            </a:r>
+            <a:endParaRPr kumimoji="0" lang="fr-FR" altLang="fr-FR" b="0" i="0" u="none" strike="noStrike" cap="none" normalizeH="0" baseline="0" dirty="0" smtClean="0">
+              <a:ln>
+                <a:noFill/>
+              </a:ln>
+              <a:solidFill>
+                <a:schemeClr val="tx1"/>
+              </a:solidFill>
+              <a:effectLst/>
+              <a:latin typeface="Arial" panose="020B0604020202020204" pitchFamily="34" charset="0"/>
+            </a:endParaRPr>
+          </a:p>
+        </p:txBody>
+      </p:sp>
+      <p:sp>
+        <p:nvSpPr>
+          <p:cNvPr id="10" name="Rectangle 9"/>
+          <p:cNvSpPr/>
+          <p:nvPr/>
+        </p:nvSpPr>
+        <p:spPr>
+          <a:xfrm>
+            <a:off x="1203155" y="1907935"/>
+            <a:ext cx="3064044" cy="2585323"/>
+          </a:xfrm>
+          <a:prstGeom prst="rect">
+            <a:avLst/>
+          </a:prstGeom>
+        </p:spPr>
+        <p:txBody>
+          <a:bodyPr wrap="square">
+            <a:spAutoFit/>
+          </a:bodyPr>
+          <a:lstStyle/>
+          <a:p>
+            <a:pPr algn="ctr"/>
+            <a:r>
+              <a:rPr lang="fr-FR" altLang="fr-FR" dirty="0" smtClean="0">
+                <a:latin typeface="Arial Unicode MS"/>
+              </a:rPr>
+              <a:t>(  </a:t>
+            </a:r>
+            <a:r>
+              <a:rPr lang="fr-FR" altLang="fr-FR" dirty="0" smtClean="0">
+                <a:solidFill>
+                  <a:srgbClr val="800080"/>
+                </a:solidFill>
+                <a:latin typeface="Arial Unicode MS"/>
+              </a:rPr>
+              <a:t>VEGETATIVE</a:t>
+            </a:r>
+            <a:r>
+              <a:rPr lang="fr-FR" altLang="fr-FR" dirty="0" smtClean="0"/>
+              <a:t> </a:t>
+            </a:r>
+          </a:p>
+          <a:p>
+            <a:pPr algn="ctr"/>
+            <a:r>
+              <a:rPr lang="fr-FR" altLang="fr-FR" dirty="0" smtClean="0">
+                <a:latin typeface="Arial Unicode MS"/>
+              </a:rPr>
+              <a:t>or</a:t>
+            </a:r>
+            <a:r>
+              <a:rPr lang="fr-FR" altLang="fr-FR" dirty="0" smtClean="0">
+                <a:solidFill>
+                  <a:srgbClr val="800080"/>
+                </a:solidFill>
+                <a:latin typeface="Arial Unicode MS"/>
+              </a:rPr>
+              <a:t> ELONG</a:t>
+            </a:r>
+            <a:r>
+              <a:rPr lang="fr-FR" altLang="fr-FR" dirty="0" smtClean="0"/>
+              <a:t> </a:t>
+            </a:r>
+            <a:endParaRPr lang="fr-FR" dirty="0" smtClean="0"/>
+          </a:p>
+          <a:p>
+            <a:pPr algn="ctr"/>
+            <a:r>
+              <a:rPr lang="fr-FR" altLang="fr-FR" dirty="0" smtClean="0">
+                <a:latin typeface="Arial Unicode MS"/>
+              </a:rPr>
+              <a:t>or</a:t>
+            </a:r>
+            <a:r>
+              <a:rPr lang="fr-FR" altLang="fr-FR" dirty="0" smtClean="0">
+                <a:solidFill>
+                  <a:srgbClr val="800080"/>
+                </a:solidFill>
+                <a:latin typeface="Arial Unicode MS"/>
+              </a:rPr>
+              <a:t> PI</a:t>
+            </a:r>
+            <a:endParaRPr lang="fr-FR" dirty="0" smtClean="0"/>
+          </a:p>
+          <a:p>
+            <a:pPr algn="ctr"/>
+            <a:r>
+              <a:rPr lang="fr-FR" altLang="fr-FR" dirty="0" smtClean="0">
+                <a:latin typeface="Arial Unicode MS"/>
+              </a:rPr>
+              <a:t>or</a:t>
+            </a:r>
+            <a:r>
+              <a:rPr lang="fr-FR" altLang="fr-FR" dirty="0" smtClean="0">
+                <a:solidFill>
+                  <a:srgbClr val="800080"/>
+                </a:solidFill>
+                <a:latin typeface="Arial Unicode MS"/>
+              </a:rPr>
+              <a:t> PRE_FLO  </a:t>
+            </a:r>
+            <a:r>
+              <a:rPr lang="fr-FR" altLang="fr-FR" dirty="0" smtClean="0">
+                <a:latin typeface="Arial Unicode MS"/>
+              </a:rPr>
+              <a:t>)</a:t>
+            </a:r>
+          </a:p>
+          <a:p>
+            <a:pPr algn="ctr"/>
+            <a:endParaRPr lang="fr-FR" dirty="0">
+              <a:solidFill>
+                <a:srgbClr val="800080"/>
+              </a:solidFill>
+              <a:latin typeface="Arial Unicode MS"/>
+            </a:endParaRPr>
+          </a:p>
+          <a:p>
+            <a:pPr algn="ctr"/>
+            <a:r>
+              <a:rPr lang="fr-FR" dirty="0" smtClean="0">
+                <a:latin typeface="Arial Unicode MS"/>
+              </a:rPr>
+              <a:t>and</a:t>
+            </a:r>
+          </a:p>
+          <a:p>
+            <a:pPr algn="ctr"/>
+            <a:r>
+              <a:rPr lang="fr-FR" altLang="fr-FR" dirty="0" smtClean="0">
+                <a:solidFill>
+                  <a:srgbClr val="6600CC"/>
+                </a:solidFill>
+                <a:latin typeface="Arial" panose="020B0604020202020204" pitchFamily="34" charset="0"/>
+              </a:rPr>
+              <a:t>stock &gt; 0</a:t>
+            </a:r>
+            <a:endParaRPr lang="fr-FR" dirty="0" smtClean="0">
+              <a:solidFill>
+                <a:srgbClr val="6600CC"/>
+              </a:solidFill>
+            </a:endParaRPr>
+          </a:p>
+          <a:p>
+            <a:pPr algn="ctr"/>
+            <a:r>
+              <a:rPr lang="fr-FR" dirty="0" smtClean="0">
+                <a:latin typeface="Arial Unicode MS"/>
+              </a:rPr>
+              <a:t>and</a:t>
+            </a:r>
+            <a:endParaRPr lang="fr-FR" dirty="0">
+              <a:solidFill>
+                <a:srgbClr val="800080"/>
+              </a:solidFill>
+              <a:latin typeface="Arial Unicode MS"/>
+            </a:endParaRPr>
+          </a:p>
+          <a:p>
+            <a:pPr algn="ctr"/>
+            <a:r>
+              <a:rPr lang="fr-FR" altLang="fr-FR" dirty="0" err="1" smtClean="0">
+                <a:solidFill>
+                  <a:srgbClr val="6600CC"/>
+                </a:solidFill>
+                <a:latin typeface="Arial" panose="020B0604020202020204" pitchFamily="34" charset="0"/>
+              </a:rPr>
+              <a:t>bool_crossed_plasto</a:t>
+            </a:r>
+            <a:r>
+              <a:rPr lang="fr-FR" altLang="fr-FR" dirty="0" smtClean="0">
+                <a:solidFill>
+                  <a:srgbClr val="6600CC"/>
+                </a:solidFill>
+                <a:latin typeface="Arial" panose="020B0604020202020204" pitchFamily="34" charset="0"/>
+              </a:rPr>
+              <a:t> </a:t>
+            </a:r>
+            <a:r>
+              <a:rPr lang="fr-FR" altLang="fr-FR" dirty="0">
+                <a:solidFill>
+                  <a:srgbClr val="6600CC"/>
+                </a:solidFill>
+                <a:latin typeface="Arial" panose="020B0604020202020204" pitchFamily="34" charset="0"/>
+              </a:rPr>
+              <a:t>&gt;= 0</a:t>
+            </a:r>
+            <a:endParaRPr lang="fr-FR" dirty="0" smtClean="0">
+              <a:solidFill>
+                <a:srgbClr val="6600CC"/>
+              </a:solidFill>
+            </a:endParaRPr>
+          </a:p>
+        </p:txBody>
+      </p:sp>
+      <p:sp>
+        <p:nvSpPr>
+          <p:cNvPr id="11" name="Rectangle à coins arrondis 10"/>
+          <p:cNvSpPr/>
+          <p:nvPr/>
+        </p:nvSpPr>
+        <p:spPr>
+          <a:xfrm>
+            <a:off x="7154777" y="992856"/>
+            <a:ext cx="3922296" cy="4469480"/>
+          </a:xfrm>
+          <a:prstGeom prst="roundRect">
+            <a:avLst/>
+          </a:prstGeom>
+        </p:spPr>
+        <p:style>
+          <a:lnRef idx="2">
+            <a:schemeClr val="accent1"/>
+          </a:lnRef>
+          <a:fillRef idx="1">
+            <a:schemeClr val="lt1"/>
+          </a:fillRef>
+          <a:effectRef idx="0">
+            <a:schemeClr val="accent1"/>
+          </a:effectRef>
+          <a:fontRef idx="minor">
+            <a:schemeClr val="dk1"/>
+          </a:fontRef>
+        </p:style>
+        <p:txBody>
+          <a:bodyPr rtlCol="0" anchor="t"/>
+          <a:lstStyle/>
+          <a:p>
+            <a:pPr algn="ctr"/>
+            <a:r>
+              <a:rPr lang="fr-FR" sz="3600" dirty="0" smtClean="0"/>
+              <a:t>Culm</a:t>
+            </a:r>
+            <a:endParaRPr lang="fr-FR" sz="3600" dirty="0"/>
+          </a:p>
+        </p:txBody>
+      </p:sp>
+      <p:sp>
+        <p:nvSpPr>
+          <p:cNvPr id="12" name="Rectangle 11"/>
+          <p:cNvSpPr/>
+          <p:nvPr/>
+        </p:nvSpPr>
+        <p:spPr>
+          <a:xfrm>
+            <a:off x="6926184" y="2073434"/>
+            <a:ext cx="4443658" cy="2308324"/>
+          </a:xfrm>
+          <a:prstGeom prst="rect">
+            <a:avLst/>
+          </a:prstGeom>
+        </p:spPr>
+        <p:txBody>
+          <a:bodyPr wrap="square">
+            <a:spAutoFit/>
+          </a:bodyPr>
+          <a:lstStyle/>
+          <a:p>
+            <a:pPr algn="ctr"/>
+            <a:r>
+              <a:rPr lang="fr-FR" altLang="fr-FR" dirty="0" smtClean="0">
+                <a:latin typeface="Arial Unicode MS"/>
+              </a:rPr>
+              <a:t>( </a:t>
+            </a:r>
+            <a:r>
+              <a:rPr lang="fr-FR" altLang="fr-FR" dirty="0" smtClean="0">
+                <a:solidFill>
+                  <a:srgbClr val="800080"/>
+                </a:solidFill>
+                <a:latin typeface="Arial Unicode MS"/>
+              </a:rPr>
+              <a:t>VEGETATIVE</a:t>
+            </a:r>
+            <a:r>
+              <a:rPr lang="fr-FR" altLang="fr-FR" dirty="0" smtClean="0"/>
+              <a:t> </a:t>
+            </a:r>
+          </a:p>
+          <a:p>
+            <a:pPr algn="ctr"/>
+            <a:r>
+              <a:rPr lang="fr-FR" altLang="fr-FR" dirty="0" smtClean="0">
+                <a:latin typeface="Arial Unicode MS"/>
+              </a:rPr>
+              <a:t>or</a:t>
+            </a:r>
+            <a:r>
+              <a:rPr lang="fr-FR" altLang="fr-FR" dirty="0" smtClean="0">
+                <a:solidFill>
+                  <a:srgbClr val="800080"/>
+                </a:solidFill>
+                <a:latin typeface="Arial Unicode MS"/>
+              </a:rPr>
+              <a:t> ELONG</a:t>
+            </a:r>
+            <a:r>
+              <a:rPr lang="fr-FR" altLang="fr-FR" dirty="0" smtClean="0"/>
+              <a:t> </a:t>
+            </a:r>
+            <a:endParaRPr lang="fr-FR" dirty="0" smtClean="0"/>
+          </a:p>
+          <a:p>
+            <a:pPr algn="ctr"/>
+            <a:r>
+              <a:rPr lang="fr-FR" altLang="fr-FR" dirty="0" smtClean="0">
+                <a:latin typeface="Arial Unicode MS"/>
+              </a:rPr>
+              <a:t>or</a:t>
+            </a:r>
+            <a:r>
+              <a:rPr lang="fr-FR" altLang="fr-FR" dirty="0" smtClean="0">
+                <a:solidFill>
+                  <a:srgbClr val="800080"/>
+                </a:solidFill>
+                <a:latin typeface="Arial Unicode MS"/>
+              </a:rPr>
+              <a:t> PI </a:t>
+            </a:r>
+            <a:r>
+              <a:rPr lang="fr-FR" altLang="fr-FR" dirty="0" smtClean="0">
+                <a:latin typeface="Arial Unicode MS"/>
+              </a:rPr>
+              <a:t>)</a:t>
+            </a:r>
+            <a:endParaRPr lang="fr-FR" dirty="0" smtClean="0"/>
+          </a:p>
+          <a:p>
+            <a:pPr algn="ctr"/>
+            <a:endParaRPr lang="fr-FR" dirty="0">
+              <a:solidFill>
+                <a:srgbClr val="800080"/>
+              </a:solidFill>
+              <a:latin typeface="Arial Unicode MS"/>
+            </a:endParaRPr>
+          </a:p>
+          <a:p>
+            <a:pPr algn="ctr"/>
+            <a:r>
+              <a:rPr lang="fr-FR" dirty="0" smtClean="0">
+                <a:latin typeface="Arial Unicode MS"/>
+              </a:rPr>
+              <a:t>and</a:t>
+            </a:r>
+          </a:p>
+          <a:p>
+            <a:pPr algn="ctr"/>
+            <a:r>
+              <a:rPr kumimoji="0" lang="fr-FR" altLang="fr-FR" b="0" i="0" u="none" strike="noStrike" cap="none" normalizeH="0" baseline="0" dirty="0" smtClean="0">
+                <a:ln>
+                  <a:noFill/>
+                </a:ln>
+                <a:solidFill>
+                  <a:srgbClr val="800080"/>
+                </a:solidFill>
+                <a:effectLst/>
+                <a:latin typeface="Arial Unicode MS"/>
+              </a:rPr>
+              <a:t>NEW_PHYTOMER_AVAILABLE</a:t>
+            </a:r>
+          </a:p>
+          <a:p>
+            <a:pPr algn="ctr"/>
+            <a:r>
+              <a:rPr lang="fr-FR" dirty="0" smtClean="0">
+                <a:latin typeface="Arial Unicode MS"/>
+              </a:rPr>
+              <a:t>and</a:t>
+            </a:r>
+          </a:p>
+          <a:p>
+            <a:pPr algn="ctr"/>
+            <a:r>
+              <a:rPr lang="fr-FR" altLang="fr-FR" dirty="0" err="1" smtClean="0">
+                <a:solidFill>
+                  <a:srgbClr val="6600CC"/>
+                </a:solidFill>
+                <a:latin typeface="Arial" panose="020B0604020202020204" pitchFamily="34" charset="0"/>
+              </a:rPr>
+              <a:t>nb_phytomers</a:t>
+            </a:r>
+            <a:r>
+              <a:rPr lang="fr-FR" altLang="fr-FR" dirty="0" smtClean="0">
+                <a:solidFill>
+                  <a:srgbClr val="6600CC"/>
+                </a:solidFill>
+                <a:latin typeface="Arial" panose="020B0604020202020204" pitchFamily="34" charset="0"/>
+              </a:rPr>
+              <a:t> &lt; </a:t>
+            </a:r>
+            <a:r>
+              <a:rPr lang="fr-FR" altLang="fr-FR" dirty="0" err="1" smtClean="0">
+                <a:solidFill>
+                  <a:srgbClr val="FF0000"/>
+                </a:solidFill>
+                <a:latin typeface="Arial" panose="020B0604020202020204" pitchFamily="34" charset="0"/>
+              </a:rPr>
+              <a:t>nb_max_phytomers</a:t>
+            </a:r>
+            <a:endParaRPr lang="fr-FR" dirty="0" smtClean="0">
+              <a:solidFill>
+                <a:srgbClr val="6600CC"/>
+              </a:solidFill>
+            </a:endParaRPr>
+          </a:p>
+        </p:txBody>
+      </p:sp>
+      <p:sp>
+        <p:nvSpPr>
+          <p:cNvPr id="13" name="Rectangle 3"/>
+          <p:cNvSpPr>
+            <a:spLocks noChangeArrowheads="1"/>
+          </p:cNvSpPr>
+          <p:nvPr/>
+        </p:nvSpPr>
+        <p:spPr bwMode="auto">
+          <a:xfrm>
+            <a:off x="7323225" y="4908338"/>
+            <a:ext cx="3537284" cy="276999"/>
+          </a:xfrm>
+          <a:prstGeom prst="rect">
+            <a:avLst/>
+          </a:prstGeom>
+          <a:noFill/>
+          <a:ln>
+            <a:noFill/>
+          </a:ln>
+          <a:effectLst/>
+          <a:extLst>
+            <a:ext uri="{909E8E84-426E-40DD-AFC4-6F175D3DCCD1}">
+              <a14:hiddenFill xmlns:a14="http://schemas.microsoft.com/office/drawing/2010/main">
+                <a:solidFill>
+                  <a:schemeClr val="accent1"/>
+                </a:solidFill>
+              </a14:hiddenFill>
+            </a:ext>
+            <a:ext uri="{91240B29-F687-4F45-9708-019B960494DF}">
+              <a14:hiddenLine xmlns:a14="http://schemas.microsoft.com/office/drawing/2010/main" w="9525">
+                <a:solidFill>
+                  <a:schemeClr val="tx1"/>
+                </a:solidFill>
+                <a:miter lim="800000"/>
+                <a:headEnd/>
+                <a:tailEnd/>
+              </a14:hiddenLine>
+            </a:ext>
+            <a:ext uri="{AF507438-7753-43E0-B8FC-AC1667EBCBE1}">
+              <a14:hiddenEffects xmlns:a14="http://schemas.microsoft.com/office/drawing/2010/main">
+                <a:effectLst>
+                  <a:outerShdw dist="35921" dir="2700000" algn="ctr" rotWithShape="0">
+                    <a:schemeClr val="bg2"/>
+                  </a:outerShdw>
+                </a:effectLst>
+              </a14:hiddenEffects>
+            </a:ext>
+          </a:extLst>
+        </p:spPr>
+        <p:txBody>
+          <a:bodyPr vert="horz" wrap="square" lIns="0" tIns="0" rIns="0" bIns="0" numCol="1" anchor="ctr" anchorCtr="0" compatLnSpc="1">
+            <a:prstTxWarp prst="textNoShape">
+              <a:avLst/>
+            </a:prstTxWarp>
+            <a:spAutoFit/>
+          </a:bodyPr>
+          <a:lstStyle/>
+          <a:p>
+            <a:pPr marL="0" marR="0" lvl="0" indent="0" algn="ctr" defTabSz="914400" rtl="0" eaLnBrk="0" fontAlgn="base" latinLnBrk="0" hangingPunct="0">
+              <a:lnSpc>
+                <a:spcPct val="100000"/>
+              </a:lnSpc>
+              <a:spcBef>
+                <a:spcPct val="0"/>
+              </a:spcBef>
+              <a:spcAft>
+                <a:spcPct val="0"/>
+              </a:spcAft>
+              <a:buClrTx/>
+              <a:buSzTx/>
+              <a:buFontTx/>
+              <a:buNone/>
+              <a:tabLst/>
+            </a:pPr>
+            <a:r>
+              <a:rPr kumimoji="0" lang="fr-FR" altLang="fr-FR" b="0" i="0" u="none" strike="noStrike" cap="none" normalizeH="0" baseline="0" dirty="0" smtClean="0">
+                <a:ln>
+                  <a:noFill/>
+                </a:ln>
+                <a:effectLst/>
+                <a:latin typeface="Arial Unicode MS"/>
+              </a:rPr>
+              <a:t>CREATE_PHYTOMER</a:t>
+            </a:r>
+            <a:endParaRPr kumimoji="0" lang="fr-FR" altLang="fr-FR" b="0" i="0" u="none" strike="noStrike" cap="none" normalizeH="0" baseline="0" dirty="0" smtClean="0">
+              <a:ln>
+                <a:noFill/>
+              </a:ln>
+              <a:effectLst/>
+              <a:latin typeface="Arial" panose="020B0604020202020204" pitchFamily="34" charset="0"/>
+            </a:endParaRPr>
+          </a:p>
+        </p:txBody>
+      </p:sp>
+      <p:sp>
+        <p:nvSpPr>
+          <p:cNvPr id="8" name="Rectangle 7"/>
+          <p:cNvSpPr/>
+          <p:nvPr/>
+        </p:nvSpPr>
+        <p:spPr>
+          <a:xfrm>
+            <a:off x="2774087" y="5604004"/>
+            <a:ext cx="5674695" cy="923330"/>
+          </a:xfrm>
+          <a:prstGeom prst="rect">
+            <a:avLst/>
+          </a:prstGeom>
+          <a:noFill/>
+        </p:spPr>
+        <p:txBody>
+          <a:bodyPr wrap="none" lIns="91440" tIns="45720" rIns="91440" bIns="45720">
+            <a:spAutoFit/>
+          </a:bodyPr>
+          <a:lstStyle/>
+          <a:p>
+            <a:pPr algn="ctr"/>
+            <a:r>
+              <a:rPr lang="fr-FR" sz="5400" b="0" cap="none" spc="0" dirty="0" err="1" smtClean="0">
+                <a:ln w="0"/>
+                <a:gradFill>
+                  <a:gsLst>
+                    <a:gs pos="0">
+                      <a:schemeClr val="accent5">
+                        <a:lumMod val="50000"/>
+                      </a:schemeClr>
+                    </a:gs>
+                    <a:gs pos="50000">
+                      <a:schemeClr val="accent5"/>
+                    </a:gs>
+                    <a:gs pos="100000">
+                      <a:schemeClr val="accent5">
+                        <a:lumMod val="60000"/>
+                        <a:lumOff val="40000"/>
+                      </a:schemeClr>
+                    </a:gs>
+                  </a:gsLst>
+                  <a:lin ang="5400000"/>
+                </a:gradFill>
+                <a:effectLst>
+                  <a:reflection blurRad="6350" stA="53000" endA="300" endPos="35500" dir="5400000" sy="-90000" algn="bl" rotWithShape="0"/>
+                </a:effectLst>
+              </a:rPr>
+              <a:t>Phytomers</a:t>
+            </a:r>
+            <a:r>
+              <a:rPr lang="fr-FR" sz="5400" b="0" cap="none" spc="0" dirty="0" smtClean="0">
+                <a:ln w="0"/>
+                <a:gradFill>
+                  <a:gsLst>
+                    <a:gs pos="0">
+                      <a:schemeClr val="accent5">
+                        <a:lumMod val="50000"/>
+                      </a:schemeClr>
+                    </a:gs>
+                    <a:gs pos="50000">
+                      <a:schemeClr val="accent5"/>
+                    </a:gs>
+                    <a:gs pos="100000">
+                      <a:schemeClr val="accent5">
+                        <a:lumMod val="60000"/>
+                        <a:lumOff val="40000"/>
+                      </a:schemeClr>
+                    </a:gs>
+                  </a:gsLst>
+                  <a:lin ang="5400000"/>
+                </a:gradFill>
+                <a:effectLst>
+                  <a:reflection blurRad="6350" stA="53000" endA="300" endPos="35500" dir="5400000" sy="-90000" algn="bl" rotWithShape="0"/>
+                </a:effectLst>
+              </a:rPr>
+              <a:t> </a:t>
+            </a:r>
+            <a:r>
+              <a:rPr lang="fr-FR" sz="5400" b="0" cap="none" spc="0" dirty="0" err="1" smtClean="0">
+                <a:ln w="0"/>
+                <a:gradFill>
+                  <a:gsLst>
+                    <a:gs pos="0">
+                      <a:schemeClr val="accent5">
+                        <a:lumMod val="50000"/>
+                      </a:schemeClr>
+                    </a:gs>
+                    <a:gs pos="50000">
+                      <a:schemeClr val="accent5"/>
+                    </a:gs>
+                    <a:gs pos="100000">
+                      <a:schemeClr val="accent5">
+                        <a:lumMod val="60000"/>
+                        <a:lumOff val="40000"/>
+                      </a:schemeClr>
+                    </a:gs>
+                  </a:gsLst>
+                  <a:lin ang="5400000"/>
+                </a:gradFill>
+                <a:effectLst>
+                  <a:reflection blurRad="6350" stA="53000" endA="300" endPos="35500" dir="5400000" sy="-90000" algn="bl" rotWithShape="0"/>
+                </a:effectLst>
+              </a:rPr>
+              <a:t>creation</a:t>
+            </a:r>
+            <a:endParaRPr lang="fr-FR" sz="5400" b="0" cap="none" spc="0" dirty="0">
+              <a:ln w="0"/>
+              <a:gradFill>
+                <a:gsLst>
+                  <a:gs pos="0">
+                    <a:schemeClr val="accent5">
+                      <a:lumMod val="50000"/>
+                    </a:schemeClr>
+                  </a:gs>
+                  <a:gs pos="50000">
+                    <a:schemeClr val="accent5"/>
+                  </a:gs>
+                  <a:gs pos="100000">
+                    <a:schemeClr val="accent5">
+                      <a:lumMod val="60000"/>
+                      <a:lumOff val="40000"/>
+                    </a:schemeClr>
+                  </a:gs>
+                </a:gsLst>
+                <a:lin ang="5400000"/>
+              </a:gradFill>
+              <a:effectLst>
+                <a:reflection blurRad="6350" stA="53000" endA="300" endPos="35500" dir="5400000" sy="-90000" algn="bl" rotWithShape="0"/>
+              </a:effectLst>
+            </a:endParaRPr>
+          </a:p>
+        </p:txBody>
+      </p:sp>
+    </p:spTree>
+    <p:extLst>
+      <p:ext uri="{BB962C8B-B14F-4D97-AF65-F5344CB8AC3E}">
+        <p14:creationId xmlns:p14="http://schemas.microsoft.com/office/powerpoint/2010/main" val="1473599681"/>
+      </p:ext>
+    </p:extLst>
+  </p:cSld>
+  <p:clrMapOvr>
+    <a:masterClrMapping/>
+  </p:clrMapOvr>
+</p:sld>
+</file>
+
+<file path=ppt/slides/slide6.xml><?xml version="1.0" encoding="utf-8"?>
+<p:sld xmlns:a="http://schemas.openxmlformats.org/drawingml/2006/main" xmlns:r="http://schemas.openxmlformats.org/officeDocument/2006/relationships" xmlns:p="http://schemas.openxmlformats.org/presentationml/2006/main">
+  <p:cSld>
+    <p:spTree>
+      <p:nvGrpSpPr>
+        <p:cNvPr id="1" name=""/>
+        <p:cNvGrpSpPr/>
+        <p:nvPr/>
+      </p:nvGrpSpPr>
+      <p:grpSpPr>
+        <a:xfrm>
+          <a:off x="0" y="0"/>
+          <a:ext cx="0" cy="0"/>
+          <a:chOff x="0" y="0"/>
+          <a:chExt cx="0" cy="0"/>
+        </a:xfrm>
+      </p:grpSpPr>
+      <mc:AlternateContent xmlns:mc="http://schemas.openxmlformats.org/markup-compatibility/2006" xmlns:a14="http://schemas.microsoft.com/office/drawing/2010/main">
+        <mc:Choice Requires="a14">
           <p:sp>
             <p:nvSpPr>
               <p:cNvPr id="4" name="Rectangle 1"/>
@@ -8860,7 +12554,7 @@
             </p:txBody>
           </p:sp>
         </mc:Choice>
-        <mc:Fallback>
+        <mc:Fallback xmlns="">
           <p:sp>
             <p:nvSpPr>
               <p:cNvPr id="4" name="Rectangle 1"/>
@@ -9014,3555 +12708,6 @@
     <p:extLst>
       <p:ext uri="{BB962C8B-B14F-4D97-AF65-F5344CB8AC3E}">
         <p14:creationId xmlns:p14="http://schemas.microsoft.com/office/powerpoint/2010/main" val="2293644071"/>
-      </p:ext>
-    </p:extLst>
-  </p:cSld>
-  <p:clrMapOvr>
-    <a:masterClrMapping/>
-  </p:clrMapOvr>
-</p:sld>
-</file>
-
-<file path=ppt/slides/slide5.xml><?xml version="1.0" encoding="utf-8"?>
-<p:sld xmlns:a="http://schemas.openxmlformats.org/drawingml/2006/main" xmlns:r="http://schemas.openxmlformats.org/officeDocument/2006/relationships" xmlns:p="http://schemas.openxmlformats.org/presentationml/2006/main">
-  <p:cSld>
-    <p:spTree>
-      <p:nvGrpSpPr>
-        <p:cNvPr id="1" name=""/>
-        <p:cNvGrpSpPr/>
-        <p:nvPr/>
-      </p:nvGrpSpPr>
-      <p:grpSpPr>
-        <a:xfrm>
-          <a:off x="0" y="0"/>
-          <a:ext cx="0" cy="0"/>
-          <a:chOff x="0" y="0"/>
-          <a:chExt cx="0" cy="0"/>
-        </a:xfrm>
-      </p:grpSpPr>
-      <p:sp>
-        <p:nvSpPr>
-          <p:cNvPr id="9" name="Rectangle à coins arrondis 8"/>
-          <p:cNvSpPr/>
-          <p:nvPr/>
-        </p:nvSpPr>
-        <p:spPr>
-          <a:xfrm>
-            <a:off x="818147" y="992856"/>
-            <a:ext cx="3922296" cy="4469480"/>
-          </a:xfrm>
-          <a:prstGeom prst="roundRect">
-            <a:avLst/>
-          </a:prstGeom>
-        </p:spPr>
-        <p:style>
-          <a:lnRef idx="2">
-            <a:schemeClr val="accent1">
-              <a:shade val="50000"/>
-            </a:schemeClr>
-          </a:lnRef>
-          <a:fillRef idx="1">
-            <a:schemeClr val="accent1"/>
-          </a:fillRef>
-          <a:effectRef idx="0">
-            <a:schemeClr val="accent1"/>
-          </a:effectRef>
-          <a:fontRef idx="minor">
-            <a:schemeClr val="lt1"/>
-          </a:fontRef>
-        </p:style>
-        <p:txBody>
-          <a:bodyPr rtlCol="0" anchor="t"/>
-          <a:lstStyle/>
-          <a:p>
-            <a:pPr algn="ctr"/>
-            <a:r>
-              <a:rPr lang="fr-FR" sz="3600" dirty="0" smtClean="0"/>
-              <a:t>Plant</a:t>
-            </a:r>
-            <a:endParaRPr lang="fr-FR" sz="3600" dirty="0"/>
-          </a:p>
-        </p:txBody>
-      </p:sp>
-      <p:sp>
-        <p:nvSpPr>
-          <p:cNvPr id="6" name="Rectangle 3"/>
-          <p:cNvSpPr>
-            <a:spLocks noChangeArrowheads="1"/>
-          </p:cNvSpPr>
-          <p:nvPr/>
-        </p:nvSpPr>
-        <p:spPr bwMode="auto">
-          <a:xfrm>
-            <a:off x="1010653" y="4946674"/>
-            <a:ext cx="3537284" cy="276999"/>
-          </a:xfrm>
-          <a:prstGeom prst="rect">
-            <a:avLst/>
-          </a:prstGeom>
-          <a:noFill/>
-          <a:ln>
-            <a:noFill/>
-          </a:ln>
-          <a:effectLst/>
-          <a:extLst>
-            <a:ext uri="{909E8E84-426E-40DD-AFC4-6F175D3DCCD1}">
-              <a14:hiddenFill xmlns:a14="http://schemas.microsoft.com/office/drawing/2010/main">
-                <a:solidFill>
-                  <a:schemeClr val="accent1"/>
-                </a:solidFill>
-              </a14:hiddenFill>
-            </a:ext>
-            <a:ext uri="{91240B29-F687-4F45-9708-019B960494DF}">
-              <a14:hiddenLine xmlns:a14="http://schemas.microsoft.com/office/drawing/2010/main" w="9525">
-                <a:solidFill>
-                  <a:schemeClr val="tx1"/>
-                </a:solidFill>
-                <a:miter lim="800000"/>
-                <a:headEnd/>
-                <a:tailEnd/>
-              </a14:hiddenLine>
-            </a:ext>
-            <a:ext uri="{AF507438-7753-43E0-B8FC-AC1667EBCBE1}">
-              <a14:hiddenEffects xmlns:a14="http://schemas.microsoft.com/office/drawing/2010/main">
-                <a:effectLst>
-                  <a:outerShdw dist="35921" dir="2700000" algn="ctr" rotWithShape="0">
-                    <a:schemeClr val="bg2"/>
-                  </a:outerShdw>
-                </a:effectLst>
-              </a14:hiddenEffects>
-            </a:ext>
-          </a:extLst>
-        </p:spPr>
-        <p:txBody>
-          <a:bodyPr vert="horz" wrap="square" lIns="0" tIns="0" rIns="0" bIns="0" numCol="1" anchor="ctr" anchorCtr="0" compatLnSpc="1">
-            <a:prstTxWarp prst="textNoShape">
-              <a:avLst/>
-            </a:prstTxWarp>
-            <a:spAutoFit/>
-          </a:bodyPr>
-          <a:lstStyle/>
-          <a:p>
-            <a:pPr marL="0" marR="0" lvl="0" indent="0" algn="ctr" defTabSz="914400" rtl="0" eaLnBrk="0" fontAlgn="base" latinLnBrk="0" hangingPunct="0">
-              <a:lnSpc>
-                <a:spcPct val="100000"/>
-              </a:lnSpc>
-              <a:spcBef>
-                <a:spcPct val="0"/>
-              </a:spcBef>
-              <a:spcAft>
-                <a:spcPct val="0"/>
-              </a:spcAft>
-              <a:buClrTx/>
-              <a:buSzTx/>
-              <a:buFontTx/>
-              <a:buNone/>
-              <a:tabLst/>
-            </a:pPr>
-            <a:r>
-              <a:rPr kumimoji="0" lang="fr-FR" altLang="fr-FR" b="0" i="0" u="none" strike="noStrike" cap="none" normalizeH="0" baseline="0" dirty="0" smtClean="0">
-                <a:ln>
-                  <a:noFill/>
-                </a:ln>
-                <a:solidFill>
-                  <a:srgbClr val="800080"/>
-                </a:solidFill>
-                <a:effectLst/>
-                <a:latin typeface="Arial Unicode MS"/>
-              </a:rPr>
-              <a:t>NEW_PHYTOMER_AVAILABLE</a:t>
-            </a:r>
-            <a:endParaRPr kumimoji="0" lang="fr-FR" altLang="fr-FR" b="0" i="0" u="none" strike="noStrike" cap="none" normalizeH="0" baseline="0" dirty="0" smtClean="0">
-              <a:ln>
-                <a:noFill/>
-              </a:ln>
-              <a:solidFill>
-                <a:schemeClr val="tx1"/>
-              </a:solidFill>
-              <a:effectLst/>
-              <a:latin typeface="Arial" panose="020B0604020202020204" pitchFamily="34" charset="0"/>
-            </a:endParaRPr>
-          </a:p>
-        </p:txBody>
-      </p:sp>
-      <p:sp>
-        <p:nvSpPr>
-          <p:cNvPr id="10" name="Rectangle 9"/>
-          <p:cNvSpPr/>
-          <p:nvPr/>
-        </p:nvSpPr>
-        <p:spPr>
-          <a:xfrm>
-            <a:off x="1203155" y="1907935"/>
-            <a:ext cx="3064044" cy="2585323"/>
-          </a:xfrm>
-          <a:prstGeom prst="rect">
-            <a:avLst/>
-          </a:prstGeom>
-        </p:spPr>
-        <p:txBody>
-          <a:bodyPr wrap="square">
-            <a:spAutoFit/>
-          </a:bodyPr>
-          <a:lstStyle/>
-          <a:p>
-            <a:pPr algn="ctr"/>
-            <a:r>
-              <a:rPr lang="fr-FR" altLang="fr-FR" dirty="0" smtClean="0">
-                <a:latin typeface="Arial Unicode MS"/>
-              </a:rPr>
-              <a:t>(  </a:t>
-            </a:r>
-            <a:r>
-              <a:rPr lang="fr-FR" altLang="fr-FR" dirty="0" smtClean="0">
-                <a:solidFill>
-                  <a:srgbClr val="800080"/>
-                </a:solidFill>
-                <a:latin typeface="Arial Unicode MS"/>
-              </a:rPr>
-              <a:t>VEGETATIVE</a:t>
-            </a:r>
-            <a:r>
-              <a:rPr lang="fr-FR" altLang="fr-FR" dirty="0" smtClean="0"/>
-              <a:t> </a:t>
-            </a:r>
-          </a:p>
-          <a:p>
-            <a:pPr algn="ctr"/>
-            <a:r>
-              <a:rPr lang="fr-FR" altLang="fr-FR" dirty="0" smtClean="0">
-                <a:latin typeface="Arial Unicode MS"/>
-              </a:rPr>
-              <a:t>or</a:t>
-            </a:r>
-            <a:r>
-              <a:rPr lang="fr-FR" altLang="fr-FR" dirty="0" smtClean="0">
-                <a:solidFill>
-                  <a:srgbClr val="800080"/>
-                </a:solidFill>
-                <a:latin typeface="Arial Unicode MS"/>
-              </a:rPr>
-              <a:t> ELONG</a:t>
-            </a:r>
-            <a:r>
-              <a:rPr lang="fr-FR" altLang="fr-FR" dirty="0" smtClean="0"/>
-              <a:t> </a:t>
-            </a:r>
-            <a:endParaRPr lang="fr-FR" dirty="0" smtClean="0"/>
-          </a:p>
-          <a:p>
-            <a:pPr algn="ctr"/>
-            <a:r>
-              <a:rPr lang="fr-FR" altLang="fr-FR" dirty="0" smtClean="0">
-                <a:latin typeface="Arial Unicode MS"/>
-              </a:rPr>
-              <a:t>or</a:t>
-            </a:r>
-            <a:r>
-              <a:rPr lang="fr-FR" altLang="fr-FR" dirty="0" smtClean="0">
-                <a:solidFill>
-                  <a:srgbClr val="800080"/>
-                </a:solidFill>
-                <a:latin typeface="Arial Unicode MS"/>
-              </a:rPr>
-              <a:t> PI</a:t>
-            </a:r>
-            <a:endParaRPr lang="fr-FR" dirty="0" smtClean="0"/>
-          </a:p>
-          <a:p>
-            <a:pPr algn="ctr"/>
-            <a:r>
-              <a:rPr lang="fr-FR" altLang="fr-FR" dirty="0" smtClean="0">
-                <a:latin typeface="Arial Unicode MS"/>
-              </a:rPr>
-              <a:t>or</a:t>
-            </a:r>
-            <a:r>
-              <a:rPr lang="fr-FR" altLang="fr-FR" dirty="0" smtClean="0">
-                <a:solidFill>
-                  <a:srgbClr val="800080"/>
-                </a:solidFill>
-                <a:latin typeface="Arial Unicode MS"/>
-              </a:rPr>
-              <a:t> PRE_FLO  </a:t>
-            </a:r>
-            <a:r>
-              <a:rPr lang="fr-FR" altLang="fr-FR" dirty="0" smtClean="0">
-                <a:latin typeface="Arial Unicode MS"/>
-              </a:rPr>
-              <a:t>)</a:t>
-            </a:r>
-          </a:p>
-          <a:p>
-            <a:pPr algn="ctr"/>
-            <a:endParaRPr lang="fr-FR" dirty="0">
-              <a:solidFill>
-                <a:srgbClr val="800080"/>
-              </a:solidFill>
-              <a:latin typeface="Arial Unicode MS"/>
-            </a:endParaRPr>
-          </a:p>
-          <a:p>
-            <a:pPr algn="ctr"/>
-            <a:r>
-              <a:rPr lang="fr-FR" dirty="0" smtClean="0">
-                <a:latin typeface="Arial Unicode MS"/>
-              </a:rPr>
-              <a:t>and</a:t>
-            </a:r>
-          </a:p>
-          <a:p>
-            <a:pPr algn="ctr"/>
-            <a:r>
-              <a:rPr lang="fr-FR" altLang="fr-FR" dirty="0" smtClean="0">
-                <a:solidFill>
-                  <a:srgbClr val="6600CC"/>
-                </a:solidFill>
-                <a:latin typeface="Arial" panose="020B0604020202020204" pitchFamily="34" charset="0"/>
-              </a:rPr>
-              <a:t>stock &gt; 0</a:t>
-            </a:r>
-            <a:endParaRPr lang="fr-FR" dirty="0" smtClean="0">
-              <a:solidFill>
-                <a:srgbClr val="6600CC"/>
-              </a:solidFill>
-            </a:endParaRPr>
-          </a:p>
-          <a:p>
-            <a:pPr algn="ctr"/>
-            <a:r>
-              <a:rPr lang="fr-FR" dirty="0" smtClean="0">
-                <a:latin typeface="Arial Unicode MS"/>
-              </a:rPr>
-              <a:t>and</a:t>
-            </a:r>
-            <a:endParaRPr lang="fr-FR" dirty="0">
-              <a:solidFill>
-                <a:srgbClr val="800080"/>
-              </a:solidFill>
-              <a:latin typeface="Arial Unicode MS"/>
-            </a:endParaRPr>
-          </a:p>
-          <a:p>
-            <a:pPr algn="ctr"/>
-            <a:r>
-              <a:rPr lang="fr-FR" altLang="fr-FR" dirty="0" err="1" smtClean="0">
-                <a:solidFill>
-                  <a:srgbClr val="6600CC"/>
-                </a:solidFill>
-                <a:latin typeface="Arial" panose="020B0604020202020204" pitchFamily="34" charset="0"/>
-              </a:rPr>
-              <a:t>bool_crossed_plasto</a:t>
-            </a:r>
-            <a:r>
-              <a:rPr lang="fr-FR" altLang="fr-FR" dirty="0" smtClean="0">
-                <a:solidFill>
-                  <a:srgbClr val="6600CC"/>
-                </a:solidFill>
-                <a:latin typeface="Arial" panose="020B0604020202020204" pitchFamily="34" charset="0"/>
-              </a:rPr>
-              <a:t> </a:t>
-            </a:r>
-            <a:r>
-              <a:rPr lang="fr-FR" altLang="fr-FR" dirty="0">
-                <a:solidFill>
-                  <a:srgbClr val="6600CC"/>
-                </a:solidFill>
-                <a:latin typeface="Arial" panose="020B0604020202020204" pitchFamily="34" charset="0"/>
-              </a:rPr>
-              <a:t>&gt;= 0</a:t>
-            </a:r>
-            <a:endParaRPr lang="fr-FR" dirty="0" smtClean="0">
-              <a:solidFill>
-                <a:srgbClr val="6600CC"/>
-              </a:solidFill>
-            </a:endParaRPr>
-          </a:p>
-        </p:txBody>
-      </p:sp>
-      <p:sp>
-        <p:nvSpPr>
-          <p:cNvPr id="11" name="Rectangle à coins arrondis 10"/>
-          <p:cNvSpPr/>
-          <p:nvPr/>
-        </p:nvSpPr>
-        <p:spPr>
-          <a:xfrm>
-            <a:off x="7154777" y="992856"/>
-            <a:ext cx="3922296" cy="4469480"/>
-          </a:xfrm>
-          <a:prstGeom prst="roundRect">
-            <a:avLst/>
-          </a:prstGeom>
-        </p:spPr>
-        <p:style>
-          <a:lnRef idx="2">
-            <a:schemeClr val="accent1">
-              <a:shade val="50000"/>
-            </a:schemeClr>
-          </a:lnRef>
-          <a:fillRef idx="1">
-            <a:schemeClr val="accent1"/>
-          </a:fillRef>
-          <a:effectRef idx="0">
-            <a:schemeClr val="accent1"/>
-          </a:effectRef>
-          <a:fontRef idx="minor">
-            <a:schemeClr val="lt1"/>
-          </a:fontRef>
-        </p:style>
-        <p:txBody>
-          <a:bodyPr rtlCol="0" anchor="t"/>
-          <a:lstStyle/>
-          <a:p>
-            <a:pPr algn="ctr"/>
-            <a:r>
-              <a:rPr lang="fr-FR" sz="3600" dirty="0" smtClean="0"/>
-              <a:t>Culm</a:t>
-            </a:r>
-            <a:endParaRPr lang="fr-FR" sz="3600" dirty="0"/>
-          </a:p>
-        </p:txBody>
-      </p:sp>
-      <p:sp>
-        <p:nvSpPr>
-          <p:cNvPr id="12" name="Rectangle 11"/>
-          <p:cNvSpPr/>
-          <p:nvPr/>
-        </p:nvSpPr>
-        <p:spPr>
-          <a:xfrm>
-            <a:off x="6926184" y="2073434"/>
-            <a:ext cx="4443658" cy="2308324"/>
-          </a:xfrm>
-          <a:prstGeom prst="rect">
-            <a:avLst/>
-          </a:prstGeom>
-        </p:spPr>
-        <p:txBody>
-          <a:bodyPr wrap="square">
-            <a:spAutoFit/>
-          </a:bodyPr>
-          <a:lstStyle/>
-          <a:p>
-            <a:pPr algn="ctr"/>
-            <a:r>
-              <a:rPr lang="fr-FR" altLang="fr-FR" dirty="0" smtClean="0">
-                <a:latin typeface="Arial Unicode MS"/>
-              </a:rPr>
-              <a:t>( </a:t>
-            </a:r>
-            <a:r>
-              <a:rPr lang="fr-FR" altLang="fr-FR" dirty="0" smtClean="0">
-                <a:solidFill>
-                  <a:srgbClr val="800080"/>
-                </a:solidFill>
-                <a:latin typeface="Arial Unicode MS"/>
-              </a:rPr>
-              <a:t>VEGETATIVE</a:t>
-            </a:r>
-            <a:r>
-              <a:rPr lang="fr-FR" altLang="fr-FR" dirty="0" smtClean="0"/>
-              <a:t> </a:t>
-            </a:r>
-          </a:p>
-          <a:p>
-            <a:pPr algn="ctr"/>
-            <a:r>
-              <a:rPr lang="fr-FR" altLang="fr-FR" dirty="0" smtClean="0">
-                <a:latin typeface="Arial Unicode MS"/>
-              </a:rPr>
-              <a:t>or</a:t>
-            </a:r>
-            <a:r>
-              <a:rPr lang="fr-FR" altLang="fr-FR" dirty="0" smtClean="0">
-                <a:solidFill>
-                  <a:srgbClr val="800080"/>
-                </a:solidFill>
-                <a:latin typeface="Arial Unicode MS"/>
-              </a:rPr>
-              <a:t> ELONG</a:t>
-            </a:r>
-            <a:r>
-              <a:rPr lang="fr-FR" altLang="fr-FR" dirty="0" smtClean="0"/>
-              <a:t> </a:t>
-            </a:r>
-            <a:endParaRPr lang="fr-FR" dirty="0" smtClean="0"/>
-          </a:p>
-          <a:p>
-            <a:pPr algn="ctr"/>
-            <a:r>
-              <a:rPr lang="fr-FR" altLang="fr-FR" dirty="0" smtClean="0">
-                <a:latin typeface="Arial Unicode MS"/>
-              </a:rPr>
-              <a:t>or</a:t>
-            </a:r>
-            <a:r>
-              <a:rPr lang="fr-FR" altLang="fr-FR" dirty="0" smtClean="0">
-                <a:solidFill>
-                  <a:srgbClr val="800080"/>
-                </a:solidFill>
-                <a:latin typeface="Arial Unicode MS"/>
-              </a:rPr>
-              <a:t> PI </a:t>
-            </a:r>
-            <a:r>
-              <a:rPr lang="fr-FR" altLang="fr-FR" dirty="0" smtClean="0">
-                <a:latin typeface="Arial Unicode MS"/>
-              </a:rPr>
-              <a:t>)</a:t>
-            </a:r>
-            <a:endParaRPr lang="fr-FR" dirty="0" smtClean="0"/>
-          </a:p>
-          <a:p>
-            <a:pPr algn="ctr"/>
-            <a:endParaRPr lang="fr-FR" dirty="0">
-              <a:solidFill>
-                <a:srgbClr val="800080"/>
-              </a:solidFill>
-              <a:latin typeface="Arial Unicode MS"/>
-            </a:endParaRPr>
-          </a:p>
-          <a:p>
-            <a:pPr algn="ctr"/>
-            <a:r>
-              <a:rPr lang="fr-FR" dirty="0" smtClean="0">
-                <a:latin typeface="Arial Unicode MS"/>
-              </a:rPr>
-              <a:t>and</a:t>
-            </a:r>
-          </a:p>
-          <a:p>
-            <a:pPr algn="ctr"/>
-            <a:r>
-              <a:rPr kumimoji="0" lang="fr-FR" altLang="fr-FR" b="0" i="0" u="none" strike="noStrike" cap="none" normalizeH="0" baseline="0" dirty="0" smtClean="0">
-                <a:ln>
-                  <a:noFill/>
-                </a:ln>
-                <a:solidFill>
-                  <a:srgbClr val="800080"/>
-                </a:solidFill>
-                <a:effectLst/>
-                <a:latin typeface="Arial Unicode MS"/>
-              </a:rPr>
-              <a:t>NEW_PHYTOMER_AVAILABLE</a:t>
-            </a:r>
-          </a:p>
-          <a:p>
-            <a:pPr algn="ctr"/>
-            <a:r>
-              <a:rPr lang="fr-FR" dirty="0" smtClean="0">
-                <a:latin typeface="Arial Unicode MS"/>
-              </a:rPr>
-              <a:t>and</a:t>
-            </a:r>
-          </a:p>
-          <a:p>
-            <a:pPr algn="ctr"/>
-            <a:r>
-              <a:rPr lang="fr-FR" altLang="fr-FR" dirty="0" err="1" smtClean="0">
-                <a:solidFill>
-                  <a:srgbClr val="6600CC"/>
-                </a:solidFill>
-                <a:latin typeface="Arial" panose="020B0604020202020204" pitchFamily="34" charset="0"/>
-              </a:rPr>
-              <a:t>nb_phytomers</a:t>
-            </a:r>
-            <a:r>
-              <a:rPr lang="fr-FR" altLang="fr-FR" dirty="0" smtClean="0">
-                <a:solidFill>
-                  <a:srgbClr val="6600CC"/>
-                </a:solidFill>
-                <a:latin typeface="Arial" panose="020B0604020202020204" pitchFamily="34" charset="0"/>
-              </a:rPr>
-              <a:t> &lt; </a:t>
-            </a:r>
-            <a:r>
-              <a:rPr lang="fr-FR" altLang="fr-FR" dirty="0" err="1" smtClean="0">
-                <a:solidFill>
-                  <a:srgbClr val="FF0000"/>
-                </a:solidFill>
-                <a:latin typeface="Arial" panose="020B0604020202020204" pitchFamily="34" charset="0"/>
-              </a:rPr>
-              <a:t>nb_max_phytomers</a:t>
-            </a:r>
-            <a:endParaRPr lang="fr-FR" dirty="0" smtClean="0">
-              <a:solidFill>
-                <a:srgbClr val="6600CC"/>
-              </a:solidFill>
-            </a:endParaRPr>
-          </a:p>
-        </p:txBody>
-      </p:sp>
-      <p:sp>
-        <p:nvSpPr>
-          <p:cNvPr id="13" name="Rectangle 3"/>
-          <p:cNvSpPr>
-            <a:spLocks noChangeArrowheads="1"/>
-          </p:cNvSpPr>
-          <p:nvPr/>
-        </p:nvSpPr>
-        <p:spPr bwMode="auto">
-          <a:xfrm>
-            <a:off x="7323225" y="4908338"/>
-            <a:ext cx="3537284" cy="276999"/>
-          </a:xfrm>
-          <a:prstGeom prst="rect">
-            <a:avLst/>
-          </a:prstGeom>
-          <a:noFill/>
-          <a:ln>
-            <a:noFill/>
-          </a:ln>
-          <a:effectLst/>
-          <a:extLst>
-            <a:ext uri="{909E8E84-426E-40DD-AFC4-6F175D3DCCD1}">
-              <a14:hiddenFill xmlns:a14="http://schemas.microsoft.com/office/drawing/2010/main">
-                <a:solidFill>
-                  <a:schemeClr val="accent1"/>
-                </a:solidFill>
-              </a14:hiddenFill>
-            </a:ext>
-            <a:ext uri="{91240B29-F687-4F45-9708-019B960494DF}">
-              <a14:hiddenLine xmlns:a14="http://schemas.microsoft.com/office/drawing/2010/main" w="9525">
-                <a:solidFill>
-                  <a:schemeClr val="tx1"/>
-                </a:solidFill>
-                <a:miter lim="800000"/>
-                <a:headEnd/>
-                <a:tailEnd/>
-              </a14:hiddenLine>
-            </a:ext>
-            <a:ext uri="{AF507438-7753-43E0-B8FC-AC1667EBCBE1}">
-              <a14:hiddenEffects xmlns:a14="http://schemas.microsoft.com/office/drawing/2010/main">
-                <a:effectLst>
-                  <a:outerShdw dist="35921" dir="2700000" algn="ctr" rotWithShape="0">
-                    <a:schemeClr val="bg2"/>
-                  </a:outerShdw>
-                </a:effectLst>
-              </a14:hiddenEffects>
-            </a:ext>
-          </a:extLst>
-        </p:spPr>
-        <p:txBody>
-          <a:bodyPr vert="horz" wrap="square" lIns="0" tIns="0" rIns="0" bIns="0" numCol="1" anchor="ctr" anchorCtr="0" compatLnSpc="1">
-            <a:prstTxWarp prst="textNoShape">
-              <a:avLst/>
-            </a:prstTxWarp>
-            <a:spAutoFit/>
-          </a:bodyPr>
-          <a:lstStyle/>
-          <a:p>
-            <a:pPr marL="0" marR="0" lvl="0" indent="0" algn="ctr" defTabSz="914400" rtl="0" eaLnBrk="0" fontAlgn="base" latinLnBrk="0" hangingPunct="0">
-              <a:lnSpc>
-                <a:spcPct val="100000"/>
-              </a:lnSpc>
-              <a:spcBef>
-                <a:spcPct val="0"/>
-              </a:spcBef>
-              <a:spcAft>
-                <a:spcPct val="0"/>
-              </a:spcAft>
-              <a:buClrTx/>
-              <a:buSzTx/>
-              <a:buFontTx/>
-              <a:buNone/>
-              <a:tabLst/>
-            </a:pPr>
-            <a:r>
-              <a:rPr kumimoji="0" lang="fr-FR" altLang="fr-FR" b="0" i="0" u="none" strike="noStrike" cap="none" normalizeH="0" baseline="0" smtClean="0">
-                <a:ln>
-                  <a:noFill/>
-                </a:ln>
-                <a:solidFill>
-                  <a:srgbClr val="FFFF00"/>
-                </a:solidFill>
-                <a:effectLst/>
-                <a:latin typeface="Arial Unicode MS"/>
-              </a:rPr>
-              <a:t>CREATE_PHYTOMER</a:t>
-            </a:r>
-            <a:endParaRPr kumimoji="0" lang="fr-FR" altLang="fr-FR" b="0" i="0" u="none" strike="noStrike" cap="none" normalizeH="0" baseline="0" dirty="0" smtClean="0">
-              <a:ln>
-                <a:noFill/>
-              </a:ln>
-              <a:solidFill>
-                <a:srgbClr val="FFFF00"/>
-              </a:solidFill>
-              <a:effectLst/>
-              <a:latin typeface="Arial" panose="020B0604020202020204" pitchFamily="34" charset="0"/>
-            </a:endParaRPr>
-          </a:p>
-        </p:txBody>
-      </p:sp>
-    </p:spTree>
-    <p:extLst>
-      <p:ext uri="{BB962C8B-B14F-4D97-AF65-F5344CB8AC3E}">
-        <p14:creationId xmlns:p14="http://schemas.microsoft.com/office/powerpoint/2010/main" val="1473599681"/>
-      </p:ext>
-    </p:extLst>
-  </p:cSld>
-  <p:clrMapOvr>
-    <a:masterClrMapping/>
-  </p:clrMapOvr>
-</p:sld>
-</file>
-
-<file path=ppt/slides/slide6.xml><?xml version="1.0" encoding="utf-8"?>
-<p:sld xmlns:a="http://schemas.openxmlformats.org/drawingml/2006/main" xmlns:r="http://schemas.openxmlformats.org/officeDocument/2006/relationships" xmlns:p="http://schemas.openxmlformats.org/presentationml/2006/main">
-  <p:cSld>
-    <p:spTree>
-      <p:nvGrpSpPr>
-        <p:cNvPr id="1" name=""/>
-        <p:cNvGrpSpPr/>
-        <p:nvPr/>
-      </p:nvGrpSpPr>
-      <p:grpSpPr>
-        <a:xfrm>
-          <a:off x="0" y="0"/>
-          <a:ext cx="0" cy="0"/>
-          <a:chOff x="0" y="0"/>
-          <a:chExt cx="0" cy="0"/>
-        </a:xfrm>
-      </p:grpSpPr>
-      <p:sp>
-        <p:nvSpPr>
-          <p:cNvPr id="5" name="Rectangle 4"/>
-          <p:cNvSpPr/>
-          <p:nvPr/>
-        </p:nvSpPr>
-        <p:spPr>
-          <a:xfrm rot="16200000">
-            <a:off x="-1252634" y="2810928"/>
-            <a:ext cx="4068743" cy="923330"/>
-          </a:xfrm>
-          <a:prstGeom prst="rect">
-            <a:avLst/>
-          </a:prstGeom>
-          <a:noFill/>
-        </p:spPr>
-        <p:txBody>
-          <a:bodyPr wrap="none" lIns="91440" tIns="45720" rIns="91440" bIns="45720">
-            <a:spAutoFit/>
-          </a:bodyPr>
-          <a:lstStyle/>
-          <a:p>
-            <a:pPr algn="ctr"/>
-            <a:r>
-              <a:rPr lang="fr-FR" sz="5400" b="0" cap="none" spc="0" dirty="0" smtClean="0">
-                <a:ln w="0"/>
-                <a:gradFill>
-                  <a:gsLst>
-                    <a:gs pos="0">
-                      <a:schemeClr val="accent5">
-                        <a:lumMod val="50000"/>
-                      </a:schemeClr>
-                    </a:gs>
-                    <a:gs pos="50000">
-                      <a:schemeClr val="accent5"/>
-                    </a:gs>
-                    <a:gs pos="100000">
-                      <a:schemeClr val="accent5">
-                        <a:lumMod val="60000"/>
-                        <a:lumOff val="40000"/>
-                      </a:schemeClr>
-                    </a:gs>
-                  </a:gsLst>
-                  <a:lin ang="5400000"/>
-                </a:gradFill>
-                <a:effectLst>
-                  <a:reflection blurRad="6350" stA="53000" endA="300" endPos="35500" dir="5400000" sy="-90000" algn="bl" rotWithShape="0"/>
-                </a:effectLst>
-              </a:rPr>
-              <a:t>Thermal Time</a:t>
-            </a:r>
-            <a:endParaRPr lang="fr-FR" sz="5400" b="0" cap="none" spc="0" dirty="0">
-              <a:ln w="0"/>
-              <a:gradFill>
-                <a:gsLst>
-                  <a:gs pos="0">
-                    <a:schemeClr val="accent5">
-                      <a:lumMod val="50000"/>
-                    </a:schemeClr>
-                  </a:gs>
-                  <a:gs pos="50000">
-                    <a:schemeClr val="accent5"/>
-                  </a:gs>
-                  <a:gs pos="100000">
-                    <a:schemeClr val="accent5">
-                      <a:lumMod val="60000"/>
-                      <a:lumOff val="40000"/>
-                    </a:schemeClr>
-                  </a:gs>
-                </a:gsLst>
-                <a:lin ang="5400000"/>
-              </a:gradFill>
-              <a:effectLst>
-                <a:reflection blurRad="6350" stA="53000" endA="300" endPos="35500" dir="5400000" sy="-90000" algn="bl" rotWithShape="0"/>
-              </a:effectLst>
-            </a:endParaRPr>
-          </a:p>
-        </p:txBody>
-      </p:sp>
-      <p:sp>
-        <p:nvSpPr>
-          <p:cNvPr id="6" name="Rectangle 5"/>
-          <p:cNvSpPr>
-            <a:spLocks noChangeArrowheads="1"/>
-          </p:cNvSpPr>
-          <p:nvPr/>
-        </p:nvSpPr>
-        <p:spPr bwMode="auto">
-          <a:xfrm>
-            <a:off x="2490537" y="299822"/>
-            <a:ext cx="9312442" cy="6432530"/>
-          </a:xfrm>
-          <a:prstGeom prst="rect">
-            <a:avLst/>
-          </a:prstGeom>
-          <a:noFill/>
-          <a:ln>
-            <a:noFill/>
-          </a:ln>
-          <a:effectLst/>
-          <a:extLst>
-            <a:ext uri="{909E8E84-426E-40DD-AFC4-6F175D3DCCD1}">
-              <a14:hiddenFill xmlns:a14="http://schemas.microsoft.com/office/drawing/2010/main">
-                <a:solidFill>
-                  <a:schemeClr val="accent1"/>
-                </a:solidFill>
-              </a14:hiddenFill>
-            </a:ext>
-            <a:ext uri="{91240B29-F687-4F45-9708-019B960494DF}">
-              <a14:hiddenLine xmlns:a14="http://schemas.microsoft.com/office/drawing/2010/main" w="9525">
-                <a:solidFill>
-                  <a:schemeClr val="tx1"/>
-                </a:solidFill>
-                <a:miter lim="800000"/>
-                <a:headEnd/>
-                <a:tailEnd/>
-              </a14:hiddenLine>
-            </a:ext>
-            <a:ext uri="{AF507438-7753-43E0-B8FC-AC1667EBCBE1}">
-              <a14:hiddenEffects xmlns:a14="http://schemas.microsoft.com/office/drawing/2010/main">
-                <a:effectLst>
-                  <a:outerShdw dist="35921" dir="2700000" algn="ctr" rotWithShape="0">
-                    <a:schemeClr val="bg2"/>
-                  </a:outerShdw>
-                </a:effectLst>
-              </a14:hiddenEffects>
-            </a:ext>
-          </a:extLst>
-        </p:spPr>
-        <p:txBody>
-          <a:bodyPr vert="horz" wrap="square" lIns="0" tIns="0" rIns="0" bIns="0" numCol="1" anchor="ctr" anchorCtr="0" compatLnSpc="1">
-            <a:prstTxWarp prst="textNoShape">
-              <a:avLst/>
-            </a:prstTxWarp>
-            <a:spAutoFit/>
-          </a:bodyPr>
-          <a:lstStyle/>
-          <a:p>
-            <a:pPr marL="0" marR="0" lvl="0" indent="0" algn="l" defTabSz="914400" rtl="0" eaLnBrk="0" fontAlgn="base" latinLnBrk="0" hangingPunct="0">
-              <a:lnSpc>
-                <a:spcPct val="100000"/>
-              </a:lnSpc>
-              <a:spcBef>
-                <a:spcPct val="0"/>
-              </a:spcBef>
-              <a:spcAft>
-                <a:spcPct val="0"/>
-              </a:spcAft>
-              <a:buClrTx/>
-              <a:buSzTx/>
-              <a:buFontTx/>
-              <a:buNone/>
-              <a:tabLst/>
-            </a:pPr>
-            <a:r>
-              <a:rPr kumimoji="0" lang="fr-FR" altLang="fr-FR" sz="1600" b="0" i="0" u="none" strike="noStrike" cap="none" normalizeH="0" baseline="0" dirty="0" err="1" smtClean="0">
-                <a:ln>
-                  <a:noFill/>
-                </a:ln>
-                <a:solidFill>
-                  <a:srgbClr val="800000"/>
-                </a:solidFill>
-                <a:effectLst/>
-                <a:latin typeface="Cambria" panose="02040503050406030204" pitchFamily="18" charset="0"/>
-              </a:rPr>
-              <a:t>deltaT</a:t>
-            </a:r>
-            <a:r>
-              <a:rPr kumimoji="0" lang="fr-FR" altLang="fr-FR" sz="1600" b="0" i="0" u="none" strike="noStrike" cap="none" normalizeH="0" baseline="0" dirty="0" smtClean="0">
-                <a:ln>
-                  <a:noFill/>
-                </a:ln>
-                <a:solidFill>
-                  <a:srgbClr val="C0C0C0"/>
-                </a:solidFill>
-                <a:effectLst/>
-                <a:latin typeface="Cambria" panose="02040503050406030204" pitchFamily="18" charset="0"/>
-              </a:rPr>
-              <a:t> </a:t>
-            </a:r>
-            <a:r>
-              <a:rPr kumimoji="0" lang="fr-FR" altLang="fr-FR" sz="1600" b="0" i="0" u="none" strike="noStrike" cap="none" normalizeH="0" baseline="0" dirty="0" smtClean="0">
-                <a:ln>
-                  <a:noFill/>
-                </a:ln>
-                <a:solidFill>
-                  <a:schemeClr val="tx1"/>
-                </a:solidFill>
-                <a:effectLst/>
-                <a:latin typeface="Cambria" panose="02040503050406030204" pitchFamily="18" charset="0"/>
-              </a:rPr>
-              <a:t>=</a:t>
-            </a:r>
-            <a:r>
-              <a:rPr kumimoji="0" lang="fr-FR" altLang="fr-FR" sz="1600" b="0" i="0" u="none" strike="noStrike" cap="none" normalizeH="0" baseline="0" dirty="0" smtClean="0">
-                <a:ln>
-                  <a:noFill/>
-                </a:ln>
-                <a:solidFill>
-                  <a:srgbClr val="C0C0C0"/>
-                </a:solidFill>
-                <a:effectLst/>
-                <a:latin typeface="Cambria" panose="02040503050406030204" pitchFamily="18" charset="0"/>
-              </a:rPr>
-              <a:t> </a:t>
-            </a:r>
-            <a:r>
-              <a:rPr kumimoji="0" lang="fr-FR" altLang="fr-FR" sz="1600" b="0" i="0" u="none" strike="noStrike" cap="none" normalizeH="0" baseline="0" dirty="0" smtClean="0">
-                <a:ln>
-                  <a:noFill/>
-                </a:ln>
-                <a:solidFill>
-                  <a:srgbClr val="800000"/>
-                </a:solidFill>
-                <a:effectLst/>
-                <a:latin typeface="Cambria" panose="02040503050406030204" pitchFamily="18" charset="0"/>
-              </a:rPr>
-              <a:t>Ta</a:t>
-            </a:r>
-            <a:r>
-              <a:rPr kumimoji="0" lang="fr-FR" altLang="fr-FR" sz="1600" b="0" i="0" u="none" strike="noStrike" cap="none" normalizeH="0" baseline="0" dirty="0" smtClean="0">
-                <a:ln>
-                  <a:noFill/>
-                </a:ln>
-                <a:solidFill>
-                  <a:srgbClr val="C0C0C0"/>
-                </a:solidFill>
-                <a:effectLst/>
-                <a:latin typeface="Cambria" panose="02040503050406030204" pitchFamily="18" charset="0"/>
-              </a:rPr>
-              <a:t> </a:t>
-            </a:r>
-            <a:r>
-              <a:rPr kumimoji="0" lang="fr-FR" altLang="fr-FR" sz="1600" b="0" i="0" u="none" strike="noStrike" cap="none" normalizeH="0" baseline="0" dirty="0" smtClean="0">
-                <a:ln>
-                  <a:noFill/>
-                </a:ln>
-                <a:solidFill>
-                  <a:schemeClr val="tx1"/>
-                </a:solidFill>
-                <a:effectLst/>
-                <a:latin typeface="Cambria" panose="02040503050406030204" pitchFamily="18" charset="0"/>
-              </a:rPr>
-              <a:t>-</a:t>
-            </a:r>
-            <a:r>
-              <a:rPr kumimoji="0" lang="fr-FR" altLang="fr-FR" sz="1600" b="0" i="0" u="none" strike="noStrike" cap="none" normalizeH="0" baseline="0" dirty="0" smtClean="0">
-                <a:ln>
-                  <a:noFill/>
-                </a:ln>
-                <a:solidFill>
-                  <a:srgbClr val="C0C0C0"/>
-                </a:solidFill>
-                <a:effectLst/>
-                <a:latin typeface="Cambria" panose="02040503050406030204" pitchFamily="18" charset="0"/>
-              </a:rPr>
-              <a:t> </a:t>
-            </a:r>
-            <a:r>
-              <a:rPr kumimoji="0" lang="fr-FR" altLang="fr-FR" sz="1600" b="0" i="0" u="none" strike="noStrike" cap="none" normalizeH="0" baseline="0" dirty="0" smtClean="0">
-                <a:ln>
-                  <a:noFill/>
-                </a:ln>
-                <a:solidFill>
-                  <a:srgbClr val="800000"/>
-                </a:solidFill>
-                <a:effectLst/>
-                <a:latin typeface="Cambria" panose="02040503050406030204" pitchFamily="18" charset="0"/>
-              </a:rPr>
-              <a:t>Tb</a:t>
-            </a:r>
-            <a:r>
-              <a:rPr kumimoji="0" lang="fr-FR" altLang="fr-FR" sz="1600" b="0" i="0" u="none" strike="noStrike" cap="none" normalizeH="0" baseline="0" dirty="0" smtClean="0">
-                <a:ln>
-                  <a:noFill/>
-                </a:ln>
-                <a:solidFill>
-                  <a:schemeClr val="tx1"/>
-                </a:solidFill>
-                <a:effectLst/>
-                <a:latin typeface="Cambria" panose="02040503050406030204" pitchFamily="18" charset="0"/>
-              </a:rPr>
-              <a:t>; </a:t>
-            </a:r>
-            <a:br>
-              <a:rPr kumimoji="0" lang="fr-FR" altLang="fr-FR" sz="1600" b="0" i="0" u="none" strike="noStrike" cap="none" normalizeH="0" baseline="0" dirty="0" smtClean="0">
-                <a:ln>
-                  <a:noFill/>
-                </a:ln>
-                <a:solidFill>
-                  <a:schemeClr val="tx1"/>
-                </a:solidFill>
-                <a:effectLst/>
-                <a:latin typeface="Cambria" panose="02040503050406030204" pitchFamily="18" charset="0"/>
-              </a:rPr>
-            </a:br>
-            <a:r>
-              <a:rPr kumimoji="0" lang="fr-FR" altLang="fr-FR" sz="1600" b="0" i="0" u="none" strike="noStrike" cap="none" normalizeH="0" baseline="0" dirty="0" smtClean="0">
-                <a:ln>
-                  <a:noFill/>
-                </a:ln>
-                <a:solidFill>
-                  <a:srgbClr val="800000"/>
-                </a:solidFill>
-                <a:effectLst/>
-                <a:latin typeface="Cambria" panose="02040503050406030204" pitchFamily="18" charset="0"/>
-              </a:rPr>
-              <a:t>TT</a:t>
-            </a:r>
-            <a:r>
-              <a:rPr kumimoji="0" lang="fr-FR" altLang="fr-FR" sz="1600" b="0" i="0" u="none" strike="noStrike" cap="none" normalizeH="0" baseline="0" dirty="0" smtClean="0">
-                <a:ln>
-                  <a:noFill/>
-                </a:ln>
-                <a:solidFill>
-                  <a:srgbClr val="C0C0C0"/>
-                </a:solidFill>
-                <a:effectLst/>
-                <a:latin typeface="Cambria" panose="02040503050406030204" pitchFamily="18" charset="0"/>
-              </a:rPr>
-              <a:t> </a:t>
-            </a:r>
-            <a:r>
-              <a:rPr kumimoji="0" lang="fr-FR" altLang="fr-FR" sz="1600" b="0" i="0" u="none" strike="noStrike" cap="none" normalizeH="0" baseline="0" dirty="0" smtClean="0">
-                <a:ln>
-                  <a:noFill/>
-                </a:ln>
-                <a:solidFill>
-                  <a:schemeClr val="tx1"/>
-                </a:solidFill>
-                <a:effectLst/>
-                <a:latin typeface="Cambria" panose="02040503050406030204" pitchFamily="18" charset="0"/>
-              </a:rPr>
-              <a:t>=</a:t>
-            </a:r>
-            <a:r>
-              <a:rPr kumimoji="0" lang="fr-FR" altLang="fr-FR" sz="1600" b="0" i="0" u="none" strike="noStrike" cap="none" normalizeH="0" baseline="0" dirty="0" smtClean="0">
-                <a:ln>
-                  <a:noFill/>
-                </a:ln>
-                <a:solidFill>
-                  <a:srgbClr val="C0C0C0"/>
-                </a:solidFill>
-                <a:effectLst/>
-                <a:latin typeface="Cambria" panose="02040503050406030204" pitchFamily="18" charset="0"/>
-              </a:rPr>
-              <a:t> </a:t>
-            </a:r>
-            <a:r>
-              <a:rPr kumimoji="0" lang="fr-FR" altLang="fr-FR" sz="1600" b="0" i="0" u="none" strike="noStrike" cap="none" normalizeH="0" baseline="0" dirty="0" smtClean="0">
-                <a:ln>
-                  <a:noFill/>
-                </a:ln>
-                <a:solidFill>
-                  <a:srgbClr val="800000"/>
-                </a:solidFill>
-                <a:effectLst/>
-                <a:latin typeface="Cambria" panose="02040503050406030204" pitchFamily="18" charset="0"/>
-              </a:rPr>
-              <a:t>TT</a:t>
-            </a:r>
-            <a:r>
-              <a:rPr kumimoji="0" lang="fr-FR" altLang="fr-FR" sz="1600" b="0" i="0" u="none" strike="noStrike" cap="none" normalizeH="0" baseline="0" dirty="0" smtClean="0">
-                <a:ln>
-                  <a:noFill/>
-                </a:ln>
-                <a:solidFill>
-                  <a:srgbClr val="C0C0C0"/>
-                </a:solidFill>
-                <a:effectLst/>
-                <a:latin typeface="Cambria" panose="02040503050406030204" pitchFamily="18" charset="0"/>
-              </a:rPr>
-              <a:t> </a:t>
-            </a:r>
-            <a:r>
-              <a:rPr kumimoji="0" lang="fr-FR" altLang="fr-FR" sz="1600" b="0" i="0" u="none" strike="noStrike" cap="none" normalizeH="0" baseline="0" dirty="0" smtClean="0">
-                <a:ln>
-                  <a:noFill/>
-                </a:ln>
-                <a:solidFill>
-                  <a:schemeClr val="tx1"/>
-                </a:solidFill>
-                <a:effectLst/>
-                <a:latin typeface="Cambria" panose="02040503050406030204" pitchFamily="18" charset="0"/>
-              </a:rPr>
-              <a:t>+</a:t>
-            </a:r>
-            <a:r>
-              <a:rPr kumimoji="0" lang="fr-FR" altLang="fr-FR" sz="1600" b="0" i="0" u="none" strike="noStrike" cap="none" normalizeH="0" baseline="0" dirty="0" smtClean="0">
-                <a:ln>
-                  <a:noFill/>
-                </a:ln>
-                <a:solidFill>
-                  <a:srgbClr val="C0C0C0"/>
-                </a:solidFill>
-                <a:effectLst/>
-                <a:latin typeface="Cambria" panose="02040503050406030204" pitchFamily="18" charset="0"/>
-              </a:rPr>
-              <a:t> </a:t>
-            </a:r>
-            <a:r>
-              <a:rPr kumimoji="0" lang="fr-FR" altLang="fr-FR" sz="1600" b="0" i="0" u="none" strike="noStrike" cap="none" normalizeH="0" baseline="0" dirty="0" err="1" smtClean="0">
-                <a:ln>
-                  <a:noFill/>
-                </a:ln>
-                <a:solidFill>
-                  <a:srgbClr val="800000"/>
-                </a:solidFill>
-                <a:effectLst/>
-                <a:latin typeface="Cambria" panose="02040503050406030204" pitchFamily="18" charset="0"/>
-              </a:rPr>
-              <a:t>deltaT</a:t>
-            </a:r>
-            <a:r>
-              <a:rPr kumimoji="0" lang="fr-FR" altLang="fr-FR" sz="1600" b="0" i="0" u="none" strike="noStrike" cap="none" normalizeH="0" baseline="0" dirty="0" smtClean="0">
-                <a:ln>
-                  <a:noFill/>
-                </a:ln>
-                <a:solidFill>
-                  <a:schemeClr val="tx1"/>
-                </a:solidFill>
-                <a:effectLst/>
-                <a:latin typeface="Cambria" panose="02040503050406030204" pitchFamily="18" charset="0"/>
-              </a:rPr>
-              <a:t>; </a:t>
-            </a:r>
-          </a:p>
-          <a:p>
-            <a:pPr eaLnBrk="0" fontAlgn="base" hangingPunct="0">
-              <a:spcBef>
-                <a:spcPct val="0"/>
-              </a:spcBef>
-              <a:spcAft>
-                <a:spcPct val="0"/>
-              </a:spcAft>
-            </a:pPr>
-            <a:r>
-              <a:rPr kumimoji="0" lang="fr-FR" altLang="fr-FR" sz="1600" b="0" i="0" u="none" strike="noStrike" cap="none" normalizeH="0" baseline="0" dirty="0" smtClean="0">
-                <a:ln>
-                  <a:noFill/>
-                </a:ln>
-                <a:solidFill>
-                  <a:schemeClr val="tx1"/>
-                </a:solidFill>
-                <a:effectLst/>
-                <a:latin typeface="Cambria" panose="02040503050406030204" pitchFamily="18" charset="0"/>
-              </a:rPr>
-              <a:t/>
-            </a:r>
-            <a:br>
-              <a:rPr kumimoji="0" lang="fr-FR" altLang="fr-FR" sz="1600" b="0" i="0" u="none" strike="noStrike" cap="none" normalizeH="0" baseline="0" dirty="0" smtClean="0">
-                <a:ln>
-                  <a:noFill/>
-                </a:ln>
-                <a:solidFill>
-                  <a:schemeClr val="tx1"/>
-                </a:solidFill>
-                <a:effectLst/>
-                <a:latin typeface="Cambria" panose="02040503050406030204" pitchFamily="18" charset="0"/>
-              </a:rPr>
-            </a:br>
-            <a:r>
-              <a:rPr kumimoji="0" lang="fr-FR" altLang="fr-FR" sz="1600" b="0" i="0" u="none" strike="noStrike" cap="none" normalizeH="0" baseline="0" dirty="0" smtClean="0">
-                <a:ln>
-                  <a:noFill/>
-                </a:ln>
-                <a:solidFill>
-                  <a:srgbClr val="808000"/>
-                </a:solidFill>
-                <a:effectLst/>
-                <a:latin typeface="Cambria" panose="02040503050406030204" pitchFamily="18" charset="0"/>
-              </a:rPr>
-              <a:t>if</a:t>
-            </a:r>
-            <a:r>
-              <a:rPr kumimoji="0" lang="fr-FR" altLang="fr-FR" sz="1600" b="0" i="0" u="none" strike="noStrike" cap="none" normalizeH="0" baseline="0" dirty="0" smtClean="0">
-                <a:ln>
-                  <a:noFill/>
-                </a:ln>
-                <a:solidFill>
-                  <a:srgbClr val="C0C0C0"/>
-                </a:solidFill>
-                <a:effectLst/>
-                <a:latin typeface="Cambria" panose="02040503050406030204" pitchFamily="18" charset="0"/>
-              </a:rPr>
-              <a:t> </a:t>
-            </a:r>
-            <a:r>
-              <a:rPr kumimoji="0" lang="fr-FR" altLang="fr-FR" sz="1600" b="0" i="0" u="none" strike="noStrike" cap="none" normalizeH="0" baseline="0" dirty="0" smtClean="0">
-                <a:ln>
-                  <a:noFill/>
-                </a:ln>
-                <a:solidFill>
-                  <a:schemeClr val="tx1"/>
-                </a:solidFill>
-                <a:effectLst/>
-                <a:latin typeface="Cambria" panose="02040503050406030204" pitchFamily="18" charset="0"/>
-              </a:rPr>
-              <a:t>(</a:t>
-            </a:r>
-            <a:r>
-              <a:rPr kumimoji="0" lang="fr-FR" altLang="fr-FR" sz="1600" b="0" i="0" u="none" strike="noStrike" cap="none" normalizeH="0" baseline="0" dirty="0" smtClean="0">
-                <a:ln>
-                  <a:noFill/>
-                </a:ln>
-                <a:solidFill>
-                  <a:srgbClr val="800080"/>
-                </a:solidFill>
-                <a:effectLst/>
-                <a:latin typeface="Cambria" panose="02040503050406030204" pitchFamily="18" charset="0"/>
-              </a:rPr>
-              <a:t>STOCKAVAILABLE</a:t>
-            </a:r>
-            <a:r>
-              <a:rPr kumimoji="0" lang="fr-FR" altLang="fr-FR" sz="1600" b="0" i="0" u="none" strike="noStrike" cap="none" normalizeH="0" baseline="0" dirty="0" smtClean="0">
-                <a:ln>
-                  <a:noFill/>
-                </a:ln>
-                <a:solidFill>
-                  <a:schemeClr val="tx1"/>
-                </a:solidFill>
-                <a:effectLst/>
-                <a:latin typeface="Cambria" panose="02040503050406030204" pitchFamily="18" charset="0"/>
-              </a:rPr>
-              <a:t>)</a:t>
-            </a:r>
-            <a:r>
-              <a:rPr kumimoji="0" lang="fr-FR" altLang="fr-FR" sz="1600" b="0" i="0" u="none" strike="noStrike" cap="none" normalizeH="0" baseline="0" dirty="0" smtClean="0">
-                <a:ln>
-                  <a:noFill/>
-                </a:ln>
-                <a:solidFill>
-                  <a:srgbClr val="C0C0C0"/>
-                </a:solidFill>
-                <a:effectLst/>
-                <a:latin typeface="Cambria" panose="02040503050406030204" pitchFamily="18" charset="0"/>
-              </a:rPr>
-              <a:t>  </a:t>
-            </a:r>
-            <a:r>
-              <a:rPr kumimoji="0" lang="fr-FR" altLang="fr-FR" sz="1600" b="0" i="0" u="none" strike="noStrike" cap="none" normalizeH="0" baseline="0" dirty="0" smtClean="0">
-                <a:ln>
-                  <a:noFill/>
-                </a:ln>
-                <a:solidFill>
-                  <a:schemeClr val="tx1"/>
-                </a:solidFill>
-                <a:effectLst/>
-                <a:latin typeface="Cambria" panose="02040503050406030204" pitchFamily="18" charset="0"/>
-              </a:rPr>
-              <a:t>{ </a:t>
-            </a:r>
-          </a:p>
-          <a:p>
-            <a:pPr marL="0" marR="0" lvl="0" indent="0" algn="l" defTabSz="914400" rtl="0" eaLnBrk="0" fontAlgn="base" latinLnBrk="0" hangingPunct="0">
-              <a:lnSpc>
-                <a:spcPct val="100000"/>
-              </a:lnSpc>
-              <a:spcBef>
-                <a:spcPct val="0"/>
-              </a:spcBef>
-              <a:spcAft>
-                <a:spcPct val="0"/>
-              </a:spcAft>
-              <a:buClrTx/>
-              <a:buSzTx/>
-              <a:buFontTx/>
-              <a:buNone/>
-              <a:tabLst/>
-            </a:pPr>
-            <a:r>
-              <a:rPr lang="fr-FR" altLang="fr-FR" sz="1600" dirty="0">
-                <a:latin typeface="Cambria" panose="02040503050406030204" pitchFamily="18" charset="0"/>
-              </a:rPr>
-              <a:t>	</a:t>
-            </a:r>
-            <a:r>
-              <a:rPr kumimoji="0" lang="fr-FR" altLang="fr-FR" sz="1600" b="0" i="0" u="none" strike="noStrike" cap="none" normalizeH="0" baseline="0" dirty="0" err="1" smtClean="0">
-                <a:ln>
-                  <a:noFill/>
-                </a:ln>
-                <a:solidFill>
-                  <a:schemeClr val="tx1"/>
-                </a:solidFill>
-                <a:effectLst/>
-                <a:latin typeface="Cambria" panose="02040503050406030204" pitchFamily="18" charset="0"/>
-              </a:rPr>
-              <a:t>tempDD</a:t>
-            </a:r>
-            <a:r>
-              <a:rPr kumimoji="0" lang="fr-FR" altLang="fr-FR" sz="1600" b="0" i="0" u="none" strike="noStrike" cap="none" normalizeH="0" baseline="0" dirty="0" smtClean="0">
-                <a:ln>
-                  <a:noFill/>
-                </a:ln>
-                <a:solidFill>
-                  <a:srgbClr val="C0C0C0"/>
-                </a:solidFill>
-                <a:effectLst/>
-                <a:latin typeface="Cambria" panose="02040503050406030204" pitchFamily="18" charset="0"/>
-              </a:rPr>
-              <a:t> </a:t>
-            </a:r>
-            <a:r>
-              <a:rPr kumimoji="0" lang="fr-FR" altLang="fr-FR" sz="1600" b="0" i="0" u="none" strike="noStrike" cap="none" normalizeH="0" baseline="0" dirty="0" smtClean="0">
-                <a:ln>
-                  <a:noFill/>
-                </a:ln>
-                <a:solidFill>
-                  <a:schemeClr val="tx1"/>
-                </a:solidFill>
-                <a:effectLst/>
-                <a:latin typeface="Cambria" panose="02040503050406030204" pitchFamily="18" charset="0"/>
-              </a:rPr>
-              <a:t>=</a:t>
-            </a:r>
-            <a:r>
-              <a:rPr kumimoji="0" lang="fr-FR" altLang="fr-FR" sz="1600" b="0" i="0" u="none" strike="noStrike" cap="none" normalizeH="0" baseline="0" dirty="0" smtClean="0">
-                <a:ln>
-                  <a:noFill/>
-                </a:ln>
-                <a:solidFill>
-                  <a:srgbClr val="C0C0C0"/>
-                </a:solidFill>
-                <a:effectLst/>
-                <a:latin typeface="Cambria" panose="02040503050406030204" pitchFamily="18" charset="0"/>
-              </a:rPr>
-              <a:t> </a:t>
-            </a:r>
-            <a:r>
-              <a:rPr kumimoji="0" lang="fr-FR" altLang="fr-FR" sz="1600" b="0" i="0" u="none" strike="noStrike" cap="none" normalizeH="0" baseline="0" dirty="0" smtClean="0">
-                <a:ln>
-                  <a:noFill/>
-                </a:ln>
-                <a:solidFill>
-                  <a:srgbClr val="800000"/>
-                </a:solidFill>
-                <a:effectLst/>
-                <a:latin typeface="Cambria" panose="02040503050406030204" pitchFamily="18" charset="0"/>
-              </a:rPr>
-              <a:t>DD</a:t>
-            </a:r>
-            <a:r>
-              <a:rPr kumimoji="0" lang="fr-FR" altLang="fr-FR" sz="1600" b="0" i="0" u="none" strike="noStrike" cap="none" normalizeH="0" baseline="0" dirty="0" smtClean="0">
-                <a:ln>
-                  <a:noFill/>
-                </a:ln>
-                <a:solidFill>
-                  <a:srgbClr val="C0C0C0"/>
-                </a:solidFill>
-                <a:effectLst/>
-                <a:latin typeface="Cambria" panose="02040503050406030204" pitchFamily="18" charset="0"/>
-              </a:rPr>
-              <a:t> </a:t>
-            </a:r>
-            <a:r>
-              <a:rPr kumimoji="0" lang="fr-FR" altLang="fr-FR" sz="1600" b="0" i="0" u="none" strike="noStrike" cap="none" normalizeH="0" baseline="0" dirty="0" smtClean="0">
-                <a:ln>
-                  <a:noFill/>
-                </a:ln>
-                <a:solidFill>
-                  <a:schemeClr val="tx1"/>
-                </a:solidFill>
-                <a:effectLst/>
-                <a:latin typeface="Cambria" panose="02040503050406030204" pitchFamily="18" charset="0"/>
-              </a:rPr>
-              <a:t>+</a:t>
-            </a:r>
-            <a:r>
-              <a:rPr kumimoji="0" lang="fr-FR" altLang="fr-FR" sz="1600" b="0" i="0" u="none" strike="noStrike" cap="none" normalizeH="0" baseline="0" dirty="0" smtClean="0">
-                <a:ln>
-                  <a:noFill/>
-                </a:ln>
-                <a:solidFill>
-                  <a:srgbClr val="C0C0C0"/>
-                </a:solidFill>
-                <a:effectLst/>
-                <a:latin typeface="Cambria" panose="02040503050406030204" pitchFamily="18" charset="0"/>
-              </a:rPr>
-              <a:t> </a:t>
-            </a:r>
-            <a:r>
-              <a:rPr kumimoji="0" lang="fr-FR" altLang="fr-FR" sz="1600" b="0" i="0" u="none" strike="noStrike" cap="none" normalizeH="0" baseline="0" dirty="0" err="1" smtClean="0">
-                <a:ln>
-                  <a:noFill/>
-                </a:ln>
-                <a:solidFill>
-                  <a:srgbClr val="800000"/>
-                </a:solidFill>
-                <a:effectLst/>
-                <a:latin typeface="Cambria" panose="02040503050406030204" pitchFamily="18" charset="0"/>
-              </a:rPr>
-              <a:t>deltaT</a:t>
-            </a:r>
-            <a:r>
-              <a:rPr kumimoji="0" lang="fr-FR" altLang="fr-FR" sz="1600" b="0" i="0" u="none" strike="noStrike" cap="none" normalizeH="0" baseline="0" dirty="0" smtClean="0">
-                <a:ln>
-                  <a:noFill/>
-                </a:ln>
-                <a:solidFill>
-                  <a:srgbClr val="C0C0C0"/>
-                </a:solidFill>
-                <a:effectLst/>
-                <a:latin typeface="Cambria" panose="02040503050406030204" pitchFamily="18" charset="0"/>
-              </a:rPr>
-              <a:t> </a:t>
-            </a:r>
-            <a:r>
-              <a:rPr kumimoji="0" lang="fr-FR" altLang="fr-FR" sz="1600" b="0" i="0" u="none" strike="noStrike" cap="none" normalizeH="0" baseline="0" dirty="0" smtClean="0">
-                <a:ln>
-                  <a:noFill/>
-                </a:ln>
-                <a:solidFill>
-                  <a:schemeClr val="tx1"/>
-                </a:solidFill>
-                <a:effectLst/>
-                <a:latin typeface="Cambria" panose="02040503050406030204" pitchFamily="18" charset="0"/>
-              </a:rPr>
-              <a:t>+</a:t>
-            </a:r>
-            <a:r>
-              <a:rPr kumimoji="0" lang="fr-FR" altLang="fr-FR" sz="1600" b="0" i="0" u="none" strike="noStrike" cap="none" normalizeH="0" baseline="0" dirty="0" smtClean="0">
-                <a:ln>
-                  <a:noFill/>
-                </a:ln>
-                <a:solidFill>
-                  <a:srgbClr val="C0C0C0"/>
-                </a:solidFill>
-                <a:effectLst/>
-                <a:latin typeface="Cambria" panose="02040503050406030204" pitchFamily="18" charset="0"/>
-              </a:rPr>
-              <a:t> </a:t>
-            </a:r>
-            <a:r>
-              <a:rPr kumimoji="0" lang="fr-FR" altLang="fr-FR" sz="1600" b="0" i="0" u="none" strike="noStrike" cap="none" normalizeH="0" baseline="0" dirty="0" err="1" smtClean="0">
-                <a:ln>
-                  <a:noFill/>
-                </a:ln>
-                <a:solidFill>
-                  <a:srgbClr val="800000"/>
-                </a:solidFill>
-                <a:effectLst/>
-                <a:latin typeface="Cambria" panose="02040503050406030204" pitchFamily="18" charset="0"/>
-              </a:rPr>
-              <a:t>plastodelay</a:t>
-            </a:r>
-            <a:r>
-              <a:rPr kumimoji="0" lang="fr-FR" altLang="fr-FR" sz="1600" b="0" i="0" u="none" strike="noStrike" cap="none" normalizeH="0" baseline="0" dirty="0" smtClean="0">
-                <a:ln>
-                  <a:noFill/>
-                </a:ln>
-                <a:solidFill>
-                  <a:schemeClr val="tx1"/>
-                </a:solidFill>
-                <a:effectLst/>
-                <a:latin typeface="Cambria" panose="02040503050406030204" pitchFamily="18" charset="0"/>
-              </a:rPr>
-              <a:t>; </a:t>
-            </a:r>
-            <a:br>
-              <a:rPr kumimoji="0" lang="fr-FR" altLang="fr-FR" sz="1600" b="0" i="0" u="none" strike="noStrike" cap="none" normalizeH="0" baseline="0" dirty="0" smtClean="0">
-                <a:ln>
-                  <a:noFill/>
-                </a:ln>
-                <a:solidFill>
-                  <a:schemeClr val="tx1"/>
-                </a:solidFill>
-                <a:effectLst/>
-                <a:latin typeface="Cambria" panose="02040503050406030204" pitchFamily="18" charset="0"/>
-              </a:rPr>
-            </a:br>
-            <a:r>
-              <a:rPr kumimoji="0" lang="fr-FR" altLang="fr-FR" sz="1600" b="0" i="0" u="none" strike="noStrike" cap="none" normalizeH="0" baseline="0" dirty="0" smtClean="0">
-                <a:ln>
-                  <a:noFill/>
-                </a:ln>
-                <a:solidFill>
-                  <a:schemeClr val="tx1"/>
-                </a:solidFill>
-                <a:effectLst/>
-                <a:latin typeface="Cambria" panose="02040503050406030204" pitchFamily="18" charset="0"/>
-              </a:rPr>
-              <a:t>	</a:t>
-            </a:r>
-            <a:r>
-              <a:rPr kumimoji="0" lang="fr-FR" altLang="fr-FR" sz="1600" b="0" i="0" u="none" strike="noStrike" cap="none" normalizeH="0" baseline="0" dirty="0" err="1" smtClean="0">
-                <a:ln>
-                  <a:noFill/>
-                </a:ln>
-                <a:solidFill>
-                  <a:srgbClr val="800000"/>
-                </a:solidFill>
-                <a:effectLst/>
-                <a:latin typeface="Cambria" panose="02040503050406030204" pitchFamily="18" charset="0"/>
-              </a:rPr>
-              <a:t>boolCrossedPlasto</a:t>
-            </a:r>
-            <a:r>
-              <a:rPr kumimoji="0" lang="fr-FR" altLang="fr-FR" sz="1600" b="0" i="0" u="none" strike="noStrike" cap="none" normalizeH="0" baseline="0" dirty="0" smtClean="0">
-                <a:ln>
-                  <a:noFill/>
-                </a:ln>
-                <a:solidFill>
-                  <a:srgbClr val="C0C0C0"/>
-                </a:solidFill>
-                <a:effectLst/>
-                <a:latin typeface="Cambria" panose="02040503050406030204" pitchFamily="18" charset="0"/>
-              </a:rPr>
-              <a:t> </a:t>
-            </a:r>
-            <a:r>
-              <a:rPr kumimoji="0" lang="fr-FR" altLang="fr-FR" sz="1600" b="0" i="0" u="none" strike="noStrike" cap="none" normalizeH="0" baseline="0" dirty="0" smtClean="0">
-                <a:ln>
-                  <a:noFill/>
-                </a:ln>
-                <a:solidFill>
-                  <a:schemeClr val="tx1"/>
-                </a:solidFill>
-                <a:effectLst/>
-                <a:latin typeface="Cambria" panose="02040503050406030204" pitchFamily="18" charset="0"/>
-              </a:rPr>
-              <a:t>=</a:t>
-            </a:r>
-            <a:r>
-              <a:rPr kumimoji="0" lang="fr-FR" altLang="fr-FR" sz="1600" b="0" i="0" u="none" strike="noStrike" cap="none" normalizeH="0" baseline="0" dirty="0" smtClean="0">
-                <a:ln>
-                  <a:noFill/>
-                </a:ln>
-                <a:solidFill>
-                  <a:srgbClr val="C0C0C0"/>
-                </a:solidFill>
-                <a:effectLst/>
-                <a:latin typeface="Cambria" panose="02040503050406030204" pitchFamily="18" charset="0"/>
-              </a:rPr>
-              <a:t> </a:t>
-            </a:r>
-            <a:r>
-              <a:rPr kumimoji="0" lang="fr-FR" altLang="fr-FR" sz="1600" b="0" i="0" u="none" strike="noStrike" cap="none" normalizeH="0" baseline="0" dirty="0" err="1" smtClean="0">
-                <a:ln>
-                  <a:noFill/>
-                </a:ln>
-                <a:solidFill>
-                  <a:schemeClr val="tx1"/>
-                </a:solidFill>
-                <a:effectLst/>
-                <a:latin typeface="Cambria" panose="02040503050406030204" pitchFamily="18" charset="0"/>
-              </a:rPr>
-              <a:t>tempDD</a:t>
-            </a:r>
-            <a:r>
-              <a:rPr kumimoji="0" lang="fr-FR" altLang="fr-FR" sz="1600" b="0" i="0" u="none" strike="noStrike" cap="none" normalizeH="0" baseline="0" dirty="0" smtClean="0">
-                <a:ln>
-                  <a:noFill/>
-                </a:ln>
-                <a:solidFill>
-                  <a:srgbClr val="C0C0C0"/>
-                </a:solidFill>
-                <a:effectLst/>
-                <a:latin typeface="Cambria" panose="02040503050406030204" pitchFamily="18" charset="0"/>
-              </a:rPr>
-              <a:t> </a:t>
-            </a:r>
-            <a:r>
-              <a:rPr kumimoji="0" lang="fr-FR" altLang="fr-FR" sz="1600" b="0" i="0" u="none" strike="noStrike" cap="none" normalizeH="0" baseline="0" dirty="0" smtClean="0">
-                <a:ln>
-                  <a:noFill/>
-                </a:ln>
-                <a:solidFill>
-                  <a:schemeClr val="tx1"/>
-                </a:solidFill>
-                <a:effectLst/>
-                <a:latin typeface="Cambria" panose="02040503050406030204" pitchFamily="18" charset="0"/>
-              </a:rPr>
-              <a:t>-</a:t>
-            </a:r>
-            <a:r>
-              <a:rPr kumimoji="0" lang="fr-FR" altLang="fr-FR" sz="1600" b="0" i="0" u="none" strike="noStrike" cap="none" normalizeH="0" baseline="0" dirty="0" smtClean="0">
-                <a:ln>
-                  <a:noFill/>
-                </a:ln>
-                <a:solidFill>
-                  <a:srgbClr val="C0C0C0"/>
-                </a:solidFill>
-                <a:effectLst/>
-                <a:latin typeface="Cambria" panose="02040503050406030204" pitchFamily="18" charset="0"/>
-              </a:rPr>
-              <a:t> </a:t>
-            </a:r>
-            <a:r>
-              <a:rPr kumimoji="0" lang="fr-FR" altLang="fr-FR" sz="1600" b="0" i="0" u="none" strike="noStrike" cap="none" normalizeH="0" baseline="0" dirty="0" err="1" smtClean="0">
-                <a:ln>
-                  <a:noFill/>
-                </a:ln>
-                <a:solidFill>
-                  <a:srgbClr val="800000"/>
-                </a:solidFill>
-                <a:effectLst/>
-                <a:latin typeface="Cambria" panose="02040503050406030204" pitchFamily="18" charset="0"/>
-              </a:rPr>
-              <a:t>plasto</a:t>
-            </a:r>
-            <a:r>
-              <a:rPr kumimoji="0" lang="fr-FR" altLang="fr-FR" sz="1600" b="0" i="0" u="none" strike="noStrike" cap="none" normalizeH="0" baseline="0" dirty="0" smtClean="0">
-                <a:ln>
-                  <a:noFill/>
-                </a:ln>
-                <a:solidFill>
-                  <a:schemeClr val="tx1"/>
-                </a:solidFill>
-                <a:effectLst/>
-                <a:latin typeface="Cambria" panose="02040503050406030204" pitchFamily="18" charset="0"/>
-              </a:rPr>
-              <a:t>; </a:t>
-            </a:r>
-          </a:p>
-          <a:p>
-            <a:pPr lvl="0" eaLnBrk="0" fontAlgn="base" hangingPunct="0">
-              <a:spcBef>
-                <a:spcPct val="0"/>
-              </a:spcBef>
-              <a:spcAft>
-                <a:spcPct val="0"/>
-              </a:spcAft>
-            </a:pPr>
-            <a:r>
-              <a:rPr kumimoji="0" lang="fr-FR" altLang="fr-FR" sz="1600" b="0" i="0" u="none" strike="noStrike" cap="none" normalizeH="0" baseline="0" dirty="0" smtClean="0">
-                <a:ln>
-                  <a:noFill/>
-                </a:ln>
-                <a:solidFill>
-                  <a:srgbClr val="800000"/>
-                </a:solidFill>
-                <a:effectLst/>
-                <a:latin typeface="Cambria" panose="02040503050406030204" pitchFamily="18" charset="0"/>
-              </a:rPr>
-              <a:t>	</a:t>
-            </a:r>
-            <a:r>
-              <a:rPr kumimoji="0" lang="fr-FR" altLang="fr-FR" sz="1600" b="0" i="0" u="none" strike="noStrike" cap="none" normalizeH="0" baseline="0" dirty="0" err="1" smtClean="0">
-                <a:ln>
-                  <a:noFill/>
-                </a:ln>
-                <a:solidFill>
-                  <a:srgbClr val="800000"/>
-                </a:solidFill>
-                <a:effectLst/>
-                <a:latin typeface="Cambria" panose="02040503050406030204" pitchFamily="18" charset="0"/>
-              </a:rPr>
-              <a:t>plastoVisu</a:t>
-            </a:r>
-            <a:r>
-              <a:rPr kumimoji="0" lang="fr-FR" altLang="fr-FR" sz="1600" b="0" i="0" u="none" strike="noStrike" cap="none" normalizeH="0" baseline="0" dirty="0" smtClean="0">
-                <a:ln>
-                  <a:noFill/>
-                </a:ln>
-                <a:solidFill>
-                  <a:srgbClr val="C0C0C0"/>
-                </a:solidFill>
-                <a:effectLst/>
-                <a:latin typeface="Cambria" panose="02040503050406030204" pitchFamily="18" charset="0"/>
-              </a:rPr>
-              <a:t> </a:t>
-            </a:r>
-            <a:r>
-              <a:rPr kumimoji="0" lang="fr-FR" altLang="fr-FR" sz="1600" b="0" i="0" u="none" strike="noStrike" cap="none" normalizeH="0" baseline="0" dirty="0" smtClean="0">
-                <a:ln>
-                  <a:noFill/>
-                </a:ln>
-                <a:solidFill>
-                  <a:schemeClr val="tx1"/>
-                </a:solidFill>
-                <a:effectLst/>
-                <a:latin typeface="Cambria" panose="02040503050406030204" pitchFamily="18" charset="0"/>
-              </a:rPr>
-              <a:t>=</a:t>
-            </a:r>
-            <a:r>
-              <a:rPr kumimoji="0" lang="fr-FR" altLang="fr-FR" sz="1600" b="0" i="0" u="none" strike="noStrike" cap="none" normalizeH="0" baseline="0" dirty="0" smtClean="0">
-                <a:ln>
-                  <a:noFill/>
-                </a:ln>
-                <a:solidFill>
-                  <a:srgbClr val="C0C0C0"/>
-                </a:solidFill>
-                <a:effectLst/>
-                <a:latin typeface="Cambria" panose="02040503050406030204" pitchFamily="18" charset="0"/>
-              </a:rPr>
-              <a:t> </a:t>
-            </a:r>
-            <a:r>
-              <a:rPr kumimoji="0" lang="fr-FR" altLang="fr-FR" sz="1600" b="0" i="0" u="none" strike="noStrike" cap="none" normalizeH="0" baseline="0" dirty="0" err="1" smtClean="0">
-                <a:ln>
-                  <a:noFill/>
-                </a:ln>
-                <a:solidFill>
-                  <a:srgbClr val="800000"/>
-                </a:solidFill>
-                <a:effectLst/>
-                <a:latin typeface="Cambria" panose="02040503050406030204" pitchFamily="18" charset="0"/>
-              </a:rPr>
-              <a:t>plastoVisu</a:t>
-            </a:r>
-            <a:r>
-              <a:rPr kumimoji="0" lang="fr-FR" altLang="fr-FR" sz="1600" b="0" i="0" u="none" strike="noStrike" cap="none" normalizeH="0" baseline="0" dirty="0" smtClean="0">
-                <a:ln>
-                  <a:noFill/>
-                </a:ln>
-                <a:solidFill>
-                  <a:srgbClr val="C0C0C0"/>
-                </a:solidFill>
-                <a:effectLst/>
-                <a:latin typeface="Cambria" panose="02040503050406030204" pitchFamily="18" charset="0"/>
-              </a:rPr>
-              <a:t> </a:t>
-            </a:r>
-            <a:r>
-              <a:rPr kumimoji="0" lang="fr-FR" altLang="fr-FR" sz="1600" b="0" i="0" u="none" strike="noStrike" cap="none" normalizeH="0" baseline="0" dirty="0" smtClean="0">
-                <a:ln>
-                  <a:noFill/>
-                </a:ln>
-                <a:solidFill>
-                  <a:schemeClr val="tx1"/>
-                </a:solidFill>
-                <a:effectLst/>
-                <a:latin typeface="Cambria" panose="02040503050406030204" pitchFamily="18" charset="0"/>
-              </a:rPr>
-              <a:t>-</a:t>
-            </a:r>
-            <a:r>
-              <a:rPr kumimoji="0" lang="fr-FR" altLang="fr-FR" sz="1600" b="0" i="0" u="none" strike="noStrike" cap="none" normalizeH="0" baseline="0" dirty="0" smtClean="0">
-                <a:ln>
-                  <a:noFill/>
-                </a:ln>
-                <a:solidFill>
-                  <a:srgbClr val="C0C0C0"/>
-                </a:solidFill>
-                <a:effectLst/>
-                <a:latin typeface="Cambria" panose="02040503050406030204" pitchFamily="18" charset="0"/>
-              </a:rPr>
-              <a:t> </a:t>
-            </a:r>
-            <a:r>
-              <a:rPr kumimoji="0" lang="fr-FR" altLang="fr-FR" sz="1600" b="0" i="0" u="none" strike="noStrike" cap="none" normalizeH="0" baseline="0" dirty="0" err="1" smtClean="0">
-                <a:ln>
-                  <a:noFill/>
-                </a:ln>
-                <a:solidFill>
-                  <a:srgbClr val="800000"/>
-                </a:solidFill>
-                <a:effectLst/>
-                <a:latin typeface="Cambria" panose="02040503050406030204" pitchFamily="18" charset="0"/>
-              </a:rPr>
-              <a:t>plastodelay</a:t>
-            </a:r>
-            <a:r>
-              <a:rPr kumimoji="0" lang="fr-FR" altLang="fr-FR" sz="1600" b="0" i="0" u="none" strike="noStrike" cap="none" normalizeH="0" baseline="0" dirty="0" smtClean="0">
-                <a:ln>
-                  <a:noFill/>
-                </a:ln>
-                <a:solidFill>
-                  <a:schemeClr val="tx1"/>
-                </a:solidFill>
-                <a:effectLst/>
-                <a:latin typeface="Cambria" panose="02040503050406030204" pitchFamily="18" charset="0"/>
-              </a:rPr>
-              <a:t>;</a:t>
-            </a:r>
-          </a:p>
-          <a:p>
-            <a:pPr lvl="0" eaLnBrk="0" fontAlgn="base" hangingPunct="0">
-              <a:spcBef>
-                <a:spcPct val="0"/>
-              </a:spcBef>
-              <a:spcAft>
-                <a:spcPct val="0"/>
-              </a:spcAft>
-            </a:pPr>
-            <a:r>
-              <a:rPr kumimoji="0" lang="fr-FR" altLang="fr-FR" sz="1600" b="0" i="0" u="none" strike="noStrike" cap="none" normalizeH="0" baseline="0" dirty="0" smtClean="0">
-                <a:ln>
-                  <a:noFill/>
-                </a:ln>
-                <a:solidFill>
-                  <a:srgbClr val="800000"/>
-                </a:solidFill>
-                <a:effectLst/>
-                <a:latin typeface="Cambria" panose="02040503050406030204" pitchFamily="18" charset="0"/>
-              </a:rPr>
-              <a:t>	</a:t>
-            </a:r>
-            <a:r>
-              <a:rPr kumimoji="0" lang="fr-FR" altLang="fr-FR" sz="1600" b="0" i="0" u="none" strike="noStrike" cap="none" normalizeH="0" baseline="0" dirty="0" err="1" smtClean="0">
-                <a:ln>
-                  <a:noFill/>
-                </a:ln>
-                <a:solidFill>
-                  <a:srgbClr val="800000"/>
-                </a:solidFill>
-                <a:effectLst/>
-                <a:latin typeface="Cambria" panose="02040503050406030204" pitchFamily="18" charset="0"/>
-              </a:rPr>
-              <a:t>liguloVisu</a:t>
-            </a:r>
-            <a:r>
-              <a:rPr kumimoji="0" lang="fr-FR" altLang="fr-FR" sz="1600" b="0" i="0" u="none" strike="noStrike" cap="none" normalizeH="0" baseline="0" dirty="0" smtClean="0">
-                <a:ln>
-                  <a:noFill/>
-                </a:ln>
-                <a:solidFill>
-                  <a:srgbClr val="C0C0C0"/>
-                </a:solidFill>
-                <a:effectLst/>
-                <a:latin typeface="Cambria" panose="02040503050406030204" pitchFamily="18" charset="0"/>
-              </a:rPr>
-              <a:t> </a:t>
-            </a:r>
-            <a:r>
-              <a:rPr kumimoji="0" lang="fr-FR" altLang="fr-FR" sz="1600" b="0" i="0" u="none" strike="noStrike" cap="none" normalizeH="0" baseline="0" dirty="0" smtClean="0">
-                <a:ln>
-                  <a:noFill/>
-                </a:ln>
-                <a:solidFill>
-                  <a:schemeClr val="tx1"/>
-                </a:solidFill>
-                <a:effectLst/>
-                <a:latin typeface="Cambria" panose="02040503050406030204" pitchFamily="18" charset="0"/>
-              </a:rPr>
-              <a:t>=</a:t>
-            </a:r>
-            <a:r>
-              <a:rPr kumimoji="0" lang="fr-FR" altLang="fr-FR" sz="1600" b="0" i="0" u="none" strike="noStrike" cap="none" normalizeH="0" baseline="0" dirty="0" smtClean="0">
-                <a:ln>
-                  <a:noFill/>
-                </a:ln>
-                <a:solidFill>
-                  <a:srgbClr val="C0C0C0"/>
-                </a:solidFill>
-                <a:effectLst/>
-                <a:latin typeface="Cambria" panose="02040503050406030204" pitchFamily="18" charset="0"/>
-              </a:rPr>
-              <a:t> </a:t>
-            </a:r>
-            <a:r>
-              <a:rPr kumimoji="0" lang="fr-FR" altLang="fr-FR" sz="1600" b="0" i="0" u="none" strike="noStrike" cap="none" normalizeH="0" baseline="0" dirty="0" err="1" smtClean="0">
-                <a:ln>
-                  <a:noFill/>
-                </a:ln>
-                <a:solidFill>
-                  <a:srgbClr val="800000"/>
-                </a:solidFill>
-                <a:effectLst/>
-                <a:latin typeface="Cambria" panose="02040503050406030204" pitchFamily="18" charset="0"/>
-              </a:rPr>
-              <a:t>liguloVisu</a:t>
-            </a:r>
-            <a:r>
-              <a:rPr kumimoji="0" lang="fr-FR" altLang="fr-FR" sz="1600" b="0" i="0" u="none" strike="noStrike" cap="none" normalizeH="0" baseline="0" dirty="0" smtClean="0">
-                <a:ln>
-                  <a:noFill/>
-                </a:ln>
-                <a:solidFill>
-                  <a:srgbClr val="C0C0C0"/>
-                </a:solidFill>
-                <a:effectLst/>
-                <a:latin typeface="Cambria" panose="02040503050406030204" pitchFamily="18" charset="0"/>
-              </a:rPr>
-              <a:t> </a:t>
-            </a:r>
-            <a:r>
-              <a:rPr kumimoji="0" lang="fr-FR" altLang="fr-FR" sz="1600" b="0" i="0" u="none" strike="noStrike" cap="none" normalizeH="0" baseline="0" dirty="0" smtClean="0">
-                <a:ln>
-                  <a:noFill/>
-                </a:ln>
-                <a:solidFill>
-                  <a:schemeClr val="tx1"/>
-                </a:solidFill>
-                <a:effectLst/>
-                <a:latin typeface="Cambria" panose="02040503050406030204" pitchFamily="18" charset="0"/>
-              </a:rPr>
-              <a:t>-</a:t>
-            </a:r>
-            <a:r>
-              <a:rPr kumimoji="0" lang="fr-FR" altLang="fr-FR" sz="1600" b="0" i="0" u="none" strike="noStrike" cap="none" normalizeH="0" baseline="0" dirty="0" smtClean="0">
-                <a:ln>
-                  <a:noFill/>
-                </a:ln>
-                <a:solidFill>
-                  <a:srgbClr val="C0C0C0"/>
-                </a:solidFill>
-                <a:effectLst/>
-                <a:latin typeface="Cambria" panose="02040503050406030204" pitchFamily="18" charset="0"/>
-              </a:rPr>
-              <a:t> </a:t>
-            </a:r>
-            <a:r>
-              <a:rPr kumimoji="0" lang="fr-FR" altLang="fr-FR" sz="1600" b="0" i="0" u="none" strike="noStrike" cap="none" normalizeH="0" baseline="0" dirty="0" err="1" smtClean="0">
-                <a:ln>
-                  <a:noFill/>
-                </a:ln>
-                <a:solidFill>
-                  <a:srgbClr val="800000"/>
-                </a:solidFill>
-                <a:effectLst/>
-                <a:latin typeface="Cambria" panose="02040503050406030204" pitchFamily="18" charset="0"/>
-              </a:rPr>
-              <a:t>plastodelay</a:t>
-            </a:r>
-            <a:r>
-              <a:rPr kumimoji="0" lang="fr-FR" altLang="fr-FR" sz="1600" b="0" i="0" u="none" strike="noStrike" cap="none" normalizeH="0" baseline="0" dirty="0" smtClean="0">
-                <a:ln>
-                  <a:noFill/>
-                </a:ln>
-                <a:solidFill>
-                  <a:schemeClr val="tx1"/>
-                </a:solidFill>
-                <a:effectLst/>
-                <a:latin typeface="Cambria" panose="02040503050406030204" pitchFamily="18" charset="0"/>
-              </a:rPr>
-              <a:t>;</a:t>
-            </a:r>
-            <a:r>
-              <a:rPr kumimoji="0" lang="fr-FR" altLang="fr-FR" sz="1600" b="0" i="0" u="none" strike="noStrike" cap="none" normalizeH="0" baseline="0" dirty="0" smtClean="0">
-                <a:ln>
-                  <a:noFill/>
-                </a:ln>
-                <a:solidFill>
-                  <a:schemeClr val="tx1"/>
-                </a:solidFill>
-                <a:effectLst/>
-                <a:latin typeface="Cambria" panose="02040503050406030204" pitchFamily="18" charset="0"/>
-              </a:rPr>
-              <a:t/>
-            </a:r>
-            <a:br>
-              <a:rPr kumimoji="0" lang="fr-FR" altLang="fr-FR" sz="1600" b="0" i="0" u="none" strike="noStrike" cap="none" normalizeH="0" baseline="0" dirty="0" smtClean="0">
-                <a:ln>
-                  <a:noFill/>
-                </a:ln>
-                <a:solidFill>
-                  <a:schemeClr val="tx1"/>
-                </a:solidFill>
-                <a:effectLst/>
-                <a:latin typeface="Cambria" panose="02040503050406030204" pitchFamily="18" charset="0"/>
-              </a:rPr>
-            </a:br>
-            <a:endParaRPr kumimoji="0" lang="fr-FR" altLang="fr-FR" sz="1600" b="0" i="0" u="none" strike="noStrike" cap="none" normalizeH="0" baseline="0" dirty="0" smtClean="0">
-              <a:ln>
-                <a:noFill/>
-              </a:ln>
-              <a:solidFill>
-                <a:schemeClr val="tx1"/>
-              </a:solidFill>
-              <a:effectLst/>
-              <a:latin typeface="Cambria" panose="02040503050406030204" pitchFamily="18" charset="0"/>
-            </a:endParaRPr>
-          </a:p>
-          <a:p>
-            <a:pPr lvl="0" eaLnBrk="0" fontAlgn="base" hangingPunct="0">
-              <a:spcBef>
-                <a:spcPct val="0"/>
-              </a:spcBef>
-              <a:spcAft>
-                <a:spcPct val="0"/>
-              </a:spcAft>
-            </a:pPr>
-            <a:r>
-              <a:rPr lang="fr-FR" altLang="fr-FR" sz="1600" dirty="0">
-                <a:latin typeface="Cambria" panose="02040503050406030204" pitchFamily="18" charset="0"/>
-              </a:rPr>
-              <a:t>	</a:t>
-            </a:r>
-            <a:r>
-              <a:rPr kumimoji="0" lang="fr-FR" altLang="fr-FR" sz="1600" b="0" i="0" u="none" strike="noStrike" cap="none" normalizeH="0" baseline="0" dirty="0" smtClean="0">
-                <a:ln>
-                  <a:noFill/>
-                </a:ln>
-                <a:solidFill>
-                  <a:srgbClr val="808000"/>
-                </a:solidFill>
-                <a:effectLst/>
-                <a:latin typeface="Cambria" panose="02040503050406030204" pitchFamily="18" charset="0"/>
-              </a:rPr>
-              <a:t> if</a:t>
-            </a:r>
-            <a:r>
-              <a:rPr kumimoji="0" lang="fr-FR" altLang="fr-FR" sz="1600" b="0" i="0" u="none" strike="noStrike" cap="none" normalizeH="0" baseline="0" dirty="0" smtClean="0">
-                <a:ln>
-                  <a:noFill/>
-                </a:ln>
-                <a:solidFill>
-                  <a:srgbClr val="C0C0C0"/>
-                </a:solidFill>
-                <a:effectLst/>
-                <a:latin typeface="Cambria" panose="02040503050406030204" pitchFamily="18" charset="0"/>
-              </a:rPr>
-              <a:t> </a:t>
-            </a:r>
-            <a:r>
-              <a:rPr kumimoji="0" lang="fr-FR" altLang="fr-FR" sz="1600" b="0" i="0" u="none" strike="noStrike" cap="none" normalizeH="0" baseline="0" dirty="0" smtClean="0">
-                <a:ln>
-                  <a:noFill/>
-                </a:ln>
-                <a:solidFill>
-                  <a:schemeClr val="tx1"/>
-                </a:solidFill>
-                <a:effectLst/>
-                <a:latin typeface="Cambria" panose="02040503050406030204" pitchFamily="18" charset="0"/>
-              </a:rPr>
-              <a:t>(</a:t>
-            </a:r>
-            <a:r>
-              <a:rPr kumimoji="0" lang="fr-FR" altLang="fr-FR" sz="1600" b="0" i="0" u="none" strike="noStrike" cap="none" normalizeH="0" baseline="0" dirty="0" err="1" smtClean="0">
-                <a:ln>
-                  <a:noFill/>
-                </a:ln>
-                <a:solidFill>
-                  <a:srgbClr val="800000"/>
-                </a:solidFill>
-                <a:effectLst/>
-                <a:latin typeface="Cambria" panose="02040503050406030204" pitchFamily="18" charset="0"/>
-              </a:rPr>
-              <a:t>boolCrossedPlasto</a:t>
-            </a:r>
-            <a:r>
-              <a:rPr kumimoji="0" lang="fr-FR" altLang="fr-FR" sz="1600" b="0" i="0" u="none" strike="noStrike" cap="none" normalizeH="0" baseline="0" dirty="0" smtClean="0">
-                <a:ln>
-                  <a:noFill/>
-                </a:ln>
-                <a:solidFill>
-                  <a:srgbClr val="C0C0C0"/>
-                </a:solidFill>
-                <a:effectLst/>
-                <a:latin typeface="Cambria" panose="02040503050406030204" pitchFamily="18" charset="0"/>
-              </a:rPr>
-              <a:t> </a:t>
-            </a:r>
-            <a:r>
-              <a:rPr kumimoji="0" lang="fr-FR" altLang="fr-FR" sz="1600" b="0" i="0" u="none" strike="noStrike" cap="none" normalizeH="0" baseline="0" dirty="0" smtClean="0">
-                <a:ln>
-                  <a:noFill/>
-                </a:ln>
-                <a:solidFill>
-                  <a:schemeClr val="tx1"/>
-                </a:solidFill>
-                <a:effectLst/>
-                <a:latin typeface="Cambria" panose="02040503050406030204" pitchFamily="18" charset="0"/>
-              </a:rPr>
-              <a:t>&gt;=</a:t>
-            </a:r>
-            <a:r>
-              <a:rPr kumimoji="0" lang="fr-FR" altLang="fr-FR" sz="1600" b="0" i="0" u="none" strike="noStrike" cap="none" normalizeH="0" baseline="0" dirty="0" smtClean="0">
-                <a:ln>
-                  <a:noFill/>
-                </a:ln>
-                <a:solidFill>
-                  <a:srgbClr val="C0C0C0"/>
-                </a:solidFill>
-                <a:effectLst/>
-                <a:latin typeface="Cambria" panose="02040503050406030204" pitchFamily="18" charset="0"/>
-              </a:rPr>
-              <a:t> </a:t>
-            </a:r>
-            <a:r>
-              <a:rPr kumimoji="0" lang="fr-FR" altLang="fr-FR" sz="1600" b="0" i="0" u="none" strike="noStrike" cap="none" normalizeH="0" baseline="0" dirty="0" smtClean="0">
-                <a:ln>
-                  <a:noFill/>
-                </a:ln>
-                <a:solidFill>
-                  <a:srgbClr val="000080"/>
-                </a:solidFill>
-                <a:effectLst/>
-                <a:latin typeface="Cambria" panose="02040503050406030204" pitchFamily="18" charset="0"/>
-              </a:rPr>
-              <a:t>0</a:t>
-            </a:r>
-            <a:r>
-              <a:rPr kumimoji="0" lang="fr-FR" altLang="fr-FR" sz="1600" b="0" i="0" u="none" strike="noStrike" cap="none" normalizeH="0" baseline="0" dirty="0" smtClean="0">
-                <a:ln>
-                  <a:noFill/>
-                </a:ln>
-                <a:solidFill>
-                  <a:schemeClr val="tx1"/>
-                </a:solidFill>
-                <a:effectLst/>
-                <a:latin typeface="Cambria" panose="02040503050406030204" pitchFamily="18" charset="0"/>
-              </a:rPr>
-              <a:t>)</a:t>
-            </a:r>
-            <a:r>
-              <a:rPr kumimoji="0" lang="fr-FR" altLang="fr-FR" sz="1600" b="0" i="0" u="none" strike="noStrike" cap="none" normalizeH="0" baseline="0" dirty="0" smtClean="0">
-                <a:ln>
-                  <a:noFill/>
-                </a:ln>
-                <a:solidFill>
-                  <a:srgbClr val="C0C0C0"/>
-                </a:solidFill>
-                <a:effectLst/>
-                <a:latin typeface="Cambria" panose="02040503050406030204" pitchFamily="18" charset="0"/>
-              </a:rPr>
-              <a:t> </a:t>
-            </a:r>
-            <a:r>
-              <a:rPr kumimoji="0" lang="fr-FR" altLang="fr-FR" sz="1600" b="0" i="0" u="none" strike="noStrike" cap="none" normalizeH="0" baseline="0" dirty="0" smtClean="0">
-                <a:ln>
-                  <a:noFill/>
-                </a:ln>
-                <a:effectLst/>
-                <a:latin typeface="Cambria" panose="02040503050406030204" pitchFamily="18" charset="0"/>
-              </a:rPr>
-              <a:t> {</a:t>
-            </a:r>
-          </a:p>
-          <a:p>
-            <a:pPr lvl="0" eaLnBrk="0" fontAlgn="base" hangingPunct="0">
-              <a:spcBef>
-                <a:spcPct val="0"/>
-              </a:spcBef>
-              <a:spcAft>
-                <a:spcPct val="0"/>
-              </a:spcAft>
-            </a:pPr>
-            <a:r>
-              <a:rPr lang="fr-FR" altLang="fr-FR" sz="1600" dirty="0">
-                <a:solidFill>
-                  <a:srgbClr val="C0C0C0"/>
-                </a:solidFill>
-                <a:latin typeface="Cambria" panose="02040503050406030204" pitchFamily="18" charset="0"/>
-              </a:rPr>
-              <a:t>	</a:t>
-            </a:r>
-            <a:r>
-              <a:rPr lang="fr-FR" altLang="fr-FR" sz="1600" dirty="0" smtClean="0">
-                <a:solidFill>
-                  <a:srgbClr val="C0C0C0"/>
-                </a:solidFill>
-                <a:latin typeface="Cambria" panose="02040503050406030204" pitchFamily="18" charset="0"/>
-              </a:rPr>
-              <a:t>	</a:t>
-            </a:r>
-            <a:r>
-              <a:rPr kumimoji="0" lang="fr-FR" altLang="fr-FR" sz="1600" b="0" i="0" u="none" strike="noStrike" cap="none" normalizeH="0" baseline="0" dirty="0" smtClean="0">
-                <a:ln>
-                  <a:noFill/>
-                </a:ln>
-                <a:solidFill>
-                  <a:srgbClr val="800000"/>
-                </a:solidFill>
-                <a:effectLst/>
-                <a:latin typeface="Cambria" panose="02040503050406030204" pitchFamily="18" charset="0"/>
-              </a:rPr>
-              <a:t>EDD</a:t>
-            </a:r>
-            <a:r>
-              <a:rPr kumimoji="0" lang="fr-FR" altLang="fr-FR" sz="1600" b="0" i="0" u="none" strike="noStrike" cap="none" normalizeH="0" baseline="0" dirty="0" smtClean="0">
-                <a:ln>
-                  <a:noFill/>
-                </a:ln>
-                <a:solidFill>
-                  <a:srgbClr val="C0C0C0"/>
-                </a:solidFill>
-                <a:effectLst/>
-                <a:latin typeface="Cambria" panose="02040503050406030204" pitchFamily="18" charset="0"/>
-              </a:rPr>
-              <a:t> </a:t>
-            </a:r>
-            <a:r>
-              <a:rPr kumimoji="0" lang="fr-FR" altLang="fr-FR" sz="1600" b="0" i="0" u="none" strike="noStrike" cap="none" normalizeH="0" baseline="0" dirty="0" smtClean="0">
-                <a:ln>
-                  <a:noFill/>
-                </a:ln>
-                <a:solidFill>
-                  <a:schemeClr val="tx1"/>
-                </a:solidFill>
-                <a:effectLst/>
-                <a:latin typeface="Cambria" panose="02040503050406030204" pitchFamily="18" charset="0"/>
-              </a:rPr>
-              <a:t>=</a:t>
-            </a:r>
-            <a:r>
-              <a:rPr kumimoji="0" lang="fr-FR" altLang="fr-FR" sz="1600" b="0" i="0" u="none" strike="noStrike" cap="none" normalizeH="0" baseline="0" dirty="0" smtClean="0">
-                <a:ln>
-                  <a:noFill/>
-                </a:ln>
-                <a:solidFill>
-                  <a:srgbClr val="C0C0C0"/>
-                </a:solidFill>
-                <a:effectLst/>
-                <a:latin typeface="Cambria" panose="02040503050406030204" pitchFamily="18" charset="0"/>
-              </a:rPr>
-              <a:t> </a:t>
-            </a:r>
-            <a:r>
-              <a:rPr kumimoji="0" lang="fr-FR" altLang="fr-FR" sz="1600" b="0" i="0" u="none" strike="noStrike" cap="none" normalizeH="0" baseline="0" dirty="0" err="1" smtClean="0">
-                <a:ln>
-                  <a:noFill/>
-                </a:ln>
-                <a:solidFill>
-                  <a:srgbClr val="800000"/>
-                </a:solidFill>
-                <a:effectLst/>
-                <a:latin typeface="Cambria" panose="02040503050406030204" pitchFamily="18" charset="0"/>
-              </a:rPr>
-              <a:t>plasto</a:t>
-            </a:r>
-            <a:r>
-              <a:rPr kumimoji="0" lang="fr-FR" altLang="fr-FR" sz="1600" b="0" i="0" u="none" strike="noStrike" cap="none" normalizeH="0" baseline="0" dirty="0" smtClean="0">
-                <a:ln>
-                  <a:noFill/>
-                </a:ln>
-                <a:solidFill>
-                  <a:srgbClr val="C0C0C0"/>
-                </a:solidFill>
-                <a:effectLst/>
-                <a:latin typeface="Cambria" panose="02040503050406030204" pitchFamily="18" charset="0"/>
-              </a:rPr>
-              <a:t> </a:t>
-            </a:r>
-            <a:r>
-              <a:rPr kumimoji="0" lang="fr-FR" altLang="fr-FR" sz="1600" b="0" i="0" u="none" strike="noStrike" cap="none" normalizeH="0" baseline="0" dirty="0" smtClean="0">
-                <a:ln>
-                  <a:noFill/>
-                </a:ln>
-                <a:solidFill>
-                  <a:schemeClr val="tx1"/>
-                </a:solidFill>
-                <a:effectLst/>
-                <a:latin typeface="Cambria" panose="02040503050406030204" pitchFamily="18" charset="0"/>
-              </a:rPr>
-              <a:t>-</a:t>
-            </a:r>
-            <a:r>
-              <a:rPr kumimoji="0" lang="fr-FR" altLang="fr-FR" sz="1600" b="0" i="0" u="none" strike="noStrike" cap="none" normalizeH="0" baseline="0" dirty="0" smtClean="0">
-                <a:ln>
-                  <a:noFill/>
-                </a:ln>
-                <a:solidFill>
-                  <a:srgbClr val="C0C0C0"/>
-                </a:solidFill>
-                <a:effectLst/>
-                <a:latin typeface="Cambria" panose="02040503050406030204" pitchFamily="18" charset="0"/>
-              </a:rPr>
-              <a:t> </a:t>
-            </a:r>
-            <a:r>
-              <a:rPr kumimoji="0" lang="fr-FR" altLang="fr-FR" sz="1600" b="0" i="0" u="none" strike="noStrike" cap="none" normalizeH="0" baseline="0" dirty="0" smtClean="0">
-                <a:ln>
-                  <a:noFill/>
-                </a:ln>
-                <a:solidFill>
-                  <a:srgbClr val="800000"/>
-                </a:solidFill>
-                <a:effectLst/>
-                <a:latin typeface="Cambria" panose="02040503050406030204" pitchFamily="18" charset="0"/>
-              </a:rPr>
-              <a:t>DD</a:t>
-            </a:r>
-            <a:r>
-              <a:rPr kumimoji="0" lang="fr-FR" altLang="fr-FR" sz="1600" b="0" i="0" u="none" strike="noStrike" cap="none" normalizeH="0" baseline="0" dirty="0" smtClean="0">
-                <a:ln>
-                  <a:noFill/>
-                </a:ln>
-                <a:solidFill>
-                  <a:schemeClr val="tx1"/>
-                </a:solidFill>
-                <a:effectLst/>
-                <a:latin typeface="Cambria" panose="02040503050406030204" pitchFamily="18" charset="0"/>
-              </a:rPr>
-              <a:t>; </a:t>
-            </a:r>
-          </a:p>
-          <a:p>
-            <a:pPr eaLnBrk="0" fontAlgn="base" hangingPunct="0">
-              <a:spcBef>
-                <a:spcPct val="0"/>
-              </a:spcBef>
-              <a:spcAft>
-                <a:spcPct val="0"/>
-              </a:spcAft>
-            </a:pPr>
-            <a:r>
-              <a:rPr kumimoji="0" lang="fr-FR" altLang="fr-FR" sz="1600" b="0" i="0" u="none" strike="noStrike" cap="none" normalizeH="0" baseline="0" dirty="0" smtClean="0">
-                <a:ln>
-                  <a:noFill/>
-                </a:ln>
-                <a:solidFill>
-                  <a:srgbClr val="800000"/>
-                </a:solidFill>
-                <a:effectLst/>
-                <a:latin typeface="Cambria" panose="02040503050406030204" pitchFamily="18" charset="0"/>
-              </a:rPr>
-              <a:t>		DD</a:t>
-            </a:r>
-            <a:r>
-              <a:rPr kumimoji="0" lang="fr-FR" altLang="fr-FR" sz="1600" b="0" i="0" u="none" strike="noStrike" cap="none" normalizeH="0" baseline="0" dirty="0" smtClean="0">
-                <a:ln>
-                  <a:noFill/>
-                </a:ln>
-                <a:solidFill>
-                  <a:srgbClr val="C0C0C0"/>
-                </a:solidFill>
-                <a:effectLst/>
-                <a:latin typeface="Cambria" panose="02040503050406030204" pitchFamily="18" charset="0"/>
-              </a:rPr>
-              <a:t> </a:t>
-            </a:r>
-            <a:r>
-              <a:rPr kumimoji="0" lang="fr-FR" altLang="fr-FR" sz="1600" b="0" i="0" u="none" strike="noStrike" cap="none" normalizeH="0" baseline="0" dirty="0" smtClean="0">
-                <a:ln>
-                  <a:noFill/>
-                </a:ln>
-                <a:solidFill>
-                  <a:schemeClr val="tx1"/>
-                </a:solidFill>
-                <a:effectLst/>
-                <a:latin typeface="Cambria" panose="02040503050406030204" pitchFamily="18" charset="0"/>
-              </a:rPr>
-              <a:t>=</a:t>
-            </a:r>
-            <a:r>
-              <a:rPr kumimoji="0" lang="fr-FR" altLang="fr-FR" sz="1600" b="0" i="0" u="none" strike="noStrike" cap="none" normalizeH="0" baseline="0" dirty="0" smtClean="0">
-                <a:ln>
-                  <a:noFill/>
-                </a:ln>
-                <a:solidFill>
-                  <a:srgbClr val="C0C0C0"/>
-                </a:solidFill>
-                <a:effectLst/>
-                <a:latin typeface="Cambria" panose="02040503050406030204" pitchFamily="18" charset="0"/>
-              </a:rPr>
-              <a:t> </a:t>
-            </a:r>
-            <a:r>
-              <a:rPr kumimoji="0" lang="fr-FR" altLang="fr-FR" sz="1600" b="0" i="0" u="none" strike="noStrike" cap="none" normalizeH="0" baseline="0" dirty="0" err="1" smtClean="0">
-                <a:ln>
-                  <a:noFill/>
-                </a:ln>
-                <a:solidFill>
-                  <a:schemeClr val="tx1"/>
-                </a:solidFill>
-                <a:effectLst/>
-                <a:latin typeface="Cambria" panose="02040503050406030204" pitchFamily="18" charset="0"/>
-              </a:rPr>
-              <a:t>tempDD</a:t>
-            </a:r>
-            <a:r>
-              <a:rPr kumimoji="0" lang="fr-FR" altLang="fr-FR" sz="1600" b="0" i="0" u="none" strike="noStrike" cap="none" normalizeH="0" baseline="0" dirty="0" smtClean="0">
-                <a:ln>
-                  <a:noFill/>
-                </a:ln>
-                <a:solidFill>
-                  <a:srgbClr val="C0C0C0"/>
-                </a:solidFill>
-                <a:effectLst/>
-                <a:latin typeface="Cambria" panose="02040503050406030204" pitchFamily="18" charset="0"/>
-              </a:rPr>
-              <a:t> </a:t>
-            </a:r>
-            <a:r>
-              <a:rPr kumimoji="0" lang="fr-FR" altLang="fr-FR" sz="1600" b="0" i="0" u="none" strike="noStrike" cap="none" normalizeH="0" baseline="0" dirty="0" smtClean="0">
-                <a:ln>
-                  <a:noFill/>
-                </a:ln>
-                <a:solidFill>
-                  <a:schemeClr val="tx1"/>
-                </a:solidFill>
-                <a:effectLst/>
-                <a:latin typeface="Cambria" panose="02040503050406030204" pitchFamily="18" charset="0"/>
-              </a:rPr>
-              <a:t>-</a:t>
-            </a:r>
-            <a:r>
-              <a:rPr kumimoji="0" lang="fr-FR" altLang="fr-FR" sz="1600" b="0" i="0" u="none" strike="noStrike" cap="none" normalizeH="0" baseline="0" dirty="0" smtClean="0">
-                <a:ln>
-                  <a:noFill/>
-                </a:ln>
-                <a:solidFill>
-                  <a:srgbClr val="C0C0C0"/>
-                </a:solidFill>
-                <a:effectLst/>
-                <a:latin typeface="Cambria" panose="02040503050406030204" pitchFamily="18" charset="0"/>
-              </a:rPr>
-              <a:t> </a:t>
-            </a:r>
-            <a:r>
-              <a:rPr kumimoji="0" lang="fr-FR" altLang="fr-FR" sz="1600" b="0" i="0" u="none" strike="noStrike" cap="none" normalizeH="0" baseline="0" dirty="0" err="1" smtClean="0">
-                <a:ln>
-                  <a:noFill/>
-                </a:ln>
-                <a:solidFill>
-                  <a:srgbClr val="800000"/>
-                </a:solidFill>
-                <a:effectLst/>
-                <a:latin typeface="Cambria" panose="02040503050406030204" pitchFamily="18" charset="0"/>
-              </a:rPr>
-              <a:t>plasto</a:t>
-            </a:r>
-            <a:r>
-              <a:rPr kumimoji="0" lang="fr-FR" altLang="fr-FR" sz="1600" b="0" i="0" u="none" strike="noStrike" cap="none" normalizeH="0" baseline="0" dirty="0" smtClean="0">
-                <a:ln>
-                  <a:noFill/>
-                </a:ln>
-                <a:solidFill>
-                  <a:schemeClr val="tx1"/>
-                </a:solidFill>
-                <a:effectLst/>
-                <a:latin typeface="Cambria" panose="02040503050406030204" pitchFamily="18" charset="0"/>
-              </a:rPr>
-              <a:t>; </a:t>
-            </a:r>
-          </a:p>
-          <a:p>
-            <a:pPr eaLnBrk="0" fontAlgn="base" hangingPunct="0">
-              <a:spcBef>
-                <a:spcPct val="0"/>
-              </a:spcBef>
-              <a:spcAft>
-                <a:spcPct val="0"/>
-              </a:spcAft>
-            </a:pPr>
-            <a:r>
-              <a:rPr lang="fr-FR" altLang="fr-FR" sz="1600" dirty="0">
-                <a:latin typeface="Cambria" panose="02040503050406030204" pitchFamily="18" charset="0"/>
-              </a:rPr>
-              <a:t>	</a:t>
-            </a:r>
-            <a:r>
-              <a:rPr lang="fr-FR" altLang="fr-FR" sz="1600" dirty="0" smtClean="0">
-                <a:latin typeface="Cambria" panose="02040503050406030204" pitchFamily="18" charset="0"/>
-              </a:rPr>
-              <a:t>	</a:t>
-            </a:r>
-            <a:r>
-              <a:rPr kumimoji="0" lang="fr-FR" altLang="fr-FR" sz="1600" b="0" i="0" u="none" strike="noStrike" cap="none" normalizeH="0" baseline="0" dirty="0" err="1" smtClean="0">
-                <a:ln>
-                  <a:noFill/>
-                </a:ln>
-                <a:solidFill>
-                  <a:srgbClr val="800000"/>
-                </a:solidFill>
-                <a:effectLst/>
-                <a:latin typeface="Cambria" panose="02040503050406030204" pitchFamily="18" charset="0"/>
-              </a:rPr>
-              <a:t>phenoStage</a:t>
-            </a:r>
-            <a:r>
-              <a:rPr kumimoji="0" lang="fr-FR" altLang="fr-FR" sz="1600" b="0" i="0" u="none" strike="noStrike" cap="none" normalizeH="0" baseline="0" dirty="0" smtClean="0">
-                <a:ln>
-                  <a:noFill/>
-                </a:ln>
-                <a:solidFill>
-                  <a:srgbClr val="C0C0C0"/>
-                </a:solidFill>
-                <a:effectLst/>
-                <a:latin typeface="Cambria" panose="02040503050406030204" pitchFamily="18" charset="0"/>
-              </a:rPr>
-              <a:t> </a:t>
-            </a:r>
-            <a:r>
-              <a:rPr kumimoji="0" lang="fr-FR" altLang="fr-FR" sz="1600" b="0" i="0" u="none" strike="noStrike" cap="none" normalizeH="0" baseline="0" dirty="0" smtClean="0">
-                <a:ln>
-                  <a:noFill/>
-                </a:ln>
-                <a:solidFill>
-                  <a:schemeClr val="tx1"/>
-                </a:solidFill>
-                <a:effectLst/>
-                <a:latin typeface="Cambria" panose="02040503050406030204" pitchFamily="18" charset="0"/>
-              </a:rPr>
-              <a:t>=</a:t>
-            </a:r>
-            <a:r>
-              <a:rPr kumimoji="0" lang="fr-FR" altLang="fr-FR" sz="1600" b="0" i="0" u="none" strike="noStrike" cap="none" normalizeH="0" baseline="0" dirty="0" smtClean="0">
-                <a:ln>
-                  <a:noFill/>
-                </a:ln>
-                <a:solidFill>
-                  <a:srgbClr val="C0C0C0"/>
-                </a:solidFill>
-                <a:effectLst/>
-                <a:latin typeface="Cambria" panose="02040503050406030204" pitchFamily="18" charset="0"/>
-              </a:rPr>
-              <a:t> </a:t>
-            </a:r>
-            <a:r>
-              <a:rPr kumimoji="0" lang="fr-FR" altLang="fr-FR" sz="1600" b="0" i="0" u="none" strike="noStrike" cap="none" normalizeH="0" baseline="0" dirty="0" err="1" smtClean="0">
-                <a:ln>
-                  <a:noFill/>
-                </a:ln>
-                <a:solidFill>
-                  <a:srgbClr val="800000"/>
-                </a:solidFill>
-                <a:effectLst/>
-                <a:latin typeface="Cambria" panose="02040503050406030204" pitchFamily="18" charset="0"/>
-              </a:rPr>
-              <a:t>phenoStage</a:t>
-            </a:r>
-            <a:r>
-              <a:rPr kumimoji="0" lang="fr-FR" altLang="fr-FR" sz="1600" b="0" i="0" u="none" strike="noStrike" cap="none" normalizeH="0" baseline="0" dirty="0" smtClean="0">
-                <a:ln>
-                  <a:noFill/>
-                </a:ln>
-                <a:solidFill>
-                  <a:srgbClr val="C0C0C0"/>
-                </a:solidFill>
-                <a:effectLst/>
-                <a:latin typeface="Cambria" panose="02040503050406030204" pitchFamily="18" charset="0"/>
-              </a:rPr>
-              <a:t> </a:t>
-            </a:r>
-            <a:r>
-              <a:rPr kumimoji="0" lang="fr-FR" altLang="fr-FR" sz="1600" b="0" i="0" u="none" strike="noStrike" cap="none" normalizeH="0" baseline="0" dirty="0" smtClean="0">
-                <a:ln>
-                  <a:noFill/>
-                </a:ln>
-                <a:solidFill>
-                  <a:schemeClr val="tx1"/>
-                </a:solidFill>
-                <a:effectLst/>
-                <a:latin typeface="Cambria" panose="02040503050406030204" pitchFamily="18" charset="0"/>
-              </a:rPr>
-              <a:t>+</a:t>
-            </a:r>
-            <a:r>
-              <a:rPr kumimoji="0" lang="fr-FR" altLang="fr-FR" sz="1600" b="0" i="0" u="none" strike="noStrike" cap="none" normalizeH="0" baseline="0" dirty="0" smtClean="0">
-                <a:ln>
-                  <a:noFill/>
-                </a:ln>
-                <a:solidFill>
-                  <a:srgbClr val="C0C0C0"/>
-                </a:solidFill>
-                <a:effectLst/>
-                <a:latin typeface="Cambria" panose="02040503050406030204" pitchFamily="18" charset="0"/>
-              </a:rPr>
-              <a:t> </a:t>
-            </a:r>
-            <a:r>
-              <a:rPr kumimoji="0" lang="fr-FR" altLang="fr-FR" sz="1600" b="0" i="0" u="none" strike="noStrike" cap="none" normalizeH="0" baseline="0" dirty="0" smtClean="0">
-                <a:ln>
-                  <a:noFill/>
-                </a:ln>
-                <a:solidFill>
-                  <a:srgbClr val="000080"/>
-                </a:solidFill>
-                <a:effectLst/>
-                <a:latin typeface="Cambria" panose="02040503050406030204" pitchFamily="18" charset="0"/>
-              </a:rPr>
-              <a:t>1</a:t>
-            </a:r>
-            <a:r>
-              <a:rPr kumimoji="0" lang="fr-FR" altLang="fr-FR" sz="1600" b="0" i="0" u="none" strike="noStrike" cap="none" normalizeH="0" baseline="0" dirty="0" smtClean="0">
-                <a:ln>
-                  <a:noFill/>
-                </a:ln>
-                <a:solidFill>
-                  <a:schemeClr val="tx1"/>
-                </a:solidFill>
-                <a:effectLst/>
-                <a:latin typeface="Cambria" panose="02040503050406030204" pitchFamily="18" charset="0"/>
-              </a:rPr>
-              <a:t>;</a:t>
-            </a:r>
-          </a:p>
-          <a:p>
-            <a:pPr eaLnBrk="0" fontAlgn="base" hangingPunct="0">
-              <a:spcBef>
-                <a:spcPct val="0"/>
-              </a:spcBef>
-              <a:spcAft>
-                <a:spcPct val="0"/>
-              </a:spcAft>
-            </a:pPr>
-            <a:r>
-              <a:rPr kumimoji="0" lang="fr-FR" altLang="fr-FR" sz="1600" b="0" i="0" u="none" strike="noStrike" cap="none" normalizeH="0" baseline="0" dirty="0" smtClean="0">
-                <a:ln>
-                  <a:noFill/>
-                </a:ln>
-                <a:solidFill>
-                  <a:schemeClr val="tx1"/>
-                </a:solidFill>
-                <a:effectLst/>
-                <a:latin typeface="Cambria" panose="02040503050406030204" pitchFamily="18" charset="0"/>
-              </a:rPr>
-              <a:t>	}</a:t>
-            </a:r>
-          </a:p>
-          <a:p>
-            <a:pPr lvl="0" eaLnBrk="0" fontAlgn="base" hangingPunct="0">
-              <a:spcBef>
-                <a:spcPct val="0"/>
-              </a:spcBef>
-              <a:spcAft>
-                <a:spcPct val="0"/>
-              </a:spcAft>
-            </a:pPr>
-            <a:r>
-              <a:rPr kumimoji="0" lang="fr-FR" altLang="fr-FR" sz="1600" b="0" i="0" u="none" strike="noStrike" cap="none" normalizeH="0" baseline="0" dirty="0" smtClean="0">
-                <a:ln>
-                  <a:noFill/>
-                </a:ln>
-                <a:solidFill>
-                  <a:schemeClr val="tx1"/>
-                </a:solidFill>
-                <a:effectLst/>
-                <a:latin typeface="Cambria" panose="02040503050406030204" pitchFamily="18" charset="0"/>
-              </a:rPr>
-              <a:t>	</a:t>
-            </a:r>
-            <a:r>
-              <a:rPr kumimoji="0" lang="fr-FR" altLang="fr-FR" sz="1600" b="0" i="0" u="none" strike="noStrike" cap="none" normalizeH="0" baseline="0" dirty="0" smtClean="0">
-                <a:ln>
-                  <a:noFill/>
-                </a:ln>
-                <a:solidFill>
-                  <a:srgbClr val="808000"/>
-                </a:solidFill>
-                <a:effectLst/>
-                <a:latin typeface="Cambria" panose="02040503050406030204" pitchFamily="18" charset="0"/>
-              </a:rPr>
-              <a:t> </a:t>
-            </a:r>
-            <a:r>
-              <a:rPr kumimoji="0" lang="fr-FR" altLang="fr-FR" sz="1600" b="0" i="0" u="none" strike="noStrike" cap="none" normalizeH="0" baseline="0" dirty="0" err="1" smtClean="0">
-                <a:ln>
-                  <a:noFill/>
-                </a:ln>
-                <a:solidFill>
-                  <a:srgbClr val="808000"/>
-                </a:solidFill>
-                <a:effectLst/>
-                <a:latin typeface="Cambria" panose="02040503050406030204" pitchFamily="18" charset="0"/>
-              </a:rPr>
-              <a:t>else</a:t>
-            </a:r>
-            <a:r>
-              <a:rPr kumimoji="0" lang="fr-FR" altLang="fr-FR" sz="1600" b="0" i="0" u="none" strike="noStrike" cap="none" normalizeH="0" baseline="0" dirty="0" smtClean="0">
-                <a:ln>
-                  <a:noFill/>
-                </a:ln>
-                <a:solidFill>
-                  <a:srgbClr val="808000"/>
-                </a:solidFill>
-                <a:effectLst/>
-                <a:latin typeface="Cambria" panose="02040503050406030204" pitchFamily="18" charset="0"/>
-              </a:rPr>
-              <a:t> </a:t>
-            </a:r>
-            <a:r>
-              <a:rPr kumimoji="0" lang="fr-FR" altLang="fr-FR" sz="1600" b="0" i="0" u="none" strike="noStrike" cap="none" normalizeH="0" baseline="0" dirty="0" smtClean="0">
-                <a:ln>
-                  <a:noFill/>
-                </a:ln>
-                <a:effectLst/>
-                <a:latin typeface="Cambria" panose="02040503050406030204" pitchFamily="18" charset="0"/>
-              </a:rPr>
-              <a:t>{</a:t>
-            </a:r>
-          </a:p>
-          <a:p>
-            <a:pPr lvl="0" eaLnBrk="0" fontAlgn="base" hangingPunct="0">
-              <a:spcBef>
-                <a:spcPct val="0"/>
-              </a:spcBef>
-              <a:spcAft>
-                <a:spcPct val="0"/>
-              </a:spcAft>
-            </a:pPr>
-            <a:r>
-              <a:rPr lang="fr-FR" altLang="fr-FR" sz="1600" dirty="0" smtClean="0">
-                <a:solidFill>
-                  <a:srgbClr val="C0C0C0"/>
-                </a:solidFill>
-                <a:latin typeface="Cambria" panose="02040503050406030204" pitchFamily="18" charset="0"/>
-              </a:rPr>
-              <a:t>		</a:t>
-            </a:r>
-            <a:r>
-              <a:rPr kumimoji="0" lang="fr-FR" altLang="fr-FR" sz="1600" b="0" i="0" u="none" strike="noStrike" cap="none" normalizeH="0" baseline="0" dirty="0" smtClean="0">
-                <a:ln>
-                  <a:noFill/>
-                </a:ln>
-                <a:solidFill>
-                  <a:srgbClr val="800000"/>
-                </a:solidFill>
-                <a:effectLst/>
-                <a:latin typeface="Cambria" panose="02040503050406030204" pitchFamily="18" charset="0"/>
-              </a:rPr>
-              <a:t>EDD</a:t>
-            </a:r>
-            <a:r>
-              <a:rPr kumimoji="0" lang="fr-FR" altLang="fr-FR" sz="1600" b="0" i="0" u="none" strike="noStrike" cap="none" normalizeH="0" baseline="0" dirty="0" smtClean="0">
-                <a:ln>
-                  <a:noFill/>
-                </a:ln>
-                <a:solidFill>
-                  <a:srgbClr val="C0C0C0"/>
-                </a:solidFill>
-                <a:effectLst/>
-                <a:latin typeface="Cambria" panose="02040503050406030204" pitchFamily="18" charset="0"/>
-              </a:rPr>
-              <a:t> </a:t>
-            </a:r>
-            <a:r>
-              <a:rPr kumimoji="0" lang="fr-FR" altLang="fr-FR" sz="1600" b="0" i="0" u="none" strike="noStrike" cap="none" normalizeH="0" baseline="0" dirty="0" smtClean="0">
-                <a:ln>
-                  <a:noFill/>
-                </a:ln>
-                <a:solidFill>
-                  <a:schemeClr val="tx1"/>
-                </a:solidFill>
-                <a:effectLst/>
-                <a:latin typeface="Cambria" panose="02040503050406030204" pitchFamily="18" charset="0"/>
-              </a:rPr>
-              <a:t>=</a:t>
-            </a:r>
-            <a:r>
-              <a:rPr kumimoji="0" lang="fr-FR" altLang="fr-FR" sz="1600" b="0" i="0" u="none" strike="noStrike" cap="none" normalizeH="0" baseline="0" dirty="0" smtClean="0">
-                <a:ln>
-                  <a:noFill/>
-                </a:ln>
-                <a:solidFill>
-                  <a:srgbClr val="C0C0C0"/>
-                </a:solidFill>
-                <a:effectLst/>
-                <a:latin typeface="Cambria" panose="02040503050406030204" pitchFamily="18" charset="0"/>
-              </a:rPr>
-              <a:t> </a:t>
-            </a:r>
-            <a:r>
-              <a:rPr kumimoji="0" lang="fr-FR" altLang="fr-FR" sz="1600" b="0" i="0" u="none" strike="noStrike" cap="none" normalizeH="0" baseline="0" dirty="0" err="1" smtClean="0">
-                <a:ln>
-                  <a:noFill/>
-                </a:ln>
-                <a:solidFill>
-                  <a:srgbClr val="800000"/>
-                </a:solidFill>
-                <a:effectLst/>
-                <a:latin typeface="Cambria" panose="02040503050406030204" pitchFamily="18" charset="0"/>
-              </a:rPr>
-              <a:t>deltaT</a:t>
-            </a:r>
-            <a:r>
-              <a:rPr kumimoji="0" lang="fr-FR" altLang="fr-FR" sz="1600" b="0" i="0" u="none" strike="noStrike" cap="none" normalizeH="0" baseline="0" dirty="0" smtClean="0">
-                <a:ln>
-                  <a:noFill/>
-                </a:ln>
-                <a:solidFill>
-                  <a:srgbClr val="C0C0C0"/>
-                </a:solidFill>
-                <a:effectLst/>
-                <a:latin typeface="Cambria" panose="02040503050406030204" pitchFamily="18" charset="0"/>
-              </a:rPr>
-              <a:t> </a:t>
-            </a:r>
-            <a:r>
-              <a:rPr kumimoji="0" lang="fr-FR" altLang="fr-FR" sz="1600" b="0" i="0" u="none" strike="noStrike" cap="none" normalizeH="0" baseline="0" dirty="0" smtClean="0">
-                <a:ln>
-                  <a:noFill/>
-                </a:ln>
-                <a:solidFill>
-                  <a:schemeClr val="tx1"/>
-                </a:solidFill>
-                <a:effectLst/>
-                <a:latin typeface="Cambria" panose="02040503050406030204" pitchFamily="18" charset="0"/>
-              </a:rPr>
-              <a:t>+</a:t>
-            </a:r>
-            <a:r>
-              <a:rPr kumimoji="0" lang="fr-FR" altLang="fr-FR" sz="1600" b="0" i="0" u="none" strike="noStrike" cap="none" normalizeH="0" baseline="0" dirty="0" smtClean="0">
-                <a:ln>
-                  <a:noFill/>
-                </a:ln>
-                <a:solidFill>
-                  <a:srgbClr val="C0C0C0"/>
-                </a:solidFill>
-                <a:effectLst/>
-                <a:latin typeface="Cambria" panose="02040503050406030204" pitchFamily="18" charset="0"/>
-              </a:rPr>
-              <a:t> </a:t>
-            </a:r>
-            <a:r>
-              <a:rPr kumimoji="0" lang="fr-FR" altLang="fr-FR" sz="1600" b="0" i="0" u="none" strike="noStrike" cap="none" normalizeH="0" baseline="0" dirty="0" err="1" smtClean="0">
-                <a:ln>
-                  <a:noFill/>
-                </a:ln>
-                <a:solidFill>
-                  <a:srgbClr val="800000"/>
-                </a:solidFill>
-                <a:effectLst/>
-                <a:latin typeface="Cambria" panose="02040503050406030204" pitchFamily="18" charset="0"/>
-              </a:rPr>
-              <a:t>plastodelay</a:t>
-            </a:r>
-            <a:r>
-              <a:rPr kumimoji="0" lang="fr-FR" altLang="fr-FR" sz="1600" b="0" i="0" u="none" strike="noStrike" cap="none" normalizeH="0" baseline="0" dirty="0" smtClean="0">
-                <a:ln>
-                  <a:noFill/>
-                </a:ln>
-                <a:solidFill>
-                  <a:schemeClr val="tx1"/>
-                </a:solidFill>
-                <a:effectLst/>
-                <a:latin typeface="Cambria" panose="02040503050406030204" pitchFamily="18" charset="0"/>
-              </a:rPr>
-              <a:t>; </a:t>
-            </a:r>
-          </a:p>
-          <a:p>
-            <a:pPr eaLnBrk="0" fontAlgn="base" hangingPunct="0">
-              <a:spcBef>
-                <a:spcPct val="0"/>
-              </a:spcBef>
-              <a:spcAft>
-                <a:spcPct val="0"/>
-              </a:spcAft>
-            </a:pPr>
-            <a:r>
-              <a:rPr kumimoji="0" lang="fr-FR" altLang="fr-FR" sz="1600" b="0" i="0" u="none" strike="noStrike" cap="none" normalizeH="0" baseline="0" dirty="0" smtClean="0">
-                <a:ln>
-                  <a:noFill/>
-                </a:ln>
-                <a:solidFill>
-                  <a:srgbClr val="800000"/>
-                </a:solidFill>
-                <a:effectLst/>
-                <a:latin typeface="Cambria" panose="02040503050406030204" pitchFamily="18" charset="0"/>
-              </a:rPr>
-              <a:t>		DD</a:t>
-            </a:r>
-            <a:r>
-              <a:rPr kumimoji="0" lang="fr-FR" altLang="fr-FR" sz="1600" b="0" i="0" u="none" strike="noStrike" cap="none" normalizeH="0" baseline="0" dirty="0" smtClean="0">
-                <a:ln>
-                  <a:noFill/>
-                </a:ln>
-                <a:solidFill>
-                  <a:srgbClr val="C0C0C0"/>
-                </a:solidFill>
-                <a:effectLst/>
-                <a:latin typeface="Cambria" panose="02040503050406030204" pitchFamily="18" charset="0"/>
-              </a:rPr>
-              <a:t> </a:t>
-            </a:r>
-            <a:r>
-              <a:rPr kumimoji="0" lang="fr-FR" altLang="fr-FR" sz="1600" b="0" i="0" u="none" strike="noStrike" cap="none" normalizeH="0" baseline="0" dirty="0" smtClean="0">
-                <a:ln>
-                  <a:noFill/>
-                </a:ln>
-                <a:solidFill>
-                  <a:schemeClr val="tx1"/>
-                </a:solidFill>
-                <a:effectLst/>
-                <a:latin typeface="Cambria" panose="02040503050406030204" pitchFamily="18" charset="0"/>
-              </a:rPr>
-              <a:t>=</a:t>
-            </a:r>
-            <a:r>
-              <a:rPr kumimoji="0" lang="fr-FR" altLang="fr-FR" sz="1600" b="0" i="0" u="none" strike="noStrike" cap="none" normalizeH="0" baseline="0" dirty="0" smtClean="0">
-                <a:ln>
-                  <a:noFill/>
-                </a:ln>
-                <a:solidFill>
-                  <a:srgbClr val="C0C0C0"/>
-                </a:solidFill>
-                <a:effectLst/>
-                <a:latin typeface="Cambria" panose="02040503050406030204" pitchFamily="18" charset="0"/>
-              </a:rPr>
-              <a:t> </a:t>
-            </a:r>
-            <a:r>
-              <a:rPr kumimoji="0" lang="fr-FR" altLang="fr-FR" sz="1600" b="0" i="0" u="none" strike="noStrike" cap="none" normalizeH="0" baseline="0" dirty="0" err="1" smtClean="0">
-                <a:ln>
-                  <a:noFill/>
-                </a:ln>
-                <a:solidFill>
-                  <a:schemeClr val="tx1"/>
-                </a:solidFill>
-                <a:effectLst/>
-                <a:latin typeface="Cambria" panose="02040503050406030204" pitchFamily="18" charset="0"/>
-              </a:rPr>
-              <a:t>tempDD</a:t>
-            </a:r>
-            <a:r>
-              <a:rPr kumimoji="0" lang="fr-FR" altLang="fr-FR" sz="1600" b="0" i="0" u="none" strike="noStrike" cap="none" normalizeH="0" baseline="0" dirty="0" smtClean="0">
-                <a:ln>
-                  <a:noFill/>
-                </a:ln>
-                <a:solidFill>
-                  <a:schemeClr val="tx1"/>
-                </a:solidFill>
-                <a:effectLst/>
-                <a:latin typeface="Cambria" panose="02040503050406030204" pitchFamily="18" charset="0"/>
-              </a:rPr>
-              <a:t>; </a:t>
-            </a:r>
-          </a:p>
-          <a:p>
-            <a:pPr eaLnBrk="0" fontAlgn="base" hangingPunct="0">
-              <a:spcBef>
-                <a:spcPct val="0"/>
-              </a:spcBef>
-              <a:spcAft>
-                <a:spcPct val="0"/>
-              </a:spcAft>
-            </a:pPr>
-            <a:r>
-              <a:rPr kumimoji="0" lang="fr-FR" altLang="fr-FR" sz="1600" b="0" i="0" u="none" strike="noStrike" cap="none" normalizeH="0" baseline="0" dirty="0" smtClean="0">
-                <a:ln>
-                  <a:noFill/>
-                </a:ln>
-                <a:solidFill>
-                  <a:schemeClr val="tx1"/>
-                </a:solidFill>
-                <a:effectLst/>
-                <a:latin typeface="Cambria" panose="02040503050406030204" pitchFamily="18" charset="0"/>
-              </a:rPr>
-              <a:t>	}</a:t>
-            </a:r>
-            <a:endParaRPr kumimoji="0" lang="fr-FR" altLang="fr-FR" sz="1600" b="0" i="0" u="none" strike="noStrike" cap="none" normalizeH="0" baseline="0" dirty="0" smtClean="0">
-              <a:ln>
-                <a:noFill/>
-              </a:ln>
-              <a:solidFill>
-                <a:schemeClr val="tx1"/>
-              </a:solidFill>
-              <a:effectLst/>
-              <a:latin typeface="Cambria" panose="02040503050406030204" pitchFamily="18" charset="0"/>
-            </a:endParaRPr>
-          </a:p>
-          <a:p>
-            <a:pPr marL="0" marR="0" lvl="0" indent="0" algn="l" defTabSz="914400" rtl="0" eaLnBrk="0" fontAlgn="base" latinLnBrk="0" hangingPunct="0">
-              <a:lnSpc>
-                <a:spcPct val="100000"/>
-              </a:lnSpc>
-              <a:spcBef>
-                <a:spcPct val="0"/>
-              </a:spcBef>
-              <a:spcAft>
-                <a:spcPct val="0"/>
-              </a:spcAft>
-              <a:buClrTx/>
-              <a:buSzTx/>
-              <a:buFontTx/>
-              <a:buNone/>
-              <a:tabLst/>
-            </a:pPr>
-            <a:r>
-              <a:rPr kumimoji="0" lang="fr-FR" altLang="fr-FR" sz="1600" b="0" i="0" u="none" strike="noStrike" cap="none" normalizeH="0" baseline="0" dirty="0" smtClean="0">
-                <a:ln>
-                  <a:noFill/>
-                </a:ln>
-                <a:solidFill>
-                  <a:schemeClr val="tx1"/>
-                </a:solidFill>
-                <a:effectLst/>
-                <a:latin typeface="Cambria" panose="02040503050406030204" pitchFamily="18" charset="0"/>
-              </a:rPr>
-              <a:t>} </a:t>
-            </a:r>
-          </a:p>
-          <a:p>
-            <a:pPr lvl="0" eaLnBrk="0" fontAlgn="base" hangingPunct="0">
-              <a:spcBef>
-                <a:spcPct val="0"/>
-              </a:spcBef>
-              <a:spcAft>
-                <a:spcPct val="0"/>
-              </a:spcAft>
-            </a:pPr>
-            <a:r>
-              <a:rPr kumimoji="0" lang="fr-FR" altLang="fr-FR" sz="1600" b="0" i="0" u="none" strike="noStrike" cap="none" normalizeH="0" baseline="0" dirty="0" err="1" smtClean="0">
-                <a:ln>
-                  <a:noFill/>
-                </a:ln>
-                <a:solidFill>
-                  <a:srgbClr val="808000"/>
-                </a:solidFill>
-                <a:effectLst/>
-                <a:latin typeface="Cambria" panose="02040503050406030204" pitchFamily="18" charset="0"/>
-              </a:rPr>
-              <a:t>else</a:t>
-            </a:r>
-            <a:r>
-              <a:rPr kumimoji="0" lang="fr-FR" altLang="fr-FR" sz="1600" b="0" i="0" u="none" strike="noStrike" cap="none" normalizeH="0" baseline="0" dirty="0" smtClean="0">
-                <a:ln>
-                  <a:noFill/>
-                </a:ln>
-                <a:solidFill>
-                  <a:srgbClr val="C0C0C0"/>
-                </a:solidFill>
-                <a:effectLst/>
-                <a:latin typeface="Cambria" panose="02040503050406030204" pitchFamily="18" charset="0"/>
-              </a:rPr>
-              <a:t> </a:t>
-            </a:r>
-            <a:r>
-              <a:rPr kumimoji="0" lang="fr-FR" altLang="fr-FR" sz="1600" b="0" i="0" u="none" strike="noStrike" cap="none" normalizeH="0" baseline="0" dirty="0" smtClean="0">
-                <a:ln>
-                  <a:noFill/>
-                </a:ln>
-                <a:solidFill>
-                  <a:schemeClr val="tx1"/>
-                </a:solidFill>
-                <a:effectLst/>
-                <a:latin typeface="Cambria" panose="02040503050406030204" pitchFamily="18" charset="0"/>
-              </a:rPr>
-              <a:t>{</a:t>
-            </a:r>
-          </a:p>
-          <a:p>
-            <a:pPr lvl="0" eaLnBrk="0" fontAlgn="base" hangingPunct="0">
-              <a:spcBef>
-                <a:spcPct val="0"/>
-              </a:spcBef>
-              <a:spcAft>
-                <a:spcPct val="0"/>
-              </a:spcAft>
-            </a:pPr>
-            <a:r>
-              <a:rPr kumimoji="0" lang="fr-FR" altLang="fr-FR" sz="1600" b="0" i="0" u="none" strike="noStrike" cap="none" normalizeH="0" baseline="0" dirty="0" smtClean="0">
-                <a:ln>
-                  <a:noFill/>
-                </a:ln>
-                <a:solidFill>
-                  <a:schemeClr val="tx1"/>
-                </a:solidFill>
-                <a:effectLst/>
-                <a:latin typeface="Cambria" panose="02040503050406030204" pitchFamily="18" charset="0"/>
-              </a:rPr>
-              <a:t> </a:t>
-            </a:r>
-            <a:r>
-              <a:rPr lang="fr-FR" altLang="fr-FR" sz="1600" dirty="0">
-                <a:latin typeface="Cambria" panose="02040503050406030204" pitchFamily="18" charset="0"/>
-              </a:rPr>
-              <a:t>	</a:t>
-            </a:r>
-            <a:r>
-              <a:rPr kumimoji="0" lang="fr-FR" altLang="fr-FR" sz="1600" b="0" i="0" u="none" strike="noStrike" cap="none" normalizeH="0" baseline="0" dirty="0" err="1" smtClean="0">
-                <a:ln>
-                  <a:noFill/>
-                </a:ln>
-                <a:solidFill>
-                  <a:srgbClr val="800000"/>
-                </a:solidFill>
-                <a:effectLst/>
-                <a:latin typeface="Cambria" panose="02040503050406030204" pitchFamily="18" charset="0"/>
-              </a:rPr>
-              <a:t>plastoVisu</a:t>
-            </a:r>
-            <a:r>
-              <a:rPr kumimoji="0" lang="fr-FR" altLang="fr-FR" sz="1600" b="0" i="0" u="none" strike="noStrike" cap="none" normalizeH="0" baseline="0" dirty="0" smtClean="0">
-                <a:ln>
-                  <a:noFill/>
-                </a:ln>
-                <a:solidFill>
-                  <a:srgbClr val="C0C0C0"/>
-                </a:solidFill>
-                <a:effectLst/>
-                <a:latin typeface="Cambria" panose="02040503050406030204" pitchFamily="18" charset="0"/>
-              </a:rPr>
-              <a:t> </a:t>
-            </a:r>
-            <a:r>
-              <a:rPr kumimoji="0" lang="fr-FR" altLang="fr-FR" sz="1600" b="0" i="0" u="none" strike="noStrike" cap="none" normalizeH="0" baseline="0" dirty="0" smtClean="0">
-                <a:ln>
-                  <a:noFill/>
-                </a:ln>
-                <a:solidFill>
-                  <a:schemeClr val="tx1"/>
-                </a:solidFill>
-                <a:effectLst/>
-                <a:latin typeface="Cambria" panose="02040503050406030204" pitchFamily="18" charset="0"/>
-              </a:rPr>
-              <a:t>=</a:t>
-            </a:r>
-            <a:r>
-              <a:rPr kumimoji="0" lang="fr-FR" altLang="fr-FR" sz="1600" b="0" i="0" u="none" strike="noStrike" cap="none" normalizeH="0" baseline="0" dirty="0" smtClean="0">
-                <a:ln>
-                  <a:noFill/>
-                </a:ln>
-                <a:solidFill>
-                  <a:srgbClr val="C0C0C0"/>
-                </a:solidFill>
-                <a:effectLst/>
-                <a:latin typeface="Cambria" panose="02040503050406030204" pitchFamily="18" charset="0"/>
-              </a:rPr>
-              <a:t> </a:t>
-            </a:r>
-            <a:r>
-              <a:rPr kumimoji="0" lang="fr-FR" altLang="fr-FR" sz="1600" b="0" i="0" u="none" strike="noStrike" cap="none" normalizeH="0" baseline="0" dirty="0" err="1" smtClean="0">
-                <a:ln>
-                  <a:noFill/>
-                </a:ln>
-                <a:solidFill>
-                  <a:srgbClr val="800000"/>
-                </a:solidFill>
-                <a:effectLst/>
-                <a:latin typeface="Cambria" panose="02040503050406030204" pitchFamily="18" charset="0"/>
-              </a:rPr>
-              <a:t>plastoVisu</a:t>
-            </a:r>
-            <a:r>
-              <a:rPr kumimoji="0" lang="fr-FR" altLang="fr-FR" sz="1600" b="0" i="0" u="none" strike="noStrike" cap="none" normalizeH="0" baseline="0" dirty="0" smtClean="0">
-                <a:ln>
-                  <a:noFill/>
-                </a:ln>
-                <a:solidFill>
-                  <a:srgbClr val="C0C0C0"/>
-                </a:solidFill>
-                <a:effectLst/>
-                <a:latin typeface="Cambria" panose="02040503050406030204" pitchFamily="18" charset="0"/>
-              </a:rPr>
-              <a:t> </a:t>
-            </a:r>
-            <a:r>
-              <a:rPr kumimoji="0" lang="fr-FR" altLang="fr-FR" sz="1600" b="0" i="0" u="none" strike="noStrike" cap="none" normalizeH="0" baseline="0" dirty="0" smtClean="0">
-                <a:ln>
-                  <a:noFill/>
-                </a:ln>
-                <a:solidFill>
-                  <a:schemeClr val="tx1"/>
-                </a:solidFill>
-                <a:effectLst/>
-                <a:latin typeface="Cambria" panose="02040503050406030204" pitchFamily="18" charset="0"/>
-              </a:rPr>
-              <a:t>+</a:t>
-            </a:r>
-            <a:r>
-              <a:rPr kumimoji="0" lang="fr-FR" altLang="fr-FR" sz="1600" b="0" i="0" u="none" strike="noStrike" cap="none" normalizeH="0" baseline="0" dirty="0" smtClean="0">
-                <a:ln>
-                  <a:noFill/>
-                </a:ln>
-                <a:solidFill>
-                  <a:srgbClr val="C0C0C0"/>
-                </a:solidFill>
-                <a:effectLst/>
-                <a:latin typeface="Cambria" panose="02040503050406030204" pitchFamily="18" charset="0"/>
-              </a:rPr>
-              <a:t> </a:t>
-            </a:r>
-            <a:r>
-              <a:rPr kumimoji="0" lang="fr-FR" altLang="fr-FR" sz="1600" b="0" i="0" u="none" strike="noStrike" cap="none" normalizeH="0" baseline="0" dirty="0" smtClean="0">
-                <a:ln>
-                  <a:noFill/>
-                </a:ln>
-                <a:solidFill>
-                  <a:srgbClr val="800000"/>
-                </a:solidFill>
-                <a:effectLst/>
-                <a:latin typeface="Cambria" panose="02040503050406030204" pitchFamily="18" charset="0"/>
-              </a:rPr>
-              <a:t>EDD</a:t>
-            </a:r>
-            <a:r>
-              <a:rPr kumimoji="0" lang="fr-FR" altLang="fr-FR" sz="1600" b="0" i="0" u="none" strike="noStrike" cap="none" normalizeH="0" baseline="0" dirty="0" smtClean="0">
-                <a:ln>
-                  <a:noFill/>
-                </a:ln>
-                <a:solidFill>
-                  <a:schemeClr val="tx1"/>
-                </a:solidFill>
-                <a:effectLst/>
-                <a:latin typeface="Cambria" panose="02040503050406030204" pitchFamily="18" charset="0"/>
-              </a:rPr>
-              <a:t>;</a:t>
-            </a:r>
-          </a:p>
-          <a:p>
-            <a:pPr lvl="0" eaLnBrk="0" fontAlgn="base" hangingPunct="0">
-              <a:spcBef>
-                <a:spcPct val="0"/>
-              </a:spcBef>
-              <a:spcAft>
-                <a:spcPct val="0"/>
-              </a:spcAft>
-            </a:pPr>
-            <a:r>
-              <a:rPr lang="fr-FR" altLang="fr-FR" sz="1600" dirty="0">
-                <a:latin typeface="Cambria" panose="02040503050406030204" pitchFamily="18" charset="0"/>
-              </a:rPr>
-              <a:t>	</a:t>
-            </a:r>
-            <a:r>
-              <a:rPr kumimoji="0" lang="fr-FR" altLang="fr-FR" sz="1600" b="0" i="0" u="none" strike="noStrike" cap="none" normalizeH="0" baseline="0" dirty="0" smtClean="0">
-                <a:ln>
-                  <a:noFill/>
-                </a:ln>
-                <a:solidFill>
-                  <a:srgbClr val="800000"/>
-                </a:solidFill>
-                <a:effectLst/>
-                <a:latin typeface="Cambria" panose="02040503050406030204" pitchFamily="18" charset="0"/>
-              </a:rPr>
-              <a:t> </a:t>
-            </a:r>
-            <a:r>
-              <a:rPr kumimoji="0" lang="fr-FR" altLang="fr-FR" sz="1600" b="0" i="0" u="none" strike="noStrike" cap="none" normalizeH="0" baseline="0" dirty="0" err="1" smtClean="0">
-                <a:ln>
-                  <a:noFill/>
-                </a:ln>
-                <a:solidFill>
-                  <a:srgbClr val="800000"/>
-                </a:solidFill>
-                <a:effectLst/>
-                <a:latin typeface="Cambria" panose="02040503050406030204" pitchFamily="18" charset="0"/>
-              </a:rPr>
-              <a:t>liguloVisu</a:t>
-            </a:r>
-            <a:r>
-              <a:rPr kumimoji="0" lang="fr-FR" altLang="fr-FR" sz="1600" b="0" i="0" u="none" strike="noStrike" cap="none" normalizeH="0" baseline="0" dirty="0" smtClean="0">
-                <a:ln>
-                  <a:noFill/>
-                </a:ln>
-                <a:solidFill>
-                  <a:srgbClr val="C0C0C0"/>
-                </a:solidFill>
-                <a:effectLst/>
-                <a:latin typeface="Cambria" panose="02040503050406030204" pitchFamily="18" charset="0"/>
-              </a:rPr>
-              <a:t> </a:t>
-            </a:r>
-            <a:r>
-              <a:rPr kumimoji="0" lang="fr-FR" altLang="fr-FR" sz="1600" b="0" i="0" u="none" strike="noStrike" cap="none" normalizeH="0" baseline="0" dirty="0" smtClean="0">
-                <a:ln>
-                  <a:noFill/>
-                </a:ln>
-                <a:solidFill>
-                  <a:schemeClr val="tx1"/>
-                </a:solidFill>
-                <a:effectLst/>
-                <a:latin typeface="Cambria" panose="02040503050406030204" pitchFamily="18" charset="0"/>
-              </a:rPr>
-              <a:t>=</a:t>
-            </a:r>
-            <a:r>
-              <a:rPr kumimoji="0" lang="fr-FR" altLang="fr-FR" sz="1600" b="0" i="0" u="none" strike="noStrike" cap="none" normalizeH="0" baseline="0" dirty="0" smtClean="0">
-                <a:ln>
-                  <a:noFill/>
-                </a:ln>
-                <a:solidFill>
-                  <a:srgbClr val="C0C0C0"/>
-                </a:solidFill>
-                <a:effectLst/>
-                <a:latin typeface="Cambria" panose="02040503050406030204" pitchFamily="18" charset="0"/>
-              </a:rPr>
-              <a:t> </a:t>
-            </a:r>
-            <a:r>
-              <a:rPr kumimoji="0" lang="fr-FR" altLang="fr-FR" sz="1600" b="0" i="0" u="none" strike="noStrike" cap="none" normalizeH="0" baseline="0" dirty="0" err="1" smtClean="0">
-                <a:ln>
-                  <a:noFill/>
-                </a:ln>
-                <a:solidFill>
-                  <a:srgbClr val="800000"/>
-                </a:solidFill>
-                <a:effectLst/>
-                <a:latin typeface="Cambria" panose="02040503050406030204" pitchFamily="18" charset="0"/>
-              </a:rPr>
-              <a:t>liguloVisu</a:t>
-            </a:r>
-            <a:r>
-              <a:rPr kumimoji="0" lang="fr-FR" altLang="fr-FR" sz="1600" b="0" i="0" u="none" strike="noStrike" cap="none" normalizeH="0" baseline="0" dirty="0" smtClean="0">
-                <a:ln>
-                  <a:noFill/>
-                </a:ln>
-                <a:solidFill>
-                  <a:srgbClr val="C0C0C0"/>
-                </a:solidFill>
-                <a:effectLst/>
-                <a:latin typeface="Cambria" panose="02040503050406030204" pitchFamily="18" charset="0"/>
-              </a:rPr>
-              <a:t> </a:t>
-            </a:r>
-            <a:r>
-              <a:rPr kumimoji="0" lang="fr-FR" altLang="fr-FR" sz="1600" b="0" i="0" u="none" strike="noStrike" cap="none" normalizeH="0" baseline="0" dirty="0" smtClean="0">
-                <a:ln>
-                  <a:noFill/>
-                </a:ln>
-                <a:solidFill>
-                  <a:schemeClr val="tx1"/>
-                </a:solidFill>
-                <a:effectLst/>
-                <a:latin typeface="Cambria" panose="02040503050406030204" pitchFamily="18" charset="0"/>
-              </a:rPr>
-              <a:t>+</a:t>
-            </a:r>
-            <a:r>
-              <a:rPr kumimoji="0" lang="fr-FR" altLang="fr-FR" sz="1600" b="0" i="0" u="none" strike="noStrike" cap="none" normalizeH="0" baseline="0" dirty="0" smtClean="0">
-                <a:ln>
-                  <a:noFill/>
-                </a:ln>
-                <a:solidFill>
-                  <a:srgbClr val="C0C0C0"/>
-                </a:solidFill>
-                <a:effectLst/>
-                <a:latin typeface="Cambria" panose="02040503050406030204" pitchFamily="18" charset="0"/>
-              </a:rPr>
-              <a:t> </a:t>
-            </a:r>
-            <a:r>
-              <a:rPr kumimoji="0" lang="fr-FR" altLang="fr-FR" sz="1600" b="0" i="0" u="none" strike="noStrike" cap="none" normalizeH="0" baseline="0" dirty="0" smtClean="0">
-                <a:ln>
-                  <a:noFill/>
-                </a:ln>
-                <a:solidFill>
-                  <a:srgbClr val="800000"/>
-                </a:solidFill>
-                <a:effectLst/>
-                <a:latin typeface="Cambria" panose="02040503050406030204" pitchFamily="18" charset="0"/>
-              </a:rPr>
-              <a:t>EDD</a:t>
-            </a:r>
-            <a:r>
-              <a:rPr kumimoji="0" lang="fr-FR" altLang="fr-FR" sz="1600" b="0" i="0" u="none" strike="noStrike" cap="none" normalizeH="0" baseline="0" dirty="0" smtClean="0">
-                <a:ln>
-                  <a:noFill/>
-                </a:ln>
-                <a:solidFill>
-                  <a:schemeClr val="tx1"/>
-                </a:solidFill>
-                <a:effectLst/>
-                <a:latin typeface="Cambria" panose="02040503050406030204" pitchFamily="18" charset="0"/>
-              </a:rPr>
-              <a:t>; </a:t>
-            </a:r>
-            <a:endParaRPr lang="fr-FR" altLang="fr-FR" sz="1600" dirty="0">
-              <a:latin typeface="Cambria" panose="02040503050406030204" pitchFamily="18" charset="0"/>
-            </a:endParaRPr>
-          </a:p>
-          <a:p>
-            <a:pPr lvl="0" eaLnBrk="0" fontAlgn="base" hangingPunct="0">
-              <a:spcBef>
-                <a:spcPct val="0"/>
-              </a:spcBef>
-              <a:spcAft>
-                <a:spcPct val="0"/>
-              </a:spcAft>
-            </a:pPr>
-            <a:r>
-              <a:rPr kumimoji="0" lang="fr-FR" altLang="fr-FR" sz="1600" b="0" i="0" u="none" strike="noStrike" cap="none" normalizeH="0" baseline="0" dirty="0" smtClean="0">
-                <a:ln>
-                  <a:noFill/>
-                </a:ln>
-                <a:solidFill>
-                  <a:schemeClr val="tx1"/>
-                </a:solidFill>
-                <a:effectLst/>
-                <a:latin typeface="Cambria" panose="02040503050406030204" pitchFamily="18" charset="0"/>
-              </a:rPr>
-              <a:t>}</a:t>
-            </a:r>
-            <a:br>
-              <a:rPr kumimoji="0" lang="fr-FR" altLang="fr-FR" sz="1600" b="0" i="0" u="none" strike="noStrike" cap="none" normalizeH="0" baseline="0" dirty="0" smtClean="0">
-                <a:ln>
-                  <a:noFill/>
-                </a:ln>
-                <a:solidFill>
-                  <a:schemeClr val="tx1"/>
-                </a:solidFill>
-                <a:effectLst/>
-                <a:latin typeface="Cambria" panose="02040503050406030204" pitchFamily="18" charset="0"/>
-              </a:rPr>
-            </a:br>
-            <a:endParaRPr kumimoji="0" lang="fr-FR" altLang="fr-FR" sz="1600" b="0" i="0" u="none" strike="noStrike" cap="none" normalizeH="0" baseline="0" dirty="0" smtClean="0">
-              <a:ln>
-                <a:noFill/>
-              </a:ln>
-              <a:solidFill>
-                <a:schemeClr val="tx1"/>
-              </a:solidFill>
-              <a:effectLst/>
-              <a:latin typeface="Cambria" panose="02040503050406030204" pitchFamily="18" charset="0"/>
-            </a:endParaRPr>
-          </a:p>
-          <a:p>
-            <a:pPr eaLnBrk="0" fontAlgn="base" hangingPunct="0">
-              <a:spcBef>
-                <a:spcPct val="0"/>
-              </a:spcBef>
-              <a:spcAft>
-                <a:spcPct val="0"/>
-              </a:spcAft>
-            </a:pPr>
-            <a:r>
-              <a:rPr lang="fr-FR" sz="1600" dirty="0" err="1" smtClean="0">
-                <a:solidFill>
-                  <a:srgbClr val="800000"/>
-                </a:solidFill>
-                <a:effectLst/>
-                <a:latin typeface="Cambria" panose="02040503050406030204" pitchFamily="18" charset="0"/>
-              </a:rPr>
-              <a:t>sla</a:t>
-            </a:r>
-            <a:r>
-              <a:rPr lang="fr-FR" sz="1600" dirty="0" smtClean="0">
-                <a:solidFill>
-                  <a:srgbClr val="C0C0C0"/>
-                </a:solidFill>
-                <a:effectLst/>
-                <a:latin typeface="Cambria" panose="02040503050406030204" pitchFamily="18" charset="0"/>
-              </a:rPr>
-              <a:t> </a:t>
-            </a:r>
-            <a:r>
-              <a:rPr lang="fr-FR" sz="1600" dirty="0" smtClean="0">
-                <a:latin typeface="Cambria" panose="02040503050406030204" pitchFamily="18" charset="0"/>
-              </a:rPr>
-              <a:t>=</a:t>
-            </a:r>
-            <a:r>
-              <a:rPr lang="fr-FR" sz="1600" dirty="0" smtClean="0">
-                <a:solidFill>
-                  <a:srgbClr val="C0C0C0"/>
-                </a:solidFill>
-                <a:effectLst/>
-                <a:latin typeface="Cambria" panose="02040503050406030204" pitchFamily="18" charset="0"/>
-              </a:rPr>
-              <a:t> </a:t>
-            </a:r>
-            <a:r>
-              <a:rPr lang="fr-FR" sz="1600" dirty="0" smtClean="0">
-                <a:solidFill>
-                  <a:srgbClr val="800000"/>
-                </a:solidFill>
-                <a:effectLst/>
-                <a:latin typeface="Cambria" panose="02040503050406030204" pitchFamily="18" charset="0"/>
-              </a:rPr>
-              <a:t>FSLA</a:t>
-            </a:r>
-            <a:r>
-              <a:rPr lang="fr-FR" sz="1600" dirty="0" smtClean="0">
-                <a:solidFill>
-                  <a:srgbClr val="C0C0C0"/>
-                </a:solidFill>
-                <a:effectLst/>
-                <a:latin typeface="Cambria" panose="02040503050406030204" pitchFamily="18" charset="0"/>
-              </a:rPr>
-              <a:t> </a:t>
-            </a:r>
-            <a:r>
-              <a:rPr lang="fr-FR" sz="1600" dirty="0" smtClean="0">
-                <a:latin typeface="Cambria" panose="02040503050406030204" pitchFamily="18" charset="0"/>
-              </a:rPr>
-              <a:t>-</a:t>
-            </a:r>
-            <a:r>
-              <a:rPr lang="fr-FR" sz="1600" dirty="0" smtClean="0">
-                <a:solidFill>
-                  <a:srgbClr val="C0C0C0"/>
-                </a:solidFill>
-                <a:effectLst/>
-                <a:latin typeface="Cambria" panose="02040503050406030204" pitchFamily="18" charset="0"/>
-              </a:rPr>
-              <a:t> </a:t>
-            </a:r>
-            <a:r>
-              <a:rPr lang="fr-FR" sz="1600" dirty="0" err="1" smtClean="0">
-                <a:solidFill>
-                  <a:srgbClr val="800000"/>
-                </a:solidFill>
-                <a:effectLst/>
-                <a:latin typeface="Cambria" panose="02040503050406030204" pitchFamily="18" charset="0"/>
-              </a:rPr>
-              <a:t>SLAp</a:t>
-            </a:r>
-            <a:r>
-              <a:rPr lang="fr-FR" sz="1600" dirty="0" smtClean="0">
-                <a:solidFill>
-                  <a:srgbClr val="C0C0C0"/>
-                </a:solidFill>
-                <a:effectLst/>
-                <a:latin typeface="Cambria" panose="02040503050406030204" pitchFamily="18" charset="0"/>
-              </a:rPr>
-              <a:t> </a:t>
-            </a:r>
-            <a:r>
-              <a:rPr lang="fr-FR" sz="1600" dirty="0" smtClean="0">
-                <a:latin typeface="Cambria" panose="02040503050406030204" pitchFamily="18" charset="0"/>
-              </a:rPr>
-              <a:t>*</a:t>
-            </a:r>
-            <a:r>
-              <a:rPr lang="fr-FR" sz="1600" dirty="0" smtClean="0">
-                <a:solidFill>
-                  <a:srgbClr val="C0C0C0"/>
-                </a:solidFill>
-                <a:effectLst/>
-                <a:latin typeface="Cambria" panose="02040503050406030204" pitchFamily="18" charset="0"/>
-              </a:rPr>
-              <a:t> </a:t>
-            </a:r>
-            <a:r>
-              <a:rPr lang="fr-FR" sz="1600" dirty="0" smtClean="0">
-                <a:latin typeface="Cambria" panose="02040503050406030204" pitchFamily="18" charset="0"/>
-              </a:rPr>
-              <a:t>log(</a:t>
-            </a:r>
-            <a:r>
-              <a:rPr lang="fr-FR" sz="1600" dirty="0" err="1" smtClean="0">
-                <a:solidFill>
-                  <a:srgbClr val="800000"/>
-                </a:solidFill>
-                <a:effectLst/>
-                <a:latin typeface="Cambria" panose="02040503050406030204" pitchFamily="18" charset="0"/>
-              </a:rPr>
-              <a:t>phenoStage</a:t>
-            </a:r>
-            <a:r>
-              <a:rPr lang="fr-FR" sz="1600" dirty="0" smtClean="0">
-                <a:latin typeface="Cambria" panose="02040503050406030204" pitchFamily="18" charset="0"/>
-              </a:rPr>
-              <a:t>);</a:t>
-            </a:r>
-          </a:p>
-          <a:p>
-            <a:pPr lvl="0" eaLnBrk="0" fontAlgn="base" hangingPunct="0">
-              <a:spcBef>
-                <a:spcPct val="0"/>
-              </a:spcBef>
-              <a:spcAft>
-                <a:spcPct val="0"/>
-              </a:spcAft>
-            </a:pPr>
-            <a:endParaRPr kumimoji="0" lang="fr-FR" altLang="fr-FR" sz="1600" b="0" i="0" u="none" strike="noStrike" cap="none" normalizeH="0" baseline="0" dirty="0" smtClean="0">
-              <a:ln>
-                <a:noFill/>
-              </a:ln>
-              <a:solidFill>
-                <a:schemeClr val="tx1"/>
-              </a:solidFill>
-              <a:effectLst/>
-              <a:latin typeface="Cambria" panose="02040503050406030204" pitchFamily="18" charset="0"/>
-            </a:endParaRPr>
-          </a:p>
-        </p:txBody>
-      </p:sp>
-    </p:spTree>
-    <p:extLst>
-      <p:ext uri="{BB962C8B-B14F-4D97-AF65-F5344CB8AC3E}">
-        <p14:creationId xmlns:p14="http://schemas.microsoft.com/office/powerpoint/2010/main" val="2774531770"/>
       </p:ext>
     </p:extLst>
   </p:cSld>

--- a/doc/Phenology.pptx
+++ b/doc/Phenology.pptx
@@ -5,12 +5,12 @@
     <p:sldMasterId id="2147483648" r:id="rId1"/>
   </p:sldMasterIdLst>
   <p:sldIdLst>
-    <p:sldId id="257" r:id="rId2"/>
-    <p:sldId id="262" r:id="rId3"/>
-    <p:sldId id="261" r:id="rId4"/>
-    <p:sldId id="259" r:id="rId5"/>
+    <p:sldId id="263" r:id="rId2"/>
+    <p:sldId id="257" r:id="rId3"/>
+    <p:sldId id="262" r:id="rId4"/>
+    <p:sldId id="261" r:id="rId5"/>
     <p:sldId id="258" r:id="rId6"/>
-    <p:sldId id="263" r:id="rId7"/>
+    <p:sldId id="259" r:id="rId7"/>
   </p:sldIdLst>
   <p:sldSz cx="12192000" cy="6858000"/>
   <p:notesSz cx="6858000" cy="9144000"/>
@@ -109,6 +109,11 @@
       </a:defRPr>
     </a:lvl9pPr>
   </p:defaultTextStyle>
+  <p:extLst>
+    <p:ext uri="{EFAFB233-063F-42B5-8137-9DF3F51BA10A}">
+      <p15:sldGuideLst xmlns:p15="http://schemas.microsoft.com/office/powerpoint/2012/main"/>
+    </p:ext>
+  </p:extLst>
 </p:presentation>
 </file>
 
@@ -2971,6 +2976,2847 @@
       </p:grpSpPr>
       <p:sp>
         <p:nvSpPr>
+          <p:cNvPr id="5" name="Rectangle 4"/>
+          <p:cNvSpPr/>
+          <p:nvPr/>
+        </p:nvSpPr>
+        <p:spPr>
+          <a:xfrm rot="16200000">
+            <a:off x="-1252634" y="2810928"/>
+            <a:ext cx="4068743" cy="923330"/>
+          </a:xfrm>
+          <a:prstGeom prst="rect">
+            <a:avLst/>
+          </a:prstGeom>
+          <a:noFill/>
+        </p:spPr>
+        <p:txBody>
+          <a:bodyPr wrap="none" lIns="91440" tIns="45720" rIns="91440" bIns="45720">
+            <a:spAutoFit/>
+          </a:bodyPr>
+          <a:lstStyle/>
+          <a:p>
+            <a:pPr algn="ctr"/>
+            <a:r>
+              <a:rPr lang="fr-FR" sz="5400" b="0" cap="none" spc="0" dirty="0" smtClean="0">
+                <a:ln w="0"/>
+                <a:gradFill>
+                  <a:gsLst>
+                    <a:gs pos="0">
+                      <a:schemeClr val="accent5">
+                        <a:lumMod val="50000"/>
+                      </a:schemeClr>
+                    </a:gs>
+                    <a:gs pos="50000">
+                      <a:schemeClr val="accent5"/>
+                    </a:gs>
+                    <a:gs pos="100000">
+                      <a:schemeClr val="accent5">
+                        <a:lumMod val="60000"/>
+                        <a:lumOff val="40000"/>
+                      </a:schemeClr>
+                    </a:gs>
+                  </a:gsLst>
+                  <a:lin ang="5400000"/>
+                </a:gradFill>
+                <a:effectLst>
+                  <a:reflection blurRad="6350" stA="53000" endA="300" endPos="35500" dir="5400000" sy="-90000" algn="bl" rotWithShape="0"/>
+                </a:effectLst>
+              </a:rPr>
+              <a:t>Thermal Time</a:t>
+            </a:r>
+            <a:endParaRPr lang="fr-FR" sz="5400" b="0" cap="none" spc="0" dirty="0">
+              <a:ln w="0"/>
+              <a:gradFill>
+                <a:gsLst>
+                  <a:gs pos="0">
+                    <a:schemeClr val="accent5">
+                      <a:lumMod val="50000"/>
+                    </a:schemeClr>
+                  </a:gs>
+                  <a:gs pos="50000">
+                    <a:schemeClr val="accent5"/>
+                  </a:gs>
+                  <a:gs pos="100000">
+                    <a:schemeClr val="accent5">
+                      <a:lumMod val="60000"/>
+                      <a:lumOff val="40000"/>
+                    </a:schemeClr>
+                  </a:gs>
+                </a:gsLst>
+                <a:lin ang="5400000"/>
+              </a:gradFill>
+              <a:effectLst>
+                <a:reflection blurRad="6350" stA="53000" endA="300" endPos="35500" dir="5400000" sy="-90000" algn="bl" rotWithShape="0"/>
+              </a:effectLst>
+            </a:endParaRPr>
+          </a:p>
+        </p:txBody>
+      </p:sp>
+      <p:sp>
+        <p:nvSpPr>
+          <p:cNvPr id="6" name="Rectangle 5"/>
+          <p:cNvSpPr>
+            <a:spLocks noChangeArrowheads="1"/>
+          </p:cNvSpPr>
+          <p:nvPr/>
+        </p:nvSpPr>
+        <p:spPr bwMode="auto">
+          <a:xfrm>
+            <a:off x="2490537" y="299822"/>
+            <a:ext cx="9312442" cy="6432530"/>
+          </a:xfrm>
+          <a:prstGeom prst="rect">
+            <a:avLst/>
+          </a:prstGeom>
+          <a:noFill/>
+          <a:ln>
+            <a:noFill/>
+          </a:ln>
+          <a:effectLst/>
+          <a:extLst>
+            <a:ext uri="{909E8E84-426E-40DD-AFC4-6F175D3DCCD1}">
+              <a14:hiddenFill xmlns:a14="http://schemas.microsoft.com/office/drawing/2010/main">
+                <a:solidFill>
+                  <a:schemeClr val="accent1"/>
+                </a:solidFill>
+              </a14:hiddenFill>
+            </a:ext>
+            <a:ext uri="{91240B29-F687-4F45-9708-019B960494DF}">
+              <a14:hiddenLine xmlns:a14="http://schemas.microsoft.com/office/drawing/2010/main" w="9525">
+                <a:solidFill>
+                  <a:schemeClr val="tx1"/>
+                </a:solidFill>
+                <a:miter lim="800000"/>
+                <a:headEnd/>
+                <a:tailEnd/>
+              </a14:hiddenLine>
+            </a:ext>
+            <a:ext uri="{AF507438-7753-43E0-B8FC-AC1667EBCBE1}">
+              <a14:hiddenEffects xmlns:a14="http://schemas.microsoft.com/office/drawing/2010/main">
+                <a:effectLst>
+                  <a:outerShdw dist="35921" dir="2700000" algn="ctr" rotWithShape="0">
+                    <a:schemeClr val="bg2"/>
+                  </a:outerShdw>
+                </a:effectLst>
+              </a14:hiddenEffects>
+            </a:ext>
+          </a:extLst>
+        </p:spPr>
+        <p:txBody>
+          <a:bodyPr vert="horz" wrap="square" lIns="0" tIns="0" rIns="0" bIns="0" numCol="1" anchor="ctr" anchorCtr="0" compatLnSpc="1">
+            <a:prstTxWarp prst="textNoShape">
+              <a:avLst/>
+            </a:prstTxWarp>
+            <a:spAutoFit/>
+          </a:bodyPr>
+          <a:lstStyle/>
+          <a:p>
+            <a:pPr marL="0" marR="0" lvl="0" indent="0" algn="l" defTabSz="914400" rtl="0" eaLnBrk="0" fontAlgn="base" latinLnBrk="0" hangingPunct="0">
+              <a:lnSpc>
+                <a:spcPct val="100000"/>
+              </a:lnSpc>
+              <a:spcBef>
+                <a:spcPct val="0"/>
+              </a:spcBef>
+              <a:spcAft>
+                <a:spcPct val="0"/>
+              </a:spcAft>
+              <a:buClrTx/>
+              <a:buSzTx/>
+              <a:buFontTx/>
+              <a:buNone/>
+              <a:tabLst/>
+            </a:pPr>
+            <a:r>
+              <a:rPr kumimoji="0" lang="fr-FR" altLang="fr-FR" sz="1600" b="0" i="0" u="none" strike="noStrike" cap="none" normalizeH="0" baseline="0" dirty="0" err="1" smtClean="0">
+                <a:ln>
+                  <a:noFill/>
+                </a:ln>
+                <a:solidFill>
+                  <a:srgbClr val="800000"/>
+                </a:solidFill>
+                <a:effectLst/>
+                <a:latin typeface="Cambria" panose="02040503050406030204" pitchFamily="18" charset="0"/>
+              </a:rPr>
+              <a:t>deltaT</a:t>
+            </a:r>
+            <a:r>
+              <a:rPr kumimoji="0" lang="fr-FR" altLang="fr-FR" sz="1600" b="0" i="0" u="none" strike="noStrike" cap="none" normalizeH="0" baseline="0" dirty="0" smtClean="0">
+                <a:ln>
+                  <a:noFill/>
+                </a:ln>
+                <a:solidFill>
+                  <a:srgbClr val="C0C0C0"/>
+                </a:solidFill>
+                <a:effectLst/>
+                <a:latin typeface="Cambria" panose="02040503050406030204" pitchFamily="18" charset="0"/>
+              </a:rPr>
+              <a:t> </a:t>
+            </a:r>
+            <a:r>
+              <a:rPr kumimoji="0" lang="fr-FR" altLang="fr-FR" sz="1600" b="0" i="0" u="none" strike="noStrike" cap="none" normalizeH="0" baseline="0" dirty="0" smtClean="0">
+                <a:ln>
+                  <a:noFill/>
+                </a:ln>
+                <a:solidFill>
+                  <a:schemeClr val="tx1"/>
+                </a:solidFill>
+                <a:effectLst/>
+                <a:latin typeface="Cambria" panose="02040503050406030204" pitchFamily="18" charset="0"/>
+              </a:rPr>
+              <a:t>=</a:t>
+            </a:r>
+            <a:r>
+              <a:rPr kumimoji="0" lang="fr-FR" altLang="fr-FR" sz="1600" b="0" i="0" u="none" strike="noStrike" cap="none" normalizeH="0" baseline="0" dirty="0" smtClean="0">
+                <a:ln>
+                  <a:noFill/>
+                </a:ln>
+                <a:solidFill>
+                  <a:srgbClr val="C0C0C0"/>
+                </a:solidFill>
+                <a:effectLst/>
+                <a:latin typeface="Cambria" panose="02040503050406030204" pitchFamily="18" charset="0"/>
+              </a:rPr>
+              <a:t> </a:t>
+            </a:r>
+            <a:r>
+              <a:rPr kumimoji="0" lang="fr-FR" altLang="fr-FR" sz="1600" b="0" i="0" u="none" strike="noStrike" cap="none" normalizeH="0" baseline="0" dirty="0" smtClean="0">
+                <a:ln>
+                  <a:noFill/>
+                </a:ln>
+                <a:solidFill>
+                  <a:srgbClr val="800000"/>
+                </a:solidFill>
+                <a:effectLst/>
+                <a:latin typeface="Cambria" panose="02040503050406030204" pitchFamily="18" charset="0"/>
+              </a:rPr>
+              <a:t>Ta</a:t>
+            </a:r>
+            <a:r>
+              <a:rPr kumimoji="0" lang="fr-FR" altLang="fr-FR" sz="1600" b="0" i="0" u="none" strike="noStrike" cap="none" normalizeH="0" baseline="0" dirty="0" smtClean="0">
+                <a:ln>
+                  <a:noFill/>
+                </a:ln>
+                <a:solidFill>
+                  <a:srgbClr val="C0C0C0"/>
+                </a:solidFill>
+                <a:effectLst/>
+                <a:latin typeface="Cambria" panose="02040503050406030204" pitchFamily="18" charset="0"/>
+              </a:rPr>
+              <a:t> </a:t>
+            </a:r>
+            <a:r>
+              <a:rPr kumimoji="0" lang="fr-FR" altLang="fr-FR" sz="1600" b="0" i="0" u="none" strike="noStrike" cap="none" normalizeH="0" baseline="0" dirty="0" smtClean="0">
+                <a:ln>
+                  <a:noFill/>
+                </a:ln>
+                <a:solidFill>
+                  <a:schemeClr val="tx1"/>
+                </a:solidFill>
+                <a:effectLst/>
+                <a:latin typeface="Cambria" panose="02040503050406030204" pitchFamily="18" charset="0"/>
+              </a:rPr>
+              <a:t>-</a:t>
+            </a:r>
+            <a:r>
+              <a:rPr kumimoji="0" lang="fr-FR" altLang="fr-FR" sz="1600" b="0" i="0" u="none" strike="noStrike" cap="none" normalizeH="0" baseline="0" dirty="0" smtClean="0">
+                <a:ln>
+                  <a:noFill/>
+                </a:ln>
+                <a:solidFill>
+                  <a:srgbClr val="C0C0C0"/>
+                </a:solidFill>
+                <a:effectLst/>
+                <a:latin typeface="Cambria" panose="02040503050406030204" pitchFamily="18" charset="0"/>
+              </a:rPr>
+              <a:t> </a:t>
+            </a:r>
+            <a:r>
+              <a:rPr kumimoji="0" lang="fr-FR" altLang="fr-FR" sz="1600" b="0" i="0" u="none" strike="noStrike" cap="none" normalizeH="0" baseline="0" dirty="0" smtClean="0">
+                <a:ln>
+                  <a:noFill/>
+                </a:ln>
+                <a:solidFill>
+                  <a:srgbClr val="800000"/>
+                </a:solidFill>
+                <a:effectLst/>
+                <a:latin typeface="Cambria" panose="02040503050406030204" pitchFamily="18" charset="0"/>
+              </a:rPr>
+              <a:t>Tb</a:t>
+            </a:r>
+            <a:r>
+              <a:rPr kumimoji="0" lang="fr-FR" altLang="fr-FR" sz="1600" b="0" i="0" u="none" strike="noStrike" cap="none" normalizeH="0" baseline="0" dirty="0" smtClean="0">
+                <a:ln>
+                  <a:noFill/>
+                </a:ln>
+                <a:solidFill>
+                  <a:schemeClr val="tx1"/>
+                </a:solidFill>
+                <a:effectLst/>
+                <a:latin typeface="Cambria" panose="02040503050406030204" pitchFamily="18" charset="0"/>
+              </a:rPr>
+              <a:t>; </a:t>
+            </a:r>
+            <a:br>
+              <a:rPr kumimoji="0" lang="fr-FR" altLang="fr-FR" sz="1600" b="0" i="0" u="none" strike="noStrike" cap="none" normalizeH="0" baseline="0" dirty="0" smtClean="0">
+                <a:ln>
+                  <a:noFill/>
+                </a:ln>
+                <a:solidFill>
+                  <a:schemeClr val="tx1"/>
+                </a:solidFill>
+                <a:effectLst/>
+                <a:latin typeface="Cambria" panose="02040503050406030204" pitchFamily="18" charset="0"/>
+              </a:rPr>
+            </a:br>
+            <a:r>
+              <a:rPr kumimoji="0" lang="fr-FR" altLang="fr-FR" sz="1600" b="0" i="0" u="none" strike="noStrike" cap="none" normalizeH="0" baseline="0" dirty="0" smtClean="0">
+                <a:ln>
+                  <a:noFill/>
+                </a:ln>
+                <a:solidFill>
+                  <a:srgbClr val="800000"/>
+                </a:solidFill>
+                <a:effectLst/>
+                <a:latin typeface="Cambria" panose="02040503050406030204" pitchFamily="18" charset="0"/>
+              </a:rPr>
+              <a:t>TT</a:t>
+            </a:r>
+            <a:r>
+              <a:rPr kumimoji="0" lang="fr-FR" altLang="fr-FR" sz="1600" b="0" i="0" u="none" strike="noStrike" cap="none" normalizeH="0" baseline="0" dirty="0" smtClean="0">
+                <a:ln>
+                  <a:noFill/>
+                </a:ln>
+                <a:solidFill>
+                  <a:srgbClr val="C0C0C0"/>
+                </a:solidFill>
+                <a:effectLst/>
+                <a:latin typeface="Cambria" panose="02040503050406030204" pitchFamily="18" charset="0"/>
+              </a:rPr>
+              <a:t> </a:t>
+            </a:r>
+            <a:r>
+              <a:rPr kumimoji="0" lang="fr-FR" altLang="fr-FR" sz="1600" b="0" i="0" u="none" strike="noStrike" cap="none" normalizeH="0" baseline="0" dirty="0" smtClean="0">
+                <a:ln>
+                  <a:noFill/>
+                </a:ln>
+                <a:solidFill>
+                  <a:schemeClr val="tx1"/>
+                </a:solidFill>
+                <a:effectLst/>
+                <a:latin typeface="Cambria" panose="02040503050406030204" pitchFamily="18" charset="0"/>
+              </a:rPr>
+              <a:t>=</a:t>
+            </a:r>
+            <a:r>
+              <a:rPr kumimoji="0" lang="fr-FR" altLang="fr-FR" sz="1600" b="0" i="0" u="none" strike="noStrike" cap="none" normalizeH="0" baseline="0" dirty="0" smtClean="0">
+                <a:ln>
+                  <a:noFill/>
+                </a:ln>
+                <a:solidFill>
+                  <a:srgbClr val="C0C0C0"/>
+                </a:solidFill>
+                <a:effectLst/>
+                <a:latin typeface="Cambria" panose="02040503050406030204" pitchFamily="18" charset="0"/>
+              </a:rPr>
+              <a:t> </a:t>
+            </a:r>
+            <a:r>
+              <a:rPr kumimoji="0" lang="fr-FR" altLang="fr-FR" sz="1600" b="0" i="0" u="none" strike="noStrike" cap="none" normalizeH="0" baseline="0" dirty="0" smtClean="0">
+                <a:ln>
+                  <a:noFill/>
+                </a:ln>
+                <a:solidFill>
+                  <a:srgbClr val="800000"/>
+                </a:solidFill>
+                <a:effectLst/>
+                <a:latin typeface="Cambria" panose="02040503050406030204" pitchFamily="18" charset="0"/>
+              </a:rPr>
+              <a:t>TT</a:t>
+            </a:r>
+            <a:r>
+              <a:rPr kumimoji="0" lang="fr-FR" altLang="fr-FR" sz="1600" b="0" i="0" u="none" strike="noStrike" cap="none" normalizeH="0" baseline="0" dirty="0" smtClean="0">
+                <a:ln>
+                  <a:noFill/>
+                </a:ln>
+                <a:solidFill>
+                  <a:srgbClr val="C0C0C0"/>
+                </a:solidFill>
+                <a:effectLst/>
+                <a:latin typeface="Cambria" panose="02040503050406030204" pitchFamily="18" charset="0"/>
+              </a:rPr>
+              <a:t> </a:t>
+            </a:r>
+            <a:r>
+              <a:rPr kumimoji="0" lang="fr-FR" altLang="fr-FR" sz="1600" b="0" i="0" u="none" strike="noStrike" cap="none" normalizeH="0" baseline="0" dirty="0" smtClean="0">
+                <a:ln>
+                  <a:noFill/>
+                </a:ln>
+                <a:solidFill>
+                  <a:schemeClr val="tx1"/>
+                </a:solidFill>
+                <a:effectLst/>
+                <a:latin typeface="Cambria" panose="02040503050406030204" pitchFamily="18" charset="0"/>
+              </a:rPr>
+              <a:t>+</a:t>
+            </a:r>
+            <a:r>
+              <a:rPr kumimoji="0" lang="fr-FR" altLang="fr-FR" sz="1600" b="0" i="0" u="none" strike="noStrike" cap="none" normalizeH="0" baseline="0" dirty="0" smtClean="0">
+                <a:ln>
+                  <a:noFill/>
+                </a:ln>
+                <a:solidFill>
+                  <a:srgbClr val="C0C0C0"/>
+                </a:solidFill>
+                <a:effectLst/>
+                <a:latin typeface="Cambria" panose="02040503050406030204" pitchFamily="18" charset="0"/>
+              </a:rPr>
+              <a:t> </a:t>
+            </a:r>
+            <a:r>
+              <a:rPr kumimoji="0" lang="fr-FR" altLang="fr-FR" sz="1600" b="0" i="0" u="none" strike="noStrike" cap="none" normalizeH="0" baseline="0" dirty="0" err="1" smtClean="0">
+                <a:ln>
+                  <a:noFill/>
+                </a:ln>
+                <a:solidFill>
+                  <a:srgbClr val="800000"/>
+                </a:solidFill>
+                <a:effectLst/>
+                <a:latin typeface="Cambria" panose="02040503050406030204" pitchFamily="18" charset="0"/>
+              </a:rPr>
+              <a:t>deltaT</a:t>
+            </a:r>
+            <a:r>
+              <a:rPr kumimoji="0" lang="fr-FR" altLang="fr-FR" sz="1600" b="0" i="0" u="none" strike="noStrike" cap="none" normalizeH="0" baseline="0" dirty="0" smtClean="0">
+                <a:ln>
+                  <a:noFill/>
+                </a:ln>
+                <a:solidFill>
+                  <a:schemeClr val="tx1"/>
+                </a:solidFill>
+                <a:effectLst/>
+                <a:latin typeface="Cambria" panose="02040503050406030204" pitchFamily="18" charset="0"/>
+              </a:rPr>
+              <a:t>; </a:t>
+            </a:r>
+          </a:p>
+          <a:p>
+            <a:pPr eaLnBrk="0" fontAlgn="base" hangingPunct="0">
+              <a:spcBef>
+                <a:spcPct val="0"/>
+              </a:spcBef>
+              <a:spcAft>
+                <a:spcPct val="0"/>
+              </a:spcAft>
+            </a:pPr>
+            <a:r>
+              <a:rPr kumimoji="0" lang="fr-FR" altLang="fr-FR" sz="1600" b="0" i="0" u="none" strike="noStrike" cap="none" normalizeH="0" baseline="0" dirty="0" smtClean="0">
+                <a:ln>
+                  <a:noFill/>
+                </a:ln>
+                <a:solidFill>
+                  <a:schemeClr val="tx1"/>
+                </a:solidFill>
+                <a:effectLst/>
+                <a:latin typeface="Cambria" panose="02040503050406030204" pitchFamily="18" charset="0"/>
+              </a:rPr>
+              <a:t/>
+            </a:r>
+            <a:br>
+              <a:rPr kumimoji="0" lang="fr-FR" altLang="fr-FR" sz="1600" b="0" i="0" u="none" strike="noStrike" cap="none" normalizeH="0" baseline="0" dirty="0" smtClean="0">
+                <a:ln>
+                  <a:noFill/>
+                </a:ln>
+                <a:solidFill>
+                  <a:schemeClr val="tx1"/>
+                </a:solidFill>
+                <a:effectLst/>
+                <a:latin typeface="Cambria" panose="02040503050406030204" pitchFamily="18" charset="0"/>
+              </a:rPr>
+            </a:br>
+            <a:r>
+              <a:rPr kumimoji="0" lang="fr-FR" altLang="fr-FR" sz="1600" b="0" i="0" u="none" strike="noStrike" cap="none" normalizeH="0" baseline="0" dirty="0" smtClean="0">
+                <a:ln>
+                  <a:noFill/>
+                </a:ln>
+                <a:solidFill>
+                  <a:srgbClr val="808000"/>
+                </a:solidFill>
+                <a:effectLst/>
+                <a:latin typeface="Cambria" panose="02040503050406030204" pitchFamily="18" charset="0"/>
+              </a:rPr>
+              <a:t>if</a:t>
+            </a:r>
+            <a:r>
+              <a:rPr kumimoji="0" lang="fr-FR" altLang="fr-FR" sz="1600" b="0" i="0" u="none" strike="noStrike" cap="none" normalizeH="0" baseline="0" dirty="0" smtClean="0">
+                <a:ln>
+                  <a:noFill/>
+                </a:ln>
+                <a:solidFill>
+                  <a:srgbClr val="C0C0C0"/>
+                </a:solidFill>
+                <a:effectLst/>
+                <a:latin typeface="Cambria" panose="02040503050406030204" pitchFamily="18" charset="0"/>
+              </a:rPr>
+              <a:t> </a:t>
+            </a:r>
+            <a:r>
+              <a:rPr kumimoji="0" lang="fr-FR" altLang="fr-FR" sz="1600" b="0" i="0" u="none" strike="noStrike" cap="none" normalizeH="0" baseline="0" dirty="0" smtClean="0">
+                <a:ln>
+                  <a:noFill/>
+                </a:ln>
+                <a:solidFill>
+                  <a:schemeClr val="tx1"/>
+                </a:solidFill>
+                <a:effectLst/>
+                <a:latin typeface="Cambria" panose="02040503050406030204" pitchFamily="18" charset="0"/>
+              </a:rPr>
+              <a:t>(</a:t>
+            </a:r>
+            <a:r>
+              <a:rPr kumimoji="0" lang="fr-FR" altLang="fr-FR" sz="1600" b="0" i="0" u="none" strike="noStrike" cap="none" normalizeH="0" baseline="0" dirty="0" smtClean="0">
+                <a:ln>
+                  <a:noFill/>
+                </a:ln>
+                <a:solidFill>
+                  <a:srgbClr val="800080"/>
+                </a:solidFill>
+                <a:effectLst/>
+                <a:latin typeface="Cambria" panose="02040503050406030204" pitchFamily="18" charset="0"/>
+              </a:rPr>
+              <a:t>STOCKAVAILABLE</a:t>
+            </a:r>
+            <a:r>
+              <a:rPr kumimoji="0" lang="fr-FR" altLang="fr-FR" sz="1600" b="0" i="0" u="none" strike="noStrike" cap="none" normalizeH="0" baseline="0" dirty="0" smtClean="0">
+                <a:ln>
+                  <a:noFill/>
+                </a:ln>
+                <a:solidFill>
+                  <a:schemeClr val="tx1"/>
+                </a:solidFill>
+                <a:effectLst/>
+                <a:latin typeface="Cambria" panose="02040503050406030204" pitchFamily="18" charset="0"/>
+              </a:rPr>
+              <a:t>)</a:t>
+            </a:r>
+            <a:r>
+              <a:rPr kumimoji="0" lang="fr-FR" altLang="fr-FR" sz="1600" b="0" i="0" u="none" strike="noStrike" cap="none" normalizeH="0" baseline="0" dirty="0" smtClean="0">
+                <a:ln>
+                  <a:noFill/>
+                </a:ln>
+                <a:solidFill>
+                  <a:srgbClr val="C0C0C0"/>
+                </a:solidFill>
+                <a:effectLst/>
+                <a:latin typeface="Cambria" panose="02040503050406030204" pitchFamily="18" charset="0"/>
+              </a:rPr>
+              <a:t>  </a:t>
+            </a:r>
+            <a:r>
+              <a:rPr kumimoji="0" lang="fr-FR" altLang="fr-FR" sz="1600" b="0" i="0" u="none" strike="noStrike" cap="none" normalizeH="0" baseline="0" dirty="0" smtClean="0">
+                <a:ln>
+                  <a:noFill/>
+                </a:ln>
+                <a:solidFill>
+                  <a:schemeClr val="tx1"/>
+                </a:solidFill>
+                <a:effectLst/>
+                <a:latin typeface="Cambria" panose="02040503050406030204" pitchFamily="18" charset="0"/>
+              </a:rPr>
+              <a:t>{ </a:t>
+            </a:r>
+          </a:p>
+          <a:p>
+            <a:pPr marL="0" marR="0" lvl="0" indent="0" algn="l" defTabSz="914400" rtl="0" eaLnBrk="0" fontAlgn="base" latinLnBrk="0" hangingPunct="0">
+              <a:lnSpc>
+                <a:spcPct val="100000"/>
+              </a:lnSpc>
+              <a:spcBef>
+                <a:spcPct val="0"/>
+              </a:spcBef>
+              <a:spcAft>
+                <a:spcPct val="0"/>
+              </a:spcAft>
+              <a:buClrTx/>
+              <a:buSzTx/>
+              <a:buFontTx/>
+              <a:buNone/>
+              <a:tabLst/>
+            </a:pPr>
+            <a:r>
+              <a:rPr lang="fr-FR" altLang="fr-FR" sz="1600" dirty="0">
+                <a:latin typeface="Cambria" panose="02040503050406030204" pitchFamily="18" charset="0"/>
+              </a:rPr>
+              <a:t>	</a:t>
+            </a:r>
+            <a:r>
+              <a:rPr kumimoji="0" lang="fr-FR" altLang="fr-FR" sz="1600" b="0" i="0" u="none" strike="noStrike" cap="none" normalizeH="0" baseline="0" dirty="0" err="1" smtClean="0">
+                <a:ln>
+                  <a:noFill/>
+                </a:ln>
+                <a:solidFill>
+                  <a:schemeClr val="tx1"/>
+                </a:solidFill>
+                <a:effectLst/>
+                <a:latin typeface="Cambria" panose="02040503050406030204" pitchFamily="18" charset="0"/>
+              </a:rPr>
+              <a:t>tempDD</a:t>
+            </a:r>
+            <a:r>
+              <a:rPr kumimoji="0" lang="fr-FR" altLang="fr-FR" sz="1600" b="0" i="0" u="none" strike="noStrike" cap="none" normalizeH="0" baseline="0" dirty="0" smtClean="0">
+                <a:ln>
+                  <a:noFill/>
+                </a:ln>
+                <a:solidFill>
+                  <a:srgbClr val="C0C0C0"/>
+                </a:solidFill>
+                <a:effectLst/>
+                <a:latin typeface="Cambria" panose="02040503050406030204" pitchFamily="18" charset="0"/>
+              </a:rPr>
+              <a:t> </a:t>
+            </a:r>
+            <a:r>
+              <a:rPr kumimoji="0" lang="fr-FR" altLang="fr-FR" sz="1600" b="0" i="0" u="none" strike="noStrike" cap="none" normalizeH="0" baseline="0" dirty="0" smtClean="0">
+                <a:ln>
+                  <a:noFill/>
+                </a:ln>
+                <a:solidFill>
+                  <a:schemeClr val="tx1"/>
+                </a:solidFill>
+                <a:effectLst/>
+                <a:latin typeface="Cambria" panose="02040503050406030204" pitchFamily="18" charset="0"/>
+              </a:rPr>
+              <a:t>=</a:t>
+            </a:r>
+            <a:r>
+              <a:rPr kumimoji="0" lang="fr-FR" altLang="fr-FR" sz="1600" b="0" i="0" u="none" strike="noStrike" cap="none" normalizeH="0" baseline="0" dirty="0" smtClean="0">
+                <a:ln>
+                  <a:noFill/>
+                </a:ln>
+                <a:solidFill>
+                  <a:srgbClr val="C0C0C0"/>
+                </a:solidFill>
+                <a:effectLst/>
+                <a:latin typeface="Cambria" panose="02040503050406030204" pitchFamily="18" charset="0"/>
+              </a:rPr>
+              <a:t> </a:t>
+            </a:r>
+            <a:r>
+              <a:rPr kumimoji="0" lang="fr-FR" altLang="fr-FR" sz="1600" b="0" i="0" u="none" strike="noStrike" cap="none" normalizeH="0" baseline="0" dirty="0" smtClean="0">
+                <a:ln>
+                  <a:noFill/>
+                </a:ln>
+                <a:solidFill>
+                  <a:srgbClr val="800000"/>
+                </a:solidFill>
+                <a:effectLst/>
+                <a:latin typeface="Cambria" panose="02040503050406030204" pitchFamily="18" charset="0"/>
+              </a:rPr>
+              <a:t>DD</a:t>
+            </a:r>
+            <a:r>
+              <a:rPr kumimoji="0" lang="fr-FR" altLang="fr-FR" sz="1600" b="0" i="0" u="none" strike="noStrike" cap="none" normalizeH="0" baseline="0" dirty="0" smtClean="0">
+                <a:ln>
+                  <a:noFill/>
+                </a:ln>
+                <a:solidFill>
+                  <a:srgbClr val="C0C0C0"/>
+                </a:solidFill>
+                <a:effectLst/>
+                <a:latin typeface="Cambria" panose="02040503050406030204" pitchFamily="18" charset="0"/>
+              </a:rPr>
+              <a:t> </a:t>
+            </a:r>
+            <a:r>
+              <a:rPr kumimoji="0" lang="fr-FR" altLang="fr-FR" sz="1600" b="0" i="0" u="none" strike="noStrike" cap="none" normalizeH="0" baseline="0" dirty="0" smtClean="0">
+                <a:ln>
+                  <a:noFill/>
+                </a:ln>
+                <a:solidFill>
+                  <a:schemeClr val="tx1"/>
+                </a:solidFill>
+                <a:effectLst/>
+                <a:latin typeface="Cambria" panose="02040503050406030204" pitchFamily="18" charset="0"/>
+              </a:rPr>
+              <a:t>+</a:t>
+            </a:r>
+            <a:r>
+              <a:rPr kumimoji="0" lang="fr-FR" altLang="fr-FR" sz="1600" b="0" i="0" u="none" strike="noStrike" cap="none" normalizeH="0" baseline="0" dirty="0" smtClean="0">
+                <a:ln>
+                  <a:noFill/>
+                </a:ln>
+                <a:solidFill>
+                  <a:srgbClr val="C0C0C0"/>
+                </a:solidFill>
+                <a:effectLst/>
+                <a:latin typeface="Cambria" panose="02040503050406030204" pitchFamily="18" charset="0"/>
+              </a:rPr>
+              <a:t> </a:t>
+            </a:r>
+            <a:r>
+              <a:rPr kumimoji="0" lang="fr-FR" altLang="fr-FR" sz="1600" b="0" i="0" u="none" strike="noStrike" cap="none" normalizeH="0" baseline="0" dirty="0" err="1" smtClean="0">
+                <a:ln>
+                  <a:noFill/>
+                </a:ln>
+                <a:solidFill>
+                  <a:srgbClr val="800000"/>
+                </a:solidFill>
+                <a:effectLst/>
+                <a:latin typeface="Cambria" panose="02040503050406030204" pitchFamily="18" charset="0"/>
+              </a:rPr>
+              <a:t>deltaT</a:t>
+            </a:r>
+            <a:r>
+              <a:rPr kumimoji="0" lang="fr-FR" altLang="fr-FR" sz="1600" b="0" i="0" u="none" strike="noStrike" cap="none" normalizeH="0" baseline="0" dirty="0" smtClean="0">
+                <a:ln>
+                  <a:noFill/>
+                </a:ln>
+                <a:solidFill>
+                  <a:srgbClr val="C0C0C0"/>
+                </a:solidFill>
+                <a:effectLst/>
+                <a:latin typeface="Cambria" panose="02040503050406030204" pitchFamily="18" charset="0"/>
+              </a:rPr>
+              <a:t> </a:t>
+            </a:r>
+            <a:r>
+              <a:rPr kumimoji="0" lang="fr-FR" altLang="fr-FR" sz="1600" b="0" i="0" u="none" strike="noStrike" cap="none" normalizeH="0" baseline="0" dirty="0" smtClean="0">
+                <a:ln>
+                  <a:noFill/>
+                </a:ln>
+                <a:solidFill>
+                  <a:schemeClr val="tx1"/>
+                </a:solidFill>
+                <a:effectLst/>
+                <a:latin typeface="Cambria" panose="02040503050406030204" pitchFamily="18" charset="0"/>
+              </a:rPr>
+              <a:t>+</a:t>
+            </a:r>
+            <a:r>
+              <a:rPr kumimoji="0" lang="fr-FR" altLang="fr-FR" sz="1600" b="0" i="0" u="none" strike="noStrike" cap="none" normalizeH="0" baseline="0" dirty="0" smtClean="0">
+                <a:ln>
+                  <a:noFill/>
+                </a:ln>
+                <a:solidFill>
+                  <a:srgbClr val="C0C0C0"/>
+                </a:solidFill>
+                <a:effectLst/>
+                <a:latin typeface="Cambria" panose="02040503050406030204" pitchFamily="18" charset="0"/>
+              </a:rPr>
+              <a:t> </a:t>
+            </a:r>
+            <a:r>
+              <a:rPr kumimoji="0" lang="fr-FR" altLang="fr-FR" sz="1600" b="0" i="0" u="none" strike="noStrike" cap="none" normalizeH="0" baseline="0" dirty="0" err="1" smtClean="0">
+                <a:ln>
+                  <a:noFill/>
+                </a:ln>
+                <a:solidFill>
+                  <a:srgbClr val="800000"/>
+                </a:solidFill>
+                <a:effectLst/>
+                <a:latin typeface="Cambria" panose="02040503050406030204" pitchFamily="18" charset="0"/>
+              </a:rPr>
+              <a:t>plastodelay</a:t>
+            </a:r>
+            <a:r>
+              <a:rPr kumimoji="0" lang="fr-FR" altLang="fr-FR" sz="1600" b="0" i="0" u="none" strike="noStrike" cap="none" normalizeH="0" baseline="0" dirty="0" smtClean="0">
+                <a:ln>
+                  <a:noFill/>
+                </a:ln>
+                <a:solidFill>
+                  <a:schemeClr val="tx1"/>
+                </a:solidFill>
+                <a:effectLst/>
+                <a:latin typeface="Cambria" panose="02040503050406030204" pitchFamily="18" charset="0"/>
+              </a:rPr>
+              <a:t>; </a:t>
+            </a:r>
+            <a:br>
+              <a:rPr kumimoji="0" lang="fr-FR" altLang="fr-FR" sz="1600" b="0" i="0" u="none" strike="noStrike" cap="none" normalizeH="0" baseline="0" dirty="0" smtClean="0">
+                <a:ln>
+                  <a:noFill/>
+                </a:ln>
+                <a:solidFill>
+                  <a:schemeClr val="tx1"/>
+                </a:solidFill>
+                <a:effectLst/>
+                <a:latin typeface="Cambria" panose="02040503050406030204" pitchFamily="18" charset="0"/>
+              </a:rPr>
+            </a:br>
+            <a:r>
+              <a:rPr kumimoji="0" lang="fr-FR" altLang="fr-FR" sz="1600" b="0" i="0" u="none" strike="noStrike" cap="none" normalizeH="0" baseline="0" dirty="0" smtClean="0">
+                <a:ln>
+                  <a:noFill/>
+                </a:ln>
+                <a:solidFill>
+                  <a:schemeClr val="tx1"/>
+                </a:solidFill>
+                <a:effectLst/>
+                <a:latin typeface="Cambria" panose="02040503050406030204" pitchFamily="18" charset="0"/>
+              </a:rPr>
+              <a:t>	</a:t>
+            </a:r>
+            <a:r>
+              <a:rPr kumimoji="0" lang="fr-FR" altLang="fr-FR" sz="1600" b="0" i="0" u="none" strike="noStrike" cap="none" normalizeH="0" baseline="0" dirty="0" err="1" smtClean="0">
+                <a:ln>
+                  <a:noFill/>
+                </a:ln>
+                <a:solidFill>
+                  <a:srgbClr val="800000"/>
+                </a:solidFill>
+                <a:effectLst/>
+                <a:latin typeface="Cambria" panose="02040503050406030204" pitchFamily="18" charset="0"/>
+              </a:rPr>
+              <a:t>boolCrossedPlasto</a:t>
+            </a:r>
+            <a:r>
+              <a:rPr kumimoji="0" lang="fr-FR" altLang="fr-FR" sz="1600" b="0" i="0" u="none" strike="noStrike" cap="none" normalizeH="0" baseline="0" dirty="0" smtClean="0">
+                <a:ln>
+                  <a:noFill/>
+                </a:ln>
+                <a:solidFill>
+                  <a:srgbClr val="C0C0C0"/>
+                </a:solidFill>
+                <a:effectLst/>
+                <a:latin typeface="Cambria" panose="02040503050406030204" pitchFamily="18" charset="0"/>
+              </a:rPr>
+              <a:t> </a:t>
+            </a:r>
+            <a:r>
+              <a:rPr kumimoji="0" lang="fr-FR" altLang="fr-FR" sz="1600" b="0" i="0" u="none" strike="noStrike" cap="none" normalizeH="0" baseline="0" dirty="0" smtClean="0">
+                <a:ln>
+                  <a:noFill/>
+                </a:ln>
+                <a:solidFill>
+                  <a:schemeClr val="tx1"/>
+                </a:solidFill>
+                <a:effectLst/>
+                <a:latin typeface="Cambria" panose="02040503050406030204" pitchFamily="18" charset="0"/>
+              </a:rPr>
+              <a:t>=</a:t>
+            </a:r>
+            <a:r>
+              <a:rPr kumimoji="0" lang="fr-FR" altLang="fr-FR" sz="1600" b="0" i="0" u="none" strike="noStrike" cap="none" normalizeH="0" baseline="0" dirty="0" smtClean="0">
+                <a:ln>
+                  <a:noFill/>
+                </a:ln>
+                <a:solidFill>
+                  <a:srgbClr val="C0C0C0"/>
+                </a:solidFill>
+                <a:effectLst/>
+                <a:latin typeface="Cambria" panose="02040503050406030204" pitchFamily="18" charset="0"/>
+              </a:rPr>
+              <a:t> </a:t>
+            </a:r>
+            <a:r>
+              <a:rPr kumimoji="0" lang="fr-FR" altLang="fr-FR" sz="1600" b="0" i="0" u="none" strike="noStrike" cap="none" normalizeH="0" baseline="0" dirty="0" err="1" smtClean="0">
+                <a:ln>
+                  <a:noFill/>
+                </a:ln>
+                <a:solidFill>
+                  <a:schemeClr val="tx1"/>
+                </a:solidFill>
+                <a:effectLst/>
+                <a:latin typeface="Cambria" panose="02040503050406030204" pitchFamily="18" charset="0"/>
+              </a:rPr>
+              <a:t>tempDD</a:t>
+            </a:r>
+            <a:r>
+              <a:rPr kumimoji="0" lang="fr-FR" altLang="fr-FR" sz="1600" b="0" i="0" u="none" strike="noStrike" cap="none" normalizeH="0" baseline="0" dirty="0" smtClean="0">
+                <a:ln>
+                  <a:noFill/>
+                </a:ln>
+                <a:solidFill>
+                  <a:srgbClr val="C0C0C0"/>
+                </a:solidFill>
+                <a:effectLst/>
+                <a:latin typeface="Cambria" panose="02040503050406030204" pitchFamily="18" charset="0"/>
+              </a:rPr>
+              <a:t> </a:t>
+            </a:r>
+            <a:r>
+              <a:rPr kumimoji="0" lang="fr-FR" altLang="fr-FR" sz="1600" b="0" i="0" u="none" strike="noStrike" cap="none" normalizeH="0" baseline="0" dirty="0" smtClean="0">
+                <a:ln>
+                  <a:noFill/>
+                </a:ln>
+                <a:solidFill>
+                  <a:schemeClr val="tx1"/>
+                </a:solidFill>
+                <a:effectLst/>
+                <a:latin typeface="Cambria" panose="02040503050406030204" pitchFamily="18" charset="0"/>
+              </a:rPr>
+              <a:t>-</a:t>
+            </a:r>
+            <a:r>
+              <a:rPr kumimoji="0" lang="fr-FR" altLang="fr-FR" sz="1600" b="0" i="0" u="none" strike="noStrike" cap="none" normalizeH="0" baseline="0" dirty="0" smtClean="0">
+                <a:ln>
+                  <a:noFill/>
+                </a:ln>
+                <a:solidFill>
+                  <a:srgbClr val="C0C0C0"/>
+                </a:solidFill>
+                <a:effectLst/>
+                <a:latin typeface="Cambria" panose="02040503050406030204" pitchFamily="18" charset="0"/>
+              </a:rPr>
+              <a:t> </a:t>
+            </a:r>
+            <a:r>
+              <a:rPr kumimoji="0" lang="fr-FR" altLang="fr-FR" sz="1600" b="0" i="0" u="none" strike="noStrike" cap="none" normalizeH="0" baseline="0" dirty="0" err="1" smtClean="0">
+                <a:ln>
+                  <a:noFill/>
+                </a:ln>
+                <a:solidFill>
+                  <a:srgbClr val="800000"/>
+                </a:solidFill>
+                <a:effectLst/>
+                <a:latin typeface="Cambria" panose="02040503050406030204" pitchFamily="18" charset="0"/>
+              </a:rPr>
+              <a:t>plasto</a:t>
+            </a:r>
+            <a:r>
+              <a:rPr kumimoji="0" lang="fr-FR" altLang="fr-FR" sz="1600" b="0" i="0" u="none" strike="noStrike" cap="none" normalizeH="0" baseline="0" dirty="0" smtClean="0">
+                <a:ln>
+                  <a:noFill/>
+                </a:ln>
+                <a:solidFill>
+                  <a:schemeClr val="tx1"/>
+                </a:solidFill>
+                <a:effectLst/>
+                <a:latin typeface="Cambria" panose="02040503050406030204" pitchFamily="18" charset="0"/>
+              </a:rPr>
+              <a:t>; </a:t>
+            </a:r>
+          </a:p>
+          <a:p>
+            <a:pPr lvl="0" eaLnBrk="0" fontAlgn="base" hangingPunct="0">
+              <a:spcBef>
+                <a:spcPct val="0"/>
+              </a:spcBef>
+              <a:spcAft>
+                <a:spcPct val="0"/>
+              </a:spcAft>
+            </a:pPr>
+            <a:r>
+              <a:rPr kumimoji="0" lang="fr-FR" altLang="fr-FR" sz="1600" b="0" i="0" u="none" strike="noStrike" cap="none" normalizeH="0" baseline="0" dirty="0" smtClean="0">
+                <a:ln>
+                  <a:noFill/>
+                </a:ln>
+                <a:solidFill>
+                  <a:srgbClr val="800000"/>
+                </a:solidFill>
+                <a:effectLst/>
+                <a:latin typeface="Cambria" panose="02040503050406030204" pitchFamily="18" charset="0"/>
+              </a:rPr>
+              <a:t>	</a:t>
+            </a:r>
+            <a:r>
+              <a:rPr kumimoji="0" lang="fr-FR" altLang="fr-FR" sz="1600" b="0" i="0" u="none" strike="noStrike" cap="none" normalizeH="0" baseline="0" dirty="0" err="1" smtClean="0">
+                <a:ln>
+                  <a:noFill/>
+                </a:ln>
+                <a:solidFill>
+                  <a:srgbClr val="800000"/>
+                </a:solidFill>
+                <a:effectLst/>
+                <a:latin typeface="Cambria" panose="02040503050406030204" pitchFamily="18" charset="0"/>
+              </a:rPr>
+              <a:t>plastoVisu</a:t>
+            </a:r>
+            <a:r>
+              <a:rPr kumimoji="0" lang="fr-FR" altLang="fr-FR" sz="1600" b="0" i="0" u="none" strike="noStrike" cap="none" normalizeH="0" baseline="0" dirty="0" smtClean="0">
+                <a:ln>
+                  <a:noFill/>
+                </a:ln>
+                <a:solidFill>
+                  <a:srgbClr val="C0C0C0"/>
+                </a:solidFill>
+                <a:effectLst/>
+                <a:latin typeface="Cambria" panose="02040503050406030204" pitchFamily="18" charset="0"/>
+              </a:rPr>
+              <a:t> </a:t>
+            </a:r>
+            <a:r>
+              <a:rPr kumimoji="0" lang="fr-FR" altLang="fr-FR" sz="1600" b="0" i="0" u="none" strike="noStrike" cap="none" normalizeH="0" baseline="0" dirty="0" smtClean="0">
+                <a:ln>
+                  <a:noFill/>
+                </a:ln>
+                <a:solidFill>
+                  <a:schemeClr val="tx1"/>
+                </a:solidFill>
+                <a:effectLst/>
+                <a:latin typeface="Cambria" panose="02040503050406030204" pitchFamily="18" charset="0"/>
+              </a:rPr>
+              <a:t>=</a:t>
+            </a:r>
+            <a:r>
+              <a:rPr kumimoji="0" lang="fr-FR" altLang="fr-FR" sz="1600" b="0" i="0" u="none" strike="noStrike" cap="none" normalizeH="0" baseline="0" dirty="0" smtClean="0">
+                <a:ln>
+                  <a:noFill/>
+                </a:ln>
+                <a:solidFill>
+                  <a:srgbClr val="C0C0C0"/>
+                </a:solidFill>
+                <a:effectLst/>
+                <a:latin typeface="Cambria" panose="02040503050406030204" pitchFamily="18" charset="0"/>
+              </a:rPr>
+              <a:t> </a:t>
+            </a:r>
+            <a:r>
+              <a:rPr kumimoji="0" lang="fr-FR" altLang="fr-FR" sz="1600" b="0" i="0" u="none" strike="noStrike" cap="none" normalizeH="0" baseline="0" dirty="0" err="1" smtClean="0">
+                <a:ln>
+                  <a:noFill/>
+                </a:ln>
+                <a:solidFill>
+                  <a:srgbClr val="800000"/>
+                </a:solidFill>
+                <a:effectLst/>
+                <a:latin typeface="Cambria" panose="02040503050406030204" pitchFamily="18" charset="0"/>
+              </a:rPr>
+              <a:t>plastoVisu</a:t>
+            </a:r>
+            <a:r>
+              <a:rPr kumimoji="0" lang="fr-FR" altLang="fr-FR" sz="1600" b="0" i="0" u="none" strike="noStrike" cap="none" normalizeH="0" baseline="0" dirty="0" smtClean="0">
+                <a:ln>
+                  <a:noFill/>
+                </a:ln>
+                <a:solidFill>
+                  <a:srgbClr val="C0C0C0"/>
+                </a:solidFill>
+                <a:effectLst/>
+                <a:latin typeface="Cambria" panose="02040503050406030204" pitchFamily="18" charset="0"/>
+              </a:rPr>
+              <a:t> </a:t>
+            </a:r>
+            <a:r>
+              <a:rPr kumimoji="0" lang="fr-FR" altLang="fr-FR" sz="1600" b="0" i="0" u="none" strike="noStrike" cap="none" normalizeH="0" baseline="0" dirty="0" smtClean="0">
+                <a:ln>
+                  <a:noFill/>
+                </a:ln>
+                <a:solidFill>
+                  <a:schemeClr val="tx1"/>
+                </a:solidFill>
+                <a:effectLst/>
+                <a:latin typeface="Cambria" panose="02040503050406030204" pitchFamily="18" charset="0"/>
+              </a:rPr>
+              <a:t>-</a:t>
+            </a:r>
+            <a:r>
+              <a:rPr kumimoji="0" lang="fr-FR" altLang="fr-FR" sz="1600" b="0" i="0" u="none" strike="noStrike" cap="none" normalizeH="0" baseline="0" dirty="0" smtClean="0">
+                <a:ln>
+                  <a:noFill/>
+                </a:ln>
+                <a:solidFill>
+                  <a:srgbClr val="C0C0C0"/>
+                </a:solidFill>
+                <a:effectLst/>
+                <a:latin typeface="Cambria" panose="02040503050406030204" pitchFamily="18" charset="0"/>
+              </a:rPr>
+              <a:t> </a:t>
+            </a:r>
+            <a:r>
+              <a:rPr kumimoji="0" lang="fr-FR" altLang="fr-FR" sz="1600" b="0" i="0" u="none" strike="noStrike" cap="none" normalizeH="0" baseline="0" dirty="0" err="1" smtClean="0">
+                <a:ln>
+                  <a:noFill/>
+                </a:ln>
+                <a:solidFill>
+                  <a:srgbClr val="800000"/>
+                </a:solidFill>
+                <a:effectLst/>
+                <a:latin typeface="Cambria" panose="02040503050406030204" pitchFamily="18" charset="0"/>
+              </a:rPr>
+              <a:t>plastodelay</a:t>
+            </a:r>
+            <a:r>
+              <a:rPr kumimoji="0" lang="fr-FR" altLang="fr-FR" sz="1600" b="0" i="0" u="none" strike="noStrike" cap="none" normalizeH="0" baseline="0" dirty="0" smtClean="0">
+                <a:ln>
+                  <a:noFill/>
+                </a:ln>
+                <a:solidFill>
+                  <a:schemeClr val="tx1"/>
+                </a:solidFill>
+                <a:effectLst/>
+                <a:latin typeface="Cambria" panose="02040503050406030204" pitchFamily="18" charset="0"/>
+              </a:rPr>
+              <a:t>;</a:t>
+            </a:r>
+          </a:p>
+          <a:p>
+            <a:pPr lvl="0" eaLnBrk="0" fontAlgn="base" hangingPunct="0">
+              <a:spcBef>
+                <a:spcPct val="0"/>
+              </a:spcBef>
+              <a:spcAft>
+                <a:spcPct val="0"/>
+              </a:spcAft>
+            </a:pPr>
+            <a:r>
+              <a:rPr kumimoji="0" lang="fr-FR" altLang="fr-FR" sz="1600" b="0" i="0" u="none" strike="noStrike" cap="none" normalizeH="0" baseline="0" dirty="0" smtClean="0">
+                <a:ln>
+                  <a:noFill/>
+                </a:ln>
+                <a:solidFill>
+                  <a:srgbClr val="800000"/>
+                </a:solidFill>
+                <a:effectLst/>
+                <a:latin typeface="Cambria" panose="02040503050406030204" pitchFamily="18" charset="0"/>
+              </a:rPr>
+              <a:t>	</a:t>
+            </a:r>
+            <a:r>
+              <a:rPr kumimoji="0" lang="fr-FR" altLang="fr-FR" sz="1600" b="0" i="0" u="none" strike="noStrike" cap="none" normalizeH="0" baseline="0" dirty="0" err="1" smtClean="0">
+                <a:ln>
+                  <a:noFill/>
+                </a:ln>
+                <a:solidFill>
+                  <a:srgbClr val="800000"/>
+                </a:solidFill>
+                <a:effectLst/>
+                <a:latin typeface="Cambria" panose="02040503050406030204" pitchFamily="18" charset="0"/>
+              </a:rPr>
+              <a:t>liguloVisu</a:t>
+            </a:r>
+            <a:r>
+              <a:rPr kumimoji="0" lang="fr-FR" altLang="fr-FR" sz="1600" b="0" i="0" u="none" strike="noStrike" cap="none" normalizeH="0" baseline="0" dirty="0" smtClean="0">
+                <a:ln>
+                  <a:noFill/>
+                </a:ln>
+                <a:solidFill>
+                  <a:srgbClr val="C0C0C0"/>
+                </a:solidFill>
+                <a:effectLst/>
+                <a:latin typeface="Cambria" panose="02040503050406030204" pitchFamily="18" charset="0"/>
+              </a:rPr>
+              <a:t> </a:t>
+            </a:r>
+            <a:r>
+              <a:rPr kumimoji="0" lang="fr-FR" altLang="fr-FR" sz="1600" b="0" i="0" u="none" strike="noStrike" cap="none" normalizeH="0" baseline="0" dirty="0" smtClean="0">
+                <a:ln>
+                  <a:noFill/>
+                </a:ln>
+                <a:solidFill>
+                  <a:schemeClr val="tx1"/>
+                </a:solidFill>
+                <a:effectLst/>
+                <a:latin typeface="Cambria" panose="02040503050406030204" pitchFamily="18" charset="0"/>
+              </a:rPr>
+              <a:t>=</a:t>
+            </a:r>
+            <a:r>
+              <a:rPr kumimoji="0" lang="fr-FR" altLang="fr-FR" sz="1600" b="0" i="0" u="none" strike="noStrike" cap="none" normalizeH="0" baseline="0" dirty="0" smtClean="0">
+                <a:ln>
+                  <a:noFill/>
+                </a:ln>
+                <a:solidFill>
+                  <a:srgbClr val="C0C0C0"/>
+                </a:solidFill>
+                <a:effectLst/>
+                <a:latin typeface="Cambria" panose="02040503050406030204" pitchFamily="18" charset="0"/>
+              </a:rPr>
+              <a:t> </a:t>
+            </a:r>
+            <a:r>
+              <a:rPr kumimoji="0" lang="fr-FR" altLang="fr-FR" sz="1600" b="0" i="0" u="none" strike="noStrike" cap="none" normalizeH="0" baseline="0" dirty="0" err="1" smtClean="0">
+                <a:ln>
+                  <a:noFill/>
+                </a:ln>
+                <a:solidFill>
+                  <a:srgbClr val="800000"/>
+                </a:solidFill>
+                <a:effectLst/>
+                <a:latin typeface="Cambria" panose="02040503050406030204" pitchFamily="18" charset="0"/>
+              </a:rPr>
+              <a:t>liguloVisu</a:t>
+            </a:r>
+            <a:r>
+              <a:rPr kumimoji="0" lang="fr-FR" altLang="fr-FR" sz="1600" b="0" i="0" u="none" strike="noStrike" cap="none" normalizeH="0" baseline="0" dirty="0" smtClean="0">
+                <a:ln>
+                  <a:noFill/>
+                </a:ln>
+                <a:solidFill>
+                  <a:srgbClr val="C0C0C0"/>
+                </a:solidFill>
+                <a:effectLst/>
+                <a:latin typeface="Cambria" panose="02040503050406030204" pitchFamily="18" charset="0"/>
+              </a:rPr>
+              <a:t> </a:t>
+            </a:r>
+            <a:r>
+              <a:rPr kumimoji="0" lang="fr-FR" altLang="fr-FR" sz="1600" b="0" i="0" u="none" strike="noStrike" cap="none" normalizeH="0" baseline="0" dirty="0" smtClean="0">
+                <a:ln>
+                  <a:noFill/>
+                </a:ln>
+                <a:solidFill>
+                  <a:schemeClr val="tx1"/>
+                </a:solidFill>
+                <a:effectLst/>
+                <a:latin typeface="Cambria" panose="02040503050406030204" pitchFamily="18" charset="0"/>
+              </a:rPr>
+              <a:t>-</a:t>
+            </a:r>
+            <a:r>
+              <a:rPr kumimoji="0" lang="fr-FR" altLang="fr-FR" sz="1600" b="0" i="0" u="none" strike="noStrike" cap="none" normalizeH="0" baseline="0" dirty="0" smtClean="0">
+                <a:ln>
+                  <a:noFill/>
+                </a:ln>
+                <a:solidFill>
+                  <a:srgbClr val="C0C0C0"/>
+                </a:solidFill>
+                <a:effectLst/>
+                <a:latin typeface="Cambria" panose="02040503050406030204" pitchFamily="18" charset="0"/>
+              </a:rPr>
+              <a:t> </a:t>
+            </a:r>
+            <a:r>
+              <a:rPr kumimoji="0" lang="fr-FR" altLang="fr-FR" sz="1600" b="0" i="0" u="none" strike="noStrike" cap="none" normalizeH="0" baseline="0" dirty="0" err="1" smtClean="0">
+                <a:ln>
+                  <a:noFill/>
+                </a:ln>
+                <a:solidFill>
+                  <a:srgbClr val="800000"/>
+                </a:solidFill>
+                <a:effectLst/>
+                <a:latin typeface="Cambria" panose="02040503050406030204" pitchFamily="18" charset="0"/>
+              </a:rPr>
+              <a:t>plastodelay</a:t>
+            </a:r>
+            <a:r>
+              <a:rPr kumimoji="0" lang="fr-FR" altLang="fr-FR" sz="1600" b="0" i="0" u="none" strike="noStrike" cap="none" normalizeH="0" baseline="0" dirty="0" smtClean="0">
+                <a:ln>
+                  <a:noFill/>
+                </a:ln>
+                <a:solidFill>
+                  <a:schemeClr val="tx1"/>
+                </a:solidFill>
+                <a:effectLst/>
+                <a:latin typeface="Cambria" panose="02040503050406030204" pitchFamily="18" charset="0"/>
+              </a:rPr>
+              <a:t>;</a:t>
+            </a:r>
+            <a:br>
+              <a:rPr kumimoji="0" lang="fr-FR" altLang="fr-FR" sz="1600" b="0" i="0" u="none" strike="noStrike" cap="none" normalizeH="0" baseline="0" dirty="0" smtClean="0">
+                <a:ln>
+                  <a:noFill/>
+                </a:ln>
+                <a:solidFill>
+                  <a:schemeClr val="tx1"/>
+                </a:solidFill>
+                <a:effectLst/>
+                <a:latin typeface="Cambria" panose="02040503050406030204" pitchFamily="18" charset="0"/>
+              </a:rPr>
+            </a:br>
+            <a:endParaRPr kumimoji="0" lang="fr-FR" altLang="fr-FR" sz="1600" b="0" i="0" u="none" strike="noStrike" cap="none" normalizeH="0" baseline="0" dirty="0" smtClean="0">
+              <a:ln>
+                <a:noFill/>
+              </a:ln>
+              <a:solidFill>
+                <a:schemeClr val="tx1"/>
+              </a:solidFill>
+              <a:effectLst/>
+              <a:latin typeface="Cambria" panose="02040503050406030204" pitchFamily="18" charset="0"/>
+            </a:endParaRPr>
+          </a:p>
+          <a:p>
+            <a:pPr lvl="0" eaLnBrk="0" fontAlgn="base" hangingPunct="0">
+              <a:spcBef>
+                <a:spcPct val="0"/>
+              </a:spcBef>
+              <a:spcAft>
+                <a:spcPct val="0"/>
+              </a:spcAft>
+            </a:pPr>
+            <a:r>
+              <a:rPr lang="fr-FR" altLang="fr-FR" sz="1600" dirty="0">
+                <a:latin typeface="Cambria" panose="02040503050406030204" pitchFamily="18" charset="0"/>
+              </a:rPr>
+              <a:t>	</a:t>
+            </a:r>
+            <a:r>
+              <a:rPr kumimoji="0" lang="fr-FR" altLang="fr-FR" sz="1600" b="0" i="0" u="none" strike="noStrike" cap="none" normalizeH="0" baseline="0" dirty="0" smtClean="0">
+                <a:ln>
+                  <a:noFill/>
+                </a:ln>
+                <a:solidFill>
+                  <a:srgbClr val="808000"/>
+                </a:solidFill>
+                <a:effectLst/>
+                <a:latin typeface="Cambria" panose="02040503050406030204" pitchFamily="18" charset="0"/>
+              </a:rPr>
+              <a:t> if</a:t>
+            </a:r>
+            <a:r>
+              <a:rPr kumimoji="0" lang="fr-FR" altLang="fr-FR" sz="1600" b="0" i="0" u="none" strike="noStrike" cap="none" normalizeH="0" baseline="0" dirty="0" smtClean="0">
+                <a:ln>
+                  <a:noFill/>
+                </a:ln>
+                <a:solidFill>
+                  <a:srgbClr val="C0C0C0"/>
+                </a:solidFill>
+                <a:effectLst/>
+                <a:latin typeface="Cambria" panose="02040503050406030204" pitchFamily="18" charset="0"/>
+              </a:rPr>
+              <a:t> </a:t>
+            </a:r>
+            <a:r>
+              <a:rPr kumimoji="0" lang="fr-FR" altLang="fr-FR" sz="1600" b="0" i="0" u="none" strike="noStrike" cap="none" normalizeH="0" baseline="0" dirty="0" smtClean="0">
+                <a:ln>
+                  <a:noFill/>
+                </a:ln>
+                <a:solidFill>
+                  <a:schemeClr val="tx1"/>
+                </a:solidFill>
+                <a:effectLst/>
+                <a:latin typeface="Cambria" panose="02040503050406030204" pitchFamily="18" charset="0"/>
+              </a:rPr>
+              <a:t>(</a:t>
+            </a:r>
+            <a:r>
+              <a:rPr kumimoji="0" lang="fr-FR" altLang="fr-FR" sz="1600" b="0" i="0" u="none" strike="noStrike" cap="none" normalizeH="0" baseline="0" dirty="0" err="1" smtClean="0">
+                <a:ln>
+                  <a:noFill/>
+                </a:ln>
+                <a:solidFill>
+                  <a:srgbClr val="800000"/>
+                </a:solidFill>
+                <a:effectLst/>
+                <a:latin typeface="Cambria" panose="02040503050406030204" pitchFamily="18" charset="0"/>
+              </a:rPr>
+              <a:t>boolCrossedPlasto</a:t>
+            </a:r>
+            <a:r>
+              <a:rPr kumimoji="0" lang="fr-FR" altLang="fr-FR" sz="1600" b="0" i="0" u="none" strike="noStrike" cap="none" normalizeH="0" baseline="0" dirty="0" smtClean="0">
+                <a:ln>
+                  <a:noFill/>
+                </a:ln>
+                <a:solidFill>
+                  <a:srgbClr val="C0C0C0"/>
+                </a:solidFill>
+                <a:effectLst/>
+                <a:latin typeface="Cambria" panose="02040503050406030204" pitchFamily="18" charset="0"/>
+              </a:rPr>
+              <a:t> </a:t>
+            </a:r>
+            <a:r>
+              <a:rPr kumimoji="0" lang="fr-FR" altLang="fr-FR" sz="1600" b="0" i="0" u="none" strike="noStrike" cap="none" normalizeH="0" baseline="0" dirty="0" smtClean="0">
+                <a:ln>
+                  <a:noFill/>
+                </a:ln>
+                <a:solidFill>
+                  <a:schemeClr val="tx1"/>
+                </a:solidFill>
+                <a:effectLst/>
+                <a:latin typeface="Cambria" panose="02040503050406030204" pitchFamily="18" charset="0"/>
+              </a:rPr>
+              <a:t>&gt;=</a:t>
+            </a:r>
+            <a:r>
+              <a:rPr kumimoji="0" lang="fr-FR" altLang="fr-FR" sz="1600" b="0" i="0" u="none" strike="noStrike" cap="none" normalizeH="0" baseline="0" dirty="0" smtClean="0">
+                <a:ln>
+                  <a:noFill/>
+                </a:ln>
+                <a:solidFill>
+                  <a:srgbClr val="C0C0C0"/>
+                </a:solidFill>
+                <a:effectLst/>
+                <a:latin typeface="Cambria" panose="02040503050406030204" pitchFamily="18" charset="0"/>
+              </a:rPr>
+              <a:t> </a:t>
+            </a:r>
+            <a:r>
+              <a:rPr kumimoji="0" lang="fr-FR" altLang="fr-FR" sz="1600" b="0" i="0" u="none" strike="noStrike" cap="none" normalizeH="0" baseline="0" dirty="0" smtClean="0">
+                <a:ln>
+                  <a:noFill/>
+                </a:ln>
+                <a:solidFill>
+                  <a:srgbClr val="000080"/>
+                </a:solidFill>
+                <a:effectLst/>
+                <a:latin typeface="Cambria" panose="02040503050406030204" pitchFamily="18" charset="0"/>
+              </a:rPr>
+              <a:t>0</a:t>
+            </a:r>
+            <a:r>
+              <a:rPr kumimoji="0" lang="fr-FR" altLang="fr-FR" sz="1600" b="0" i="0" u="none" strike="noStrike" cap="none" normalizeH="0" baseline="0" dirty="0" smtClean="0">
+                <a:ln>
+                  <a:noFill/>
+                </a:ln>
+                <a:solidFill>
+                  <a:schemeClr val="tx1"/>
+                </a:solidFill>
+                <a:effectLst/>
+                <a:latin typeface="Cambria" panose="02040503050406030204" pitchFamily="18" charset="0"/>
+              </a:rPr>
+              <a:t>)</a:t>
+            </a:r>
+            <a:r>
+              <a:rPr kumimoji="0" lang="fr-FR" altLang="fr-FR" sz="1600" b="0" i="0" u="none" strike="noStrike" cap="none" normalizeH="0" baseline="0" dirty="0" smtClean="0">
+                <a:ln>
+                  <a:noFill/>
+                </a:ln>
+                <a:solidFill>
+                  <a:srgbClr val="C0C0C0"/>
+                </a:solidFill>
+                <a:effectLst/>
+                <a:latin typeface="Cambria" panose="02040503050406030204" pitchFamily="18" charset="0"/>
+              </a:rPr>
+              <a:t> </a:t>
+            </a:r>
+            <a:r>
+              <a:rPr kumimoji="0" lang="fr-FR" altLang="fr-FR" sz="1600" b="0" i="0" u="none" strike="noStrike" cap="none" normalizeH="0" baseline="0" dirty="0" smtClean="0">
+                <a:ln>
+                  <a:noFill/>
+                </a:ln>
+                <a:effectLst/>
+                <a:latin typeface="Cambria" panose="02040503050406030204" pitchFamily="18" charset="0"/>
+              </a:rPr>
+              <a:t> {</a:t>
+            </a:r>
+          </a:p>
+          <a:p>
+            <a:pPr lvl="0" eaLnBrk="0" fontAlgn="base" hangingPunct="0">
+              <a:spcBef>
+                <a:spcPct val="0"/>
+              </a:spcBef>
+              <a:spcAft>
+                <a:spcPct val="0"/>
+              </a:spcAft>
+            </a:pPr>
+            <a:r>
+              <a:rPr lang="fr-FR" altLang="fr-FR" sz="1600" dirty="0">
+                <a:solidFill>
+                  <a:srgbClr val="C0C0C0"/>
+                </a:solidFill>
+                <a:latin typeface="Cambria" panose="02040503050406030204" pitchFamily="18" charset="0"/>
+              </a:rPr>
+              <a:t>	</a:t>
+            </a:r>
+            <a:r>
+              <a:rPr lang="fr-FR" altLang="fr-FR" sz="1600" dirty="0" smtClean="0">
+                <a:solidFill>
+                  <a:srgbClr val="C0C0C0"/>
+                </a:solidFill>
+                <a:latin typeface="Cambria" panose="02040503050406030204" pitchFamily="18" charset="0"/>
+              </a:rPr>
+              <a:t>	</a:t>
+            </a:r>
+            <a:r>
+              <a:rPr kumimoji="0" lang="fr-FR" altLang="fr-FR" sz="1600" b="0" i="0" u="none" strike="noStrike" cap="none" normalizeH="0" baseline="0" dirty="0" smtClean="0">
+                <a:ln>
+                  <a:noFill/>
+                </a:ln>
+                <a:solidFill>
+                  <a:srgbClr val="800000"/>
+                </a:solidFill>
+                <a:effectLst/>
+                <a:latin typeface="Cambria" panose="02040503050406030204" pitchFamily="18" charset="0"/>
+              </a:rPr>
+              <a:t>EDD</a:t>
+            </a:r>
+            <a:r>
+              <a:rPr kumimoji="0" lang="fr-FR" altLang="fr-FR" sz="1600" b="0" i="0" u="none" strike="noStrike" cap="none" normalizeH="0" baseline="0" dirty="0" smtClean="0">
+                <a:ln>
+                  <a:noFill/>
+                </a:ln>
+                <a:solidFill>
+                  <a:srgbClr val="C0C0C0"/>
+                </a:solidFill>
+                <a:effectLst/>
+                <a:latin typeface="Cambria" panose="02040503050406030204" pitchFamily="18" charset="0"/>
+              </a:rPr>
+              <a:t> </a:t>
+            </a:r>
+            <a:r>
+              <a:rPr kumimoji="0" lang="fr-FR" altLang="fr-FR" sz="1600" b="0" i="0" u="none" strike="noStrike" cap="none" normalizeH="0" baseline="0" dirty="0" smtClean="0">
+                <a:ln>
+                  <a:noFill/>
+                </a:ln>
+                <a:solidFill>
+                  <a:schemeClr val="tx1"/>
+                </a:solidFill>
+                <a:effectLst/>
+                <a:latin typeface="Cambria" panose="02040503050406030204" pitchFamily="18" charset="0"/>
+              </a:rPr>
+              <a:t>=</a:t>
+            </a:r>
+            <a:r>
+              <a:rPr kumimoji="0" lang="fr-FR" altLang="fr-FR" sz="1600" b="0" i="0" u="none" strike="noStrike" cap="none" normalizeH="0" baseline="0" dirty="0" smtClean="0">
+                <a:ln>
+                  <a:noFill/>
+                </a:ln>
+                <a:solidFill>
+                  <a:srgbClr val="C0C0C0"/>
+                </a:solidFill>
+                <a:effectLst/>
+                <a:latin typeface="Cambria" panose="02040503050406030204" pitchFamily="18" charset="0"/>
+              </a:rPr>
+              <a:t> </a:t>
+            </a:r>
+            <a:r>
+              <a:rPr kumimoji="0" lang="fr-FR" altLang="fr-FR" sz="1600" b="0" i="0" u="none" strike="noStrike" cap="none" normalizeH="0" baseline="0" dirty="0" err="1" smtClean="0">
+                <a:ln>
+                  <a:noFill/>
+                </a:ln>
+                <a:solidFill>
+                  <a:srgbClr val="800000"/>
+                </a:solidFill>
+                <a:effectLst/>
+                <a:latin typeface="Cambria" panose="02040503050406030204" pitchFamily="18" charset="0"/>
+              </a:rPr>
+              <a:t>plasto</a:t>
+            </a:r>
+            <a:r>
+              <a:rPr kumimoji="0" lang="fr-FR" altLang="fr-FR" sz="1600" b="0" i="0" u="none" strike="noStrike" cap="none" normalizeH="0" baseline="0" dirty="0" smtClean="0">
+                <a:ln>
+                  <a:noFill/>
+                </a:ln>
+                <a:solidFill>
+                  <a:srgbClr val="C0C0C0"/>
+                </a:solidFill>
+                <a:effectLst/>
+                <a:latin typeface="Cambria" panose="02040503050406030204" pitchFamily="18" charset="0"/>
+              </a:rPr>
+              <a:t> </a:t>
+            </a:r>
+            <a:r>
+              <a:rPr kumimoji="0" lang="fr-FR" altLang="fr-FR" sz="1600" b="0" i="0" u="none" strike="noStrike" cap="none" normalizeH="0" baseline="0" dirty="0" smtClean="0">
+                <a:ln>
+                  <a:noFill/>
+                </a:ln>
+                <a:solidFill>
+                  <a:schemeClr val="tx1"/>
+                </a:solidFill>
+                <a:effectLst/>
+                <a:latin typeface="Cambria" panose="02040503050406030204" pitchFamily="18" charset="0"/>
+              </a:rPr>
+              <a:t>-</a:t>
+            </a:r>
+            <a:r>
+              <a:rPr kumimoji="0" lang="fr-FR" altLang="fr-FR" sz="1600" b="0" i="0" u="none" strike="noStrike" cap="none" normalizeH="0" baseline="0" dirty="0" smtClean="0">
+                <a:ln>
+                  <a:noFill/>
+                </a:ln>
+                <a:solidFill>
+                  <a:srgbClr val="C0C0C0"/>
+                </a:solidFill>
+                <a:effectLst/>
+                <a:latin typeface="Cambria" panose="02040503050406030204" pitchFamily="18" charset="0"/>
+              </a:rPr>
+              <a:t> </a:t>
+            </a:r>
+            <a:r>
+              <a:rPr kumimoji="0" lang="fr-FR" altLang="fr-FR" sz="1600" b="0" i="0" u="none" strike="noStrike" cap="none" normalizeH="0" baseline="0" dirty="0" smtClean="0">
+                <a:ln>
+                  <a:noFill/>
+                </a:ln>
+                <a:solidFill>
+                  <a:srgbClr val="800000"/>
+                </a:solidFill>
+                <a:effectLst/>
+                <a:latin typeface="Cambria" panose="02040503050406030204" pitchFamily="18" charset="0"/>
+              </a:rPr>
+              <a:t>DD</a:t>
+            </a:r>
+            <a:r>
+              <a:rPr kumimoji="0" lang="fr-FR" altLang="fr-FR" sz="1600" b="0" i="0" u="none" strike="noStrike" cap="none" normalizeH="0" baseline="0" dirty="0" smtClean="0">
+                <a:ln>
+                  <a:noFill/>
+                </a:ln>
+                <a:solidFill>
+                  <a:schemeClr val="tx1"/>
+                </a:solidFill>
+                <a:effectLst/>
+                <a:latin typeface="Cambria" panose="02040503050406030204" pitchFamily="18" charset="0"/>
+              </a:rPr>
+              <a:t>; </a:t>
+            </a:r>
+          </a:p>
+          <a:p>
+            <a:pPr eaLnBrk="0" fontAlgn="base" hangingPunct="0">
+              <a:spcBef>
+                <a:spcPct val="0"/>
+              </a:spcBef>
+              <a:spcAft>
+                <a:spcPct val="0"/>
+              </a:spcAft>
+            </a:pPr>
+            <a:r>
+              <a:rPr kumimoji="0" lang="fr-FR" altLang="fr-FR" sz="1600" b="0" i="0" u="none" strike="noStrike" cap="none" normalizeH="0" baseline="0" dirty="0" smtClean="0">
+                <a:ln>
+                  <a:noFill/>
+                </a:ln>
+                <a:solidFill>
+                  <a:srgbClr val="800000"/>
+                </a:solidFill>
+                <a:effectLst/>
+                <a:latin typeface="Cambria" panose="02040503050406030204" pitchFamily="18" charset="0"/>
+              </a:rPr>
+              <a:t>		DD</a:t>
+            </a:r>
+            <a:r>
+              <a:rPr kumimoji="0" lang="fr-FR" altLang="fr-FR" sz="1600" b="0" i="0" u="none" strike="noStrike" cap="none" normalizeH="0" baseline="0" dirty="0" smtClean="0">
+                <a:ln>
+                  <a:noFill/>
+                </a:ln>
+                <a:solidFill>
+                  <a:srgbClr val="C0C0C0"/>
+                </a:solidFill>
+                <a:effectLst/>
+                <a:latin typeface="Cambria" panose="02040503050406030204" pitchFamily="18" charset="0"/>
+              </a:rPr>
+              <a:t> </a:t>
+            </a:r>
+            <a:r>
+              <a:rPr kumimoji="0" lang="fr-FR" altLang="fr-FR" sz="1600" b="0" i="0" u="none" strike="noStrike" cap="none" normalizeH="0" baseline="0" dirty="0" smtClean="0">
+                <a:ln>
+                  <a:noFill/>
+                </a:ln>
+                <a:solidFill>
+                  <a:schemeClr val="tx1"/>
+                </a:solidFill>
+                <a:effectLst/>
+                <a:latin typeface="Cambria" panose="02040503050406030204" pitchFamily="18" charset="0"/>
+              </a:rPr>
+              <a:t>=</a:t>
+            </a:r>
+            <a:r>
+              <a:rPr kumimoji="0" lang="fr-FR" altLang="fr-FR" sz="1600" b="0" i="0" u="none" strike="noStrike" cap="none" normalizeH="0" baseline="0" dirty="0" smtClean="0">
+                <a:ln>
+                  <a:noFill/>
+                </a:ln>
+                <a:solidFill>
+                  <a:srgbClr val="C0C0C0"/>
+                </a:solidFill>
+                <a:effectLst/>
+                <a:latin typeface="Cambria" panose="02040503050406030204" pitchFamily="18" charset="0"/>
+              </a:rPr>
+              <a:t> </a:t>
+            </a:r>
+            <a:r>
+              <a:rPr kumimoji="0" lang="fr-FR" altLang="fr-FR" sz="1600" b="0" i="0" u="none" strike="noStrike" cap="none" normalizeH="0" baseline="0" dirty="0" err="1" smtClean="0">
+                <a:ln>
+                  <a:noFill/>
+                </a:ln>
+                <a:solidFill>
+                  <a:schemeClr val="tx1"/>
+                </a:solidFill>
+                <a:effectLst/>
+                <a:latin typeface="Cambria" panose="02040503050406030204" pitchFamily="18" charset="0"/>
+              </a:rPr>
+              <a:t>tempDD</a:t>
+            </a:r>
+            <a:r>
+              <a:rPr kumimoji="0" lang="fr-FR" altLang="fr-FR" sz="1600" b="0" i="0" u="none" strike="noStrike" cap="none" normalizeH="0" baseline="0" dirty="0" smtClean="0">
+                <a:ln>
+                  <a:noFill/>
+                </a:ln>
+                <a:solidFill>
+                  <a:srgbClr val="C0C0C0"/>
+                </a:solidFill>
+                <a:effectLst/>
+                <a:latin typeface="Cambria" panose="02040503050406030204" pitchFamily="18" charset="0"/>
+              </a:rPr>
+              <a:t> </a:t>
+            </a:r>
+            <a:r>
+              <a:rPr kumimoji="0" lang="fr-FR" altLang="fr-FR" sz="1600" b="0" i="0" u="none" strike="noStrike" cap="none" normalizeH="0" baseline="0" dirty="0" smtClean="0">
+                <a:ln>
+                  <a:noFill/>
+                </a:ln>
+                <a:solidFill>
+                  <a:schemeClr val="tx1"/>
+                </a:solidFill>
+                <a:effectLst/>
+                <a:latin typeface="Cambria" panose="02040503050406030204" pitchFamily="18" charset="0"/>
+              </a:rPr>
+              <a:t>-</a:t>
+            </a:r>
+            <a:r>
+              <a:rPr kumimoji="0" lang="fr-FR" altLang="fr-FR" sz="1600" b="0" i="0" u="none" strike="noStrike" cap="none" normalizeH="0" baseline="0" dirty="0" smtClean="0">
+                <a:ln>
+                  <a:noFill/>
+                </a:ln>
+                <a:solidFill>
+                  <a:srgbClr val="C0C0C0"/>
+                </a:solidFill>
+                <a:effectLst/>
+                <a:latin typeface="Cambria" panose="02040503050406030204" pitchFamily="18" charset="0"/>
+              </a:rPr>
+              <a:t> </a:t>
+            </a:r>
+            <a:r>
+              <a:rPr kumimoji="0" lang="fr-FR" altLang="fr-FR" sz="1600" b="0" i="0" u="none" strike="noStrike" cap="none" normalizeH="0" baseline="0" dirty="0" err="1" smtClean="0">
+                <a:ln>
+                  <a:noFill/>
+                </a:ln>
+                <a:solidFill>
+                  <a:srgbClr val="800000"/>
+                </a:solidFill>
+                <a:effectLst/>
+                <a:latin typeface="Cambria" panose="02040503050406030204" pitchFamily="18" charset="0"/>
+              </a:rPr>
+              <a:t>plasto</a:t>
+            </a:r>
+            <a:r>
+              <a:rPr kumimoji="0" lang="fr-FR" altLang="fr-FR" sz="1600" b="0" i="0" u="none" strike="noStrike" cap="none" normalizeH="0" baseline="0" dirty="0" smtClean="0">
+                <a:ln>
+                  <a:noFill/>
+                </a:ln>
+                <a:solidFill>
+                  <a:schemeClr val="tx1"/>
+                </a:solidFill>
+                <a:effectLst/>
+                <a:latin typeface="Cambria" panose="02040503050406030204" pitchFamily="18" charset="0"/>
+              </a:rPr>
+              <a:t>; </a:t>
+            </a:r>
+          </a:p>
+          <a:p>
+            <a:pPr eaLnBrk="0" fontAlgn="base" hangingPunct="0">
+              <a:spcBef>
+                <a:spcPct val="0"/>
+              </a:spcBef>
+              <a:spcAft>
+                <a:spcPct val="0"/>
+              </a:spcAft>
+            </a:pPr>
+            <a:r>
+              <a:rPr lang="fr-FR" altLang="fr-FR" sz="1600" dirty="0">
+                <a:latin typeface="Cambria" panose="02040503050406030204" pitchFamily="18" charset="0"/>
+              </a:rPr>
+              <a:t>	</a:t>
+            </a:r>
+            <a:r>
+              <a:rPr lang="fr-FR" altLang="fr-FR" sz="1600" dirty="0" smtClean="0">
+                <a:latin typeface="Cambria" panose="02040503050406030204" pitchFamily="18" charset="0"/>
+              </a:rPr>
+              <a:t>	</a:t>
+            </a:r>
+            <a:r>
+              <a:rPr kumimoji="0" lang="fr-FR" altLang="fr-FR" sz="1600" b="0" i="0" u="none" strike="noStrike" cap="none" normalizeH="0" baseline="0" dirty="0" err="1" smtClean="0">
+                <a:ln>
+                  <a:noFill/>
+                </a:ln>
+                <a:solidFill>
+                  <a:srgbClr val="800000"/>
+                </a:solidFill>
+                <a:effectLst/>
+                <a:latin typeface="Cambria" panose="02040503050406030204" pitchFamily="18" charset="0"/>
+              </a:rPr>
+              <a:t>phenoStage</a:t>
+            </a:r>
+            <a:r>
+              <a:rPr kumimoji="0" lang="fr-FR" altLang="fr-FR" sz="1600" b="0" i="0" u="none" strike="noStrike" cap="none" normalizeH="0" baseline="0" dirty="0" smtClean="0">
+                <a:ln>
+                  <a:noFill/>
+                </a:ln>
+                <a:solidFill>
+                  <a:srgbClr val="C0C0C0"/>
+                </a:solidFill>
+                <a:effectLst/>
+                <a:latin typeface="Cambria" panose="02040503050406030204" pitchFamily="18" charset="0"/>
+              </a:rPr>
+              <a:t> </a:t>
+            </a:r>
+            <a:r>
+              <a:rPr kumimoji="0" lang="fr-FR" altLang="fr-FR" sz="1600" b="0" i="0" u="none" strike="noStrike" cap="none" normalizeH="0" baseline="0" dirty="0" smtClean="0">
+                <a:ln>
+                  <a:noFill/>
+                </a:ln>
+                <a:solidFill>
+                  <a:schemeClr val="tx1"/>
+                </a:solidFill>
+                <a:effectLst/>
+                <a:latin typeface="Cambria" panose="02040503050406030204" pitchFamily="18" charset="0"/>
+              </a:rPr>
+              <a:t>=</a:t>
+            </a:r>
+            <a:r>
+              <a:rPr kumimoji="0" lang="fr-FR" altLang="fr-FR" sz="1600" b="0" i="0" u="none" strike="noStrike" cap="none" normalizeH="0" baseline="0" dirty="0" smtClean="0">
+                <a:ln>
+                  <a:noFill/>
+                </a:ln>
+                <a:solidFill>
+                  <a:srgbClr val="C0C0C0"/>
+                </a:solidFill>
+                <a:effectLst/>
+                <a:latin typeface="Cambria" panose="02040503050406030204" pitchFamily="18" charset="0"/>
+              </a:rPr>
+              <a:t> </a:t>
+            </a:r>
+            <a:r>
+              <a:rPr kumimoji="0" lang="fr-FR" altLang="fr-FR" sz="1600" b="0" i="0" u="none" strike="noStrike" cap="none" normalizeH="0" baseline="0" dirty="0" err="1" smtClean="0">
+                <a:ln>
+                  <a:noFill/>
+                </a:ln>
+                <a:solidFill>
+                  <a:srgbClr val="800000"/>
+                </a:solidFill>
+                <a:effectLst/>
+                <a:latin typeface="Cambria" panose="02040503050406030204" pitchFamily="18" charset="0"/>
+              </a:rPr>
+              <a:t>phenoStage</a:t>
+            </a:r>
+            <a:r>
+              <a:rPr kumimoji="0" lang="fr-FR" altLang="fr-FR" sz="1600" b="0" i="0" u="none" strike="noStrike" cap="none" normalizeH="0" baseline="0" dirty="0" smtClean="0">
+                <a:ln>
+                  <a:noFill/>
+                </a:ln>
+                <a:solidFill>
+                  <a:srgbClr val="C0C0C0"/>
+                </a:solidFill>
+                <a:effectLst/>
+                <a:latin typeface="Cambria" panose="02040503050406030204" pitchFamily="18" charset="0"/>
+              </a:rPr>
+              <a:t> </a:t>
+            </a:r>
+            <a:r>
+              <a:rPr kumimoji="0" lang="fr-FR" altLang="fr-FR" sz="1600" b="0" i="0" u="none" strike="noStrike" cap="none" normalizeH="0" baseline="0" dirty="0" smtClean="0">
+                <a:ln>
+                  <a:noFill/>
+                </a:ln>
+                <a:solidFill>
+                  <a:schemeClr val="tx1"/>
+                </a:solidFill>
+                <a:effectLst/>
+                <a:latin typeface="Cambria" panose="02040503050406030204" pitchFamily="18" charset="0"/>
+              </a:rPr>
+              <a:t>+</a:t>
+            </a:r>
+            <a:r>
+              <a:rPr kumimoji="0" lang="fr-FR" altLang="fr-FR" sz="1600" b="0" i="0" u="none" strike="noStrike" cap="none" normalizeH="0" baseline="0" dirty="0" smtClean="0">
+                <a:ln>
+                  <a:noFill/>
+                </a:ln>
+                <a:solidFill>
+                  <a:srgbClr val="C0C0C0"/>
+                </a:solidFill>
+                <a:effectLst/>
+                <a:latin typeface="Cambria" panose="02040503050406030204" pitchFamily="18" charset="0"/>
+              </a:rPr>
+              <a:t> </a:t>
+            </a:r>
+            <a:r>
+              <a:rPr kumimoji="0" lang="fr-FR" altLang="fr-FR" sz="1600" b="0" i="0" u="none" strike="noStrike" cap="none" normalizeH="0" baseline="0" dirty="0" smtClean="0">
+                <a:ln>
+                  <a:noFill/>
+                </a:ln>
+                <a:solidFill>
+                  <a:srgbClr val="000080"/>
+                </a:solidFill>
+                <a:effectLst/>
+                <a:latin typeface="Cambria" panose="02040503050406030204" pitchFamily="18" charset="0"/>
+              </a:rPr>
+              <a:t>1</a:t>
+            </a:r>
+            <a:r>
+              <a:rPr kumimoji="0" lang="fr-FR" altLang="fr-FR" sz="1600" b="0" i="0" u="none" strike="noStrike" cap="none" normalizeH="0" baseline="0" dirty="0" smtClean="0">
+                <a:ln>
+                  <a:noFill/>
+                </a:ln>
+                <a:solidFill>
+                  <a:schemeClr val="tx1"/>
+                </a:solidFill>
+                <a:effectLst/>
+                <a:latin typeface="Cambria" panose="02040503050406030204" pitchFamily="18" charset="0"/>
+              </a:rPr>
+              <a:t>;</a:t>
+            </a:r>
+          </a:p>
+          <a:p>
+            <a:pPr eaLnBrk="0" fontAlgn="base" hangingPunct="0">
+              <a:spcBef>
+                <a:spcPct val="0"/>
+              </a:spcBef>
+              <a:spcAft>
+                <a:spcPct val="0"/>
+              </a:spcAft>
+            </a:pPr>
+            <a:r>
+              <a:rPr kumimoji="0" lang="fr-FR" altLang="fr-FR" sz="1600" b="0" i="0" u="none" strike="noStrike" cap="none" normalizeH="0" baseline="0" dirty="0" smtClean="0">
+                <a:ln>
+                  <a:noFill/>
+                </a:ln>
+                <a:solidFill>
+                  <a:schemeClr val="tx1"/>
+                </a:solidFill>
+                <a:effectLst/>
+                <a:latin typeface="Cambria" panose="02040503050406030204" pitchFamily="18" charset="0"/>
+              </a:rPr>
+              <a:t>	}</a:t>
+            </a:r>
+          </a:p>
+          <a:p>
+            <a:pPr lvl="0" eaLnBrk="0" fontAlgn="base" hangingPunct="0">
+              <a:spcBef>
+                <a:spcPct val="0"/>
+              </a:spcBef>
+              <a:spcAft>
+                <a:spcPct val="0"/>
+              </a:spcAft>
+            </a:pPr>
+            <a:r>
+              <a:rPr kumimoji="0" lang="fr-FR" altLang="fr-FR" sz="1600" b="0" i="0" u="none" strike="noStrike" cap="none" normalizeH="0" baseline="0" dirty="0" smtClean="0">
+                <a:ln>
+                  <a:noFill/>
+                </a:ln>
+                <a:solidFill>
+                  <a:schemeClr val="tx1"/>
+                </a:solidFill>
+                <a:effectLst/>
+                <a:latin typeface="Cambria" panose="02040503050406030204" pitchFamily="18" charset="0"/>
+              </a:rPr>
+              <a:t>	</a:t>
+            </a:r>
+            <a:r>
+              <a:rPr kumimoji="0" lang="fr-FR" altLang="fr-FR" sz="1600" b="0" i="0" u="none" strike="noStrike" cap="none" normalizeH="0" baseline="0" dirty="0" smtClean="0">
+                <a:ln>
+                  <a:noFill/>
+                </a:ln>
+                <a:solidFill>
+                  <a:srgbClr val="808000"/>
+                </a:solidFill>
+                <a:effectLst/>
+                <a:latin typeface="Cambria" panose="02040503050406030204" pitchFamily="18" charset="0"/>
+              </a:rPr>
+              <a:t> </a:t>
+            </a:r>
+            <a:r>
+              <a:rPr kumimoji="0" lang="fr-FR" altLang="fr-FR" sz="1600" b="0" i="0" u="none" strike="noStrike" cap="none" normalizeH="0" baseline="0" dirty="0" err="1" smtClean="0">
+                <a:ln>
+                  <a:noFill/>
+                </a:ln>
+                <a:solidFill>
+                  <a:srgbClr val="808000"/>
+                </a:solidFill>
+                <a:effectLst/>
+                <a:latin typeface="Cambria" panose="02040503050406030204" pitchFamily="18" charset="0"/>
+              </a:rPr>
+              <a:t>else</a:t>
+            </a:r>
+            <a:r>
+              <a:rPr kumimoji="0" lang="fr-FR" altLang="fr-FR" sz="1600" b="0" i="0" u="none" strike="noStrike" cap="none" normalizeH="0" baseline="0" dirty="0" smtClean="0">
+                <a:ln>
+                  <a:noFill/>
+                </a:ln>
+                <a:solidFill>
+                  <a:srgbClr val="808000"/>
+                </a:solidFill>
+                <a:effectLst/>
+                <a:latin typeface="Cambria" panose="02040503050406030204" pitchFamily="18" charset="0"/>
+              </a:rPr>
+              <a:t> </a:t>
+            </a:r>
+            <a:r>
+              <a:rPr kumimoji="0" lang="fr-FR" altLang="fr-FR" sz="1600" b="0" i="0" u="none" strike="noStrike" cap="none" normalizeH="0" baseline="0" dirty="0" smtClean="0">
+                <a:ln>
+                  <a:noFill/>
+                </a:ln>
+                <a:effectLst/>
+                <a:latin typeface="Cambria" panose="02040503050406030204" pitchFamily="18" charset="0"/>
+              </a:rPr>
+              <a:t>{</a:t>
+            </a:r>
+          </a:p>
+          <a:p>
+            <a:pPr lvl="0" eaLnBrk="0" fontAlgn="base" hangingPunct="0">
+              <a:spcBef>
+                <a:spcPct val="0"/>
+              </a:spcBef>
+              <a:spcAft>
+                <a:spcPct val="0"/>
+              </a:spcAft>
+            </a:pPr>
+            <a:r>
+              <a:rPr lang="fr-FR" altLang="fr-FR" sz="1600" dirty="0" smtClean="0">
+                <a:solidFill>
+                  <a:srgbClr val="C0C0C0"/>
+                </a:solidFill>
+                <a:latin typeface="Cambria" panose="02040503050406030204" pitchFamily="18" charset="0"/>
+              </a:rPr>
+              <a:t>		</a:t>
+            </a:r>
+            <a:r>
+              <a:rPr kumimoji="0" lang="fr-FR" altLang="fr-FR" sz="1600" b="0" i="0" u="none" strike="noStrike" cap="none" normalizeH="0" baseline="0" dirty="0" smtClean="0">
+                <a:ln>
+                  <a:noFill/>
+                </a:ln>
+                <a:solidFill>
+                  <a:srgbClr val="800000"/>
+                </a:solidFill>
+                <a:effectLst/>
+                <a:latin typeface="Cambria" panose="02040503050406030204" pitchFamily="18" charset="0"/>
+              </a:rPr>
+              <a:t>EDD</a:t>
+            </a:r>
+            <a:r>
+              <a:rPr kumimoji="0" lang="fr-FR" altLang="fr-FR" sz="1600" b="0" i="0" u="none" strike="noStrike" cap="none" normalizeH="0" baseline="0" dirty="0" smtClean="0">
+                <a:ln>
+                  <a:noFill/>
+                </a:ln>
+                <a:solidFill>
+                  <a:srgbClr val="C0C0C0"/>
+                </a:solidFill>
+                <a:effectLst/>
+                <a:latin typeface="Cambria" panose="02040503050406030204" pitchFamily="18" charset="0"/>
+              </a:rPr>
+              <a:t> </a:t>
+            </a:r>
+            <a:r>
+              <a:rPr kumimoji="0" lang="fr-FR" altLang="fr-FR" sz="1600" b="0" i="0" u="none" strike="noStrike" cap="none" normalizeH="0" baseline="0" dirty="0" smtClean="0">
+                <a:ln>
+                  <a:noFill/>
+                </a:ln>
+                <a:solidFill>
+                  <a:schemeClr val="tx1"/>
+                </a:solidFill>
+                <a:effectLst/>
+                <a:latin typeface="Cambria" panose="02040503050406030204" pitchFamily="18" charset="0"/>
+              </a:rPr>
+              <a:t>=</a:t>
+            </a:r>
+            <a:r>
+              <a:rPr kumimoji="0" lang="fr-FR" altLang="fr-FR" sz="1600" b="0" i="0" u="none" strike="noStrike" cap="none" normalizeH="0" baseline="0" dirty="0" smtClean="0">
+                <a:ln>
+                  <a:noFill/>
+                </a:ln>
+                <a:solidFill>
+                  <a:srgbClr val="C0C0C0"/>
+                </a:solidFill>
+                <a:effectLst/>
+                <a:latin typeface="Cambria" panose="02040503050406030204" pitchFamily="18" charset="0"/>
+              </a:rPr>
+              <a:t> </a:t>
+            </a:r>
+            <a:r>
+              <a:rPr kumimoji="0" lang="fr-FR" altLang="fr-FR" sz="1600" b="0" i="0" u="none" strike="noStrike" cap="none" normalizeH="0" baseline="0" dirty="0" err="1" smtClean="0">
+                <a:ln>
+                  <a:noFill/>
+                </a:ln>
+                <a:solidFill>
+                  <a:srgbClr val="800000"/>
+                </a:solidFill>
+                <a:effectLst/>
+                <a:latin typeface="Cambria" panose="02040503050406030204" pitchFamily="18" charset="0"/>
+              </a:rPr>
+              <a:t>deltaT</a:t>
+            </a:r>
+            <a:r>
+              <a:rPr kumimoji="0" lang="fr-FR" altLang="fr-FR" sz="1600" b="0" i="0" u="none" strike="noStrike" cap="none" normalizeH="0" baseline="0" dirty="0" smtClean="0">
+                <a:ln>
+                  <a:noFill/>
+                </a:ln>
+                <a:solidFill>
+                  <a:srgbClr val="C0C0C0"/>
+                </a:solidFill>
+                <a:effectLst/>
+                <a:latin typeface="Cambria" panose="02040503050406030204" pitchFamily="18" charset="0"/>
+              </a:rPr>
+              <a:t> </a:t>
+            </a:r>
+            <a:r>
+              <a:rPr kumimoji="0" lang="fr-FR" altLang="fr-FR" sz="1600" b="0" i="0" u="none" strike="noStrike" cap="none" normalizeH="0" baseline="0" dirty="0" smtClean="0">
+                <a:ln>
+                  <a:noFill/>
+                </a:ln>
+                <a:solidFill>
+                  <a:schemeClr val="tx1"/>
+                </a:solidFill>
+                <a:effectLst/>
+                <a:latin typeface="Cambria" panose="02040503050406030204" pitchFamily="18" charset="0"/>
+              </a:rPr>
+              <a:t>+</a:t>
+            </a:r>
+            <a:r>
+              <a:rPr kumimoji="0" lang="fr-FR" altLang="fr-FR" sz="1600" b="0" i="0" u="none" strike="noStrike" cap="none" normalizeH="0" baseline="0" dirty="0" smtClean="0">
+                <a:ln>
+                  <a:noFill/>
+                </a:ln>
+                <a:solidFill>
+                  <a:srgbClr val="C0C0C0"/>
+                </a:solidFill>
+                <a:effectLst/>
+                <a:latin typeface="Cambria" panose="02040503050406030204" pitchFamily="18" charset="0"/>
+              </a:rPr>
+              <a:t> </a:t>
+            </a:r>
+            <a:r>
+              <a:rPr kumimoji="0" lang="fr-FR" altLang="fr-FR" sz="1600" b="0" i="0" u="none" strike="noStrike" cap="none" normalizeH="0" baseline="0" dirty="0" err="1" smtClean="0">
+                <a:ln>
+                  <a:noFill/>
+                </a:ln>
+                <a:solidFill>
+                  <a:srgbClr val="800000"/>
+                </a:solidFill>
+                <a:effectLst/>
+                <a:latin typeface="Cambria" panose="02040503050406030204" pitchFamily="18" charset="0"/>
+              </a:rPr>
+              <a:t>plastodelay</a:t>
+            </a:r>
+            <a:r>
+              <a:rPr kumimoji="0" lang="fr-FR" altLang="fr-FR" sz="1600" b="0" i="0" u="none" strike="noStrike" cap="none" normalizeH="0" baseline="0" dirty="0" smtClean="0">
+                <a:ln>
+                  <a:noFill/>
+                </a:ln>
+                <a:solidFill>
+                  <a:schemeClr val="tx1"/>
+                </a:solidFill>
+                <a:effectLst/>
+                <a:latin typeface="Cambria" panose="02040503050406030204" pitchFamily="18" charset="0"/>
+              </a:rPr>
+              <a:t>; </a:t>
+            </a:r>
+          </a:p>
+          <a:p>
+            <a:pPr eaLnBrk="0" fontAlgn="base" hangingPunct="0">
+              <a:spcBef>
+                <a:spcPct val="0"/>
+              </a:spcBef>
+              <a:spcAft>
+                <a:spcPct val="0"/>
+              </a:spcAft>
+            </a:pPr>
+            <a:r>
+              <a:rPr kumimoji="0" lang="fr-FR" altLang="fr-FR" sz="1600" b="0" i="0" u="none" strike="noStrike" cap="none" normalizeH="0" baseline="0" dirty="0" smtClean="0">
+                <a:ln>
+                  <a:noFill/>
+                </a:ln>
+                <a:solidFill>
+                  <a:srgbClr val="800000"/>
+                </a:solidFill>
+                <a:effectLst/>
+                <a:latin typeface="Cambria" panose="02040503050406030204" pitchFamily="18" charset="0"/>
+              </a:rPr>
+              <a:t>		DD</a:t>
+            </a:r>
+            <a:r>
+              <a:rPr kumimoji="0" lang="fr-FR" altLang="fr-FR" sz="1600" b="0" i="0" u="none" strike="noStrike" cap="none" normalizeH="0" baseline="0" dirty="0" smtClean="0">
+                <a:ln>
+                  <a:noFill/>
+                </a:ln>
+                <a:solidFill>
+                  <a:srgbClr val="C0C0C0"/>
+                </a:solidFill>
+                <a:effectLst/>
+                <a:latin typeface="Cambria" panose="02040503050406030204" pitchFamily="18" charset="0"/>
+              </a:rPr>
+              <a:t> </a:t>
+            </a:r>
+            <a:r>
+              <a:rPr kumimoji="0" lang="fr-FR" altLang="fr-FR" sz="1600" b="0" i="0" u="none" strike="noStrike" cap="none" normalizeH="0" baseline="0" dirty="0" smtClean="0">
+                <a:ln>
+                  <a:noFill/>
+                </a:ln>
+                <a:solidFill>
+                  <a:schemeClr val="tx1"/>
+                </a:solidFill>
+                <a:effectLst/>
+                <a:latin typeface="Cambria" panose="02040503050406030204" pitchFamily="18" charset="0"/>
+              </a:rPr>
+              <a:t>=</a:t>
+            </a:r>
+            <a:r>
+              <a:rPr kumimoji="0" lang="fr-FR" altLang="fr-FR" sz="1600" b="0" i="0" u="none" strike="noStrike" cap="none" normalizeH="0" baseline="0" dirty="0" smtClean="0">
+                <a:ln>
+                  <a:noFill/>
+                </a:ln>
+                <a:solidFill>
+                  <a:srgbClr val="C0C0C0"/>
+                </a:solidFill>
+                <a:effectLst/>
+                <a:latin typeface="Cambria" panose="02040503050406030204" pitchFamily="18" charset="0"/>
+              </a:rPr>
+              <a:t> </a:t>
+            </a:r>
+            <a:r>
+              <a:rPr kumimoji="0" lang="fr-FR" altLang="fr-FR" sz="1600" b="0" i="0" u="none" strike="noStrike" cap="none" normalizeH="0" baseline="0" dirty="0" err="1" smtClean="0">
+                <a:ln>
+                  <a:noFill/>
+                </a:ln>
+                <a:solidFill>
+                  <a:schemeClr val="tx1"/>
+                </a:solidFill>
+                <a:effectLst/>
+                <a:latin typeface="Cambria" panose="02040503050406030204" pitchFamily="18" charset="0"/>
+              </a:rPr>
+              <a:t>tempDD</a:t>
+            </a:r>
+            <a:r>
+              <a:rPr kumimoji="0" lang="fr-FR" altLang="fr-FR" sz="1600" b="0" i="0" u="none" strike="noStrike" cap="none" normalizeH="0" baseline="0" dirty="0" smtClean="0">
+                <a:ln>
+                  <a:noFill/>
+                </a:ln>
+                <a:solidFill>
+                  <a:schemeClr val="tx1"/>
+                </a:solidFill>
+                <a:effectLst/>
+                <a:latin typeface="Cambria" panose="02040503050406030204" pitchFamily="18" charset="0"/>
+              </a:rPr>
+              <a:t>; </a:t>
+            </a:r>
+          </a:p>
+          <a:p>
+            <a:pPr eaLnBrk="0" fontAlgn="base" hangingPunct="0">
+              <a:spcBef>
+                <a:spcPct val="0"/>
+              </a:spcBef>
+              <a:spcAft>
+                <a:spcPct val="0"/>
+              </a:spcAft>
+            </a:pPr>
+            <a:r>
+              <a:rPr kumimoji="0" lang="fr-FR" altLang="fr-FR" sz="1600" b="0" i="0" u="none" strike="noStrike" cap="none" normalizeH="0" baseline="0" dirty="0" smtClean="0">
+                <a:ln>
+                  <a:noFill/>
+                </a:ln>
+                <a:solidFill>
+                  <a:schemeClr val="tx1"/>
+                </a:solidFill>
+                <a:effectLst/>
+                <a:latin typeface="Cambria" panose="02040503050406030204" pitchFamily="18" charset="0"/>
+              </a:rPr>
+              <a:t>	}</a:t>
+            </a:r>
+          </a:p>
+          <a:p>
+            <a:pPr marL="0" marR="0" lvl="0" indent="0" algn="l" defTabSz="914400" rtl="0" eaLnBrk="0" fontAlgn="base" latinLnBrk="0" hangingPunct="0">
+              <a:lnSpc>
+                <a:spcPct val="100000"/>
+              </a:lnSpc>
+              <a:spcBef>
+                <a:spcPct val="0"/>
+              </a:spcBef>
+              <a:spcAft>
+                <a:spcPct val="0"/>
+              </a:spcAft>
+              <a:buClrTx/>
+              <a:buSzTx/>
+              <a:buFontTx/>
+              <a:buNone/>
+              <a:tabLst/>
+            </a:pPr>
+            <a:r>
+              <a:rPr kumimoji="0" lang="fr-FR" altLang="fr-FR" sz="1600" b="0" i="0" u="none" strike="noStrike" cap="none" normalizeH="0" baseline="0" dirty="0" smtClean="0">
+                <a:ln>
+                  <a:noFill/>
+                </a:ln>
+                <a:solidFill>
+                  <a:schemeClr val="tx1"/>
+                </a:solidFill>
+                <a:effectLst/>
+                <a:latin typeface="Cambria" panose="02040503050406030204" pitchFamily="18" charset="0"/>
+              </a:rPr>
+              <a:t>} </a:t>
+            </a:r>
+          </a:p>
+          <a:p>
+            <a:pPr lvl="0" eaLnBrk="0" fontAlgn="base" hangingPunct="0">
+              <a:spcBef>
+                <a:spcPct val="0"/>
+              </a:spcBef>
+              <a:spcAft>
+                <a:spcPct val="0"/>
+              </a:spcAft>
+            </a:pPr>
+            <a:r>
+              <a:rPr kumimoji="0" lang="fr-FR" altLang="fr-FR" sz="1600" b="0" i="0" u="none" strike="noStrike" cap="none" normalizeH="0" baseline="0" dirty="0" err="1" smtClean="0">
+                <a:ln>
+                  <a:noFill/>
+                </a:ln>
+                <a:solidFill>
+                  <a:srgbClr val="808000"/>
+                </a:solidFill>
+                <a:effectLst/>
+                <a:latin typeface="Cambria" panose="02040503050406030204" pitchFamily="18" charset="0"/>
+              </a:rPr>
+              <a:t>else</a:t>
+            </a:r>
+            <a:r>
+              <a:rPr kumimoji="0" lang="fr-FR" altLang="fr-FR" sz="1600" b="0" i="0" u="none" strike="noStrike" cap="none" normalizeH="0" baseline="0" dirty="0" smtClean="0">
+                <a:ln>
+                  <a:noFill/>
+                </a:ln>
+                <a:solidFill>
+                  <a:srgbClr val="C0C0C0"/>
+                </a:solidFill>
+                <a:effectLst/>
+                <a:latin typeface="Cambria" panose="02040503050406030204" pitchFamily="18" charset="0"/>
+              </a:rPr>
+              <a:t> </a:t>
+            </a:r>
+            <a:r>
+              <a:rPr kumimoji="0" lang="fr-FR" altLang="fr-FR" sz="1600" b="0" i="0" u="none" strike="noStrike" cap="none" normalizeH="0" baseline="0" dirty="0" smtClean="0">
+                <a:ln>
+                  <a:noFill/>
+                </a:ln>
+                <a:solidFill>
+                  <a:schemeClr val="tx1"/>
+                </a:solidFill>
+                <a:effectLst/>
+                <a:latin typeface="Cambria" panose="02040503050406030204" pitchFamily="18" charset="0"/>
+              </a:rPr>
+              <a:t>{</a:t>
+            </a:r>
+          </a:p>
+          <a:p>
+            <a:pPr lvl="0" eaLnBrk="0" fontAlgn="base" hangingPunct="0">
+              <a:spcBef>
+                <a:spcPct val="0"/>
+              </a:spcBef>
+              <a:spcAft>
+                <a:spcPct val="0"/>
+              </a:spcAft>
+            </a:pPr>
+            <a:r>
+              <a:rPr kumimoji="0" lang="fr-FR" altLang="fr-FR" sz="1600" b="0" i="0" u="none" strike="noStrike" cap="none" normalizeH="0" baseline="0" dirty="0" smtClean="0">
+                <a:ln>
+                  <a:noFill/>
+                </a:ln>
+                <a:solidFill>
+                  <a:schemeClr val="tx1"/>
+                </a:solidFill>
+                <a:effectLst/>
+                <a:latin typeface="Cambria" panose="02040503050406030204" pitchFamily="18" charset="0"/>
+              </a:rPr>
+              <a:t> </a:t>
+            </a:r>
+            <a:r>
+              <a:rPr lang="fr-FR" altLang="fr-FR" sz="1600" dirty="0">
+                <a:latin typeface="Cambria" panose="02040503050406030204" pitchFamily="18" charset="0"/>
+              </a:rPr>
+              <a:t>	</a:t>
+            </a:r>
+            <a:r>
+              <a:rPr kumimoji="0" lang="fr-FR" altLang="fr-FR" sz="1600" b="0" i="0" u="none" strike="noStrike" cap="none" normalizeH="0" baseline="0" dirty="0" err="1" smtClean="0">
+                <a:ln>
+                  <a:noFill/>
+                </a:ln>
+                <a:solidFill>
+                  <a:srgbClr val="800000"/>
+                </a:solidFill>
+                <a:effectLst/>
+                <a:latin typeface="Cambria" panose="02040503050406030204" pitchFamily="18" charset="0"/>
+              </a:rPr>
+              <a:t>plastoVisu</a:t>
+            </a:r>
+            <a:r>
+              <a:rPr kumimoji="0" lang="fr-FR" altLang="fr-FR" sz="1600" b="0" i="0" u="none" strike="noStrike" cap="none" normalizeH="0" baseline="0" dirty="0" smtClean="0">
+                <a:ln>
+                  <a:noFill/>
+                </a:ln>
+                <a:solidFill>
+                  <a:srgbClr val="C0C0C0"/>
+                </a:solidFill>
+                <a:effectLst/>
+                <a:latin typeface="Cambria" panose="02040503050406030204" pitchFamily="18" charset="0"/>
+              </a:rPr>
+              <a:t> </a:t>
+            </a:r>
+            <a:r>
+              <a:rPr kumimoji="0" lang="fr-FR" altLang="fr-FR" sz="1600" b="0" i="0" u="none" strike="noStrike" cap="none" normalizeH="0" baseline="0" dirty="0" smtClean="0">
+                <a:ln>
+                  <a:noFill/>
+                </a:ln>
+                <a:solidFill>
+                  <a:schemeClr val="tx1"/>
+                </a:solidFill>
+                <a:effectLst/>
+                <a:latin typeface="Cambria" panose="02040503050406030204" pitchFamily="18" charset="0"/>
+              </a:rPr>
+              <a:t>=</a:t>
+            </a:r>
+            <a:r>
+              <a:rPr kumimoji="0" lang="fr-FR" altLang="fr-FR" sz="1600" b="0" i="0" u="none" strike="noStrike" cap="none" normalizeH="0" baseline="0" dirty="0" smtClean="0">
+                <a:ln>
+                  <a:noFill/>
+                </a:ln>
+                <a:solidFill>
+                  <a:srgbClr val="C0C0C0"/>
+                </a:solidFill>
+                <a:effectLst/>
+                <a:latin typeface="Cambria" panose="02040503050406030204" pitchFamily="18" charset="0"/>
+              </a:rPr>
+              <a:t> </a:t>
+            </a:r>
+            <a:r>
+              <a:rPr kumimoji="0" lang="fr-FR" altLang="fr-FR" sz="1600" b="0" i="0" u="none" strike="noStrike" cap="none" normalizeH="0" baseline="0" dirty="0" err="1" smtClean="0">
+                <a:ln>
+                  <a:noFill/>
+                </a:ln>
+                <a:solidFill>
+                  <a:srgbClr val="800000"/>
+                </a:solidFill>
+                <a:effectLst/>
+                <a:latin typeface="Cambria" panose="02040503050406030204" pitchFamily="18" charset="0"/>
+              </a:rPr>
+              <a:t>plastoVisu</a:t>
+            </a:r>
+            <a:r>
+              <a:rPr kumimoji="0" lang="fr-FR" altLang="fr-FR" sz="1600" b="0" i="0" u="none" strike="noStrike" cap="none" normalizeH="0" baseline="0" dirty="0" smtClean="0">
+                <a:ln>
+                  <a:noFill/>
+                </a:ln>
+                <a:solidFill>
+                  <a:srgbClr val="C0C0C0"/>
+                </a:solidFill>
+                <a:effectLst/>
+                <a:latin typeface="Cambria" panose="02040503050406030204" pitchFamily="18" charset="0"/>
+              </a:rPr>
+              <a:t> </a:t>
+            </a:r>
+            <a:r>
+              <a:rPr kumimoji="0" lang="fr-FR" altLang="fr-FR" sz="1600" b="0" i="0" u="none" strike="noStrike" cap="none" normalizeH="0" baseline="0" dirty="0" smtClean="0">
+                <a:ln>
+                  <a:noFill/>
+                </a:ln>
+                <a:solidFill>
+                  <a:schemeClr val="tx1"/>
+                </a:solidFill>
+                <a:effectLst/>
+                <a:latin typeface="Cambria" panose="02040503050406030204" pitchFamily="18" charset="0"/>
+              </a:rPr>
+              <a:t>+</a:t>
+            </a:r>
+            <a:r>
+              <a:rPr kumimoji="0" lang="fr-FR" altLang="fr-FR" sz="1600" b="0" i="0" u="none" strike="noStrike" cap="none" normalizeH="0" baseline="0" dirty="0" smtClean="0">
+                <a:ln>
+                  <a:noFill/>
+                </a:ln>
+                <a:solidFill>
+                  <a:srgbClr val="C0C0C0"/>
+                </a:solidFill>
+                <a:effectLst/>
+                <a:latin typeface="Cambria" panose="02040503050406030204" pitchFamily="18" charset="0"/>
+              </a:rPr>
+              <a:t> </a:t>
+            </a:r>
+            <a:r>
+              <a:rPr kumimoji="0" lang="fr-FR" altLang="fr-FR" sz="1600" b="0" i="0" u="none" strike="noStrike" cap="none" normalizeH="0" baseline="0" dirty="0" smtClean="0">
+                <a:ln>
+                  <a:noFill/>
+                </a:ln>
+                <a:solidFill>
+                  <a:srgbClr val="800000"/>
+                </a:solidFill>
+                <a:effectLst/>
+                <a:latin typeface="Cambria" panose="02040503050406030204" pitchFamily="18" charset="0"/>
+              </a:rPr>
+              <a:t>EDD</a:t>
+            </a:r>
+            <a:r>
+              <a:rPr kumimoji="0" lang="fr-FR" altLang="fr-FR" sz="1600" b="0" i="0" u="none" strike="noStrike" cap="none" normalizeH="0" baseline="0" dirty="0" smtClean="0">
+                <a:ln>
+                  <a:noFill/>
+                </a:ln>
+                <a:solidFill>
+                  <a:schemeClr val="tx1"/>
+                </a:solidFill>
+                <a:effectLst/>
+                <a:latin typeface="Cambria" panose="02040503050406030204" pitchFamily="18" charset="0"/>
+              </a:rPr>
+              <a:t>;</a:t>
+            </a:r>
+          </a:p>
+          <a:p>
+            <a:pPr lvl="0" eaLnBrk="0" fontAlgn="base" hangingPunct="0">
+              <a:spcBef>
+                <a:spcPct val="0"/>
+              </a:spcBef>
+              <a:spcAft>
+                <a:spcPct val="0"/>
+              </a:spcAft>
+            </a:pPr>
+            <a:r>
+              <a:rPr lang="fr-FR" altLang="fr-FR" sz="1600" dirty="0">
+                <a:latin typeface="Cambria" panose="02040503050406030204" pitchFamily="18" charset="0"/>
+              </a:rPr>
+              <a:t>	</a:t>
+            </a:r>
+            <a:r>
+              <a:rPr kumimoji="0" lang="fr-FR" altLang="fr-FR" sz="1600" b="0" i="0" u="none" strike="noStrike" cap="none" normalizeH="0" baseline="0" dirty="0" smtClean="0">
+                <a:ln>
+                  <a:noFill/>
+                </a:ln>
+                <a:solidFill>
+                  <a:srgbClr val="800000"/>
+                </a:solidFill>
+                <a:effectLst/>
+                <a:latin typeface="Cambria" panose="02040503050406030204" pitchFamily="18" charset="0"/>
+              </a:rPr>
+              <a:t> </a:t>
+            </a:r>
+            <a:r>
+              <a:rPr kumimoji="0" lang="fr-FR" altLang="fr-FR" sz="1600" b="0" i="0" u="none" strike="noStrike" cap="none" normalizeH="0" baseline="0" dirty="0" err="1" smtClean="0">
+                <a:ln>
+                  <a:noFill/>
+                </a:ln>
+                <a:solidFill>
+                  <a:srgbClr val="800000"/>
+                </a:solidFill>
+                <a:effectLst/>
+                <a:latin typeface="Cambria" panose="02040503050406030204" pitchFamily="18" charset="0"/>
+              </a:rPr>
+              <a:t>liguloVisu</a:t>
+            </a:r>
+            <a:r>
+              <a:rPr kumimoji="0" lang="fr-FR" altLang="fr-FR" sz="1600" b="0" i="0" u="none" strike="noStrike" cap="none" normalizeH="0" baseline="0" dirty="0" smtClean="0">
+                <a:ln>
+                  <a:noFill/>
+                </a:ln>
+                <a:solidFill>
+                  <a:srgbClr val="C0C0C0"/>
+                </a:solidFill>
+                <a:effectLst/>
+                <a:latin typeface="Cambria" panose="02040503050406030204" pitchFamily="18" charset="0"/>
+              </a:rPr>
+              <a:t> </a:t>
+            </a:r>
+            <a:r>
+              <a:rPr kumimoji="0" lang="fr-FR" altLang="fr-FR" sz="1600" b="0" i="0" u="none" strike="noStrike" cap="none" normalizeH="0" baseline="0" dirty="0" smtClean="0">
+                <a:ln>
+                  <a:noFill/>
+                </a:ln>
+                <a:solidFill>
+                  <a:schemeClr val="tx1"/>
+                </a:solidFill>
+                <a:effectLst/>
+                <a:latin typeface="Cambria" panose="02040503050406030204" pitchFamily="18" charset="0"/>
+              </a:rPr>
+              <a:t>=</a:t>
+            </a:r>
+            <a:r>
+              <a:rPr kumimoji="0" lang="fr-FR" altLang="fr-FR" sz="1600" b="0" i="0" u="none" strike="noStrike" cap="none" normalizeH="0" baseline="0" dirty="0" smtClean="0">
+                <a:ln>
+                  <a:noFill/>
+                </a:ln>
+                <a:solidFill>
+                  <a:srgbClr val="C0C0C0"/>
+                </a:solidFill>
+                <a:effectLst/>
+                <a:latin typeface="Cambria" panose="02040503050406030204" pitchFamily="18" charset="0"/>
+              </a:rPr>
+              <a:t> </a:t>
+            </a:r>
+            <a:r>
+              <a:rPr kumimoji="0" lang="fr-FR" altLang="fr-FR" sz="1600" b="0" i="0" u="none" strike="noStrike" cap="none" normalizeH="0" baseline="0" dirty="0" err="1" smtClean="0">
+                <a:ln>
+                  <a:noFill/>
+                </a:ln>
+                <a:solidFill>
+                  <a:srgbClr val="800000"/>
+                </a:solidFill>
+                <a:effectLst/>
+                <a:latin typeface="Cambria" panose="02040503050406030204" pitchFamily="18" charset="0"/>
+              </a:rPr>
+              <a:t>liguloVisu</a:t>
+            </a:r>
+            <a:r>
+              <a:rPr kumimoji="0" lang="fr-FR" altLang="fr-FR" sz="1600" b="0" i="0" u="none" strike="noStrike" cap="none" normalizeH="0" baseline="0" dirty="0" smtClean="0">
+                <a:ln>
+                  <a:noFill/>
+                </a:ln>
+                <a:solidFill>
+                  <a:srgbClr val="C0C0C0"/>
+                </a:solidFill>
+                <a:effectLst/>
+                <a:latin typeface="Cambria" panose="02040503050406030204" pitchFamily="18" charset="0"/>
+              </a:rPr>
+              <a:t> </a:t>
+            </a:r>
+            <a:r>
+              <a:rPr kumimoji="0" lang="fr-FR" altLang="fr-FR" sz="1600" b="0" i="0" u="none" strike="noStrike" cap="none" normalizeH="0" baseline="0" dirty="0" smtClean="0">
+                <a:ln>
+                  <a:noFill/>
+                </a:ln>
+                <a:solidFill>
+                  <a:schemeClr val="tx1"/>
+                </a:solidFill>
+                <a:effectLst/>
+                <a:latin typeface="Cambria" panose="02040503050406030204" pitchFamily="18" charset="0"/>
+              </a:rPr>
+              <a:t>+</a:t>
+            </a:r>
+            <a:r>
+              <a:rPr kumimoji="0" lang="fr-FR" altLang="fr-FR" sz="1600" b="0" i="0" u="none" strike="noStrike" cap="none" normalizeH="0" baseline="0" dirty="0" smtClean="0">
+                <a:ln>
+                  <a:noFill/>
+                </a:ln>
+                <a:solidFill>
+                  <a:srgbClr val="C0C0C0"/>
+                </a:solidFill>
+                <a:effectLst/>
+                <a:latin typeface="Cambria" panose="02040503050406030204" pitchFamily="18" charset="0"/>
+              </a:rPr>
+              <a:t> </a:t>
+            </a:r>
+            <a:r>
+              <a:rPr kumimoji="0" lang="fr-FR" altLang="fr-FR" sz="1600" b="0" i="0" u="none" strike="noStrike" cap="none" normalizeH="0" baseline="0" dirty="0" smtClean="0">
+                <a:ln>
+                  <a:noFill/>
+                </a:ln>
+                <a:solidFill>
+                  <a:srgbClr val="800000"/>
+                </a:solidFill>
+                <a:effectLst/>
+                <a:latin typeface="Cambria" panose="02040503050406030204" pitchFamily="18" charset="0"/>
+              </a:rPr>
+              <a:t>EDD</a:t>
+            </a:r>
+            <a:r>
+              <a:rPr kumimoji="0" lang="fr-FR" altLang="fr-FR" sz="1600" b="0" i="0" u="none" strike="noStrike" cap="none" normalizeH="0" baseline="0" dirty="0" smtClean="0">
+                <a:ln>
+                  <a:noFill/>
+                </a:ln>
+                <a:solidFill>
+                  <a:schemeClr val="tx1"/>
+                </a:solidFill>
+                <a:effectLst/>
+                <a:latin typeface="Cambria" panose="02040503050406030204" pitchFamily="18" charset="0"/>
+              </a:rPr>
+              <a:t>; </a:t>
+            </a:r>
+            <a:endParaRPr lang="fr-FR" altLang="fr-FR" sz="1600" dirty="0">
+              <a:latin typeface="Cambria" panose="02040503050406030204" pitchFamily="18" charset="0"/>
+            </a:endParaRPr>
+          </a:p>
+          <a:p>
+            <a:pPr lvl="0" eaLnBrk="0" fontAlgn="base" hangingPunct="0">
+              <a:spcBef>
+                <a:spcPct val="0"/>
+              </a:spcBef>
+              <a:spcAft>
+                <a:spcPct val="0"/>
+              </a:spcAft>
+            </a:pPr>
+            <a:r>
+              <a:rPr kumimoji="0" lang="fr-FR" altLang="fr-FR" sz="1600" b="0" i="0" u="none" strike="noStrike" cap="none" normalizeH="0" baseline="0" dirty="0" smtClean="0">
+                <a:ln>
+                  <a:noFill/>
+                </a:ln>
+                <a:solidFill>
+                  <a:schemeClr val="tx1"/>
+                </a:solidFill>
+                <a:effectLst/>
+                <a:latin typeface="Cambria" panose="02040503050406030204" pitchFamily="18" charset="0"/>
+              </a:rPr>
+              <a:t>}</a:t>
+            </a:r>
+            <a:br>
+              <a:rPr kumimoji="0" lang="fr-FR" altLang="fr-FR" sz="1600" b="0" i="0" u="none" strike="noStrike" cap="none" normalizeH="0" baseline="0" dirty="0" smtClean="0">
+                <a:ln>
+                  <a:noFill/>
+                </a:ln>
+                <a:solidFill>
+                  <a:schemeClr val="tx1"/>
+                </a:solidFill>
+                <a:effectLst/>
+                <a:latin typeface="Cambria" panose="02040503050406030204" pitchFamily="18" charset="0"/>
+              </a:rPr>
+            </a:br>
+            <a:endParaRPr kumimoji="0" lang="fr-FR" altLang="fr-FR" sz="1600" b="0" i="0" u="none" strike="noStrike" cap="none" normalizeH="0" baseline="0" dirty="0" smtClean="0">
+              <a:ln>
+                <a:noFill/>
+              </a:ln>
+              <a:solidFill>
+                <a:schemeClr val="tx1"/>
+              </a:solidFill>
+              <a:effectLst/>
+              <a:latin typeface="Cambria" panose="02040503050406030204" pitchFamily="18" charset="0"/>
+            </a:endParaRPr>
+          </a:p>
+          <a:p>
+            <a:pPr eaLnBrk="0" fontAlgn="base" hangingPunct="0">
+              <a:spcBef>
+                <a:spcPct val="0"/>
+              </a:spcBef>
+              <a:spcAft>
+                <a:spcPct val="0"/>
+              </a:spcAft>
+            </a:pPr>
+            <a:r>
+              <a:rPr lang="fr-FR" sz="1600" dirty="0" err="1" smtClean="0">
+                <a:solidFill>
+                  <a:srgbClr val="800000"/>
+                </a:solidFill>
+                <a:effectLst/>
+                <a:latin typeface="Cambria" panose="02040503050406030204" pitchFamily="18" charset="0"/>
+              </a:rPr>
+              <a:t>sla</a:t>
+            </a:r>
+            <a:r>
+              <a:rPr lang="fr-FR" sz="1600" dirty="0" smtClean="0">
+                <a:solidFill>
+                  <a:srgbClr val="C0C0C0"/>
+                </a:solidFill>
+                <a:effectLst/>
+                <a:latin typeface="Cambria" panose="02040503050406030204" pitchFamily="18" charset="0"/>
+              </a:rPr>
+              <a:t> </a:t>
+            </a:r>
+            <a:r>
+              <a:rPr lang="fr-FR" sz="1600" dirty="0" smtClean="0">
+                <a:latin typeface="Cambria" panose="02040503050406030204" pitchFamily="18" charset="0"/>
+              </a:rPr>
+              <a:t>=</a:t>
+            </a:r>
+            <a:r>
+              <a:rPr lang="fr-FR" sz="1600" dirty="0" smtClean="0">
+                <a:solidFill>
+                  <a:srgbClr val="C0C0C0"/>
+                </a:solidFill>
+                <a:effectLst/>
+                <a:latin typeface="Cambria" panose="02040503050406030204" pitchFamily="18" charset="0"/>
+              </a:rPr>
+              <a:t> </a:t>
+            </a:r>
+            <a:r>
+              <a:rPr lang="fr-FR" sz="1600" dirty="0" smtClean="0">
+                <a:solidFill>
+                  <a:srgbClr val="800000"/>
+                </a:solidFill>
+                <a:effectLst/>
+                <a:latin typeface="Cambria" panose="02040503050406030204" pitchFamily="18" charset="0"/>
+              </a:rPr>
+              <a:t>FSLA</a:t>
+            </a:r>
+            <a:r>
+              <a:rPr lang="fr-FR" sz="1600" dirty="0" smtClean="0">
+                <a:solidFill>
+                  <a:srgbClr val="C0C0C0"/>
+                </a:solidFill>
+                <a:effectLst/>
+                <a:latin typeface="Cambria" panose="02040503050406030204" pitchFamily="18" charset="0"/>
+              </a:rPr>
+              <a:t> </a:t>
+            </a:r>
+            <a:r>
+              <a:rPr lang="fr-FR" sz="1600" dirty="0" smtClean="0">
+                <a:latin typeface="Cambria" panose="02040503050406030204" pitchFamily="18" charset="0"/>
+              </a:rPr>
+              <a:t>-</a:t>
+            </a:r>
+            <a:r>
+              <a:rPr lang="fr-FR" sz="1600" dirty="0" smtClean="0">
+                <a:solidFill>
+                  <a:srgbClr val="C0C0C0"/>
+                </a:solidFill>
+                <a:effectLst/>
+                <a:latin typeface="Cambria" panose="02040503050406030204" pitchFamily="18" charset="0"/>
+              </a:rPr>
+              <a:t> </a:t>
+            </a:r>
+            <a:r>
+              <a:rPr lang="fr-FR" sz="1600" dirty="0" err="1" smtClean="0">
+                <a:solidFill>
+                  <a:srgbClr val="800000"/>
+                </a:solidFill>
+                <a:effectLst/>
+                <a:latin typeface="Cambria" panose="02040503050406030204" pitchFamily="18" charset="0"/>
+              </a:rPr>
+              <a:t>SLAp</a:t>
+            </a:r>
+            <a:r>
+              <a:rPr lang="fr-FR" sz="1600" dirty="0" smtClean="0">
+                <a:solidFill>
+                  <a:srgbClr val="C0C0C0"/>
+                </a:solidFill>
+                <a:effectLst/>
+                <a:latin typeface="Cambria" panose="02040503050406030204" pitchFamily="18" charset="0"/>
+              </a:rPr>
+              <a:t> </a:t>
+            </a:r>
+            <a:r>
+              <a:rPr lang="fr-FR" sz="1600" dirty="0" smtClean="0">
+                <a:latin typeface="Cambria" panose="02040503050406030204" pitchFamily="18" charset="0"/>
+              </a:rPr>
+              <a:t>*</a:t>
+            </a:r>
+            <a:r>
+              <a:rPr lang="fr-FR" sz="1600" dirty="0" smtClean="0">
+                <a:solidFill>
+                  <a:srgbClr val="C0C0C0"/>
+                </a:solidFill>
+                <a:effectLst/>
+                <a:latin typeface="Cambria" panose="02040503050406030204" pitchFamily="18" charset="0"/>
+              </a:rPr>
+              <a:t> </a:t>
+            </a:r>
+            <a:r>
+              <a:rPr lang="fr-FR" sz="1600" dirty="0" smtClean="0">
+                <a:latin typeface="Cambria" panose="02040503050406030204" pitchFamily="18" charset="0"/>
+              </a:rPr>
+              <a:t>log(</a:t>
+            </a:r>
+            <a:r>
+              <a:rPr lang="fr-FR" sz="1600" dirty="0" err="1" smtClean="0">
+                <a:solidFill>
+                  <a:srgbClr val="800000"/>
+                </a:solidFill>
+                <a:effectLst/>
+                <a:latin typeface="Cambria" panose="02040503050406030204" pitchFamily="18" charset="0"/>
+              </a:rPr>
+              <a:t>phenoStage</a:t>
+            </a:r>
+            <a:r>
+              <a:rPr lang="fr-FR" sz="1600" dirty="0" smtClean="0">
+                <a:latin typeface="Cambria" panose="02040503050406030204" pitchFamily="18" charset="0"/>
+              </a:rPr>
+              <a:t>);</a:t>
+            </a:r>
+          </a:p>
+          <a:p>
+            <a:pPr lvl="0" eaLnBrk="0" fontAlgn="base" hangingPunct="0">
+              <a:spcBef>
+                <a:spcPct val="0"/>
+              </a:spcBef>
+              <a:spcAft>
+                <a:spcPct val="0"/>
+              </a:spcAft>
+            </a:pPr>
+            <a:endParaRPr kumimoji="0" lang="fr-FR" altLang="fr-FR" sz="1600" b="0" i="0" u="none" strike="noStrike" cap="none" normalizeH="0" baseline="0" dirty="0" smtClean="0">
+              <a:ln>
+                <a:noFill/>
+              </a:ln>
+              <a:solidFill>
+                <a:schemeClr val="tx1"/>
+              </a:solidFill>
+              <a:effectLst/>
+              <a:latin typeface="Cambria" panose="02040503050406030204" pitchFamily="18" charset="0"/>
+            </a:endParaRPr>
+          </a:p>
+        </p:txBody>
+      </p:sp>
+    </p:spTree>
+    <p:extLst>
+      <p:ext uri="{BB962C8B-B14F-4D97-AF65-F5344CB8AC3E}">
+        <p14:creationId xmlns:p14="http://schemas.microsoft.com/office/powerpoint/2010/main" val="2774531770"/>
+      </p:ext>
+    </p:extLst>
+  </p:cSld>
+  <p:clrMapOvr>
+    <a:masterClrMapping/>
+  </p:clrMapOvr>
+</p:sld>
+</file>
+
+<file path=ppt/slides/slide2.xml><?xml version="1.0" encoding="utf-8"?>
+<p:sld xmlns:a="http://schemas.openxmlformats.org/drawingml/2006/main" xmlns:r="http://schemas.openxmlformats.org/officeDocument/2006/relationships" xmlns:p="http://schemas.openxmlformats.org/presentationml/2006/main">
+  <p:cSld>
+    <p:spTree>
+      <p:nvGrpSpPr>
+        <p:cNvPr id="1" name=""/>
+        <p:cNvGrpSpPr/>
+        <p:nvPr/>
+      </p:nvGrpSpPr>
+      <p:grpSpPr>
+        <a:xfrm>
+          <a:off x="0" y="0"/>
+          <a:ext cx="0" cy="0"/>
+          <a:chOff x="0" y="0"/>
+          <a:chExt cx="0" cy="0"/>
+        </a:xfrm>
+      </p:grpSpPr>
+      <p:sp>
+        <p:nvSpPr>
           <p:cNvPr id="4" name="Rectangle 3"/>
           <p:cNvSpPr/>
           <p:nvPr/>
@@ -3628,7 +6474,7 @@
         </p:nvSpPr>
         <p:spPr>
           <a:xfrm>
-            <a:off x="10463137" y="5726447"/>
+            <a:off x="5184555" y="5535255"/>
             <a:ext cx="1622559" cy="923330"/>
           </a:xfrm>
           <a:prstGeom prst="rect">
@@ -4249,7 +7095,7 @@
 </p:sld>
 </file>
 
-<file path=ppt/slides/slide2.xml><?xml version="1.0" encoding="utf-8"?>
+<file path=ppt/slides/slide3.xml><?xml version="1.0" encoding="utf-8"?>
 <p:sld xmlns:a="http://schemas.openxmlformats.org/drawingml/2006/main" xmlns:r="http://schemas.openxmlformats.org/officeDocument/2006/relationships" xmlns:p="http://schemas.openxmlformats.org/presentationml/2006/main">
   <p:cSld>
     <p:spTree>
@@ -5091,11 +7937,6 @@
               </a:rPr>
               <a:t>&gt; 0</a:t>
             </a:r>
-            <a:endParaRPr lang="fr-FR" sz="1400" dirty="0">
-              <a:latin typeface="Verdana" panose="020B0604030504040204" pitchFamily="34" charset="0"/>
-              <a:ea typeface="Verdana" panose="020B0604030504040204" pitchFamily="34" charset="0"/>
-              <a:cs typeface="Verdana" panose="020B0604030504040204" pitchFamily="34" charset="0"/>
-            </a:endParaRPr>
           </a:p>
         </p:txBody>
       </p:sp>
@@ -5913,7 +8754,7 @@
 </p:sld>
 </file>
 
-<file path=ppt/slides/slide3.xml><?xml version="1.0" encoding="utf-8"?>
+<file path=ppt/slides/slide4.xml><?xml version="1.0" encoding="utf-8"?>
 <p:sld xmlns:a="http://schemas.openxmlformats.org/drawingml/2006/main" xmlns:r="http://schemas.openxmlformats.org/officeDocument/2006/relationships" xmlns:p="http://schemas.openxmlformats.org/presentationml/2006/main">
   <p:cSld>
     <p:spTree>
@@ -6989,7 +9830,7 @@
 </p:sld>
 </file>
 
-<file path=ppt/slides/slide4.xml><?xml version="1.0" encoding="utf-8"?>
+<file path=ppt/slides/slide5.xml><?xml version="1.0" encoding="utf-8"?>
 <p:sld xmlns:a="http://schemas.openxmlformats.org/drawingml/2006/main" xmlns:r="http://schemas.openxmlformats.org/officeDocument/2006/relationships" xmlns:p="http://schemas.openxmlformats.org/presentationml/2006/main">
   <p:cSld>
     <p:spTree>
@@ -7006,8 +9847,818 @@
           <a:chExt cx="0" cy="0"/>
         </a:xfrm>
       </p:grpSpPr>
-      <mc:AlternateContent xmlns:mc="http://schemas.openxmlformats.org/markup-compatibility/2006">
-        <mc:Choice xmlns:a14="http://schemas.microsoft.com/office/drawing/2010/main" Requires="a14">
+      <p:sp>
+        <p:nvSpPr>
+          <p:cNvPr id="9" name="Rectangle à coins arrondis 8"/>
+          <p:cNvSpPr/>
+          <p:nvPr/>
+        </p:nvSpPr>
+        <p:spPr>
+          <a:xfrm>
+            <a:off x="818147" y="992856"/>
+            <a:ext cx="3922296" cy="4469480"/>
+          </a:xfrm>
+          <a:prstGeom prst="roundRect">
+            <a:avLst/>
+          </a:prstGeom>
+        </p:spPr>
+        <p:style>
+          <a:lnRef idx="2">
+            <a:schemeClr val="accent1"/>
+          </a:lnRef>
+          <a:fillRef idx="1">
+            <a:schemeClr val="lt1"/>
+          </a:fillRef>
+          <a:effectRef idx="0">
+            <a:schemeClr val="accent1"/>
+          </a:effectRef>
+          <a:fontRef idx="minor">
+            <a:schemeClr val="dk1"/>
+          </a:fontRef>
+        </p:style>
+        <p:txBody>
+          <a:bodyPr rtlCol="0" anchor="t"/>
+          <a:lstStyle/>
+          <a:p>
+            <a:pPr algn="ctr"/>
+            <a:r>
+              <a:rPr lang="fr-FR" sz="3600" dirty="0" smtClean="0"/>
+              <a:t>Plant</a:t>
+            </a:r>
+            <a:endParaRPr lang="fr-FR" sz="3600" dirty="0"/>
+          </a:p>
+        </p:txBody>
+      </p:sp>
+      <p:sp>
+        <p:nvSpPr>
+          <p:cNvPr id="6" name="Rectangle 3"/>
+          <p:cNvSpPr>
+            <a:spLocks noChangeArrowheads="1"/>
+          </p:cNvSpPr>
+          <p:nvPr/>
+        </p:nvSpPr>
+        <p:spPr bwMode="auto">
+          <a:xfrm>
+            <a:off x="1010653" y="4946674"/>
+            <a:ext cx="3537284" cy="276999"/>
+          </a:xfrm>
+          <a:prstGeom prst="rect">
+            <a:avLst/>
+          </a:prstGeom>
+          <a:noFill/>
+          <a:ln>
+            <a:noFill/>
+          </a:ln>
+          <a:effectLst/>
+          <a:extLst>
+            <a:ext uri="{909E8E84-426E-40DD-AFC4-6F175D3DCCD1}">
+              <a14:hiddenFill xmlns:a14="http://schemas.microsoft.com/office/drawing/2010/main">
+                <a:solidFill>
+                  <a:schemeClr val="accent1"/>
+                </a:solidFill>
+              </a14:hiddenFill>
+            </a:ext>
+            <a:ext uri="{91240B29-F687-4F45-9708-019B960494DF}">
+              <a14:hiddenLine xmlns:a14="http://schemas.microsoft.com/office/drawing/2010/main" w="9525">
+                <a:solidFill>
+                  <a:schemeClr val="tx1"/>
+                </a:solidFill>
+                <a:miter lim="800000"/>
+                <a:headEnd/>
+                <a:tailEnd/>
+              </a14:hiddenLine>
+            </a:ext>
+            <a:ext uri="{AF507438-7753-43E0-B8FC-AC1667EBCBE1}">
+              <a14:hiddenEffects xmlns:a14="http://schemas.microsoft.com/office/drawing/2010/main">
+                <a:effectLst>
+                  <a:outerShdw dist="35921" dir="2700000" algn="ctr" rotWithShape="0">
+                    <a:schemeClr val="bg2"/>
+                  </a:outerShdw>
+                </a:effectLst>
+              </a14:hiddenEffects>
+            </a:ext>
+          </a:extLst>
+        </p:spPr>
+        <p:txBody>
+          <a:bodyPr vert="horz" wrap="square" lIns="0" tIns="0" rIns="0" bIns="0" numCol="1" anchor="ctr" anchorCtr="0" compatLnSpc="1">
+            <a:prstTxWarp prst="textNoShape">
+              <a:avLst/>
+            </a:prstTxWarp>
+            <a:spAutoFit/>
+          </a:bodyPr>
+          <a:lstStyle/>
+          <a:p>
+            <a:pPr marL="0" marR="0" lvl="0" indent="0" algn="ctr" defTabSz="914400" rtl="0" eaLnBrk="0" fontAlgn="base" latinLnBrk="0" hangingPunct="0">
+              <a:lnSpc>
+                <a:spcPct val="100000"/>
+              </a:lnSpc>
+              <a:spcBef>
+                <a:spcPct val="0"/>
+              </a:spcBef>
+              <a:spcAft>
+                <a:spcPct val="0"/>
+              </a:spcAft>
+              <a:buClrTx/>
+              <a:buSzTx/>
+              <a:buFontTx/>
+              <a:buNone/>
+              <a:tabLst/>
+            </a:pPr>
+            <a:r>
+              <a:rPr kumimoji="0" lang="fr-FR" altLang="fr-FR" b="0" i="0" u="none" strike="noStrike" cap="none" normalizeH="0" baseline="0" dirty="0" smtClean="0">
+                <a:ln>
+                  <a:noFill/>
+                </a:ln>
+                <a:solidFill>
+                  <a:srgbClr val="800080"/>
+                </a:solidFill>
+                <a:effectLst/>
+                <a:latin typeface="Arial Unicode MS"/>
+              </a:rPr>
+              <a:t>NEW_PHYTOMER_AVAILABLE</a:t>
+            </a:r>
+            <a:endParaRPr kumimoji="0" lang="fr-FR" altLang="fr-FR" b="0" i="0" u="none" strike="noStrike" cap="none" normalizeH="0" baseline="0" dirty="0" smtClean="0">
+              <a:ln>
+                <a:noFill/>
+              </a:ln>
+              <a:solidFill>
+                <a:schemeClr val="tx1"/>
+              </a:solidFill>
+              <a:effectLst/>
+              <a:latin typeface="Arial" panose="020B0604020202020204" pitchFamily="34" charset="0"/>
+            </a:endParaRPr>
+          </a:p>
+        </p:txBody>
+      </p:sp>
+      <p:sp>
+        <p:nvSpPr>
+          <p:cNvPr id="10" name="Rectangle 9"/>
+          <p:cNvSpPr/>
+          <p:nvPr/>
+        </p:nvSpPr>
+        <p:spPr>
+          <a:xfrm>
+            <a:off x="1203155" y="1907935"/>
+            <a:ext cx="3064044" cy="2585323"/>
+          </a:xfrm>
+          <a:prstGeom prst="rect">
+            <a:avLst/>
+          </a:prstGeom>
+        </p:spPr>
+        <p:txBody>
+          <a:bodyPr wrap="square">
+            <a:spAutoFit/>
+          </a:bodyPr>
+          <a:lstStyle/>
+          <a:p>
+            <a:pPr algn="ctr"/>
+            <a:r>
+              <a:rPr lang="fr-FR" altLang="fr-FR" dirty="0" smtClean="0">
+                <a:latin typeface="Arial Unicode MS"/>
+              </a:rPr>
+              <a:t>(  </a:t>
+            </a:r>
+            <a:r>
+              <a:rPr lang="fr-FR" altLang="fr-FR" dirty="0" smtClean="0">
+                <a:solidFill>
+                  <a:srgbClr val="800080"/>
+                </a:solidFill>
+                <a:latin typeface="Arial Unicode MS"/>
+              </a:rPr>
+              <a:t>VEGETATIVE</a:t>
+            </a:r>
+            <a:r>
+              <a:rPr lang="fr-FR" altLang="fr-FR" dirty="0" smtClean="0"/>
+              <a:t> </a:t>
+            </a:r>
+          </a:p>
+          <a:p>
+            <a:pPr algn="ctr"/>
+            <a:r>
+              <a:rPr lang="fr-FR" altLang="fr-FR" dirty="0" smtClean="0">
+                <a:latin typeface="Arial Unicode MS"/>
+              </a:rPr>
+              <a:t>or</a:t>
+            </a:r>
+            <a:r>
+              <a:rPr lang="fr-FR" altLang="fr-FR" dirty="0" smtClean="0">
+                <a:solidFill>
+                  <a:srgbClr val="800080"/>
+                </a:solidFill>
+                <a:latin typeface="Arial Unicode MS"/>
+              </a:rPr>
+              <a:t> ELONG</a:t>
+            </a:r>
+            <a:r>
+              <a:rPr lang="fr-FR" altLang="fr-FR" dirty="0" smtClean="0"/>
+              <a:t> </a:t>
+            </a:r>
+            <a:endParaRPr lang="fr-FR" dirty="0" smtClean="0"/>
+          </a:p>
+          <a:p>
+            <a:pPr algn="ctr"/>
+            <a:r>
+              <a:rPr lang="fr-FR" altLang="fr-FR" dirty="0" smtClean="0">
+                <a:latin typeface="Arial Unicode MS"/>
+              </a:rPr>
+              <a:t>or</a:t>
+            </a:r>
+            <a:r>
+              <a:rPr lang="fr-FR" altLang="fr-FR" dirty="0" smtClean="0">
+                <a:solidFill>
+                  <a:srgbClr val="800080"/>
+                </a:solidFill>
+                <a:latin typeface="Arial Unicode MS"/>
+              </a:rPr>
+              <a:t> PI</a:t>
+            </a:r>
+            <a:endParaRPr lang="fr-FR" dirty="0" smtClean="0"/>
+          </a:p>
+          <a:p>
+            <a:pPr algn="ctr"/>
+            <a:r>
+              <a:rPr lang="fr-FR" altLang="fr-FR" dirty="0" smtClean="0">
+                <a:latin typeface="Arial Unicode MS"/>
+              </a:rPr>
+              <a:t>or</a:t>
+            </a:r>
+            <a:r>
+              <a:rPr lang="fr-FR" altLang="fr-FR" dirty="0" smtClean="0">
+                <a:solidFill>
+                  <a:srgbClr val="800080"/>
+                </a:solidFill>
+                <a:latin typeface="Arial Unicode MS"/>
+              </a:rPr>
+              <a:t> PRE_FLO  </a:t>
+            </a:r>
+            <a:r>
+              <a:rPr lang="fr-FR" altLang="fr-FR" dirty="0" smtClean="0">
+                <a:latin typeface="Arial Unicode MS"/>
+              </a:rPr>
+              <a:t>)</a:t>
+            </a:r>
+          </a:p>
+          <a:p>
+            <a:pPr algn="ctr"/>
+            <a:endParaRPr lang="fr-FR" dirty="0">
+              <a:solidFill>
+                <a:srgbClr val="800080"/>
+              </a:solidFill>
+              <a:latin typeface="Arial Unicode MS"/>
+            </a:endParaRPr>
+          </a:p>
+          <a:p>
+            <a:pPr algn="ctr"/>
+            <a:r>
+              <a:rPr lang="fr-FR" dirty="0" smtClean="0">
+                <a:latin typeface="Arial Unicode MS"/>
+              </a:rPr>
+              <a:t>and</a:t>
+            </a:r>
+          </a:p>
+          <a:p>
+            <a:pPr algn="ctr"/>
+            <a:r>
+              <a:rPr lang="fr-FR" altLang="fr-FR" dirty="0" smtClean="0">
+                <a:solidFill>
+                  <a:srgbClr val="6600CC"/>
+                </a:solidFill>
+                <a:latin typeface="Arial" panose="020B0604020202020204" pitchFamily="34" charset="0"/>
+              </a:rPr>
+              <a:t>stock &gt; 0</a:t>
+            </a:r>
+            <a:endParaRPr lang="fr-FR" dirty="0" smtClean="0">
+              <a:solidFill>
+                <a:srgbClr val="6600CC"/>
+              </a:solidFill>
+            </a:endParaRPr>
+          </a:p>
+          <a:p>
+            <a:pPr algn="ctr"/>
+            <a:r>
+              <a:rPr lang="fr-FR" dirty="0" smtClean="0">
+                <a:latin typeface="Arial Unicode MS"/>
+              </a:rPr>
+              <a:t>and</a:t>
+            </a:r>
+            <a:endParaRPr lang="fr-FR" dirty="0">
+              <a:solidFill>
+                <a:srgbClr val="800080"/>
+              </a:solidFill>
+              <a:latin typeface="Arial Unicode MS"/>
+            </a:endParaRPr>
+          </a:p>
+          <a:p>
+            <a:pPr algn="ctr"/>
+            <a:r>
+              <a:rPr lang="fr-FR" altLang="fr-FR" dirty="0" err="1" smtClean="0">
+                <a:solidFill>
+                  <a:srgbClr val="6600CC"/>
+                </a:solidFill>
+                <a:latin typeface="Arial" panose="020B0604020202020204" pitchFamily="34" charset="0"/>
+              </a:rPr>
+              <a:t>bool_crossed_plasto</a:t>
+            </a:r>
+            <a:r>
+              <a:rPr lang="fr-FR" altLang="fr-FR" dirty="0" smtClean="0">
+                <a:solidFill>
+                  <a:srgbClr val="6600CC"/>
+                </a:solidFill>
+                <a:latin typeface="Arial" panose="020B0604020202020204" pitchFamily="34" charset="0"/>
+              </a:rPr>
+              <a:t> </a:t>
+            </a:r>
+            <a:r>
+              <a:rPr lang="fr-FR" altLang="fr-FR" dirty="0">
+                <a:solidFill>
+                  <a:srgbClr val="6600CC"/>
+                </a:solidFill>
+                <a:latin typeface="Arial" panose="020B0604020202020204" pitchFamily="34" charset="0"/>
+              </a:rPr>
+              <a:t>&gt;= 0</a:t>
+            </a:r>
+            <a:endParaRPr lang="fr-FR" dirty="0" smtClean="0">
+              <a:solidFill>
+                <a:srgbClr val="6600CC"/>
+              </a:solidFill>
+            </a:endParaRPr>
+          </a:p>
+        </p:txBody>
+      </p:sp>
+      <p:sp>
+        <p:nvSpPr>
+          <p:cNvPr id="11" name="Rectangle à coins arrondis 10"/>
+          <p:cNvSpPr/>
+          <p:nvPr/>
+        </p:nvSpPr>
+        <p:spPr>
+          <a:xfrm>
+            <a:off x="7154777" y="992856"/>
+            <a:ext cx="3922296" cy="4469480"/>
+          </a:xfrm>
+          <a:prstGeom prst="roundRect">
+            <a:avLst/>
+          </a:prstGeom>
+        </p:spPr>
+        <p:style>
+          <a:lnRef idx="2">
+            <a:schemeClr val="accent1"/>
+          </a:lnRef>
+          <a:fillRef idx="1">
+            <a:schemeClr val="lt1"/>
+          </a:fillRef>
+          <a:effectRef idx="0">
+            <a:schemeClr val="accent1"/>
+          </a:effectRef>
+          <a:fontRef idx="minor">
+            <a:schemeClr val="dk1"/>
+          </a:fontRef>
+        </p:style>
+        <p:txBody>
+          <a:bodyPr rtlCol="0" anchor="t"/>
+          <a:lstStyle/>
+          <a:p>
+            <a:pPr algn="ctr"/>
+            <a:r>
+              <a:rPr lang="fr-FR" sz="3600" dirty="0" smtClean="0"/>
+              <a:t>Culm</a:t>
+            </a:r>
+            <a:endParaRPr lang="fr-FR" sz="3600" dirty="0"/>
+          </a:p>
+        </p:txBody>
+      </p:sp>
+      <p:sp>
+        <p:nvSpPr>
+          <p:cNvPr id="12" name="Rectangle 11"/>
+          <p:cNvSpPr/>
+          <p:nvPr/>
+        </p:nvSpPr>
+        <p:spPr>
+          <a:xfrm>
+            <a:off x="6926184" y="2073434"/>
+            <a:ext cx="4443658" cy="2308324"/>
+          </a:xfrm>
+          <a:prstGeom prst="rect">
+            <a:avLst/>
+          </a:prstGeom>
+        </p:spPr>
+        <p:txBody>
+          <a:bodyPr wrap="square">
+            <a:spAutoFit/>
+          </a:bodyPr>
+          <a:lstStyle/>
+          <a:p>
+            <a:pPr algn="ctr"/>
+            <a:r>
+              <a:rPr lang="fr-FR" altLang="fr-FR" dirty="0" smtClean="0">
+                <a:latin typeface="Arial Unicode MS"/>
+              </a:rPr>
+              <a:t>( </a:t>
+            </a:r>
+            <a:r>
+              <a:rPr lang="fr-FR" altLang="fr-FR" dirty="0" smtClean="0">
+                <a:solidFill>
+                  <a:srgbClr val="800080"/>
+                </a:solidFill>
+                <a:latin typeface="Arial Unicode MS"/>
+              </a:rPr>
+              <a:t>VEGETATIVE</a:t>
+            </a:r>
+            <a:r>
+              <a:rPr lang="fr-FR" altLang="fr-FR" dirty="0" smtClean="0"/>
+              <a:t> </a:t>
+            </a:r>
+          </a:p>
+          <a:p>
+            <a:pPr algn="ctr"/>
+            <a:r>
+              <a:rPr lang="fr-FR" altLang="fr-FR" dirty="0" smtClean="0">
+                <a:latin typeface="Arial Unicode MS"/>
+              </a:rPr>
+              <a:t>or</a:t>
+            </a:r>
+            <a:r>
+              <a:rPr lang="fr-FR" altLang="fr-FR" dirty="0" smtClean="0">
+                <a:solidFill>
+                  <a:srgbClr val="800080"/>
+                </a:solidFill>
+                <a:latin typeface="Arial Unicode MS"/>
+              </a:rPr>
+              <a:t> ELONG</a:t>
+            </a:r>
+            <a:r>
+              <a:rPr lang="fr-FR" altLang="fr-FR" dirty="0" smtClean="0"/>
+              <a:t> </a:t>
+            </a:r>
+            <a:endParaRPr lang="fr-FR" dirty="0" smtClean="0"/>
+          </a:p>
+          <a:p>
+            <a:pPr algn="ctr"/>
+            <a:r>
+              <a:rPr lang="fr-FR" altLang="fr-FR" dirty="0" smtClean="0">
+                <a:latin typeface="Arial Unicode MS"/>
+              </a:rPr>
+              <a:t>or</a:t>
+            </a:r>
+            <a:r>
+              <a:rPr lang="fr-FR" altLang="fr-FR" dirty="0" smtClean="0">
+                <a:solidFill>
+                  <a:srgbClr val="800080"/>
+                </a:solidFill>
+                <a:latin typeface="Arial Unicode MS"/>
+              </a:rPr>
+              <a:t> PI </a:t>
+            </a:r>
+            <a:r>
+              <a:rPr lang="fr-FR" altLang="fr-FR" dirty="0" smtClean="0">
+                <a:latin typeface="Arial Unicode MS"/>
+              </a:rPr>
+              <a:t>)</a:t>
+            </a:r>
+            <a:endParaRPr lang="fr-FR" dirty="0" smtClean="0"/>
+          </a:p>
+          <a:p>
+            <a:pPr algn="ctr"/>
+            <a:endParaRPr lang="fr-FR" dirty="0">
+              <a:solidFill>
+                <a:srgbClr val="800080"/>
+              </a:solidFill>
+              <a:latin typeface="Arial Unicode MS"/>
+            </a:endParaRPr>
+          </a:p>
+          <a:p>
+            <a:pPr algn="ctr"/>
+            <a:r>
+              <a:rPr lang="fr-FR" dirty="0" smtClean="0">
+                <a:latin typeface="Arial Unicode MS"/>
+              </a:rPr>
+              <a:t>and</a:t>
+            </a:r>
+          </a:p>
+          <a:p>
+            <a:pPr algn="ctr"/>
+            <a:r>
+              <a:rPr kumimoji="0" lang="fr-FR" altLang="fr-FR" b="0" i="0" u="none" strike="noStrike" cap="none" normalizeH="0" baseline="0" dirty="0" smtClean="0">
+                <a:ln>
+                  <a:noFill/>
+                </a:ln>
+                <a:solidFill>
+                  <a:srgbClr val="800080"/>
+                </a:solidFill>
+                <a:effectLst/>
+                <a:latin typeface="Arial Unicode MS"/>
+              </a:rPr>
+              <a:t>NEW_PHYTOMER_AVAILABLE</a:t>
+            </a:r>
+          </a:p>
+          <a:p>
+            <a:pPr algn="ctr"/>
+            <a:r>
+              <a:rPr lang="fr-FR" dirty="0" smtClean="0">
+                <a:latin typeface="Arial Unicode MS"/>
+              </a:rPr>
+              <a:t>and</a:t>
+            </a:r>
+          </a:p>
+          <a:p>
+            <a:pPr algn="ctr"/>
+            <a:r>
+              <a:rPr lang="fr-FR" altLang="fr-FR" dirty="0" err="1" smtClean="0">
+                <a:solidFill>
+                  <a:srgbClr val="6600CC"/>
+                </a:solidFill>
+                <a:latin typeface="Arial" panose="020B0604020202020204" pitchFamily="34" charset="0"/>
+              </a:rPr>
+              <a:t>nb_phytomers</a:t>
+            </a:r>
+            <a:r>
+              <a:rPr lang="fr-FR" altLang="fr-FR" dirty="0" smtClean="0">
+                <a:solidFill>
+                  <a:srgbClr val="6600CC"/>
+                </a:solidFill>
+                <a:latin typeface="Arial" panose="020B0604020202020204" pitchFamily="34" charset="0"/>
+              </a:rPr>
+              <a:t> &lt; </a:t>
+            </a:r>
+            <a:r>
+              <a:rPr lang="fr-FR" altLang="fr-FR" dirty="0" err="1" smtClean="0">
+                <a:solidFill>
+                  <a:srgbClr val="FF0000"/>
+                </a:solidFill>
+                <a:latin typeface="Arial" panose="020B0604020202020204" pitchFamily="34" charset="0"/>
+              </a:rPr>
+              <a:t>nb_max_phytomers</a:t>
+            </a:r>
+            <a:endParaRPr lang="fr-FR" dirty="0" smtClean="0">
+              <a:solidFill>
+                <a:srgbClr val="6600CC"/>
+              </a:solidFill>
+            </a:endParaRPr>
+          </a:p>
+        </p:txBody>
+      </p:sp>
+      <p:sp>
+        <p:nvSpPr>
+          <p:cNvPr id="13" name="Rectangle 3"/>
+          <p:cNvSpPr>
+            <a:spLocks noChangeArrowheads="1"/>
+          </p:cNvSpPr>
+          <p:nvPr/>
+        </p:nvSpPr>
+        <p:spPr bwMode="auto">
+          <a:xfrm>
+            <a:off x="7323225" y="4908338"/>
+            <a:ext cx="3537284" cy="276999"/>
+          </a:xfrm>
+          <a:prstGeom prst="rect">
+            <a:avLst/>
+          </a:prstGeom>
+          <a:noFill/>
+          <a:ln>
+            <a:noFill/>
+          </a:ln>
+          <a:effectLst/>
+          <a:extLst>
+            <a:ext uri="{909E8E84-426E-40DD-AFC4-6F175D3DCCD1}">
+              <a14:hiddenFill xmlns:a14="http://schemas.microsoft.com/office/drawing/2010/main">
+                <a:solidFill>
+                  <a:schemeClr val="accent1"/>
+                </a:solidFill>
+              </a14:hiddenFill>
+            </a:ext>
+            <a:ext uri="{91240B29-F687-4F45-9708-019B960494DF}">
+              <a14:hiddenLine xmlns:a14="http://schemas.microsoft.com/office/drawing/2010/main" w="9525">
+                <a:solidFill>
+                  <a:schemeClr val="tx1"/>
+                </a:solidFill>
+                <a:miter lim="800000"/>
+                <a:headEnd/>
+                <a:tailEnd/>
+              </a14:hiddenLine>
+            </a:ext>
+            <a:ext uri="{AF507438-7753-43E0-B8FC-AC1667EBCBE1}">
+              <a14:hiddenEffects xmlns:a14="http://schemas.microsoft.com/office/drawing/2010/main">
+                <a:effectLst>
+                  <a:outerShdw dist="35921" dir="2700000" algn="ctr" rotWithShape="0">
+                    <a:schemeClr val="bg2"/>
+                  </a:outerShdw>
+                </a:effectLst>
+              </a14:hiddenEffects>
+            </a:ext>
+          </a:extLst>
+        </p:spPr>
+        <p:txBody>
+          <a:bodyPr vert="horz" wrap="square" lIns="0" tIns="0" rIns="0" bIns="0" numCol="1" anchor="ctr" anchorCtr="0" compatLnSpc="1">
+            <a:prstTxWarp prst="textNoShape">
+              <a:avLst/>
+            </a:prstTxWarp>
+            <a:spAutoFit/>
+          </a:bodyPr>
+          <a:lstStyle/>
+          <a:p>
+            <a:pPr marL="0" marR="0" lvl="0" indent="0" algn="ctr" defTabSz="914400" rtl="0" eaLnBrk="0" fontAlgn="base" latinLnBrk="0" hangingPunct="0">
+              <a:lnSpc>
+                <a:spcPct val="100000"/>
+              </a:lnSpc>
+              <a:spcBef>
+                <a:spcPct val="0"/>
+              </a:spcBef>
+              <a:spcAft>
+                <a:spcPct val="0"/>
+              </a:spcAft>
+              <a:buClrTx/>
+              <a:buSzTx/>
+              <a:buFontTx/>
+              <a:buNone/>
+              <a:tabLst/>
+            </a:pPr>
+            <a:r>
+              <a:rPr kumimoji="0" lang="fr-FR" altLang="fr-FR" b="0" i="0" u="none" strike="noStrike" cap="none" normalizeH="0" baseline="0" dirty="0" smtClean="0">
+                <a:ln>
+                  <a:noFill/>
+                </a:ln>
+                <a:effectLst/>
+                <a:latin typeface="Arial Unicode MS"/>
+              </a:rPr>
+              <a:t>CREATE_PHYTOMER</a:t>
+            </a:r>
+            <a:endParaRPr kumimoji="0" lang="fr-FR" altLang="fr-FR" b="0" i="0" u="none" strike="noStrike" cap="none" normalizeH="0" baseline="0" dirty="0" smtClean="0">
+              <a:ln>
+                <a:noFill/>
+              </a:ln>
+              <a:effectLst/>
+              <a:latin typeface="Arial" panose="020B0604020202020204" pitchFamily="34" charset="0"/>
+            </a:endParaRPr>
+          </a:p>
+        </p:txBody>
+      </p:sp>
+      <p:sp>
+        <p:nvSpPr>
+          <p:cNvPr id="8" name="Rectangle 7"/>
+          <p:cNvSpPr/>
+          <p:nvPr/>
+        </p:nvSpPr>
+        <p:spPr>
+          <a:xfrm>
+            <a:off x="2774087" y="5604004"/>
+            <a:ext cx="5674695" cy="923330"/>
+          </a:xfrm>
+          <a:prstGeom prst="rect">
+            <a:avLst/>
+          </a:prstGeom>
+          <a:noFill/>
+        </p:spPr>
+        <p:txBody>
+          <a:bodyPr wrap="none" lIns="91440" tIns="45720" rIns="91440" bIns="45720">
+            <a:spAutoFit/>
+          </a:bodyPr>
+          <a:lstStyle/>
+          <a:p>
+            <a:pPr algn="ctr"/>
+            <a:r>
+              <a:rPr lang="fr-FR" sz="5400" b="0" cap="none" spc="0" dirty="0" err="1" smtClean="0">
+                <a:ln w="0"/>
+                <a:gradFill>
+                  <a:gsLst>
+                    <a:gs pos="0">
+                      <a:schemeClr val="accent5">
+                        <a:lumMod val="50000"/>
+                      </a:schemeClr>
+                    </a:gs>
+                    <a:gs pos="50000">
+                      <a:schemeClr val="accent5"/>
+                    </a:gs>
+                    <a:gs pos="100000">
+                      <a:schemeClr val="accent5">
+                        <a:lumMod val="60000"/>
+                        <a:lumOff val="40000"/>
+                      </a:schemeClr>
+                    </a:gs>
+                  </a:gsLst>
+                  <a:lin ang="5400000"/>
+                </a:gradFill>
+                <a:effectLst>
+                  <a:reflection blurRad="6350" stA="53000" endA="300" endPos="35500" dir="5400000" sy="-90000" algn="bl" rotWithShape="0"/>
+                </a:effectLst>
+              </a:rPr>
+              <a:t>Phytomers</a:t>
+            </a:r>
+            <a:r>
+              <a:rPr lang="fr-FR" sz="5400" b="0" cap="none" spc="0" dirty="0" smtClean="0">
+                <a:ln w="0"/>
+                <a:gradFill>
+                  <a:gsLst>
+                    <a:gs pos="0">
+                      <a:schemeClr val="accent5">
+                        <a:lumMod val="50000"/>
+                      </a:schemeClr>
+                    </a:gs>
+                    <a:gs pos="50000">
+                      <a:schemeClr val="accent5"/>
+                    </a:gs>
+                    <a:gs pos="100000">
+                      <a:schemeClr val="accent5">
+                        <a:lumMod val="60000"/>
+                        <a:lumOff val="40000"/>
+                      </a:schemeClr>
+                    </a:gs>
+                  </a:gsLst>
+                  <a:lin ang="5400000"/>
+                </a:gradFill>
+                <a:effectLst>
+                  <a:reflection blurRad="6350" stA="53000" endA="300" endPos="35500" dir="5400000" sy="-90000" algn="bl" rotWithShape="0"/>
+                </a:effectLst>
+              </a:rPr>
+              <a:t> </a:t>
+            </a:r>
+            <a:r>
+              <a:rPr lang="fr-FR" sz="5400" b="0" cap="none" spc="0" dirty="0" err="1" smtClean="0">
+                <a:ln w="0"/>
+                <a:gradFill>
+                  <a:gsLst>
+                    <a:gs pos="0">
+                      <a:schemeClr val="accent5">
+                        <a:lumMod val="50000"/>
+                      </a:schemeClr>
+                    </a:gs>
+                    <a:gs pos="50000">
+                      <a:schemeClr val="accent5"/>
+                    </a:gs>
+                    <a:gs pos="100000">
+                      <a:schemeClr val="accent5">
+                        <a:lumMod val="60000"/>
+                        <a:lumOff val="40000"/>
+                      </a:schemeClr>
+                    </a:gs>
+                  </a:gsLst>
+                  <a:lin ang="5400000"/>
+                </a:gradFill>
+                <a:effectLst>
+                  <a:reflection blurRad="6350" stA="53000" endA="300" endPos="35500" dir="5400000" sy="-90000" algn="bl" rotWithShape="0"/>
+                </a:effectLst>
+              </a:rPr>
+              <a:t>creation</a:t>
+            </a:r>
+            <a:endParaRPr lang="fr-FR" sz="5400" b="0" cap="none" spc="0" dirty="0">
+              <a:ln w="0"/>
+              <a:gradFill>
+                <a:gsLst>
+                  <a:gs pos="0">
+                    <a:schemeClr val="accent5">
+                      <a:lumMod val="50000"/>
+                    </a:schemeClr>
+                  </a:gs>
+                  <a:gs pos="50000">
+                    <a:schemeClr val="accent5"/>
+                  </a:gs>
+                  <a:gs pos="100000">
+                    <a:schemeClr val="accent5">
+                      <a:lumMod val="60000"/>
+                      <a:lumOff val="40000"/>
+                    </a:schemeClr>
+                  </a:gs>
+                </a:gsLst>
+                <a:lin ang="5400000"/>
+              </a:gradFill>
+              <a:effectLst>
+                <a:reflection blurRad="6350" stA="53000" endA="300" endPos="35500" dir="5400000" sy="-90000" algn="bl" rotWithShape="0"/>
+              </a:effectLst>
+            </a:endParaRPr>
+          </a:p>
+        </p:txBody>
+      </p:sp>
+    </p:spTree>
+    <p:extLst>
+      <p:ext uri="{BB962C8B-B14F-4D97-AF65-F5344CB8AC3E}">
+        <p14:creationId xmlns:p14="http://schemas.microsoft.com/office/powerpoint/2010/main" val="1473599681"/>
+      </p:ext>
+    </p:extLst>
+  </p:cSld>
+  <p:clrMapOvr>
+    <a:masterClrMapping/>
+  </p:clrMapOvr>
+</p:sld>
+</file>
+
+<file path=ppt/slides/slide6.xml><?xml version="1.0" encoding="utf-8"?>
+<p:sld xmlns:a="http://schemas.openxmlformats.org/drawingml/2006/main" xmlns:r="http://schemas.openxmlformats.org/officeDocument/2006/relationships" xmlns:p="http://schemas.openxmlformats.org/presentationml/2006/main">
+  <p:cSld>
+    <p:spTree>
+      <p:nvGrpSpPr>
+        <p:cNvPr id="1" name=""/>
+        <p:cNvGrpSpPr/>
+        <p:nvPr/>
+      </p:nvGrpSpPr>
+      <p:grpSpPr>
+        <a:xfrm>
+          <a:off x="0" y="0"/>
+          <a:ext cx="0" cy="0"/>
+          <a:chOff x="0" y="0"/>
+          <a:chExt cx="0" cy="0"/>
+        </a:xfrm>
+      </p:grpSpPr>
+      <mc:AlternateContent xmlns:mc="http://schemas.openxmlformats.org/markup-compatibility/2006" xmlns:a14="http://schemas.microsoft.com/office/drawing/2010/main">
+        <mc:Choice Requires="a14">
           <p:sp>
             <p:nvSpPr>
               <p:cNvPr id="4" name="Rectangle 1"/>
@@ -8860,7 +12511,7 @@
             </p:txBody>
           </p:sp>
         </mc:Choice>
-        <mc:Fallback>
+        <mc:Fallback xmlns="">
           <p:sp>
             <p:nvSpPr>
               <p:cNvPr id="4" name="Rectangle 1"/>
@@ -9014,3555 +12665,6 @@
     <p:extLst>
       <p:ext uri="{BB962C8B-B14F-4D97-AF65-F5344CB8AC3E}">
         <p14:creationId xmlns:p14="http://schemas.microsoft.com/office/powerpoint/2010/main" val="2293644071"/>
-      </p:ext>
-    </p:extLst>
-  </p:cSld>
-  <p:clrMapOvr>
-    <a:masterClrMapping/>
-  </p:clrMapOvr>
-</p:sld>
-</file>
-
-<file path=ppt/slides/slide5.xml><?xml version="1.0" encoding="utf-8"?>
-<p:sld xmlns:a="http://schemas.openxmlformats.org/drawingml/2006/main" xmlns:r="http://schemas.openxmlformats.org/officeDocument/2006/relationships" xmlns:p="http://schemas.openxmlformats.org/presentationml/2006/main">
-  <p:cSld>
-    <p:spTree>
-      <p:nvGrpSpPr>
-        <p:cNvPr id="1" name=""/>
-        <p:cNvGrpSpPr/>
-        <p:nvPr/>
-      </p:nvGrpSpPr>
-      <p:grpSpPr>
-        <a:xfrm>
-          <a:off x="0" y="0"/>
-          <a:ext cx="0" cy="0"/>
-          <a:chOff x="0" y="0"/>
-          <a:chExt cx="0" cy="0"/>
-        </a:xfrm>
-      </p:grpSpPr>
-      <p:sp>
-        <p:nvSpPr>
-          <p:cNvPr id="9" name="Rectangle à coins arrondis 8"/>
-          <p:cNvSpPr/>
-          <p:nvPr/>
-        </p:nvSpPr>
-        <p:spPr>
-          <a:xfrm>
-            <a:off x="818147" y="992856"/>
-            <a:ext cx="3922296" cy="4469480"/>
-          </a:xfrm>
-          <a:prstGeom prst="roundRect">
-            <a:avLst/>
-          </a:prstGeom>
-        </p:spPr>
-        <p:style>
-          <a:lnRef idx="2">
-            <a:schemeClr val="accent1">
-              <a:shade val="50000"/>
-            </a:schemeClr>
-          </a:lnRef>
-          <a:fillRef idx="1">
-            <a:schemeClr val="accent1"/>
-          </a:fillRef>
-          <a:effectRef idx="0">
-            <a:schemeClr val="accent1"/>
-          </a:effectRef>
-          <a:fontRef idx="minor">
-            <a:schemeClr val="lt1"/>
-          </a:fontRef>
-        </p:style>
-        <p:txBody>
-          <a:bodyPr rtlCol="0" anchor="t"/>
-          <a:lstStyle/>
-          <a:p>
-            <a:pPr algn="ctr"/>
-            <a:r>
-              <a:rPr lang="fr-FR" sz="3600" dirty="0" smtClean="0"/>
-              <a:t>Plant</a:t>
-            </a:r>
-            <a:endParaRPr lang="fr-FR" sz="3600" dirty="0"/>
-          </a:p>
-        </p:txBody>
-      </p:sp>
-      <p:sp>
-        <p:nvSpPr>
-          <p:cNvPr id="6" name="Rectangle 3"/>
-          <p:cNvSpPr>
-            <a:spLocks noChangeArrowheads="1"/>
-          </p:cNvSpPr>
-          <p:nvPr/>
-        </p:nvSpPr>
-        <p:spPr bwMode="auto">
-          <a:xfrm>
-            <a:off x="1010653" y="4946674"/>
-            <a:ext cx="3537284" cy="276999"/>
-          </a:xfrm>
-          <a:prstGeom prst="rect">
-            <a:avLst/>
-          </a:prstGeom>
-          <a:noFill/>
-          <a:ln>
-            <a:noFill/>
-          </a:ln>
-          <a:effectLst/>
-          <a:extLst>
-            <a:ext uri="{909E8E84-426E-40DD-AFC4-6F175D3DCCD1}">
-              <a14:hiddenFill xmlns:a14="http://schemas.microsoft.com/office/drawing/2010/main">
-                <a:solidFill>
-                  <a:schemeClr val="accent1"/>
-                </a:solidFill>
-              </a14:hiddenFill>
-            </a:ext>
-            <a:ext uri="{91240B29-F687-4F45-9708-019B960494DF}">
-              <a14:hiddenLine xmlns:a14="http://schemas.microsoft.com/office/drawing/2010/main" w="9525">
-                <a:solidFill>
-                  <a:schemeClr val="tx1"/>
-                </a:solidFill>
-                <a:miter lim="800000"/>
-                <a:headEnd/>
-                <a:tailEnd/>
-              </a14:hiddenLine>
-            </a:ext>
-            <a:ext uri="{AF507438-7753-43E0-B8FC-AC1667EBCBE1}">
-              <a14:hiddenEffects xmlns:a14="http://schemas.microsoft.com/office/drawing/2010/main">
-                <a:effectLst>
-                  <a:outerShdw dist="35921" dir="2700000" algn="ctr" rotWithShape="0">
-                    <a:schemeClr val="bg2"/>
-                  </a:outerShdw>
-                </a:effectLst>
-              </a14:hiddenEffects>
-            </a:ext>
-          </a:extLst>
-        </p:spPr>
-        <p:txBody>
-          <a:bodyPr vert="horz" wrap="square" lIns="0" tIns="0" rIns="0" bIns="0" numCol="1" anchor="ctr" anchorCtr="0" compatLnSpc="1">
-            <a:prstTxWarp prst="textNoShape">
-              <a:avLst/>
-            </a:prstTxWarp>
-            <a:spAutoFit/>
-          </a:bodyPr>
-          <a:lstStyle/>
-          <a:p>
-            <a:pPr marL="0" marR="0" lvl="0" indent="0" algn="ctr" defTabSz="914400" rtl="0" eaLnBrk="0" fontAlgn="base" latinLnBrk="0" hangingPunct="0">
-              <a:lnSpc>
-                <a:spcPct val="100000"/>
-              </a:lnSpc>
-              <a:spcBef>
-                <a:spcPct val="0"/>
-              </a:spcBef>
-              <a:spcAft>
-                <a:spcPct val="0"/>
-              </a:spcAft>
-              <a:buClrTx/>
-              <a:buSzTx/>
-              <a:buFontTx/>
-              <a:buNone/>
-              <a:tabLst/>
-            </a:pPr>
-            <a:r>
-              <a:rPr kumimoji="0" lang="fr-FR" altLang="fr-FR" b="0" i="0" u="none" strike="noStrike" cap="none" normalizeH="0" baseline="0" dirty="0" smtClean="0">
-                <a:ln>
-                  <a:noFill/>
-                </a:ln>
-                <a:solidFill>
-                  <a:srgbClr val="800080"/>
-                </a:solidFill>
-                <a:effectLst/>
-                <a:latin typeface="Arial Unicode MS"/>
-              </a:rPr>
-              <a:t>NEW_PHYTOMER_AVAILABLE</a:t>
-            </a:r>
-            <a:endParaRPr kumimoji="0" lang="fr-FR" altLang="fr-FR" b="0" i="0" u="none" strike="noStrike" cap="none" normalizeH="0" baseline="0" dirty="0" smtClean="0">
-              <a:ln>
-                <a:noFill/>
-              </a:ln>
-              <a:solidFill>
-                <a:schemeClr val="tx1"/>
-              </a:solidFill>
-              <a:effectLst/>
-              <a:latin typeface="Arial" panose="020B0604020202020204" pitchFamily="34" charset="0"/>
-            </a:endParaRPr>
-          </a:p>
-        </p:txBody>
-      </p:sp>
-      <p:sp>
-        <p:nvSpPr>
-          <p:cNvPr id="10" name="Rectangle 9"/>
-          <p:cNvSpPr/>
-          <p:nvPr/>
-        </p:nvSpPr>
-        <p:spPr>
-          <a:xfrm>
-            <a:off x="1203155" y="1907935"/>
-            <a:ext cx="3064044" cy="2585323"/>
-          </a:xfrm>
-          <a:prstGeom prst="rect">
-            <a:avLst/>
-          </a:prstGeom>
-        </p:spPr>
-        <p:txBody>
-          <a:bodyPr wrap="square">
-            <a:spAutoFit/>
-          </a:bodyPr>
-          <a:lstStyle/>
-          <a:p>
-            <a:pPr algn="ctr"/>
-            <a:r>
-              <a:rPr lang="fr-FR" altLang="fr-FR" dirty="0" smtClean="0">
-                <a:latin typeface="Arial Unicode MS"/>
-              </a:rPr>
-              <a:t>(  </a:t>
-            </a:r>
-            <a:r>
-              <a:rPr lang="fr-FR" altLang="fr-FR" dirty="0" smtClean="0">
-                <a:solidFill>
-                  <a:srgbClr val="800080"/>
-                </a:solidFill>
-                <a:latin typeface="Arial Unicode MS"/>
-              </a:rPr>
-              <a:t>VEGETATIVE</a:t>
-            </a:r>
-            <a:r>
-              <a:rPr lang="fr-FR" altLang="fr-FR" dirty="0" smtClean="0"/>
-              <a:t> </a:t>
-            </a:r>
-          </a:p>
-          <a:p>
-            <a:pPr algn="ctr"/>
-            <a:r>
-              <a:rPr lang="fr-FR" altLang="fr-FR" dirty="0" smtClean="0">
-                <a:latin typeface="Arial Unicode MS"/>
-              </a:rPr>
-              <a:t>or</a:t>
-            </a:r>
-            <a:r>
-              <a:rPr lang="fr-FR" altLang="fr-FR" dirty="0" smtClean="0">
-                <a:solidFill>
-                  <a:srgbClr val="800080"/>
-                </a:solidFill>
-                <a:latin typeface="Arial Unicode MS"/>
-              </a:rPr>
-              <a:t> ELONG</a:t>
-            </a:r>
-            <a:r>
-              <a:rPr lang="fr-FR" altLang="fr-FR" dirty="0" smtClean="0"/>
-              <a:t> </a:t>
-            </a:r>
-            <a:endParaRPr lang="fr-FR" dirty="0" smtClean="0"/>
-          </a:p>
-          <a:p>
-            <a:pPr algn="ctr"/>
-            <a:r>
-              <a:rPr lang="fr-FR" altLang="fr-FR" dirty="0" smtClean="0">
-                <a:latin typeface="Arial Unicode MS"/>
-              </a:rPr>
-              <a:t>or</a:t>
-            </a:r>
-            <a:r>
-              <a:rPr lang="fr-FR" altLang="fr-FR" dirty="0" smtClean="0">
-                <a:solidFill>
-                  <a:srgbClr val="800080"/>
-                </a:solidFill>
-                <a:latin typeface="Arial Unicode MS"/>
-              </a:rPr>
-              <a:t> PI</a:t>
-            </a:r>
-            <a:endParaRPr lang="fr-FR" dirty="0" smtClean="0"/>
-          </a:p>
-          <a:p>
-            <a:pPr algn="ctr"/>
-            <a:r>
-              <a:rPr lang="fr-FR" altLang="fr-FR" dirty="0" smtClean="0">
-                <a:latin typeface="Arial Unicode MS"/>
-              </a:rPr>
-              <a:t>or</a:t>
-            </a:r>
-            <a:r>
-              <a:rPr lang="fr-FR" altLang="fr-FR" dirty="0" smtClean="0">
-                <a:solidFill>
-                  <a:srgbClr val="800080"/>
-                </a:solidFill>
-                <a:latin typeface="Arial Unicode MS"/>
-              </a:rPr>
-              <a:t> PRE_FLO  </a:t>
-            </a:r>
-            <a:r>
-              <a:rPr lang="fr-FR" altLang="fr-FR" dirty="0" smtClean="0">
-                <a:latin typeface="Arial Unicode MS"/>
-              </a:rPr>
-              <a:t>)</a:t>
-            </a:r>
-          </a:p>
-          <a:p>
-            <a:pPr algn="ctr"/>
-            <a:endParaRPr lang="fr-FR" dirty="0">
-              <a:solidFill>
-                <a:srgbClr val="800080"/>
-              </a:solidFill>
-              <a:latin typeface="Arial Unicode MS"/>
-            </a:endParaRPr>
-          </a:p>
-          <a:p>
-            <a:pPr algn="ctr"/>
-            <a:r>
-              <a:rPr lang="fr-FR" dirty="0" smtClean="0">
-                <a:latin typeface="Arial Unicode MS"/>
-              </a:rPr>
-              <a:t>and</a:t>
-            </a:r>
-          </a:p>
-          <a:p>
-            <a:pPr algn="ctr"/>
-            <a:r>
-              <a:rPr lang="fr-FR" altLang="fr-FR" dirty="0" smtClean="0">
-                <a:solidFill>
-                  <a:srgbClr val="6600CC"/>
-                </a:solidFill>
-                <a:latin typeface="Arial" panose="020B0604020202020204" pitchFamily="34" charset="0"/>
-              </a:rPr>
-              <a:t>stock &gt; 0</a:t>
-            </a:r>
-            <a:endParaRPr lang="fr-FR" dirty="0" smtClean="0">
-              <a:solidFill>
-                <a:srgbClr val="6600CC"/>
-              </a:solidFill>
-            </a:endParaRPr>
-          </a:p>
-          <a:p>
-            <a:pPr algn="ctr"/>
-            <a:r>
-              <a:rPr lang="fr-FR" dirty="0" smtClean="0">
-                <a:latin typeface="Arial Unicode MS"/>
-              </a:rPr>
-              <a:t>and</a:t>
-            </a:r>
-            <a:endParaRPr lang="fr-FR" dirty="0">
-              <a:solidFill>
-                <a:srgbClr val="800080"/>
-              </a:solidFill>
-              <a:latin typeface="Arial Unicode MS"/>
-            </a:endParaRPr>
-          </a:p>
-          <a:p>
-            <a:pPr algn="ctr"/>
-            <a:r>
-              <a:rPr lang="fr-FR" altLang="fr-FR" dirty="0" err="1" smtClean="0">
-                <a:solidFill>
-                  <a:srgbClr val="6600CC"/>
-                </a:solidFill>
-                <a:latin typeface="Arial" panose="020B0604020202020204" pitchFamily="34" charset="0"/>
-              </a:rPr>
-              <a:t>bool_crossed_plasto</a:t>
-            </a:r>
-            <a:r>
-              <a:rPr lang="fr-FR" altLang="fr-FR" dirty="0" smtClean="0">
-                <a:solidFill>
-                  <a:srgbClr val="6600CC"/>
-                </a:solidFill>
-                <a:latin typeface="Arial" panose="020B0604020202020204" pitchFamily="34" charset="0"/>
-              </a:rPr>
-              <a:t> </a:t>
-            </a:r>
-            <a:r>
-              <a:rPr lang="fr-FR" altLang="fr-FR" dirty="0">
-                <a:solidFill>
-                  <a:srgbClr val="6600CC"/>
-                </a:solidFill>
-                <a:latin typeface="Arial" panose="020B0604020202020204" pitchFamily="34" charset="0"/>
-              </a:rPr>
-              <a:t>&gt;= 0</a:t>
-            </a:r>
-            <a:endParaRPr lang="fr-FR" dirty="0" smtClean="0">
-              <a:solidFill>
-                <a:srgbClr val="6600CC"/>
-              </a:solidFill>
-            </a:endParaRPr>
-          </a:p>
-        </p:txBody>
-      </p:sp>
-      <p:sp>
-        <p:nvSpPr>
-          <p:cNvPr id="11" name="Rectangle à coins arrondis 10"/>
-          <p:cNvSpPr/>
-          <p:nvPr/>
-        </p:nvSpPr>
-        <p:spPr>
-          <a:xfrm>
-            <a:off x="7154777" y="992856"/>
-            <a:ext cx="3922296" cy="4469480"/>
-          </a:xfrm>
-          <a:prstGeom prst="roundRect">
-            <a:avLst/>
-          </a:prstGeom>
-        </p:spPr>
-        <p:style>
-          <a:lnRef idx="2">
-            <a:schemeClr val="accent1">
-              <a:shade val="50000"/>
-            </a:schemeClr>
-          </a:lnRef>
-          <a:fillRef idx="1">
-            <a:schemeClr val="accent1"/>
-          </a:fillRef>
-          <a:effectRef idx="0">
-            <a:schemeClr val="accent1"/>
-          </a:effectRef>
-          <a:fontRef idx="minor">
-            <a:schemeClr val="lt1"/>
-          </a:fontRef>
-        </p:style>
-        <p:txBody>
-          <a:bodyPr rtlCol="0" anchor="t"/>
-          <a:lstStyle/>
-          <a:p>
-            <a:pPr algn="ctr"/>
-            <a:r>
-              <a:rPr lang="fr-FR" sz="3600" dirty="0" smtClean="0"/>
-              <a:t>Culm</a:t>
-            </a:r>
-            <a:endParaRPr lang="fr-FR" sz="3600" dirty="0"/>
-          </a:p>
-        </p:txBody>
-      </p:sp>
-      <p:sp>
-        <p:nvSpPr>
-          <p:cNvPr id="12" name="Rectangle 11"/>
-          <p:cNvSpPr/>
-          <p:nvPr/>
-        </p:nvSpPr>
-        <p:spPr>
-          <a:xfrm>
-            <a:off x="6926184" y="2073434"/>
-            <a:ext cx="4443658" cy="2308324"/>
-          </a:xfrm>
-          <a:prstGeom prst="rect">
-            <a:avLst/>
-          </a:prstGeom>
-        </p:spPr>
-        <p:txBody>
-          <a:bodyPr wrap="square">
-            <a:spAutoFit/>
-          </a:bodyPr>
-          <a:lstStyle/>
-          <a:p>
-            <a:pPr algn="ctr"/>
-            <a:r>
-              <a:rPr lang="fr-FR" altLang="fr-FR" dirty="0" smtClean="0">
-                <a:latin typeface="Arial Unicode MS"/>
-              </a:rPr>
-              <a:t>( </a:t>
-            </a:r>
-            <a:r>
-              <a:rPr lang="fr-FR" altLang="fr-FR" dirty="0" smtClean="0">
-                <a:solidFill>
-                  <a:srgbClr val="800080"/>
-                </a:solidFill>
-                <a:latin typeface="Arial Unicode MS"/>
-              </a:rPr>
-              <a:t>VEGETATIVE</a:t>
-            </a:r>
-            <a:r>
-              <a:rPr lang="fr-FR" altLang="fr-FR" dirty="0" smtClean="0"/>
-              <a:t> </a:t>
-            </a:r>
-          </a:p>
-          <a:p>
-            <a:pPr algn="ctr"/>
-            <a:r>
-              <a:rPr lang="fr-FR" altLang="fr-FR" dirty="0" smtClean="0">
-                <a:latin typeface="Arial Unicode MS"/>
-              </a:rPr>
-              <a:t>or</a:t>
-            </a:r>
-            <a:r>
-              <a:rPr lang="fr-FR" altLang="fr-FR" dirty="0" smtClean="0">
-                <a:solidFill>
-                  <a:srgbClr val="800080"/>
-                </a:solidFill>
-                <a:latin typeface="Arial Unicode MS"/>
-              </a:rPr>
-              <a:t> ELONG</a:t>
-            </a:r>
-            <a:r>
-              <a:rPr lang="fr-FR" altLang="fr-FR" dirty="0" smtClean="0"/>
-              <a:t> </a:t>
-            </a:r>
-            <a:endParaRPr lang="fr-FR" dirty="0" smtClean="0"/>
-          </a:p>
-          <a:p>
-            <a:pPr algn="ctr"/>
-            <a:r>
-              <a:rPr lang="fr-FR" altLang="fr-FR" dirty="0" smtClean="0">
-                <a:latin typeface="Arial Unicode MS"/>
-              </a:rPr>
-              <a:t>or</a:t>
-            </a:r>
-            <a:r>
-              <a:rPr lang="fr-FR" altLang="fr-FR" dirty="0" smtClean="0">
-                <a:solidFill>
-                  <a:srgbClr val="800080"/>
-                </a:solidFill>
-                <a:latin typeface="Arial Unicode MS"/>
-              </a:rPr>
-              <a:t> PI </a:t>
-            </a:r>
-            <a:r>
-              <a:rPr lang="fr-FR" altLang="fr-FR" dirty="0" smtClean="0">
-                <a:latin typeface="Arial Unicode MS"/>
-              </a:rPr>
-              <a:t>)</a:t>
-            </a:r>
-            <a:endParaRPr lang="fr-FR" dirty="0" smtClean="0"/>
-          </a:p>
-          <a:p>
-            <a:pPr algn="ctr"/>
-            <a:endParaRPr lang="fr-FR" dirty="0">
-              <a:solidFill>
-                <a:srgbClr val="800080"/>
-              </a:solidFill>
-              <a:latin typeface="Arial Unicode MS"/>
-            </a:endParaRPr>
-          </a:p>
-          <a:p>
-            <a:pPr algn="ctr"/>
-            <a:r>
-              <a:rPr lang="fr-FR" dirty="0" smtClean="0">
-                <a:latin typeface="Arial Unicode MS"/>
-              </a:rPr>
-              <a:t>and</a:t>
-            </a:r>
-          </a:p>
-          <a:p>
-            <a:pPr algn="ctr"/>
-            <a:r>
-              <a:rPr kumimoji="0" lang="fr-FR" altLang="fr-FR" b="0" i="0" u="none" strike="noStrike" cap="none" normalizeH="0" baseline="0" dirty="0" smtClean="0">
-                <a:ln>
-                  <a:noFill/>
-                </a:ln>
-                <a:solidFill>
-                  <a:srgbClr val="800080"/>
-                </a:solidFill>
-                <a:effectLst/>
-                <a:latin typeface="Arial Unicode MS"/>
-              </a:rPr>
-              <a:t>NEW_PHYTOMER_AVAILABLE</a:t>
-            </a:r>
-          </a:p>
-          <a:p>
-            <a:pPr algn="ctr"/>
-            <a:r>
-              <a:rPr lang="fr-FR" dirty="0" smtClean="0">
-                <a:latin typeface="Arial Unicode MS"/>
-              </a:rPr>
-              <a:t>and</a:t>
-            </a:r>
-          </a:p>
-          <a:p>
-            <a:pPr algn="ctr"/>
-            <a:r>
-              <a:rPr lang="fr-FR" altLang="fr-FR" dirty="0" err="1" smtClean="0">
-                <a:solidFill>
-                  <a:srgbClr val="6600CC"/>
-                </a:solidFill>
-                <a:latin typeface="Arial" panose="020B0604020202020204" pitchFamily="34" charset="0"/>
-              </a:rPr>
-              <a:t>nb_phytomers</a:t>
-            </a:r>
-            <a:r>
-              <a:rPr lang="fr-FR" altLang="fr-FR" dirty="0" smtClean="0">
-                <a:solidFill>
-                  <a:srgbClr val="6600CC"/>
-                </a:solidFill>
-                <a:latin typeface="Arial" panose="020B0604020202020204" pitchFamily="34" charset="0"/>
-              </a:rPr>
-              <a:t> &lt; </a:t>
-            </a:r>
-            <a:r>
-              <a:rPr lang="fr-FR" altLang="fr-FR" dirty="0" err="1" smtClean="0">
-                <a:solidFill>
-                  <a:srgbClr val="FF0000"/>
-                </a:solidFill>
-                <a:latin typeface="Arial" panose="020B0604020202020204" pitchFamily="34" charset="0"/>
-              </a:rPr>
-              <a:t>nb_max_phytomers</a:t>
-            </a:r>
-            <a:endParaRPr lang="fr-FR" dirty="0" smtClean="0">
-              <a:solidFill>
-                <a:srgbClr val="6600CC"/>
-              </a:solidFill>
-            </a:endParaRPr>
-          </a:p>
-        </p:txBody>
-      </p:sp>
-      <p:sp>
-        <p:nvSpPr>
-          <p:cNvPr id="13" name="Rectangle 3"/>
-          <p:cNvSpPr>
-            <a:spLocks noChangeArrowheads="1"/>
-          </p:cNvSpPr>
-          <p:nvPr/>
-        </p:nvSpPr>
-        <p:spPr bwMode="auto">
-          <a:xfrm>
-            <a:off x="7323225" y="4908338"/>
-            <a:ext cx="3537284" cy="276999"/>
-          </a:xfrm>
-          <a:prstGeom prst="rect">
-            <a:avLst/>
-          </a:prstGeom>
-          <a:noFill/>
-          <a:ln>
-            <a:noFill/>
-          </a:ln>
-          <a:effectLst/>
-          <a:extLst>
-            <a:ext uri="{909E8E84-426E-40DD-AFC4-6F175D3DCCD1}">
-              <a14:hiddenFill xmlns:a14="http://schemas.microsoft.com/office/drawing/2010/main">
-                <a:solidFill>
-                  <a:schemeClr val="accent1"/>
-                </a:solidFill>
-              </a14:hiddenFill>
-            </a:ext>
-            <a:ext uri="{91240B29-F687-4F45-9708-019B960494DF}">
-              <a14:hiddenLine xmlns:a14="http://schemas.microsoft.com/office/drawing/2010/main" w="9525">
-                <a:solidFill>
-                  <a:schemeClr val="tx1"/>
-                </a:solidFill>
-                <a:miter lim="800000"/>
-                <a:headEnd/>
-                <a:tailEnd/>
-              </a14:hiddenLine>
-            </a:ext>
-            <a:ext uri="{AF507438-7753-43E0-B8FC-AC1667EBCBE1}">
-              <a14:hiddenEffects xmlns:a14="http://schemas.microsoft.com/office/drawing/2010/main">
-                <a:effectLst>
-                  <a:outerShdw dist="35921" dir="2700000" algn="ctr" rotWithShape="0">
-                    <a:schemeClr val="bg2"/>
-                  </a:outerShdw>
-                </a:effectLst>
-              </a14:hiddenEffects>
-            </a:ext>
-          </a:extLst>
-        </p:spPr>
-        <p:txBody>
-          <a:bodyPr vert="horz" wrap="square" lIns="0" tIns="0" rIns="0" bIns="0" numCol="1" anchor="ctr" anchorCtr="0" compatLnSpc="1">
-            <a:prstTxWarp prst="textNoShape">
-              <a:avLst/>
-            </a:prstTxWarp>
-            <a:spAutoFit/>
-          </a:bodyPr>
-          <a:lstStyle/>
-          <a:p>
-            <a:pPr marL="0" marR="0" lvl="0" indent="0" algn="ctr" defTabSz="914400" rtl="0" eaLnBrk="0" fontAlgn="base" latinLnBrk="0" hangingPunct="0">
-              <a:lnSpc>
-                <a:spcPct val="100000"/>
-              </a:lnSpc>
-              <a:spcBef>
-                <a:spcPct val="0"/>
-              </a:spcBef>
-              <a:spcAft>
-                <a:spcPct val="0"/>
-              </a:spcAft>
-              <a:buClrTx/>
-              <a:buSzTx/>
-              <a:buFontTx/>
-              <a:buNone/>
-              <a:tabLst/>
-            </a:pPr>
-            <a:r>
-              <a:rPr kumimoji="0" lang="fr-FR" altLang="fr-FR" b="0" i="0" u="none" strike="noStrike" cap="none" normalizeH="0" baseline="0" smtClean="0">
-                <a:ln>
-                  <a:noFill/>
-                </a:ln>
-                <a:solidFill>
-                  <a:srgbClr val="FFFF00"/>
-                </a:solidFill>
-                <a:effectLst/>
-                <a:latin typeface="Arial Unicode MS"/>
-              </a:rPr>
-              <a:t>CREATE_PHYTOMER</a:t>
-            </a:r>
-            <a:endParaRPr kumimoji="0" lang="fr-FR" altLang="fr-FR" b="0" i="0" u="none" strike="noStrike" cap="none" normalizeH="0" baseline="0" dirty="0" smtClean="0">
-              <a:ln>
-                <a:noFill/>
-              </a:ln>
-              <a:solidFill>
-                <a:srgbClr val="FFFF00"/>
-              </a:solidFill>
-              <a:effectLst/>
-              <a:latin typeface="Arial" panose="020B0604020202020204" pitchFamily="34" charset="0"/>
-            </a:endParaRPr>
-          </a:p>
-        </p:txBody>
-      </p:sp>
-    </p:spTree>
-    <p:extLst>
-      <p:ext uri="{BB962C8B-B14F-4D97-AF65-F5344CB8AC3E}">
-        <p14:creationId xmlns:p14="http://schemas.microsoft.com/office/powerpoint/2010/main" val="1473599681"/>
-      </p:ext>
-    </p:extLst>
-  </p:cSld>
-  <p:clrMapOvr>
-    <a:masterClrMapping/>
-  </p:clrMapOvr>
-</p:sld>
-</file>
-
-<file path=ppt/slides/slide6.xml><?xml version="1.0" encoding="utf-8"?>
-<p:sld xmlns:a="http://schemas.openxmlformats.org/drawingml/2006/main" xmlns:r="http://schemas.openxmlformats.org/officeDocument/2006/relationships" xmlns:p="http://schemas.openxmlformats.org/presentationml/2006/main">
-  <p:cSld>
-    <p:spTree>
-      <p:nvGrpSpPr>
-        <p:cNvPr id="1" name=""/>
-        <p:cNvGrpSpPr/>
-        <p:nvPr/>
-      </p:nvGrpSpPr>
-      <p:grpSpPr>
-        <a:xfrm>
-          <a:off x="0" y="0"/>
-          <a:ext cx="0" cy="0"/>
-          <a:chOff x="0" y="0"/>
-          <a:chExt cx="0" cy="0"/>
-        </a:xfrm>
-      </p:grpSpPr>
-      <p:sp>
-        <p:nvSpPr>
-          <p:cNvPr id="5" name="Rectangle 4"/>
-          <p:cNvSpPr/>
-          <p:nvPr/>
-        </p:nvSpPr>
-        <p:spPr>
-          <a:xfrm rot="16200000">
-            <a:off x="-1252634" y="2810928"/>
-            <a:ext cx="4068743" cy="923330"/>
-          </a:xfrm>
-          <a:prstGeom prst="rect">
-            <a:avLst/>
-          </a:prstGeom>
-          <a:noFill/>
-        </p:spPr>
-        <p:txBody>
-          <a:bodyPr wrap="none" lIns="91440" tIns="45720" rIns="91440" bIns="45720">
-            <a:spAutoFit/>
-          </a:bodyPr>
-          <a:lstStyle/>
-          <a:p>
-            <a:pPr algn="ctr"/>
-            <a:r>
-              <a:rPr lang="fr-FR" sz="5400" b="0" cap="none" spc="0" dirty="0" smtClean="0">
-                <a:ln w="0"/>
-                <a:gradFill>
-                  <a:gsLst>
-                    <a:gs pos="0">
-                      <a:schemeClr val="accent5">
-                        <a:lumMod val="50000"/>
-                      </a:schemeClr>
-                    </a:gs>
-                    <a:gs pos="50000">
-                      <a:schemeClr val="accent5"/>
-                    </a:gs>
-                    <a:gs pos="100000">
-                      <a:schemeClr val="accent5">
-                        <a:lumMod val="60000"/>
-                        <a:lumOff val="40000"/>
-                      </a:schemeClr>
-                    </a:gs>
-                  </a:gsLst>
-                  <a:lin ang="5400000"/>
-                </a:gradFill>
-                <a:effectLst>
-                  <a:reflection blurRad="6350" stA="53000" endA="300" endPos="35500" dir="5400000" sy="-90000" algn="bl" rotWithShape="0"/>
-                </a:effectLst>
-              </a:rPr>
-              <a:t>Thermal Time</a:t>
-            </a:r>
-            <a:endParaRPr lang="fr-FR" sz="5400" b="0" cap="none" spc="0" dirty="0">
-              <a:ln w="0"/>
-              <a:gradFill>
-                <a:gsLst>
-                  <a:gs pos="0">
-                    <a:schemeClr val="accent5">
-                      <a:lumMod val="50000"/>
-                    </a:schemeClr>
-                  </a:gs>
-                  <a:gs pos="50000">
-                    <a:schemeClr val="accent5"/>
-                  </a:gs>
-                  <a:gs pos="100000">
-                    <a:schemeClr val="accent5">
-                      <a:lumMod val="60000"/>
-                      <a:lumOff val="40000"/>
-                    </a:schemeClr>
-                  </a:gs>
-                </a:gsLst>
-                <a:lin ang="5400000"/>
-              </a:gradFill>
-              <a:effectLst>
-                <a:reflection blurRad="6350" stA="53000" endA="300" endPos="35500" dir="5400000" sy="-90000" algn="bl" rotWithShape="0"/>
-              </a:effectLst>
-            </a:endParaRPr>
-          </a:p>
-        </p:txBody>
-      </p:sp>
-      <p:sp>
-        <p:nvSpPr>
-          <p:cNvPr id="6" name="Rectangle 5"/>
-          <p:cNvSpPr>
-            <a:spLocks noChangeArrowheads="1"/>
-          </p:cNvSpPr>
-          <p:nvPr/>
-        </p:nvSpPr>
-        <p:spPr bwMode="auto">
-          <a:xfrm>
-            <a:off x="2490537" y="299822"/>
-            <a:ext cx="9312442" cy="6432530"/>
-          </a:xfrm>
-          <a:prstGeom prst="rect">
-            <a:avLst/>
-          </a:prstGeom>
-          <a:noFill/>
-          <a:ln>
-            <a:noFill/>
-          </a:ln>
-          <a:effectLst/>
-          <a:extLst>
-            <a:ext uri="{909E8E84-426E-40DD-AFC4-6F175D3DCCD1}">
-              <a14:hiddenFill xmlns:a14="http://schemas.microsoft.com/office/drawing/2010/main">
-                <a:solidFill>
-                  <a:schemeClr val="accent1"/>
-                </a:solidFill>
-              </a14:hiddenFill>
-            </a:ext>
-            <a:ext uri="{91240B29-F687-4F45-9708-019B960494DF}">
-              <a14:hiddenLine xmlns:a14="http://schemas.microsoft.com/office/drawing/2010/main" w="9525">
-                <a:solidFill>
-                  <a:schemeClr val="tx1"/>
-                </a:solidFill>
-                <a:miter lim="800000"/>
-                <a:headEnd/>
-                <a:tailEnd/>
-              </a14:hiddenLine>
-            </a:ext>
-            <a:ext uri="{AF507438-7753-43E0-B8FC-AC1667EBCBE1}">
-              <a14:hiddenEffects xmlns:a14="http://schemas.microsoft.com/office/drawing/2010/main">
-                <a:effectLst>
-                  <a:outerShdw dist="35921" dir="2700000" algn="ctr" rotWithShape="0">
-                    <a:schemeClr val="bg2"/>
-                  </a:outerShdw>
-                </a:effectLst>
-              </a14:hiddenEffects>
-            </a:ext>
-          </a:extLst>
-        </p:spPr>
-        <p:txBody>
-          <a:bodyPr vert="horz" wrap="square" lIns="0" tIns="0" rIns="0" bIns="0" numCol="1" anchor="ctr" anchorCtr="0" compatLnSpc="1">
-            <a:prstTxWarp prst="textNoShape">
-              <a:avLst/>
-            </a:prstTxWarp>
-            <a:spAutoFit/>
-          </a:bodyPr>
-          <a:lstStyle/>
-          <a:p>
-            <a:pPr marL="0" marR="0" lvl="0" indent="0" algn="l" defTabSz="914400" rtl="0" eaLnBrk="0" fontAlgn="base" latinLnBrk="0" hangingPunct="0">
-              <a:lnSpc>
-                <a:spcPct val="100000"/>
-              </a:lnSpc>
-              <a:spcBef>
-                <a:spcPct val="0"/>
-              </a:spcBef>
-              <a:spcAft>
-                <a:spcPct val="0"/>
-              </a:spcAft>
-              <a:buClrTx/>
-              <a:buSzTx/>
-              <a:buFontTx/>
-              <a:buNone/>
-              <a:tabLst/>
-            </a:pPr>
-            <a:r>
-              <a:rPr kumimoji="0" lang="fr-FR" altLang="fr-FR" sz="1600" b="0" i="0" u="none" strike="noStrike" cap="none" normalizeH="0" baseline="0" dirty="0" err="1" smtClean="0">
-                <a:ln>
-                  <a:noFill/>
-                </a:ln>
-                <a:solidFill>
-                  <a:srgbClr val="800000"/>
-                </a:solidFill>
-                <a:effectLst/>
-                <a:latin typeface="Cambria" panose="02040503050406030204" pitchFamily="18" charset="0"/>
-              </a:rPr>
-              <a:t>deltaT</a:t>
-            </a:r>
-            <a:r>
-              <a:rPr kumimoji="0" lang="fr-FR" altLang="fr-FR" sz="1600" b="0" i="0" u="none" strike="noStrike" cap="none" normalizeH="0" baseline="0" dirty="0" smtClean="0">
-                <a:ln>
-                  <a:noFill/>
-                </a:ln>
-                <a:solidFill>
-                  <a:srgbClr val="C0C0C0"/>
-                </a:solidFill>
-                <a:effectLst/>
-                <a:latin typeface="Cambria" panose="02040503050406030204" pitchFamily="18" charset="0"/>
-              </a:rPr>
-              <a:t> </a:t>
-            </a:r>
-            <a:r>
-              <a:rPr kumimoji="0" lang="fr-FR" altLang="fr-FR" sz="1600" b="0" i="0" u="none" strike="noStrike" cap="none" normalizeH="0" baseline="0" dirty="0" smtClean="0">
-                <a:ln>
-                  <a:noFill/>
-                </a:ln>
-                <a:solidFill>
-                  <a:schemeClr val="tx1"/>
-                </a:solidFill>
-                <a:effectLst/>
-                <a:latin typeface="Cambria" panose="02040503050406030204" pitchFamily="18" charset="0"/>
-              </a:rPr>
-              <a:t>=</a:t>
-            </a:r>
-            <a:r>
-              <a:rPr kumimoji="0" lang="fr-FR" altLang="fr-FR" sz="1600" b="0" i="0" u="none" strike="noStrike" cap="none" normalizeH="0" baseline="0" dirty="0" smtClean="0">
-                <a:ln>
-                  <a:noFill/>
-                </a:ln>
-                <a:solidFill>
-                  <a:srgbClr val="C0C0C0"/>
-                </a:solidFill>
-                <a:effectLst/>
-                <a:latin typeface="Cambria" panose="02040503050406030204" pitchFamily="18" charset="0"/>
-              </a:rPr>
-              <a:t> </a:t>
-            </a:r>
-            <a:r>
-              <a:rPr kumimoji="0" lang="fr-FR" altLang="fr-FR" sz="1600" b="0" i="0" u="none" strike="noStrike" cap="none" normalizeH="0" baseline="0" dirty="0" smtClean="0">
-                <a:ln>
-                  <a:noFill/>
-                </a:ln>
-                <a:solidFill>
-                  <a:srgbClr val="800000"/>
-                </a:solidFill>
-                <a:effectLst/>
-                <a:latin typeface="Cambria" panose="02040503050406030204" pitchFamily="18" charset="0"/>
-              </a:rPr>
-              <a:t>Ta</a:t>
-            </a:r>
-            <a:r>
-              <a:rPr kumimoji="0" lang="fr-FR" altLang="fr-FR" sz="1600" b="0" i="0" u="none" strike="noStrike" cap="none" normalizeH="0" baseline="0" dirty="0" smtClean="0">
-                <a:ln>
-                  <a:noFill/>
-                </a:ln>
-                <a:solidFill>
-                  <a:srgbClr val="C0C0C0"/>
-                </a:solidFill>
-                <a:effectLst/>
-                <a:latin typeface="Cambria" panose="02040503050406030204" pitchFamily="18" charset="0"/>
-              </a:rPr>
-              <a:t> </a:t>
-            </a:r>
-            <a:r>
-              <a:rPr kumimoji="0" lang="fr-FR" altLang="fr-FR" sz="1600" b="0" i="0" u="none" strike="noStrike" cap="none" normalizeH="0" baseline="0" dirty="0" smtClean="0">
-                <a:ln>
-                  <a:noFill/>
-                </a:ln>
-                <a:solidFill>
-                  <a:schemeClr val="tx1"/>
-                </a:solidFill>
-                <a:effectLst/>
-                <a:latin typeface="Cambria" panose="02040503050406030204" pitchFamily="18" charset="0"/>
-              </a:rPr>
-              <a:t>-</a:t>
-            </a:r>
-            <a:r>
-              <a:rPr kumimoji="0" lang="fr-FR" altLang="fr-FR" sz="1600" b="0" i="0" u="none" strike="noStrike" cap="none" normalizeH="0" baseline="0" dirty="0" smtClean="0">
-                <a:ln>
-                  <a:noFill/>
-                </a:ln>
-                <a:solidFill>
-                  <a:srgbClr val="C0C0C0"/>
-                </a:solidFill>
-                <a:effectLst/>
-                <a:latin typeface="Cambria" panose="02040503050406030204" pitchFamily="18" charset="0"/>
-              </a:rPr>
-              <a:t> </a:t>
-            </a:r>
-            <a:r>
-              <a:rPr kumimoji="0" lang="fr-FR" altLang="fr-FR" sz="1600" b="0" i="0" u="none" strike="noStrike" cap="none" normalizeH="0" baseline="0" dirty="0" smtClean="0">
-                <a:ln>
-                  <a:noFill/>
-                </a:ln>
-                <a:solidFill>
-                  <a:srgbClr val="800000"/>
-                </a:solidFill>
-                <a:effectLst/>
-                <a:latin typeface="Cambria" panose="02040503050406030204" pitchFamily="18" charset="0"/>
-              </a:rPr>
-              <a:t>Tb</a:t>
-            </a:r>
-            <a:r>
-              <a:rPr kumimoji="0" lang="fr-FR" altLang="fr-FR" sz="1600" b="0" i="0" u="none" strike="noStrike" cap="none" normalizeH="0" baseline="0" dirty="0" smtClean="0">
-                <a:ln>
-                  <a:noFill/>
-                </a:ln>
-                <a:solidFill>
-                  <a:schemeClr val="tx1"/>
-                </a:solidFill>
-                <a:effectLst/>
-                <a:latin typeface="Cambria" panose="02040503050406030204" pitchFamily="18" charset="0"/>
-              </a:rPr>
-              <a:t>; </a:t>
-            </a:r>
-            <a:br>
-              <a:rPr kumimoji="0" lang="fr-FR" altLang="fr-FR" sz="1600" b="0" i="0" u="none" strike="noStrike" cap="none" normalizeH="0" baseline="0" dirty="0" smtClean="0">
-                <a:ln>
-                  <a:noFill/>
-                </a:ln>
-                <a:solidFill>
-                  <a:schemeClr val="tx1"/>
-                </a:solidFill>
-                <a:effectLst/>
-                <a:latin typeface="Cambria" panose="02040503050406030204" pitchFamily="18" charset="0"/>
-              </a:rPr>
-            </a:br>
-            <a:r>
-              <a:rPr kumimoji="0" lang="fr-FR" altLang="fr-FR" sz="1600" b="0" i="0" u="none" strike="noStrike" cap="none" normalizeH="0" baseline="0" dirty="0" smtClean="0">
-                <a:ln>
-                  <a:noFill/>
-                </a:ln>
-                <a:solidFill>
-                  <a:srgbClr val="800000"/>
-                </a:solidFill>
-                <a:effectLst/>
-                <a:latin typeface="Cambria" panose="02040503050406030204" pitchFamily="18" charset="0"/>
-              </a:rPr>
-              <a:t>TT</a:t>
-            </a:r>
-            <a:r>
-              <a:rPr kumimoji="0" lang="fr-FR" altLang="fr-FR" sz="1600" b="0" i="0" u="none" strike="noStrike" cap="none" normalizeH="0" baseline="0" dirty="0" smtClean="0">
-                <a:ln>
-                  <a:noFill/>
-                </a:ln>
-                <a:solidFill>
-                  <a:srgbClr val="C0C0C0"/>
-                </a:solidFill>
-                <a:effectLst/>
-                <a:latin typeface="Cambria" panose="02040503050406030204" pitchFamily="18" charset="0"/>
-              </a:rPr>
-              <a:t> </a:t>
-            </a:r>
-            <a:r>
-              <a:rPr kumimoji="0" lang="fr-FR" altLang="fr-FR" sz="1600" b="0" i="0" u="none" strike="noStrike" cap="none" normalizeH="0" baseline="0" dirty="0" smtClean="0">
-                <a:ln>
-                  <a:noFill/>
-                </a:ln>
-                <a:solidFill>
-                  <a:schemeClr val="tx1"/>
-                </a:solidFill>
-                <a:effectLst/>
-                <a:latin typeface="Cambria" panose="02040503050406030204" pitchFamily="18" charset="0"/>
-              </a:rPr>
-              <a:t>=</a:t>
-            </a:r>
-            <a:r>
-              <a:rPr kumimoji="0" lang="fr-FR" altLang="fr-FR" sz="1600" b="0" i="0" u="none" strike="noStrike" cap="none" normalizeH="0" baseline="0" dirty="0" smtClean="0">
-                <a:ln>
-                  <a:noFill/>
-                </a:ln>
-                <a:solidFill>
-                  <a:srgbClr val="C0C0C0"/>
-                </a:solidFill>
-                <a:effectLst/>
-                <a:latin typeface="Cambria" panose="02040503050406030204" pitchFamily="18" charset="0"/>
-              </a:rPr>
-              <a:t> </a:t>
-            </a:r>
-            <a:r>
-              <a:rPr kumimoji="0" lang="fr-FR" altLang="fr-FR" sz="1600" b="0" i="0" u="none" strike="noStrike" cap="none" normalizeH="0" baseline="0" dirty="0" smtClean="0">
-                <a:ln>
-                  <a:noFill/>
-                </a:ln>
-                <a:solidFill>
-                  <a:srgbClr val="800000"/>
-                </a:solidFill>
-                <a:effectLst/>
-                <a:latin typeface="Cambria" panose="02040503050406030204" pitchFamily="18" charset="0"/>
-              </a:rPr>
-              <a:t>TT</a:t>
-            </a:r>
-            <a:r>
-              <a:rPr kumimoji="0" lang="fr-FR" altLang="fr-FR" sz="1600" b="0" i="0" u="none" strike="noStrike" cap="none" normalizeH="0" baseline="0" dirty="0" smtClean="0">
-                <a:ln>
-                  <a:noFill/>
-                </a:ln>
-                <a:solidFill>
-                  <a:srgbClr val="C0C0C0"/>
-                </a:solidFill>
-                <a:effectLst/>
-                <a:latin typeface="Cambria" panose="02040503050406030204" pitchFamily="18" charset="0"/>
-              </a:rPr>
-              <a:t> </a:t>
-            </a:r>
-            <a:r>
-              <a:rPr kumimoji="0" lang="fr-FR" altLang="fr-FR" sz="1600" b="0" i="0" u="none" strike="noStrike" cap="none" normalizeH="0" baseline="0" dirty="0" smtClean="0">
-                <a:ln>
-                  <a:noFill/>
-                </a:ln>
-                <a:solidFill>
-                  <a:schemeClr val="tx1"/>
-                </a:solidFill>
-                <a:effectLst/>
-                <a:latin typeface="Cambria" panose="02040503050406030204" pitchFamily="18" charset="0"/>
-              </a:rPr>
-              <a:t>+</a:t>
-            </a:r>
-            <a:r>
-              <a:rPr kumimoji="0" lang="fr-FR" altLang="fr-FR" sz="1600" b="0" i="0" u="none" strike="noStrike" cap="none" normalizeH="0" baseline="0" dirty="0" smtClean="0">
-                <a:ln>
-                  <a:noFill/>
-                </a:ln>
-                <a:solidFill>
-                  <a:srgbClr val="C0C0C0"/>
-                </a:solidFill>
-                <a:effectLst/>
-                <a:latin typeface="Cambria" panose="02040503050406030204" pitchFamily="18" charset="0"/>
-              </a:rPr>
-              <a:t> </a:t>
-            </a:r>
-            <a:r>
-              <a:rPr kumimoji="0" lang="fr-FR" altLang="fr-FR" sz="1600" b="0" i="0" u="none" strike="noStrike" cap="none" normalizeH="0" baseline="0" dirty="0" err="1" smtClean="0">
-                <a:ln>
-                  <a:noFill/>
-                </a:ln>
-                <a:solidFill>
-                  <a:srgbClr val="800000"/>
-                </a:solidFill>
-                <a:effectLst/>
-                <a:latin typeface="Cambria" panose="02040503050406030204" pitchFamily="18" charset="0"/>
-              </a:rPr>
-              <a:t>deltaT</a:t>
-            </a:r>
-            <a:r>
-              <a:rPr kumimoji="0" lang="fr-FR" altLang="fr-FR" sz="1600" b="0" i="0" u="none" strike="noStrike" cap="none" normalizeH="0" baseline="0" dirty="0" smtClean="0">
-                <a:ln>
-                  <a:noFill/>
-                </a:ln>
-                <a:solidFill>
-                  <a:schemeClr val="tx1"/>
-                </a:solidFill>
-                <a:effectLst/>
-                <a:latin typeface="Cambria" panose="02040503050406030204" pitchFamily="18" charset="0"/>
-              </a:rPr>
-              <a:t>; </a:t>
-            </a:r>
-          </a:p>
-          <a:p>
-            <a:pPr eaLnBrk="0" fontAlgn="base" hangingPunct="0">
-              <a:spcBef>
-                <a:spcPct val="0"/>
-              </a:spcBef>
-              <a:spcAft>
-                <a:spcPct val="0"/>
-              </a:spcAft>
-            </a:pPr>
-            <a:r>
-              <a:rPr kumimoji="0" lang="fr-FR" altLang="fr-FR" sz="1600" b="0" i="0" u="none" strike="noStrike" cap="none" normalizeH="0" baseline="0" dirty="0" smtClean="0">
-                <a:ln>
-                  <a:noFill/>
-                </a:ln>
-                <a:solidFill>
-                  <a:schemeClr val="tx1"/>
-                </a:solidFill>
-                <a:effectLst/>
-                <a:latin typeface="Cambria" panose="02040503050406030204" pitchFamily="18" charset="0"/>
-              </a:rPr>
-              <a:t/>
-            </a:r>
-            <a:br>
-              <a:rPr kumimoji="0" lang="fr-FR" altLang="fr-FR" sz="1600" b="0" i="0" u="none" strike="noStrike" cap="none" normalizeH="0" baseline="0" dirty="0" smtClean="0">
-                <a:ln>
-                  <a:noFill/>
-                </a:ln>
-                <a:solidFill>
-                  <a:schemeClr val="tx1"/>
-                </a:solidFill>
-                <a:effectLst/>
-                <a:latin typeface="Cambria" panose="02040503050406030204" pitchFamily="18" charset="0"/>
-              </a:rPr>
-            </a:br>
-            <a:r>
-              <a:rPr kumimoji="0" lang="fr-FR" altLang="fr-FR" sz="1600" b="0" i="0" u="none" strike="noStrike" cap="none" normalizeH="0" baseline="0" dirty="0" smtClean="0">
-                <a:ln>
-                  <a:noFill/>
-                </a:ln>
-                <a:solidFill>
-                  <a:srgbClr val="808000"/>
-                </a:solidFill>
-                <a:effectLst/>
-                <a:latin typeface="Cambria" panose="02040503050406030204" pitchFamily="18" charset="0"/>
-              </a:rPr>
-              <a:t>if</a:t>
-            </a:r>
-            <a:r>
-              <a:rPr kumimoji="0" lang="fr-FR" altLang="fr-FR" sz="1600" b="0" i="0" u="none" strike="noStrike" cap="none" normalizeH="0" baseline="0" dirty="0" smtClean="0">
-                <a:ln>
-                  <a:noFill/>
-                </a:ln>
-                <a:solidFill>
-                  <a:srgbClr val="C0C0C0"/>
-                </a:solidFill>
-                <a:effectLst/>
-                <a:latin typeface="Cambria" panose="02040503050406030204" pitchFamily="18" charset="0"/>
-              </a:rPr>
-              <a:t> </a:t>
-            </a:r>
-            <a:r>
-              <a:rPr kumimoji="0" lang="fr-FR" altLang="fr-FR" sz="1600" b="0" i="0" u="none" strike="noStrike" cap="none" normalizeH="0" baseline="0" dirty="0" smtClean="0">
-                <a:ln>
-                  <a:noFill/>
-                </a:ln>
-                <a:solidFill>
-                  <a:schemeClr val="tx1"/>
-                </a:solidFill>
-                <a:effectLst/>
-                <a:latin typeface="Cambria" panose="02040503050406030204" pitchFamily="18" charset="0"/>
-              </a:rPr>
-              <a:t>(</a:t>
-            </a:r>
-            <a:r>
-              <a:rPr kumimoji="0" lang="fr-FR" altLang="fr-FR" sz="1600" b="0" i="0" u="none" strike="noStrike" cap="none" normalizeH="0" baseline="0" dirty="0" smtClean="0">
-                <a:ln>
-                  <a:noFill/>
-                </a:ln>
-                <a:solidFill>
-                  <a:srgbClr val="800080"/>
-                </a:solidFill>
-                <a:effectLst/>
-                <a:latin typeface="Cambria" panose="02040503050406030204" pitchFamily="18" charset="0"/>
-              </a:rPr>
-              <a:t>STOCKAVAILABLE</a:t>
-            </a:r>
-            <a:r>
-              <a:rPr kumimoji="0" lang="fr-FR" altLang="fr-FR" sz="1600" b="0" i="0" u="none" strike="noStrike" cap="none" normalizeH="0" baseline="0" dirty="0" smtClean="0">
-                <a:ln>
-                  <a:noFill/>
-                </a:ln>
-                <a:solidFill>
-                  <a:schemeClr val="tx1"/>
-                </a:solidFill>
-                <a:effectLst/>
-                <a:latin typeface="Cambria" panose="02040503050406030204" pitchFamily="18" charset="0"/>
-              </a:rPr>
-              <a:t>)</a:t>
-            </a:r>
-            <a:r>
-              <a:rPr kumimoji="0" lang="fr-FR" altLang="fr-FR" sz="1600" b="0" i="0" u="none" strike="noStrike" cap="none" normalizeH="0" baseline="0" dirty="0" smtClean="0">
-                <a:ln>
-                  <a:noFill/>
-                </a:ln>
-                <a:solidFill>
-                  <a:srgbClr val="C0C0C0"/>
-                </a:solidFill>
-                <a:effectLst/>
-                <a:latin typeface="Cambria" panose="02040503050406030204" pitchFamily="18" charset="0"/>
-              </a:rPr>
-              <a:t>  </a:t>
-            </a:r>
-            <a:r>
-              <a:rPr kumimoji="0" lang="fr-FR" altLang="fr-FR" sz="1600" b="0" i="0" u="none" strike="noStrike" cap="none" normalizeH="0" baseline="0" dirty="0" smtClean="0">
-                <a:ln>
-                  <a:noFill/>
-                </a:ln>
-                <a:solidFill>
-                  <a:schemeClr val="tx1"/>
-                </a:solidFill>
-                <a:effectLst/>
-                <a:latin typeface="Cambria" panose="02040503050406030204" pitchFamily="18" charset="0"/>
-              </a:rPr>
-              <a:t>{ </a:t>
-            </a:r>
-          </a:p>
-          <a:p>
-            <a:pPr marL="0" marR="0" lvl="0" indent="0" algn="l" defTabSz="914400" rtl="0" eaLnBrk="0" fontAlgn="base" latinLnBrk="0" hangingPunct="0">
-              <a:lnSpc>
-                <a:spcPct val="100000"/>
-              </a:lnSpc>
-              <a:spcBef>
-                <a:spcPct val="0"/>
-              </a:spcBef>
-              <a:spcAft>
-                <a:spcPct val="0"/>
-              </a:spcAft>
-              <a:buClrTx/>
-              <a:buSzTx/>
-              <a:buFontTx/>
-              <a:buNone/>
-              <a:tabLst/>
-            </a:pPr>
-            <a:r>
-              <a:rPr lang="fr-FR" altLang="fr-FR" sz="1600" dirty="0">
-                <a:latin typeface="Cambria" panose="02040503050406030204" pitchFamily="18" charset="0"/>
-              </a:rPr>
-              <a:t>	</a:t>
-            </a:r>
-            <a:r>
-              <a:rPr kumimoji="0" lang="fr-FR" altLang="fr-FR" sz="1600" b="0" i="0" u="none" strike="noStrike" cap="none" normalizeH="0" baseline="0" dirty="0" err="1" smtClean="0">
-                <a:ln>
-                  <a:noFill/>
-                </a:ln>
-                <a:solidFill>
-                  <a:schemeClr val="tx1"/>
-                </a:solidFill>
-                <a:effectLst/>
-                <a:latin typeface="Cambria" panose="02040503050406030204" pitchFamily="18" charset="0"/>
-              </a:rPr>
-              <a:t>tempDD</a:t>
-            </a:r>
-            <a:r>
-              <a:rPr kumimoji="0" lang="fr-FR" altLang="fr-FR" sz="1600" b="0" i="0" u="none" strike="noStrike" cap="none" normalizeH="0" baseline="0" dirty="0" smtClean="0">
-                <a:ln>
-                  <a:noFill/>
-                </a:ln>
-                <a:solidFill>
-                  <a:srgbClr val="C0C0C0"/>
-                </a:solidFill>
-                <a:effectLst/>
-                <a:latin typeface="Cambria" panose="02040503050406030204" pitchFamily="18" charset="0"/>
-              </a:rPr>
-              <a:t> </a:t>
-            </a:r>
-            <a:r>
-              <a:rPr kumimoji="0" lang="fr-FR" altLang="fr-FR" sz="1600" b="0" i="0" u="none" strike="noStrike" cap="none" normalizeH="0" baseline="0" dirty="0" smtClean="0">
-                <a:ln>
-                  <a:noFill/>
-                </a:ln>
-                <a:solidFill>
-                  <a:schemeClr val="tx1"/>
-                </a:solidFill>
-                <a:effectLst/>
-                <a:latin typeface="Cambria" panose="02040503050406030204" pitchFamily="18" charset="0"/>
-              </a:rPr>
-              <a:t>=</a:t>
-            </a:r>
-            <a:r>
-              <a:rPr kumimoji="0" lang="fr-FR" altLang="fr-FR" sz="1600" b="0" i="0" u="none" strike="noStrike" cap="none" normalizeH="0" baseline="0" dirty="0" smtClean="0">
-                <a:ln>
-                  <a:noFill/>
-                </a:ln>
-                <a:solidFill>
-                  <a:srgbClr val="C0C0C0"/>
-                </a:solidFill>
-                <a:effectLst/>
-                <a:latin typeface="Cambria" panose="02040503050406030204" pitchFamily="18" charset="0"/>
-              </a:rPr>
-              <a:t> </a:t>
-            </a:r>
-            <a:r>
-              <a:rPr kumimoji="0" lang="fr-FR" altLang="fr-FR" sz="1600" b="0" i="0" u="none" strike="noStrike" cap="none" normalizeH="0" baseline="0" dirty="0" smtClean="0">
-                <a:ln>
-                  <a:noFill/>
-                </a:ln>
-                <a:solidFill>
-                  <a:srgbClr val="800000"/>
-                </a:solidFill>
-                <a:effectLst/>
-                <a:latin typeface="Cambria" panose="02040503050406030204" pitchFamily="18" charset="0"/>
-              </a:rPr>
-              <a:t>DD</a:t>
-            </a:r>
-            <a:r>
-              <a:rPr kumimoji="0" lang="fr-FR" altLang="fr-FR" sz="1600" b="0" i="0" u="none" strike="noStrike" cap="none" normalizeH="0" baseline="0" dirty="0" smtClean="0">
-                <a:ln>
-                  <a:noFill/>
-                </a:ln>
-                <a:solidFill>
-                  <a:srgbClr val="C0C0C0"/>
-                </a:solidFill>
-                <a:effectLst/>
-                <a:latin typeface="Cambria" panose="02040503050406030204" pitchFamily="18" charset="0"/>
-              </a:rPr>
-              <a:t> </a:t>
-            </a:r>
-            <a:r>
-              <a:rPr kumimoji="0" lang="fr-FR" altLang="fr-FR" sz="1600" b="0" i="0" u="none" strike="noStrike" cap="none" normalizeH="0" baseline="0" dirty="0" smtClean="0">
-                <a:ln>
-                  <a:noFill/>
-                </a:ln>
-                <a:solidFill>
-                  <a:schemeClr val="tx1"/>
-                </a:solidFill>
-                <a:effectLst/>
-                <a:latin typeface="Cambria" panose="02040503050406030204" pitchFamily="18" charset="0"/>
-              </a:rPr>
-              <a:t>+</a:t>
-            </a:r>
-            <a:r>
-              <a:rPr kumimoji="0" lang="fr-FR" altLang="fr-FR" sz="1600" b="0" i="0" u="none" strike="noStrike" cap="none" normalizeH="0" baseline="0" dirty="0" smtClean="0">
-                <a:ln>
-                  <a:noFill/>
-                </a:ln>
-                <a:solidFill>
-                  <a:srgbClr val="C0C0C0"/>
-                </a:solidFill>
-                <a:effectLst/>
-                <a:latin typeface="Cambria" panose="02040503050406030204" pitchFamily="18" charset="0"/>
-              </a:rPr>
-              <a:t> </a:t>
-            </a:r>
-            <a:r>
-              <a:rPr kumimoji="0" lang="fr-FR" altLang="fr-FR" sz="1600" b="0" i="0" u="none" strike="noStrike" cap="none" normalizeH="0" baseline="0" dirty="0" err="1" smtClean="0">
-                <a:ln>
-                  <a:noFill/>
-                </a:ln>
-                <a:solidFill>
-                  <a:srgbClr val="800000"/>
-                </a:solidFill>
-                <a:effectLst/>
-                <a:latin typeface="Cambria" panose="02040503050406030204" pitchFamily="18" charset="0"/>
-              </a:rPr>
-              <a:t>deltaT</a:t>
-            </a:r>
-            <a:r>
-              <a:rPr kumimoji="0" lang="fr-FR" altLang="fr-FR" sz="1600" b="0" i="0" u="none" strike="noStrike" cap="none" normalizeH="0" baseline="0" dirty="0" smtClean="0">
-                <a:ln>
-                  <a:noFill/>
-                </a:ln>
-                <a:solidFill>
-                  <a:srgbClr val="C0C0C0"/>
-                </a:solidFill>
-                <a:effectLst/>
-                <a:latin typeface="Cambria" panose="02040503050406030204" pitchFamily="18" charset="0"/>
-              </a:rPr>
-              <a:t> </a:t>
-            </a:r>
-            <a:r>
-              <a:rPr kumimoji="0" lang="fr-FR" altLang="fr-FR" sz="1600" b="0" i="0" u="none" strike="noStrike" cap="none" normalizeH="0" baseline="0" dirty="0" smtClean="0">
-                <a:ln>
-                  <a:noFill/>
-                </a:ln>
-                <a:solidFill>
-                  <a:schemeClr val="tx1"/>
-                </a:solidFill>
-                <a:effectLst/>
-                <a:latin typeface="Cambria" panose="02040503050406030204" pitchFamily="18" charset="0"/>
-              </a:rPr>
-              <a:t>+</a:t>
-            </a:r>
-            <a:r>
-              <a:rPr kumimoji="0" lang="fr-FR" altLang="fr-FR" sz="1600" b="0" i="0" u="none" strike="noStrike" cap="none" normalizeH="0" baseline="0" dirty="0" smtClean="0">
-                <a:ln>
-                  <a:noFill/>
-                </a:ln>
-                <a:solidFill>
-                  <a:srgbClr val="C0C0C0"/>
-                </a:solidFill>
-                <a:effectLst/>
-                <a:latin typeface="Cambria" panose="02040503050406030204" pitchFamily="18" charset="0"/>
-              </a:rPr>
-              <a:t> </a:t>
-            </a:r>
-            <a:r>
-              <a:rPr kumimoji="0" lang="fr-FR" altLang="fr-FR" sz="1600" b="0" i="0" u="none" strike="noStrike" cap="none" normalizeH="0" baseline="0" dirty="0" err="1" smtClean="0">
-                <a:ln>
-                  <a:noFill/>
-                </a:ln>
-                <a:solidFill>
-                  <a:srgbClr val="800000"/>
-                </a:solidFill>
-                <a:effectLst/>
-                <a:latin typeface="Cambria" panose="02040503050406030204" pitchFamily="18" charset="0"/>
-              </a:rPr>
-              <a:t>plastodelay</a:t>
-            </a:r>
-            <a:r>
-              <a:rPr kumimoji="0" lang="fr-FR" altLang="fr-FR" sz="1600" b="0" i="0" u="none" strike="noStrike" cap="none" normalizeH="0" baseline="0" dirty="0" smtClean="0">
-                <a:ln>
-                  <a:noFill/>
-                </a:ln>
-                <a:solidFill>
-                  <a:schemeClr val="tx1"/>
-                </a:solidFill>
-                <a:effectLst/>
-                <a:latin typeface="Cambria" panose="02040503050406030204" pitchFamily="18" charset="0"/>
-              </a:rPr>
-              <a:t>; </a:t>
-            </a:r>
-            <a:br>
-              <a:rPr kumimoji="0" lang="fr-FR" altLang="fr-FR" sz="1600" b="0" i="0" u="none" strike="noStrike" cap="none" normalizeH="0" baseline="0" dirty="0" smtClean="0">
-                <a:ln>
-                  <a:noFill/>
-                </a:ln>
-                <a:solidFill>
-                  <a:schemeClr val="tx1"/>
-                </a:solidFill>
-                <a:effectLst/>
-                <a:latin typeface="Cambria" panose="02040503050406030204" pitchFamily="18" charset="0"/>
-              </a:rPr>
-            </a:br>
-            <a:r>
-              <a:rPr kumimoji="0" lang="fr-FR" altLang="fr-FR" sz="1600" b="0" i="0" u="none" strike="noStrike" cap="none" normalizeH="0" baseline="0" dirty="0" smtClean="0">
-                <a:ln>
-                  <a:noFill/>
-                </a:ln>
-                <a:solidFill>
-                  <a:schemeClr val="tx1"/>
-                </a:solidFill>
-                <a:effectLst/>
-                <a:latin typeface="Cambria" panose="02040503050406030204" pitchFamily="18" charset="0"/>
-              </a:rPr>
-              <a:t>	</a:t>
-            </a:r>
-            <a:r>
-              <a:rPr kumimoji="0" lang="fr-FR" altLang="fr-FR" sz="1600" b="0" i="0" u="none" strike="noStrike" cap="none" normalizeH="0" baseline="0" dirty="0" err="1" smtClean="0">
-                <a:ln>
-                  <a:noFill/>
-                </a:ln>
-                <a:solidFill>
-                  <a:srgbClr val="800000"/>
-                </a:solidFill>
-                <a:effectLst/>
-                <a:latin typeface="Cambria" panose="02040503050406030204" pitchFamily="18" charset="0"/>
-              </a:rPr>
-              <a:t>boolCrossedPlasto</a:t>
-            </a:r>
-            <a:r>
-              <a:rPr kumimoji="0" lang="fr-FR" altLang="fr-FR" sz="1600" b="0" i="0" u="none" strike="noStrike" cap="none" normalizeH="0" baseline="0" dirty="0" smtClean="0">
-                <a:ln>
-                  <a:noFill/>
-                </a:ln>
-                <a:solidFill>
-                  <a:srgbClr val="C0C0C0"/>
-                </a:solidFill>
-                <a:effectLst/>
-                <a:latin typeface="Cambria" panose="02040503050406030204" pitchFamily="18" charset="0"/>
-              </a:rPr>
-              <a:t> </a:t>
-            </a:r>
-            <a:r>
-              <a:rPr kumimoji="0" lang="fr-FR" altLang="fr-FR" sz="1600" b="0" i="0" u="none" strike="noStrike" cap="none" normalizeH="0" baseline="0" dirty="0" smtClean="0">
-                <a:ln>
-                  <a:noFill/>
-                </a:ln>
-                <a:solidFill>
-                  <a:schemeClr val="tx1"/>
-                </a:solidFill>
-                <a:effectLst/>
-                <a:latin typeface="Cambria" panose="02040503050406030204" pitchFamily="18" charset="0"/>
-              </a:rPr>
-              <a:t>=</a:t>
-            </a:r>
-            <a:r>
-              <a:rPr kumimoji="0" lang="fr-FR" altLang="fr-FR" sz="1600" b="0" i="0" u="none" strike="noStrike" cap="none" normalizeH="0" baseline="0" dirty="0" smtClean="0">
-                <a:ln>
-                  <a:noFill/>
-                </a:ln>
-                <a:solidFill>
-                  <a:srgbClr val="C0C0C0"/>
-                </a:solidFill>
-                <a:effectLst/>
-                <a:latin typeface="Cambria" panose="02040503050406030204" pitchFamily="18" charset="0"/>
-              </a:rPr>
-              <a:t> </a:t>
-            </a:r>
-            <a:r>
-              <a:rPr kumimoji="0" lang="fr-FR" altLang="fr-FR" sz="1600" b="0" i="0" u="none" strike="noStrike" cap="none" normalizeH="0" baseline="0" dirty="0" err="1" smtClean="0">
-                <a:ln>
-                  <a:noFill/>
-                </a:ln>
-                <a:solidFill>
-                  <a:schemeClr val="tx1"/>
-                </a:solidFill>
-                <a:effectLst/>
-                <a:latin typeface="Cambria" panose="02040503050406030204" pitchFamily="18" charset="0"/>
-              </a:rPr>
-              <a:t>tempDD</a:t>
-            </a:r>
-            <a:r>
-              <a:rPr kumimoji="0" lang="fr-FR" altLang="fr-FR" sz="1600" b="0" i="0" u="none" strike="noStrike" cap="none" normalizeH="0" baseline="0" dirty="0" smtClean="0">
-                <a:ln>
-                  <a:noFill/>
-                </a:ln>
-                <a:solidFill>
-                  <a:srgbClr val="C0C0C0"/>
-                </a:solidFill>
-                <a:effectLst/>
-                <a:latin typeface="Cambria" panose="02040503050406030204" pitchFamily="18" charset="0"/>
-              </a:rPr>
-              <a:t> </a:t>
-            </a:r>
-            <a:r>
-              <a:rPr kumimoji="0" lang="fr-FR" altLang="fr-FR" sz="1600" b="0" i="0" u="none" strike="noStrike" cap="none" normalizeH="0" baseline="0" dirty="0" smtClean="0">
-                <a:ln>
-                  <a:noFill/>
-                </a:ln>
-                <a:solidFill>
-                  <a:schemeClr val="tx1"/>
-                </a:solidFill>
-                <a:effectLst/>
-                <a:latin typeface="Cambria" panose="02040503050406030204" pitchFamily="18" charset="0"/>
-              </a:rPr>
-              <a:t>-</a:t>
-            </a:r>
-            <a:r>
-              <a:rPr kumimoji="0" lang="fr-FR" altLang="fr-FR" sz="1600" b="0" i="0" u="none" strike="noStrike" cap="none" normalizeH="0" baseline="0" dirty="0" smtClean="0">
-                <a:ln>
-                  <a:noFill/>
-                </a:ln>
-                <a:solidFill>
-                  <a:srgbClr val="C0C0C0"/>
-                </a:solidFill>
-                <a:effectLst/>
-                <a:latin typeface="Cambria" panose="02040503050406030204" pitchFamily="18" charset="0"/>
-              </a:rPr>
-              <a:t> </a:t>
-            </a:r>
-            <a:r>
-              <a:rPr kumimoji="0" lang="fr-FR" altLang="fr-FR" sz="1600" b="0" i="0" u="none" strike="noStrike" cap="none" normalizeH="0" baseline="0" dirty="0" err="1" smtClean="0">
-                <a:ln>
-                  <a:noFill/>
-                </a:ln>
-                <a:solidFill>
-                  <a:srgbClr val="800000"/>
-                </a:solidFill>
-                <a:effectLst/>
-                <a:latin typeface="Cambria" panose="02040503050406030204" pitchFamily="18" charset="0"/>
-              </a:rPr>
-              <a:t>plasto</a:t>
-            </a:r>
-            <a:r>
-              <a:rPr kumimoji="0" lang="fr-FR" altLang="fr-FR" sz="1600" b="0" i="0" u="none" strike="noStrike" cap="none" normalizeH="0" baseline="0" dirty="0" smtClean="0">
-                <a:ln>
-                  <a:noFill/>
-                </a:ln>
-                <a:solidFill>
-                  <a:schemeClr val="tx1"/>
-                </a:solidFill>
-                <a:effectLst/>
-                <a:latin typeface="Cambria" panose="02040503050406030204" pitchFamily="18" charset="0"/>
-              </a:rPr>
-              <a:t>; </a:t>
-            </a:r>
-          </a:p>
-          <a:p>
-            <a:pPr lvl="0" eaLnBrk="0" fontAlgn="base" hangingPunct="0">
-              <a:spcBef>
-                <a:spcPct val="0"/>
-              </a:spcBef>
-              <a:spcAft>
-                <a:spcPct val="0"/>
-              </a:spcAft>
-            </a:pPr>
-            <a:r>
-              <a:rPr kumimoji="0" lang="fr-FR" altLang="fr-FR" sz="1600" b="0" i="0" u="none" strike="noStrike" cap="none" normalizeH="0" baseline="0" dirty="0" smtClean="0">
-                <a:ln>
-                  <a:noFill/>
-                </a:ln>
-                <a:solidFill>
-                  <a:srgbClr val="800000"/>
-                </a:solidFill>
-                <a:effectLst/>
-                <a:latin typeface="Cambria" panose="02040503050406030204" pitchFamily="18" charset="0"/>
-              </a:rPr>
-              <a:t>	</a:t>
-            </a:r>
-            <a:r>
-              <a:rPr kumimoji="0" lang="fr-FR" altLang="fr-FR" sz="1600" b="0" i="0" u="none" strike="noStrike" cap="none" normalizeH="0" baseline="0" dirty="0" err="1" smtClean="0">
-                <a:ln>
-                  <a:noFill/>
-                </a:ln>
-                <a:solidFill>
-                  <a:srgbClr val="800000"/>
-                </a:solidFill>
-                <a:effectLst/>
-                <a:latin typeface="Cambria" panose="02040503050406030204" pitchFamily="18" charset="0"/>
-              </a:rPr>
-              <a:t>plastoVisu</a:t>
-            </a:r>
-            <a:r>
-              <a:rPr kumimoji="0" lang="fr-FR" altLang="fr-FR" sz="1600" b="0" i="0" u="none" strike="noStrike" cap="none" normalizeH="0" baseline="0" dirty="0" smtClean="0">
-                <a:ln>
-                  <a:noFill/>
-                </a:ln>
-                <a:solidFill>
-                  <a:srgbClr val="C0C0C0"/>
-                </a:solidFill>
-                <a:effectLst/>
-                <a:latin typeface="Cambria" panose="02040503050406030204" pitchFamily="18" charset="0"/>
-              </a:rPr>
-              <a:t> </a:t>
-            </a:r>
-            <a:r>
-              <a:rPr kumimoji="0" lang="fr-FR" altLang="fr-FR" sz="1600" b="0" i="0" u="none" strike="noStrike" cap="none" normalizeH="0" baseline="0" dirty="0" smtClean="0">
-                <a:ln>
-                  <a:noFill/>
-                </a:ln>
-                <a:solidFill>
-                  <a:schemeClr val="tx1"/>
-                </a:solidFill>
-                <a:effectLst/>
-                <a:latin typeface="Cambria" panose="02040503050406030204" pitchFamily="18" charset="0"/>
-              </a:rPr>
-              <a:t>=</a:t>
-            </a:r>
-            <a:r>
-              <a:rPr kumimoji="0" lang="fr-FR" altLang="fr-FR" sz="1600" b="0" i="0" u="none" strike="noStrike" cap="none" normalizeH="0" baseline="0" dirty="0" smtClean="0">
-                <a:ln>
-                  <a:noFill/>
-                </a:ln>
-                <a:solidFill>
-                  <a:srgbClr val="C0C0C0"/>
-                </a:solidFill>
-                <a:effectLst/>
-                <a:latin typeface="Cambria" panose="02040503050406030204" pitchFamily="18" charset="0"/>
-              </a:rPr>
-              <a:t> </a:t>
-            </a:r>
-            <a:r>
-              <a:rPr kumimoji="0" lang="fr-FR" altLang="fr-FR" sz="1600" b="0" i="0" u="none" strike="noStrike" cap="none" normalizeH="0" baseline="0" dirty="0" err="1" smtClean="0">
-                <a:ln>
-                  <a:noFill/>
-                </a:ln>
-                <a:solidFill>
-                  <a:srgbClr val="800000"/>
-                </a:solidFill>
-                <a:effectLst/>
-                <a:latin typeface="Cambria" panose="02040503050406030204" pitchFamily="18" charset="0"/>
-              </a:rPr>
-              <a:t>plastoVisu</a:t>
-            </a:r>
-            <a:r>
-              <a:rPr kumimoji="0" lang="fr-FR" altLang="fr-FR" sz="1600" b="0" i="0" u="none" strike="noStrike" cap="none" normalizeH="0" baseline="0" dirty="0" smtClean="0">
-                <a:ln>
-                  <a:noFill/>
-                </a:ln>
-                <a:solidFill>
-                  <a:srgbClr val="C0C0C0"/>
-                </a:solidFill>
-                <a:effectLst/>
-                <a:latin typeface="Cambria" panose="02040503050406030204" pitchFamily="18" charset="0"/>
-              </a:rPr>
-              <a:t> </a:t>
-            </a:r>
-            <a:r>
-              <a:rPr kumimoji="0" lang="fr-FR" altLang="fr-FR" sz="1600" b="0" i="0" u="none" strike="noStrike" cap="none" normalizeH="0" baseline="0" dirty="0" smtClean="0">
-                <a:ln>
-                  <a:noFill/>
-                </a:ln>
-                <a:solidFill>
-                  <a:schemeClr val="tx1"/>
-                </a:solidFill>
-                <a:effectLst/>
-                <a:latin typeface="Cambria" panose="02040503050406030204" pitchFamily="18" charset="0"/>
-              </a:rPr>
-              <a:t>-</a:t>
-            </a:r>
-            <a:r>
-              <a:rPr kumimoji="0" lang="fr-FR" altLang="fr-FR" sz="1600" b="0" i="0" u="none" strike="noStrike" cap="none" normalizeH="0" baseline="0" dirty="0" smtClean="0">
-                <a:ln>
-                  <a:noFill/>
-                </a:ln>
-                <a:solidFill>
-                  <a:srgbClr val="C0C0C0"/>
-                </a:solidFill>
-                <a:effectLst/>
-                <a:latin typeface="Cambria" panose="02040503050406030204" pitchFamily="18" charset="0"/>
-              </a:rPr>
-              <a:t> </a:t>
-            </a:r>
-            <a:r>
-              <a:rPr kumimoji="0" lang="fr-FR" altLang="fr-FR" sz="1600" b="0" i="0" u="none" strike="noStrike" cap="none" normalizeH="0" baseline="0" dirty="0" err="1" smtClean="0">
-                <a:ln>
-                  <a:noFill/>
-                </a:ln>
-                <a:solidFill>
-                  <a:srgbClr val="800000"/>
-                </a:solidFill>
-                <a:effectLst/>
-                <a:latin typeface="Cambria" panose="02040503050406030204" pitchFamily="18" charset="0"/>
-              </a:rPr>
-              <a:t>plastodelay</a:t>
-            </a:r>
-            <a:r>
-              <a:rPr kumimoji="0" lang="fr-FR" altLang="fr-FR" sz="1600" b="0" i="0" u="none" strike="noStrike" cap="none" normalizeH="0" baseline="0" dirty="0" smtClean="0">
-                <a:ln>
-                  <a:noFill/>
-                </a:ln>
-                <a:solidFill>
-                  <a:schemeClr val="tx1"/>
-                </a:solidFill>
-                <a:effectLst/>
-                <a:latin typeface="Cambria" panose="02040503050406030204" pitchFamily="18" charset="0"/>
-              </a:rPr>
-              <a:t>;</a:t>
-            </a:r>
-          </a:p>
-          <a:p>
-            <a:pPr lvl="0" eaLnBrk="0" fontAlgn="base" hangingPunct="0">
-              <a:spcBef>
-                <a:spcPct val="0"/>
-              </a:spcBef>
-              <a:spcAft>
-                <a:spcPct val="0"/>
-              </a:spcAft>
-            </a:pPr>
-            <a:r>
-              <a:rPr kumimoji="0" lang="fr-FR" altLang="fr-FR" sz="1600" b="0" i="0" u="none" strike="noStrike" cap="none" normalizeH="0" baseline="0" dirty="0" smtClean="0">
-                <a:ln>
-                  <a:noFill/>
-                </a:ln>
-                <a:solidFill>
-                  <a:srgbClr val="800000"/>
-                </a:solidFill>
-                <a:effectLst/>
-                <a:latin typeface="Cambria" panose="02040503050406030204" pitchFamily="18" charset="0"/>
-              </a:rPr>
-              <a:t>	</a:t>
-            </a:r>
-            <a:r>
-              <a:rPr kumimoji="0" lang="fr-FR" altLang="fr-FR" sz="1600" b="0" i="0" u="none" strike="noStrike" cap="none" normalizeH="0" baseline="0" dirty="0" err="1" smtClean="0">
-                <a:ln>
-                  <a:noFill/>
-                </a:ln>
-                <a:solidFill>
-                  <a:srgbClr val="800000"/>
-                </a:solidFill>
-                <a:effectLst/>
-                <a:latin typeface="Cambria" panose="02040503050406030204" pitchFamily="18" charset="0"/>
-              </a:rPr>
-              <a:t>liguloVisu</a:t>
-            </a:r>
-            <a:r>
-              <a:rPr kumimoji="0" lang="fr-FR" altLang="fr-FR" sz="1600" b="0" i="0" u="none" strike="noStrike" cap="none" normalizeH="0" baseline="0" dirty="0" smtClean="0">
-                <a:ln>
-                  <a:noFill/>
-                </a:ln>
-                <a:solidFill>
-                  <a:srgbClr val="C0C0C0"/>
-                </a:solidFill>
-                <a:effectLst/>
-                <a:latin typeface="Cambria" panose="02040503050406030204" pitchFamily="18" charset="0"/>
-              </a:rPr>
-              <a:t> </a:t>
-            </a:r>
-            <a:r>
-              <a:rPr kumimoji="0" lang="fr-FR" altLang="fr-FR" sz="1600" b="0" i="0" u="none" strike="noStrike" cap="none" normalizeH="0" baseline="0" dirty="0" smtClean="0">
-                <a:ln>
-                  <a:noFill/>
-                </a:ln>
-                <a:solidFill>
-                  <a:schemeClr val="tx1"/>
-                </a:solidFill>
-                <a:effectLst/>
-                <a:latin typeface="Cambria" panose="02040503050406030204" pitchFamily="18" charset="0"/>
-              </a:rPr>
-              <a:t>=</a:t>
-            </a:r>
-            <a:r>
-              <a:rPr kumimoji="0" lang="fr-FR" altLang="fr-FR" sz="1600" b="0" i="0" u="none" strike="noStrike" cap="none" normalizeH="0" baseline="0" dirty="0" smtClean="0">
-                <a:ln>
-                  <a:noFill/>
-                </a:ln>
-                <a:solidFill>
-                  <a:srgbClr val="C0C0C0"/>
-                </a:solidFill>
-                <a:effectLst/>
-                <a:latin typeface="Cambria" panose="02040503050406030204" pitchFamily="18" charset="0"/>
-              </a:rPr>
-              <a:t> </a:t>
-            </a:r>
-            <a:r>
-              <a:rPr kumimoji="0" lang="fr-FR" altLang="fr-FR" sz="1600" b="0" i="0" u="none" strike="noStrike" cap="none" normalizeH="0" baseline="0" dirty="0" err="1" smtClean="0">
-                <a:ln>
-                  <a:noFill/>
-                </a:ln>
-                <a:solidFill>
-                  <a:srgbClr val="800000"/>
-                </a:solidFill>
-                <a:effectLst/>
-                <a:latin typeface="Cambria" panose="02040503050406030204" pitchFamily="18" charset="0"/>
-              </a:rPr>
-              <a:t>liguloVisu</a:t>
-            </a:r>
-            <a:r>
-              <a:rPr kumimoji="0" lang="fr-FR" altLang="fr-FR" sz="1600" b="0" i="0" u="none" strike="noStrike" cap="none" normalizeH="0" baseline="0" dirty="0" smtClean="0">
-                <a:ln>
-                  <a:noFill/>
-                </a:ln>
-                <a:solidFill>
-                  <a:srgbClr val="C0C0C0"/>
-                </a:solidFill>
-                <a:effectLst/>
-                <a:latin typeface="Cambria" panose="02040503050406030204" pitchFamily="18" charset="0"/>
-              </a:rPr>
-              <a:t> </a:t>
-            </a:r>
-            <a:r>
-              <a:rPr kumimoji="0" lang="fr-FR" altLang="fr-FR" sz="1600" b="0" i="0" u="none" strike="noStrike" cap="none" normalizeH="0" baseline="0" dirty="0" smtClean="0">
-                <a:ln>
-                  <a:noFill/>
-                </a:ln>
-                <a:solidFill>
-                  <a:schemeClr val="tx1"/>
-                </a:solidFill>
-                <a:effectLst/>
-                <a:latin typeface="Cambria" panose="02040503050406030204" pitchFamily="18" charset="0"/>
-              </a:rPr>
-              <a:t>-</a:t>
-            </a:r>
-            <a:r>
-              <a:rPr kumimoji="0" lang="fr-FR" altLang="fr-FR" sz="1600" b="0" i="0" u="none" strike="noStrike" cap="none" normalizeH="0" baseline="0" dirty="0" smtClean="0">
-                <a:ln>
-                  <a:noFill/>
-                </a:ln>
-                <a:solidFill>
-                  <a:srgbClr val="C0C0C0"/>
-                </a:solidFill>
-                <a:effectLst/>
-                <a:latin typeface="Cambria" panose="02040503050406030204" pitchFamily="18" charset="0"/>
-              </a:rPr>
-              <a:t> </a:t>
-            </a:r>
-            <a:r>
-              <a:rPr kumimoji="0" lang="fr-FR" altLang="fr-FR" sz="1600" b="0" i="0" u="none" strike="noStrike" cap="none" normalizeH="0" baseline="0" dirty="0" err="1" smtClean="0">
-                <a:ln>
-                  <a:noFill/>
-                </a:ln>
-                <a:solidFill>
-                  <a:srgbClr val="800000"/>
-                </a:solidFill>
-                <a:effectLst/>
-                <a:latin typeface="Cambria" panose="02040503050406030204" pitchFamily="18" charset="0"/>
-              </a:rPr>
-              <a:t>plastodelay</a:t>
-            </a:r>
-            <a:r>
-              <a:rPr kumimoji="0" lang="fr-FR" altLang="fr-FR" sz="1600" b="0" i="0" u="none" strike="noStrike" cap="none" normalizeH="0" baseline="0" dirty="0" smtClean="0">
-                <a:ln>
-                  <a:noFill/>
-                </a:ln>
-                <a:solidFill>
-                  <a:schemeClr val="tx1"/>
-                </a:solidFill>
-                <a:effectLst/>
-                <a:latin typeface="Cambria" panose="02040503050406030204" pitchFamily="18" charset="0"/>
-              </a:rPr>
-              <a:t>;</a:t>
-            </a:r>
-            <a:r>
-              <a:rPr kumimoji="0" lang="fr-FR" altLang="fr-FR" sz="1600" b="0" i="0" u="none" strike="noStrike" cap="none" normalizeH="0" baseline="0" dirty="0" smtClean="0">
-                <a:ln>
-                  <a:noFill/>
-                </a:ln>
-                <a:solidFill>
-                  <a:schemeClr val="tx1"/>
-                </a:solidFill>
-                <a:effectLst/>
-                <a:latin typeface="Cambria" panose="02040503050406030204" pitchFamily="18" charset="0"/>
-              </a:rPr>
-              <a:t/>
-            </a:r>
-            <a:br>
-              <a:rPr kumimoji="0" lang="fr-FR" altLang="fr-FR" sz="1600" b="0" i="0" u="none" strike="noStrike" cap="none" normalizeH="0" baseline="0" dirty="0" smtClean="0">
-                <a:ln>
-                  <a:noFill/>
-                </a:ln>
-                <a:solidFill>
-                  <a:schemeClr val="tx1"/>
-                </a:solidFill>
-                <a:effectLst/>
-                <a:latin typeface="Cambria" panose="02040503050406030204" pitchFamily="18" charset="0"/>
-              </a:rPr>
-            </a:br>
-            <a:endParaRPr kumimoji="0" lang="fr-FR" altLang="fr-FR" sz="1600" b="0" i="0" u="none" strike="noStrike" cap="none" normalizeH="0" baseline="0" dirty="0" smtClean="0">
-              <a:ln>
-                <a:noFill/>
-              </a:ln>
-              <a:solidFill>
-                <a:schemeClr val="tx1"/>
-              </a:solidFill>
-              <a:effectLst/>
-              <a:latin typeface="Cambria" panose="02040503050406030204" pitchFamily="18" charset="0"/>
-            </a:endParaRPr>
-          </a:p>
-          <a:p>
-            <a:pPr lvl="0" eaLnBrk="0" fontAlgn="base" hangingPunct="0">
-              <a:spcBef>
-                <a:spcPct val="0"/>
-              </a:spcBef>
-              <a:spcAft>
-                <a:spcPct val="0"/>
-              </a:spcAft>
-            </a:pPr>
-            <a:r>
-              <a:rPr lang="fr-FR" altLang="fr-FR" sz="1600" dirty="0">
-                <a:latin typeface="Cambria" panose="02040503050406030204" pitchFamily="18" charset="0"/>
-              </a:rPr>
-              <a:t>	</a:t>
-            </a:r>
-            <a:r>
-              <a:rPr kumimoji="0" lang="fr-FR" altLang="fr-FR" sz="1600" b="0" i="0" u="none" strike="noStrike" cap="none" normalizeH="0" baseline="0" dirty="0" smtClean="0">
-                <a:ln>
-                  <a:noFill/>
-                </a:ln>
-                <a:solidFill>
-                  <a:srgbClr val="808000"/>
-                </a:solidFill>
-                <a:effectLst/>
-                <a:latin typeface="Cambria" panose="02040503050406030204" pitchFamily="18" charset="0"/>
-              </a:rPr>
-              <a:t> if</a:t>
-            </a:r>
-            <a:r>
-              <a:rPr kumimoji="0" lang="fr-FR" altLang="fr-FR" sz="1600" b="0" i="0" u="none" strike="noStrike" cap="none" normalizeH="0" baseline="0" dirty="0" smtClean="0">
-                <a:ln>
-                  <a:noFill/>
-                </a:ln>
-                <a:solidFill>
-                  <a:srgbClr val="C0C0C0"/>
-                </a:solidFill>
-                <a:effectLst/>
-                <a:latin typeface="Cambria" panose="02040503050406030204" pitchFamily="18" charset="0"/>
-              </a:rPr>
-              <a:t> </a:t>
-            </a:r>
-            <a:r>
-              <a:rPr kumimoji="0" lang="fr-FR" altLang="fr-FR" sz="1600" b="0" i="0" u="none" strike="noStrike" cap="none" normalizeH="0" baseline="0" dirty="0" smtClean="0">
-                <a:ln>
-                  <a:noFill/>
-                </a:ln>
-                <a:solidFill>
-                  <a:schemeClr val="tx1"/>
-                </a:solidFill>
-                <a:effectLst/>
-                <a:latin typeface="Cambria" panose="02040503050406030204" pitchFamily="18" charset="0"/>
-              </a:rPr>
-              <a:t>(</a:t>
-            </a:r>
-            <a:r>
-              <a:rPr kumimoji="0" lang="fr-FR" altLang="fr-FR" sz="1600" b="0" i="0" u="none" strike="noStrike" cap="none" normalizeH="0" baseline="0" dirty="0" err="1" smtClean="0">
-                <a:ln>
-                  <a:noFill/>
-                </a:ln>
-                <a:solidFill>
-                  <a:srgbClr val="800000"/>
-                </a:solidFill>
-                <a:effectLst/>
-                <a:latin typeface="Cambria" panose="02040503050406030204" pitchFamily="18" charset="0"/>
-              </a:rPr>
-              <a:t>boolCrossedPlasto</a:t>
-            </a:r>
-            <a:r>
-              <a:rPr kumimoji="0" lang="fr-FR" altLang="fr-FR" sz="1600" b="0" i="0" u="none" strike="noStrike" cap="none" normalizeH="0" baseline="0" dirty="0" smtClean="0">
-                <a:ln>
-                  <a:noFill/>
-                </a:ln>
-                <a:solidFill>
-                  <a:srgbClr val="C0C0C0"/>
-                </a:solidFill>
-                <a:effectLst/>
-                <a:latin typeface="Cambria" panose="02040503050406030204" pitchFamily="18" charset="0"/>
-              </a:rPr>
-              <a:t> </a:t>
-            </a:r>
-            <a:r>
-              <a:rPr kumimoji="0" lang="fr-FR" altLang="fr-FR" sz="1600" b="0" i="0" u="none" strike="noStrike" cap="none" normalizeH="0" baseline="0" dirty="0" smtClean="0">
-                <a:ln>
-                  <a:noFill/>
-                </a:ln>
-                <a:solidFill>
-                  <a:schemeClr val="tx1"/>
-                </a:solidFill>
-                <a:effectLst/>
-                <a:latin typeface="Cambria" panose="02040503050406030204" pitchFamily="18" charset="0"/>
-              </a:rPr>
-              <a:t>&gt;=</a:t>
-            </a:r>
-            <a:r>
-              <a:rPr kumimoji="0" lang="fr-FR" altLang="fr-FR" sz="1600" b="0" i="0" u="none" strike="noStrike" cap="none" normalizeH="0" baseline="0" dirty="0" smtClean="0">
-                <a:ln>
-                  <a:noFill/>
-                </a:ln>
-                <a:solidFill>
-                  <a:srgbClr val="C0C0C0"/>
-                </a:solidFill>
-                <a:effectLst/>
-                <a:latin typeface="Cambria" panose="02040503050406030204" pitchFamily="18" charset="0"/>
-              </a:rPr>
-              <a:t> </a:t>
-            </a:r>
-            <a:r>
-              <a:rPr kumimoji="0" lang="fr-FR" altLang="fr-FR" sz="1600" b="0" i="0" u="none" strike="noStrike" cap="none" normalizeH="0" baseline="0" dirty="0" smtClean="0">
-                <a:ln>
-                  <a:noFill/>
-                </a:ln>
-                <a:solidFill>
-                  <a:srgbClr val="000080"/>
-                </a:solidFill>
-                <a:effectLst/>
-                <a:latin typeface="Cambria" panose="02040503050406030204" pitchFamily="18" charset="0"/>
-              </a:rPr>
-              <a:t>0</a:t>
-            </a:r>
-            <a:r>
-              <a:rPr kumimoji="0" lang="fr-FR" altLang="fr-FR" sz="1600" b="0" i="0" u="none" strike="noStrike" cap="none" normalizeH="0" baseline="0" dirty="0" smtClean="0">
-                <a:ln>
-                  <a:noFill/>
-                </a:ln>
-                <a:solidFill>
-                  <a:schemeClr val="tx1"/>
-                </a:solidFill>
-                <a:effectLst/>
-                <a:latin typeface="Cambria" panose="02040503050406030204" pitchFamily="18" charset="0"/>
-              </a:rPr>
-              <a:t>)</a:t>
-            </a:r>
-            <a:r>
-              <a:rPr kumimoji="0" lang="fr-FR" altLang="fr-FR" sz="1600" b="0" i="0" u="none" strike="noStrike" cap="none" normalizeH="0" baseline="0" dirty="0" smtClean="0">
-                <a:ln>
-                  <a:noFill/>
-                </a:ln>
-                <a:solidFill>
-                  <a:srgbClr val="C0C0C0"/>
-                </a:solidFill>
-                <a:effectLst/>
-                <a:latin typeface="Cambria" panose="02040503050406030204" pitchFamily="18" charset="0"/>
-              </a:rPr>
-              <a:t> </a:t>
-            </a:r>
-            <a:r>
-              <a:rPr kumimoji="0" lang="fr-FR" altLang="fr-FR" sz="1600" b="0" i="0" u="none" strike="noStrike" cap="none" normalizeH="0" baseline="0" dirty="0" smtClean="0">
-                <a:ln>
-                  <a:noFill/>
-                </a:ln>
-                <a:effectLst/>
-                <a:latin typeface="Cambria" panose="02040503050406030204" pitchFamily="18" charset="0"/>
-              </a:rPr>
-              <a:t> {</a:t>
-            </a:r>
-          </a:p>
-          <a:p>
-            <a:pPr lvl="0" eaLnBrk="0" fontAlgn="base" hangingPunct="0">
-              <a:spcBef>
-                <a:spcPct val="0"/>
-              </a:spcBef>
-              <a:spcAft>
-                <a:spcPct val="0"/>
-              </a:spcAft>
-            </a:pPr>
-            <a:r>
-              <a:rPr lang="fr-FR" altLang="fr-FR" sz="1600" dirty="0">
-                <a:solidFill>
-                  <a:srgbClr val="C0C0C0"/>
-                </a:solidFill>
-                <a:latin typeface="Cambria" panose="02040503050406030204" pitchFamily="18" charset="0"/>
-              </a:rPr>
-              <a:t>	</a:t>
-            </a:r>
-            <a:r>
-              <a:rPr lang="fr-FR" altLang="fr-FR" sz="1600" dirty="0" smtClean="0">
-                <a:solidFill>
-                  <a:srgbClr val="C0C0C0"/>
-                </a:solidFill>
-                <a:latin typeface="Cambria" panose="02040503050406030204" pitchFamily="18" charset="0"/>
-              </a:rPr>
-              <a:t>	</a:t>
-            </a:r>
-            <a:r>
-              <a:rPr kumimoji="0" lang="fr-FR" altLang="fr-FR" sz="1600" b="0" i="0" u="none" strike="noStrike" cap="none" normalizeH="0" baseline="0" dirty="0" smtClean="0">
-                <a:ln>
-                  <a:noFill/>
-                </a:ln>
-                <a:solidFill>
-                  <a:srgbClr val="800000"/>
-                </a:solidFill>
-                <a:effectLst/>
-                <a:latin typeface="Cambria" panose="02040503050406030204" pitchFamily="18" charset="0"/>
-              </a:rPr>
-              <a:t>EDD</a:t>
-            </a:r>
-            <a:r>
-              <a:rPr kumimoji="0" lang="fr-FR" altLang="fr-FR" sz="1600" b="0" i="0" u="none" strike="noStrike" cap="none" normalizeH="0" baseline="0" dirty="0" smtClean="0">
-                <a:ln>
-                  <a:noFill/>
-                </a:ln>
-                <a:solidFill>
-                  <a:srgbClr val="C0C0C0"/>
-                </a:solidFill>
-                <a:effectLst/>
-                <a:latin typeface="Cambria" panose="02040503050406030204" pitchFamily="18" charset="0"/>
-              </a:rPr>
-              <a:t> </a:t>
-            </a:r>
-            <a:r>
-              <a:rPr kumimoji="0" lang="fr-FR" altLang="fr-FR" sz="1600" b="0" i="0" u="none" strike="noStrike" cap="none" normalizeH="0" baseline="0" dirty="0" smtClean="0">
-                <a:ln>
-                  <a:noFill/>
-                </a:ln>
-                <a:solidFill>
-                  <a:schemeClr val="tx1"/>
-                </a:solidFill>
-                <a:effectLst/>
-                <a:latin typeface="Cambria" panose="02040503050406030204" pitchFamily="18" charset="0"/>
-              </a:rPr>
-              <a:t>=</a:t>
-            </a:r>
-            <a:r>
-              <a:rPr kumimoji="0" lang="fr-FR" altLang="fr-FR" sz="1600" b="0" i="0" u="none" strike="noStrike" cap="none" normalizeH="0" baseline="0" dirty="0" smtClean="0">
-                <a:ln>
-                  <a:noFill/>
-                </a:ln>
-                <a:solidFill>
-                  <a:srgbClr val="C0C0C0"/>
-                </a:solidFill>
-                <a:effectLst/>
-                <a:latin typeface="Cambria" panose="02040503050406030204" pitchFamily="18" charset="0"/>
-              </a:rPr>
-              <a:t> </a:t>
-            </a:r>
-            <a:r>
-              <a:rPr kumimoji="0" lang="fr-FR" altLang="fr-FR" sz="1600" b="0" i="0" u="none" strike="noStrike" cap="none" normalizeH="0" baseline="0" dirty="0" err="1" smtClean="0">
-                <a:ln>
-                  <a:noFill/>
-                </a:ln>
-                <a:solidFill>
-                  <a:srgbClr val="800000"/>
-                </a:solidFill>
-                <a:effectLst/>
-                <a:latin typeface="Cambria" panose="02040503050406030204" pitchFamily="18" charset="0"/>
-              </a:rPr>
-              <a:t>plasto</a:t>
-            </a:r>
-            <a:r>
-              <a:rPr kumimoji="0" lang="fr-FR" altLang="fr-FR" sz="1600" b="0" i="0" u="none" strike="noStrike" cap="none" normalizeH="0" baseline="0" dirty="0" smtClean="0">
-                <a:ln>
-                  <a:noFill/>
-                </a:ln>
-                <a:solidFill>
-                  <a:srgbClr val="C0C0C0"/>
-                </a:solidFill>
-                <a:effectLst/>
-                <a:latin typeface="Cambria" panose="02040503050406030204" pitchFamily="18" charset="0"/>
-              </a:rPr>
-              <a:t> </a:t>
-            </a:r>
-            <a:r>
-              <a:rPr kumimoji="0" lang="fr-FR" altLang="fr-FR" sz="1600" b="0" i="0" u="none" strike="noStrike" cap="none" normalizeH="0" baseline="0" dirty="0" smtClean="0">
-                <a:ln>
-                  <a:noFill/>
-                </a:ln>
-                <a:solidFill>
-                  <a:schemeClr val="tx1"/>
-                </a:solidFill>
-                <a:effectLst/>
-                <a:latin typeface="Cambria" panose="02040503050406030204" pitchFamily="18" charset="0"/>
-              </a:rPr>
-              <a:t>-</a:t>
-            </a:r>
-            <a:r>
-              <a:rPr kumimoji="0" lang="fr-FR" altLang="fr-FR" sz="1600" b="0" i="0" u="none" strike="noStrike" cap="none" normalizeH="0" baseline="0" dirty="0" smtClean="0">
-                <a:ln>
-                  <a:noFill/>
-                </a:ln>
-                <a:solidFill>
-                  <a:srgbClr val="C0C0C0"/>
-                </a:solidFill>
-                <a:effectLst/>
-                <a:latin typeface="Cambria" panose="02040503050406030204" pitchFamily="18" charset="0"/>
-              </a:rPr>
-              <a:t> </a:t>
-            </a:r>
-            <a:r>
-              <a:rPr kumimoji="0" lang="fr-FR" altLang="fr-FR" sz="1600" b="0" i="0" u="none" strike="noStrike" cap="none" normalizeH="0" baseline="0" dirty="0" smtClean="0">
-                <a:ln>
-                  <a:noFill/>
-                </a:ln>
-                <a:solidFill>
-                  <a:srgbClr val="800000"/>
-                </a:solidFill>
-                <a:effectLst/>
-                <a:latin typeface="Cambria" panose="02040503050406030204" pitchFamily="18" charset="0"/>
-              </a:rPr>
-              <a:t>DD</a:t>
-            </a:r>
-            <a:r>
-              <a:rPr kumimoji="0" lang="fr-FR" altLang="fr-FR" sz="1600" b="0" i="0" u="none" strike="noStrike" cap="none" normalizeH="0" baseline="0" dirty="0" smtClean="0">
-                <a:ln>
-                  <a:noFill/>
-                </a:ln>
-                <a:solidFill>
-                  <a:schemeClr val="tx1"/>
-                </a:solidFill>
-                <a:effectLst/>
-                <a:latin typeface="Cambria" panose="02040503050406030204" pitchFamily="18" charset="0"/>
-              </a:rPr>
-              <a:t>; </a:t>
-            </a:r>
-          </a:p>
-          <a:p>
-            <a:pPr eaLnBrk="0" fontAlgn="base" hangingPunct="0">
-              <a:spcBef>
-                <a:spcPct val="0"/>
-              </a:spcBef>
-              <a:spcAft>
-                <a:spcPct val="0"/>
-              </a:spcAft>
-            </a:pPr>
-            <a:r>
-              <a:rPr kumimoji="0" lang="fr-FR" altLang="fr-FR" sz="1600" b="0" i="0" u="none" strike="noStrike" cap="none" normalizeH="0" baseline="0" dirty="0" smtClean="0">
-                <a:ln>
-                  <a:noFill/>
-                </a:ln>
-                <a:solidFill>
-                  <a:srgbClr val="800000"/>
-                </a:solidFill>
-                <a:effectLst/>
-                <a:latin typeface="Cambria" panose="02040503050406030204" pitchFamily="18" charset="0"/>
-              </a:rPr>
-              <a:t>		DD</a:t>
-            </a:r>
-            <a:r>
-              <a:rPr kumimoji="0" lang="fr-FR" altLang="fr-FR" sz="1600" b="0" i="0" u="none" strike="noStrike" cap="none" normalizeH="0" baseline="0" dirty="0" smtClean="0">
-                <a:ln>
-                  <a:noFill/>
-                </a:ln>
-                <a:solidFill>
-                  <a:srgbClr val="C0C0C0"/>
-                </a:solidFill>
-                <a:effectLst/>
-                <a:latin typeface="Cambria" panose="02040503050406030204" pitchFamily="18" charset="0"/>
-              </a:rPr>
-              <a:t> </a:t>
-            </a:r>
-            <a:r>
-              <a:rPr kumimoji="0" lang="fr-FR" altLang="fr-FR" sz="1600" b="0" i="0" u="none" strike="noStrike" cap="none" normalizeH="0" baseline="0" dirty="0" smtClean="0">
-                <a:ln>
-                  <a:noFill/>
-                </a:ln>
-                <a:solidFill>
-                  <a:schemeClr val="tx1"/>
-                </a:solidFill>
-                <a:effectLst/>
-                <a:latin typeface="Cambria" panose="02040503050406030204" pitchFamily="18" charset="0"/>
-              </a:rPr>
-              <a:t>=</a:t>
-            </a:r>
-            <a:r>
-              <a:rPr kumimoji="0" lang="fr-FR" altLang="fr-FR" sz="1600" b="0" i="0" u="none" strike="noStrike" cap="none" normalizeH="0" baseline="0" dirty="0" smtClean="0">
-                <a:ln>
-                  <a:noFill/>
-                </a:ln>
-                <a:solidFill>
-                  <a:srgbClr val="C0C0C0"/>
-                </a:solidFill>
-                <a:effectLst/>
-                <a:latin typeface="Cambria" panose="02040503050406030204" pitchFamily="18" charset="0"/>
-              </a:rPr>
-              <a:t> </a:t>
-            </a:r>
-            <a:r>
-              <a:rPr kumimoji="0" lang="fr-FR" altLang="fr-FR" sz="1600" b="0" i="0" u="none" strike="noStrike" cap="none" normalizeH="0" baseline="0" dirty="0" err="1" smtClean="0">
-                <a:ln>
-                  <a:noFill/>
-                </a:ln>
-                <a:solidFill>
-                  <a:schemeClr val="tx1"/>
-                </a:solidFill>
-                <a:effectLst/>
-                <a:latin typeface="Cambria" panose="02040503050406030204" pitchFamily="18" charset="0"/>
-              </a:rPr>
-              <a:t>tempDD</a:t>
-            </a:r>
-            <a:r>
-              <a:rPr kumimoji="0" lang="fr-FR" altLang="fr-FR" sz="1600" b="0" i="0" u="none" strike="noStrike" cap="none" normalizeH="0" baseline="0" dirty="0" smtClean="0">
-                <a:ln>
-                  <a:noFill/>
-                </a:ln>
-                <a:solidFill>
-                  <a:srgbClr val="C0C0C0"/>
-                </a:solidFill>
-                <a:effectLst/>
-                <a:latin typeface="Cambria" panose="02040503050406030204" pitchFamily="18" charset="0"/>
-              </a:rPr>
-              <a:t> </a:t>
-            </a:r>
-            <a:r>
-              <a:rPr kumimoji="0" lang="fr-FR" altLang="fr-FR" sz="1600" b="0" i="0" u="none" strike="noStrike" cap="none" normalizeH="0" baseline="0" dirty="0" smtClean="0">
-                <a:ln>
-                  <a:noFill/>
-                </a:ln>
-                <a:solidFill>
-                  <a:schemeClr val="tx1"/>
-                </a:solidFill>
-                <a:effectLst/>
-                <a:latin typeface="Cambria" panose="02040503050406030204" pitchFamily="18" charset="0"/>
-              </a:rPr>
-              <a:t>-</a:t>
-            </a:r>
-            <a:r>
-              <a:rPr kumimoji="0" lang="fr-FR" altLang="fr-FR" sz="1600" b="0" i="0" u="none" strike="noStrike" cap="none" normalizeH="0" baseline="0" dirty="0" smtClean="0">
-                <a:ln>
-                  <a:noFill/>
-                </a:ln>
-                <a:solidFill>
-                  <a:srgbClr val="C0C0C0"/>
-                </a:solidFill>
-                <a:effectLst/>
-                <a:latin typeface="Cambria" panose="02040503050406030204" pitchFamily="18" charset="0"/>
-              </a:rPr>
-              <a:t> </a:t>
-            </a:r>
-            <a:r>
-              <a:rPr kumimoji="0" lang="fr-FR" altLang="fr-FR" sz="1600" b="0" i="0" u="none" strike="noStrike" cap="none" normalizeH="0" baseline="0" dirty="0" err="1" smtClean="0">
-                <a:ln>
-                  <a:noFill/>
-                </a:ln>
-                <a:solidFill>
-                  <a:srgbClr val="800000"/>
-                </a:solidFill>
-                <a:effectLst/>
-                <a:latin typeface="Cambria" panose="02040503050406030204" pitchFamily="18" charset="0"/>
-              </a:rPr>
-              <a:t>plasto</a:t>
-            </a:r>
-            <a:r>
-              <a:rPr kumimoji="0" lang="fr-FR" altLang="fr-FR" sz="1600" b="0" i="0" u="none" strike="noStrike" cap="none" normalizeH="0" baseline="0" dirty="0" smtClean="0">
-                <a:ln>
-                  <a:noFill/>
-                </a:ln>
-                <a:solidFill>
-                  <a:schemeClr val="tx1"/>
-                </a:solidFill>
-                <a:effectLst/>
-                <a:latin typeface="Cambria" panose="02040503050406030204" pitchFamily="18" charset="0"/>
-              </a:rPr>
-              <a:t>; </a:t>
-            </a:r>
-          </a:p>
-          <a:p>
-            <a:pPr eaLnBrk="0" fontAlgn="base" hangingPunct="0">
-              <a:spcBef>
-                <a:spcPct val="0"/>
-              </a:spcBef>
-              <a:spcAft>
-                <a:spcPct val="0"/>
-              </a:spcAft>
-            </a:pPr>
-            <a:r>
-              <a:rPr lang="fr-FR" altLang="fr-FR" sz="1600" dirty="0">
-                <a:latin typeface="Cambria" panose="02040503050406030204" pitchFamily="18" charset="0"/>
-              </a:rPr>
-              <a:t>	</a:t>
-            </a:r>
-            <a:r>
-              <a:rPr lang="fr-FR" altLang="fr-FR" sz="1600" dirty="0" smtClean="0">
-                <a:latin typeface="Cambria" panose="02040503050406030204" pitchFamily="18" charset="0"/>
-              </a:rPr>
-              <a:t>	</a:t>
-            </a:r>
-            <a:r>
-              <a:rPr kumimoji="0" lang="fr-FR" altLang="fr-FR" sz="1600" b="0" i="0" u="none" strike="noStrike" cap="none" normalizeH="0" baseline="0" dirty="0" err="1" smtClean="0">
-                <a:ln>
-                  <a:noFill/>
-                </a:ln>
-                <a:solidFill>
-                  <a:srgbClr val="800000"/>
-                </a:solidFill>
-                <a:effectLst/>
-                <a:latin typeface="Cambria" panose="02040503050406030204" pitchFamily="18" charset="0"/>
-              </a:rPr>
-              <a:t>phenoStage</a:t>
-            </a:r>
-            <a:r>
-              <a:rPr kumimoji="0" lang="fr-FR" altLang="fr-FR" sz="1600" b="0" i="0" u="none" strike="noStrike" cap="none" normalizeH="0" baseline="0" dirty="0" smtClean="0">
-                <a:ln>
-                  <a:noFill/>
-                </a:ln>
-                <a:solidFill>
-                  <a:srgbClr val="C0C0C0"/>
-                </a:solidFill>
-                <a:effectLst/>
-                <a:latin typeface="Cambria" panose="02040503050406030204" pitchFamily="18" charset="0"/>
-              </a:rPr>
-              <a:t> </a:t>
-            </a:r>
-            <a:r>
-              <a:rPr kumimoji="0" lang="fr-FR" altLang="fr-FR" sz="1600" b="0" i="0" u="none" strike="noStrike" cap="none" normalizeH="0" baseline="0" dirty="0" smtClean="0">
-                <a:ln>
-                  <a:noFill/>
-                </a:ln>
-                <a:solidFill>
-                  <a:schemeClr val="tx1"/>
-                </a:solidFill>
-                <a:effectLst/>
-                <a:latin typeface="Cambria" panose="02040503050406030204" pitchFamily="18" charset="0"/>
-              </a:rPr>
-              <a:t>=</a:t>
-            </a:r>
-            <a:r>
-              <a:rPr kumimoji="0" lang="fr-FR" altLang="fr-FR" sz="1600" b="0" i="0" u="none" strike="noStrike" cap="none" normalizeH="0" baseline="0" dirty="0" smtClean="0">
-                <a:ln>
-                  <a:noFill/>
-                </a:ln>
-                <a:solidFill>
-                  <a:srgbClr val="C0C0C0"/>
-                </a:solidFill>
-                <a:effectLst/>
-                <a:latin typeface="Cambria" panose="02040503050406030204" pitchFamily="18" charset="0"/>
-              </a:rPr>
-              <a:t> </a:t>
-            </a:r>
-            <a:r>
-              <a:rPr kumimoji="0" lang="fr-FR" altLang="fr-FR" sz="1600" b="0" i="0" u="none" strike="noStrike" cap="none" normalizeH="0" baseline="0" dirty="0" err="1" smtClean="0">
-                <a:ln>
-                  <a:noFill/>
-                </a:ln>
-                <a:solidFill>
-                  <a:srgbClr val="800000"/>
-                </a:solidFill>
-                <a:effectLst/>
-                <a:latin typeface="Cambria" panose="02040503050406030204" pitchFamily="18" charset="0"/>
-              </a:rPr>
-              <a:t>phenoStage</a:t>
-            </a:r>
-            <a:r>
-              <a:rPr kumimoji="0" lang="fr-FR" altLang="fr-FR" sz="1600" b="0" i="0" u="none" strike="noStrike" cap="none" normalizeH="0" baseline="0" dirty="0" smtClean="0">
-                <a:ln>
-                  <a:noFill/>
-                </a:ln>
-                <a:solidFill>
-                  <a:srgbClr val="C0C0C0"/>
-                </a:solidFill>
-                <a:effectLst/>
-                <a:latin typeface="Cambria" panose="02040503050406030204" pitchFamily="18" charset="0"/>
-              </a:rPr>
-              <a:t> </a:t>
-            </a:r>
-            <a:r>
-              <a:rPr kumimoji="0" lang="fr-FR" altLang="fr-FR" sz="1600" b="0" i="0" u="none" strike="noStrike" cap="none" normalizeH="0" baseline="0" dirty="0" smtClean="0">
-                <a:ln>
-                  <a:noFill/>
-                </a:ln>
-                <a:solidFill>
-                  <a:schemeClr val="tx1"/>
-                </a:solidFill>
-                <a:effectLst/>
-                <a:latin typeface="Cambria" panose="02040503050406030204" pitchFamily="18" charset="0"/>
-              </a:rPr>
-              <a:t>+</a:t>
-            </a:r>
-            <a:r>
-              <a:rPr kumimoji="0" lang="fr-FR" altLang="fr-FR" sz="1600" b="0" i="0" u="none" strike="noStrike" cap="none" normalizeH="0" baseline="0" dirty="0" smtClean="0">
-                <a:ln>
-                  <a:noFill/>
-                </a:ln>
-                <a:solidFill>
-                  <a:srgbClr val="C0C0C0"/>
-                </a:solidFill>
-                <a:effectLst/>
-                <a:latin typeface="Cambria" panose="02040503050406030204" pitchFamily="18" charset="0"/>
-              </a:rPr>
-              <a:t> </a:t>
-            </a:r>
-            <a:r>
-              <a:rPr kumimoji="0" lang="fr-FR" altLang="fr-FR" sz="1600" b="0" i="0" u="none" strike="noStrike" cap="none" normalizeH="0" baseline="0" dirty="0" smtClean="0">
-                <a:ln>
-                  <a:noFill/>
-                </a:ln>
-                <a:solidFill>
-                  <a:srgbClr val="000080"/>
-                </a:solidFill>
-                <a:effectLst/>
-                <a:latin typeface="Cambria" panose="02040503050406030204" pitchFamily="18" charset="0"/>
-              </a:rPr>
-              <a:t>1</a:t>
-            </a:r>
-            <a:r>
-              <a:rPr kumimoji="0" lang="fr-FR" altLang="fr-FR" sz="1600" b="0" i="0" u="none" strike="noStrike" cap="none" normalizeH="0" baseline="0" dirty="0" smtClean="0">
-                <a:ln>
-                  <a:noFill/>
-                </a:ln>
-                <a:solidFill>
-                  <a:schemeClr val="tx1"/>
-                </a:solidFill>
-                <a:effectLst/>
-                <a:latin typeface="Cambria" panose="02040503050406030204" pitchFamily="18" charset="0"/>
-              </a:rPr>
-              <a:t>;</a:t>
-            </a:r>
-          </a:p>
-          <a:p>
-            <a:pPr eaLnBrk="0" fontAlgn="base" hangingPunct="0">
-              <a:spcBef>
-                <a:spcPct val="0"/>
-              </a:spcBef>
-              <a:spcAft>
-                <a:spcPct val="0"/>
-              </a:spcAft>
-            </a:pPr>
-            <a:r>
-              <a:rPr kumimoji="0" lang="fr-FR" altLang="fr-FR" sz="1600" b="0" i="0" u="none" strike="noStrike" cap="none" normalizeH="0" baseline="0" dirty="0" smtClean="0">
-                <a:ln>
-                  <a:noFill/>
-                </a:ln>
-                <a:solidFill>
-                  <a:schemeClr val="tx1"/>
-                </a:solidFill>
-                <a:effectLst/>
-                <a:latin typeface="Cambria" panose="02040503050406030204" pitchFamily="18" charset="0"/>
-              </a:rPr>
-              <a:t>	}</a:t>
-            </a:r>
-          </a:p>
-          <a:p>
-            <a:pPr lvl="0" eaLnBrk="0" fontAlgn="base" hangingPunct="0">
-              <a:spcBef>
-                <a:spcPct val="0"/>
-              </a:spcBef>
-              <a:spcAft>
-                <a:spcPct val="0"/>
-              </a:spcAft>
-            </a:pPr>
-            <a:r>
-              <a:rPr kumimoji="0" lang="fr-FR" altLang="fr-FR" sz="1600" b="0" i="0" u="none" strike="noStrike" cap="none" normalizeH="0" baseline="0" dirty="0" smtClean="0">
-                <a:ln>
-                  <a:noFill/>
-                </a:ln>
-                <a:solidFill>
-                  <a:schemeClr val="tx1"/>
-                </a:solidFill>
-                <a:effectLst/>
-                <a:latin typeface="Cambria" panose="02040503050406030204" pitchFamily="18" charset="0"/>
-              </a:rPr>
-              <a:t>	</a:t>
-            </a:r>
-            <a:r>
-              <a:rPr kumimoji="0" lang="fr-FR" altLang="fr-FR" sz="1600" b="0" i="0" u="none" strike="noStrike" cap="none" normalizeH="0" baseline="0" dirty="0" smtClean="0">
-                <a:ln>
-                  <a:noFill/>
-                </a:ln>
-                <a:solidFill>
-                  <a:srgbClr val="808000"/>
-                </a:solidFill>
-                <a:effectLst/>
-                <a:latin typeface="Cambria" panose="02040503050406030204" pitchFamily="18" charset="0"/>
-              </a:rPr>
-              <a:t> </a:t>
-            </a:r>
-            <a:r>
-              <a:rPr kumimoji="0" lang="fr-FR" altLang="fr-FR" sz="1600" b="0" i="0" u="none" strike="noStrike" cap="none" normalizeH="0" baseline="0" dirty="0" err="1" smtClean="0">
-                <a:ln>
-                  <a:noFill/>
-                </a:ln>
-                <a:solidFill>
-                  <a:srgbClr val="808000"/>
-                </a:solidFill>
-                <a:effectLst/>
-                <a:latin typeface="Cambria" panose="02040503050406030204" pitchFamily="18" charset="0"/>
-              </a:rPr>
-              <a:t>else</a:t>
-            </a:r>
-            <a:r>
-              <a:rPr kumimoji="0" lang="fr-FR" altLang="fr-FR" sz="1600" b="0" i="0" u="none" strike="noStrike" cap="none" normalizeH="0" baseline="0" dirty="0" smtClean="0">
-                <a:ln>
-                  <a:noFill/>
-                </a:ln>
-                <a:solidFill>
-                  <a:srgbClr val="808000"/>
-                </a:solidFill>
-                <a:effectLst/>
-                <a:latin typeface="Cambria" panose="02040503050406030204" pitchFamily="18" charset="0"/>
-              </a:rPr>
-              <a:t> </a:t>
-            </a:r>
-            <a:r>
-              <a:rPr kumimoji="0" lang="fr-FR" altLang="fr-FR" sz="1600" b="0" i="0" u="none" strike="noStrike" cap="none" normalizeH="0" baseline="0" dirty="0" smtClean="0">
-                <a:ln>
-                  <a:noFill/>
-                </a:ln>
-                <a:effectLst/>
-                <a:latin typeface="Cambria" panose="02040503050406030204" pitchFamily="18" charset="0"/>
-              </a:rPr>
-              <a:t>{</a:t>
-            </a:r>
-          </a:p>
-          <a:p>
-            <a:pPr lvl="0" eaLnBrk="0" fontAlgn="base" hangingPunct="0">
-              <a:spcBef>
-                <a:spcPct val="0"/>
-              </a:spcBef>
-              <a:spcAft>
-                <a:spcPct val="0"/>
-              </a:spcAft>
-            </a:pPr>
-            <a:r>
-              <a:rPr lang="fr-FR" altLang="fr-FR" sz="1600" dirty="0" smtClean="0">
-                <a:solidFill>
-                  <a:srgbClr val="C0C0C0"/>
-                </a:solidFill>
-                <a:latin typeface="Cambria" panose="02040503050406030204" pitchFamily="18" charset="0"/>
-              </a:rPr>
-              <a:t>		</a:t>
-            </a:r>
-            <a:r>
-              <a:rPr kumimoji="0" lang="fr-FR" altLang="fr-FR" sz="1600" b="0" i="0" u="none" strike="noStrike" cap="none" normalizeH="0" baseline="0" dirty="0" smtClean="0">
-                <a:ln>
-                  <a:noFill/>
-                </a:ln>
-                <a:solidFill>
-                  <a:srgbClr val="800000"/>
-                </a:solidFill>
-                <a:effectLst/>
-                <a:latin typeface="Cambria" panose="02040503050406030204" pitchFamily="18" charset="0"/>
-              </a:rPr>
-              <a:t>EDD</a:t>
-            </a:r>
-            <a:r>
-              <a:rPr kumimoji="0" lang="fr-FR" altLang="fr-FR" sz="1600" b="0" i="0" u="none" strike="noStrike" cap="none" normalizeH="0" baseline="0" dirty="0" smtClean="0">
-                <a:ln>
-                  <a:noFill/>
-                </a:ln>
-                <a:solidFill>
-                  <a:srgbClr val="C0C0C0"/>
-                </a:solidFill>
-                <a:effectLst/>
-                <a:latin typeface="Cambria" panose="02040503050406030204" pitchFamily="18" charset="0"/>
-              </a:rPr>
-              <a:t> </a:t>
-            </a:r>
-            <a:r>
-              <a:rPr kumimoji="0" lang="fr-FR" altLang="fr-FR" sz="1600" b="0" i="0" u="none" strike="noStrike" cap="none" normalizeH="0" baseline="0" dirty="0" smtClean="0">
-                <a:ln>
-                  <a:noFill/>
-                </a:ln>
-                <a:solidFill>
-                  <a:schemeClr val="tx1"/>
-                </a:solidFill>
-                <a:effectLst/>
-                <a:latin typeface="Cambria" panose="02040503050406030204" pitchFamily="18" charset="0"/>
-              </a:rPr>
-              <a:t>=</a:t>
-            </a:r>
-            <a:r>
-              <a:rPr kumimoji="0" lang="fr-FR" altLang="fr-FR" sz="1600" b="0" i="0" u="none" strike="noStrike" cap="none" normalizeH="0" baseline="0" dirty="0" smtClean="0">
-                <a:ln>
-                  <a:noFill/>
-                </a:ln>
-                <a:solidFill>
-                  <a:srgbClr val="C0C0C0"/>
-                </a:solidFill>
-                <a:effectLst/>
-                <a:latin typeface="Cambria" panose="02040503050406030204" pitchFamily="18" charset="0"/>
-              </a:rPr>
-              <a:t> </a:t>
-            </a:r>
-            <a:r>
-              <a:rPr kumimoji="0" lang="fr-FR" altLang="fr-FR" sz="1600" b="0" i="0" u="none" strike="noStrike" cap="none" normalizeH="0" baseline="0" dirty="0" err="1" smtClean="0">
-                <a:ln>
-                  <a:noFill/>
-                </a:ln>
-                <a:solidFill>
-                  <a:srgbClr val="800000"/>
-                </a:solidFill>
-                <a:effectLst/>
-                <a:latin typeface="Cambria" panose="02040503050406030204" pitchFamily="18" charset="0"/>
-              </a:rPr>
-              <a:t>deltaT</a:t>
-            </a:r>
-            <a:r>
-              <a:rPr kumimoji="0" lang="fr-FR" altLang="fr-FR" sz="1600" b="0" i="0" u="none" strike="noStrike" cap="none" normalizeH="0" baseline="0" dirty="0" smtClean="0">
-                <a:ln>
-                  <a:noFill/>
-                </a:ln>
-                <a:solidFill>
-                  <a:srgbClr val="C0C0C0"/>
-                </a:solidFill>
-                <a:effectLst/>
-                <a:latin typeface="Cambria" panose="02040503050406030204" pitchFamily="18" charset="0"/>
-              </a:rPr>
-              <a:t> </a:t>
-            </a:r>
-            <a:r>
-              <a:rPr kumimoji="0" lang="fr-FR" altLang="fr-FR" sz="1600" b="0" i="0" u="none" strike="noStrike" cap="none" normalizeH="0" baseline="0" dirty="0" smtClean="0">
-                <a:ln>
-                  <a:noFill/>
-                </a:ln>
-                <a:solidFill>
-                  <a:schemeClr val="tx1"/>
-                </a:solidFill>
-                <a:effectLst/>
-                <a:latin typeface="Cambria" panose="02040503050406030204" pitchFamily="18" charset="0"/>
-              </a:rPr>
-              <a:t>+</a:t>
-            </a:r>
-            <a:r>
-              <a:rPr kumimoji="0" lang="fr-FR" altLang="fr-FR" sz="1600" b="0" i="0" u="none" strike="noStrike" cap="none" normalizeH="0" baseline="0" dirty="0" smtClean="0">
-                <a:ln>
-                  <a:noFill/>
-                </a:ln>
-                <a:solidFill>
-                  <a:srgbClr val="C0C0C0"/>
-                </a:solidFill>
-                <a:effectLst/>
-                <a:latin typeface="Cambria" panose="02040503050406030204" pitchFamily="18" charset="0"/>
-              </a:rPr>
-              <a:t> </a:t>
-            </a:r>
-            <a:r>
-              <a:rPr kumimoji="0" lang="fr-FR" altLang="fr-FR" sz="1600" b="0" i="0" u="none" strike="noStrike" cap="none" normalizeH="0" baseline="0" dirty="0" err="1" smtClean="0">
-                <a:ln>
-                  <a:noFill/>
-                </a:ln>
-                <a:solidFill>
-                  <a:srgbClr val="800000"/>
-                </a:solidFill>
-                <a:effectLst/>
-                <a:latin typeface="Cambria" panose="02040503050406030204" pitchFamily="18" charset="0"/>
-              </a:rPr>
-              <a:t>plastodelay</a:t>
-            </a:r>
-            <a:r>
-              <a:rPr kumimoji="0" lang="fr-FR" altLang="fr-FR" sz="1600" b="0" i="0" u="none" strike="noStrike" cap="none" normalizeH="0" baseline="0" dirty="0" smtClean="0">
-                <a:ln>
-                  <a:noFill/>
-                </a:ln>
-                <a:solidFill>
-                  <a:schemeClr val="tx1"/>
-                </a:solidFill>
-                <a:effectLst/>
-                <a:latin typeface="Cambria" panose="02040503050406030204" pitchFamily="18" charset="0"/>
-              </a:rPr>
-              <a:t>; </a:t>
-            </a:r>
-          </a:p>
-          <a:p>
-            <a:pPr eaLnBrk="0" fontAlgn="base" hangingPunct="0">
-              <a:spcBef>
-                <a:spcPct val="0"/>
-              </a:spcBef>
-              <a:spcAft>
-                <a:spcPct val="0"/>
-              </a:spcAft>
-            </a:pPr>
-            <a:r>
-              <a:rPr kumimoji="0" lang="fr-FR" altLang="fr-FR" sz="1600" b="0" i="0" u="none" strike="noStrike" cap="none" normalizeH="0" baseline="0" dirty="0" smtClean="0">
-                <a:ln>
-                  <a:noFill/>
-                </a:ln>
-                <a:solidFill>
-                  <a:srgbClr val="800000"/>
-                </a:solidFill>
-                <a:effectLst/>
-                <a:latin typeface="Cambria" panose="02040503050406030204" pitchFamily="18" charset="0"/>
-              </a:rPr>
-              <a:t>		DD</a:t>
-            </a:r>
-            <a:r>
-              <a:rPr kumimoji="0" lang="fr-FR" altLang="fr-FR" sz="1600" b="0" i="0" u="none" strike="noStrike" cap="none" normalizeH="0" baseline="0" dirty="0" smtClean="0">
-                <a:ln>
-                  <a:noFill/>
-                </a:ln>
-                <a:solidFill>
-                  <a:srgbClr val="C0C0C0"/>
-                </a:solidFill>
-                <a:effectLst/>
-                <a:latin typeface="Cambria" panose="02040503050406030204" pitchFamily="18" charset="0"/>
-              </a:rPr>
-              <a:t> </a:t>
-            </a:r>
-            <a:r>
-              <a:rPr kumimoji="0" lang="fr-FR" altLang="fr-FR" sz="1600" b="0" i="0" u="none" strike="noStrike" cap="none" normalizeH="0" baseline="0" dirty="0" smtClean="0">
-                <a:ln>
-                  <a:noFill/>
-                </a:ln>
-                <a:solidFill>
-                  <a:schemeClr val="tx1"/>
-                </a:solidFill>
-                <a:effectLst/>
-                <a:latin typeface="Cambria" panose="02040503050406030204" pitchFamily="18" charset="0"/>
-              </a:rPr>
-              <a:t>=</a:t>
-            </a:r>
-            <a:r>
-              <a:rPr kumimoji="0" lang="fr-FR" altLang="fr-FR" sz="1600" b="0" i="0" u="none" strike="noStrike" cap="none" normalizeH="0" baseline="0" dirty="0" smtClean="0">
-                <a:ln>
-                  <a:noFill/>
-                </a:ln>
-                <a:solidFill>
-                  <a:srgbClr val="C0C0C0"/>
-                </a:solidFill>
-                <a:effectLst/>
-                <a:latin typeface="Cambria" panose="02040503050406030204" pitchFamily="18" charset="0"/>
-              </a:rPr>
-              <a:t> </a:t>
-            </a:r>
-            <a:r>
-              <a:rPr kumimoji="0" lang="fr-FR" altLang="fr-FR" sz="1600" b="0" i="0" u="none" strike="noStrike" cap="none" normalizeH="0" baseline="0" dirty="0" err="1" smtClean="0">
-                <a:ln>
-                  <a:noFill/>
-                </a:ln>
-                <a:solidFill>
-                  <a:schemeClr val="tx1"/>
-                </a:solidFill>
-                <a:effectLst/>
-                <a:latin typeface="Cambria" panose="02040503050406030204" pitchFamily="18" charset="0"/>
-              </a:rPr>
-              <a:t>tempDD</a:t>
-            </a:r>
-            <a:r>
-              <a:rPr kumimoji="0" lang="fr-FR" altLang="fr-FR" sz="1600" b="0" i="0" u="none" strike="noStrike" cap="none" normalizeH="0" baseline="0" dirty="0" smtClean="0">
-                <a:ln>
-                  <a:noFill/>
-                </a:ln>
-                <a:solidFill>
-                  <a:schemeClr val="tx1"/>
-                </a:solidFill>
-                <a:effectLst/>
-                <a:latin typeface="Cambria" panose="02040503050406030204" pitchFamily="18" charset="0"/>
-              </a:rPr>
-              <a:t>; </a:t>
-            </a:r>
-          </a:p>
-          <a:p>
-            <a:pPr eaLnBrk="0" fontAlgn="base" hangingPunct="0">
-              <a:spcBef>
-                <a:spcPct val="0"/>
-              </a:spcBef>
-              <a:spcAft>
-                <a:spcPct val="0"/>
-              </a:spcAft>
-            </a:pPr>
-            <a:r>
-              <a:rPr kumimoji="0" lang="fr-FR" altLang="fr-FR" sz="1600" b="0" i="0" u="none" strike="noStrike" cap="none" normalizeH="0" baseline="0" dirty="0" smtClean="0">
-                <a:ln>
-                  <a:noFill/>
-                </a:ln>
-                <a:solidFill>
-                  <a:schemeClr val="tx1"/>
-                </a:solidFill>
-                <a:effectLst/>
-                <a:latin typeface="Cambria" panose="02040503050406030204" pitchFamily="18" charset="0"/>
-              </a:rPr>
-              <a:t>	}</a:t>
-            </a:r>
-            <a:endParaRPr kumimoji="0" lang="fr-FR" altLang="fr-FR" sz="1600" b="0" i="0" u="none" strike="noStrike" cap="none" normalizeH="0" baseline="0" dirty="0" smtClean="0">
-              <a:ln>
-                <a:noFill/>
-              </a:ln>
-              <a:solidFill>
-                <a:schemeClr val="tx1"/>
-              </a:solidFill>
-              <a:effectLst/>
-              <a:latin typeface="Cambria" panose="02040503050406030204" pitchFamily="18" charset="0"/>
-            </a:endParaRPr>
-          </a:p>
-          <a:p>
-            <a:pPr marL="0" marR="0" lvl="0" indent="0" algn="l" defTabSz="914400" rtl="0" eaLnBrk="0" fontAlgn="base" latinLnBrk="0" hangingPunct="0">
-              <a:lnSpc>
-                <a:spcPct val="100000"/>
-              </a:lnSpc>
-              <a:spcBef>
-                <a:spcPct val="0"/>
-              </a:spcBef>
-              <a:spcAft>
-                <a:spcPct val="0"/>
-              </a:spcAft>
-              <a:buClrTx/>
-              <a:buSzTx/>
-              <a:buFontTx/>
-              <a:buNone/>
-              <a:tabLst/>
-            </a:pPr>
-            <a:r>
-              <a:rPr kumimoji="0" lang="fr-FR" altLang="fr-FR" sz="1600" b="0" i="0" u="none" strike="noStrike" cap="none" normalizeH="0" baseline="0" dirty="0" smtClean="0">
-                <a:ln>
-                  <a:noFill/>
-                </a:ln>
-                <a:solidFill>
-                  <a:schemeClr val="tx1"/>
-                </a:solidFill>
-                <a:effectLst/>
-                <a:latin typeface="Cambria" panose="02040503050406030204" pitchFamily="18" charset="0"/>
-              </a:rPr>
-              <a:t>} </a:t>
-            </a:r>
-          </a:p>
-          <a:p>
-            <a:pPr lvl="0" eaLnBrk="0" fontAlgn="base" hangingPunct="0">
-              <a:spcBef>
-                <a:spcPct val="0"/>
-              </a:spcBef>
-              <a:spcAft>
-                <a:spcPct val="0"/>
-              </a:spcAft>
-            </a:pPr>
-            <a:r>
-              <a:rPr kumimoji="0" lang="fr-FR" altLang="fr-FR" sz="1600" b="0" i="0" u="none" strike="noStrike" cap="none" normalizeH="0" baseline="0" dirty="0" err="1" smtClean="0">
-                <a:ln>
-                  <a:noFill/>
-                </a:ln>
-                <a:solidFill>
-                  <a:srgbClr val="808000"/>
-                </a:solidFill>
-                <a:effectLst/>
-                <a:latin typeface="Cambria" panose="02040503050406030204" pitchFamily="18" charset="0"/>
-              </a:rPr>
-              <a:t>else</a:t>
-            </a:r>
-            <a:r>
-              <a:rPr kumimoji="0" lang="fr-FR" altLang="fr-FR" sz="1600" b="0" i="0" u="none" strike="noStrike" cap="none" normalizeH="0" baseline="0" dirty="0" smtClean="0">
-                <a:ln>
-                  <a:noFill/>
-                </a:ln>
-                <a:solidFill>
-                  <a:srgbClr val="C0C0C0"/>
-                </a:solidFill>
-                <a:effectLst/>
-                <a:latin typeface="Cambria" panose="02040503050406030204" pitchFamily="18" charset="0"/>
-              </a:rPr>
-              <a:t> </a:t>
-            </a:r>
-            <a:r>
-              <a:rPr kumimoji="0" lang="fr-FR" altLang="fr-FR" sz="1600" b="0" i="0" u="none" strike="noStrike" cap="none" normalizeH="0" baseline="0" dirty="0" smtClean="0">
-                <a:ln>
-                  <a:noFill/>
-                </a:ln>
-                <a:solidFill>
-                  <a:schemeClr val="tx1"/>
-                </a:solidFill>
-                <a:effectLst/>
-                <a:latin typeface="Cambria" panose="02040503050406030204" pitchFamily="18" charset="0"/>
-              </a:rPr>
-              <a:t>{</a:t>
-            </a:r>
-          </a:p>
-          <a:p>
-            <a:pPr lvl="0" eaLnBrk="0" fontAlgn="base" hangingPunct="0">
-              <a:spcBef>
-                <a:spcPct val="0"/>
-              </a:spcBef>
-              <a:spcAft>
-                <a:spcPct val="0"/>
-              </a:spcAft>
-            </a:pPr>
-            <a:r>
-              <a:rPr kumimoji="0" lang="fr-FR" altLang="fr-FR" sz="1600" b="0" i="0" u="none" strike="noStrike" cap="none" normalizeH="0" baseline="0" dirty="0" smtClean="0">
-                <a:ln>
-                  <a:noFill/>
-                </a:ln>
-                <a:solidFill>
-                  <a:schemeClr val="tx1"/>
-                </a:solidFill>
-                <a:effectLst/>
-                <a:latin typeface="Cambria" panose="02040503050406030204" pitchFamily="18" charset="0"/>
-              </a:rPr>
-              <a:t> </a:t>
-            </a:r>
-            <a:r>
-              <a:rPr lang="fr-FR" altLang="fr-FR" sz="1600" dirty="0">
-                <a:latin typeface="Cambria" panose="02040503050406030204" pitchFamily="18" charset="0"/>
-              </a:rPr>
-              <a:t>	</a:t>
-            </a:r>
-            <a:r>
-              <a:rPr kumimoji="0" lang="fr-FR" altLang="fr-FR" sz="1600" b="0" i="0" u="none" strike="noStrike" cap="none" normalizeH="0" baseline="0" dirty="0" err="1" smtClean="0">
-                <a:ln>
-                  <a:noFill/>
-                </a:ln>
-                <a:solidFill>
-                  <a:srgbClr val="800000"/>
-                </a:solidFill>
-                <a:effectLst/>
-                <a:latin typeface="Cambria" panose="02040503050406030204" pitchFamily="18" charset="0"/>
-              </a:rPr>
-              <a:t>plastoVisu</a:t>
-            </a:r>
-            <a:r>
-              <a:rPr kumimoji="0" lang="fr-FR" altLang="fr-FR" sz="1600" b="0" i="0" u="none" strike="noStrike" cap="none" normalizeH="0" baseline="0" dirty="0" smtClean="0">
-                <a:ln>
-                  <a:noFill/>
-                </a:ln>
-                <a:solidFill>
-                  <a:srgbClr val="C0C0C0"/>
-                </a:solidFill>
-                <a:effectLst/>
-                <a:latin typeface="Cambria" panose="02040503050406030204" pitchFamily="18" charset="0"/>
-              </a:rPr>
-              <a:t> </a:t>
-            </a:r>
-            <a:r>
-              <a:rPr kumimoji="0" lang="fr-FR" altLang="fr-FR" sz="1600" b="0" i="0" u="none" strike="noStrike" cap="none" normalizeH="0" baseline="0" dirty="0" smtClean="0">
-                <a:ln>
-                  <a:noFill/>
-                </a:ln>
-                <a:solidFill>
-                  <a:schemeClr val="tx1"/>
-                </a:solidFill>
-                <a:effectLst/>
-                <a:latin typeface="Cambria" panose="02040503050406030204" pitchFamily="18" charset="0"/>
-              </a:rPr>
-              <a:t>=</a:t>
-            </a:r>
-            <a:r>
-              <a:rPr kumimoji="0" lang="fr-FR" altLang="fr-FR" sz="1600" b="0" i="0" u="none" strike="noStrike" cap="none" normalizeH="0" baseline="0" dirty="0" smtClean="0">
-                <a:ln>
-                  <a:noFill/>
-                </a:ln>
-                <a:solidFill>
-                  <a:srgbClr val="C0C0C0"/>
-                </a:solidFill>
-                <a:effectLst/>
-                <a:latin typeface="Cambria" panose="02040503050406030204" pitchFamily="18" charset="0"/>
-              </a:rPr>
-              <a:t> </a:t>
-            </a:r>
-            <a:r>
-              <a:rPr kumimoji="0" lang="fr-FR" altLang="fr-FR" sz="1600" b="0" i="0" u="none" strike="noStrike" cap="none" normalizeH="0" baseline="0" dirty="0" err="1" smtClean="0">
-                <a:ln>
-                  <a:noFill/>
-                </a:ln>
-                <a:solidFill>
-                  <a:srgbClr val="800000"/>
-                </a:solidFill>
-                <a:effectLst/>
-                <a:latin typeface="Cambria" panose="02040503050406030204" pitchFamily="18" charset="0"/>
-              </a:rPr>
-              <a:t>plastoVisu</a:t>
-            </a:r>
-            <a:r>
-              <a:rPr kumimoji="0" lang="fr-FR" altLang="fr-FR" sz="1600" b="0" i="0" u="none" strike="noStrike" cap="none" normalizeH="0" baseline="0" dirty="0" smtClean="0">
-                <a:ln>
-                  <a:noFill/>
-                </a:ln>
-                <a:solidFill>
-                  <a:srgbClr val="C0C0C0"/>
-                </a:solidFill>
-                <a:effectLst/>
-                <a:latin typeface="Cambria" panose="02040503050406030204" pitchFamily="18" charset="0"/>
-              </a:rPr>
-              <a:t> </a:t>
-            </a:r>
-            <a:r>
-              <a:rPr kumimoji="0" lang="fr-FR" altLang="fr-FR" sz="1600" b="0" i="0" u="none" strike="noStrike" cap="none" normalizeH="0" baseline="0" dirty="0" smtClean="0">
-                <a:ln>
-                  <a:noFill/>
-                </a:ln>
-                <a:solidFill>
-                  <a:schemeClr val="tx1"/>
-                </a:solidFill>
-                <a:effectLst/>
-                <a:latin typeface="Cambria" panose="02040503050406030204" pitchFamily="18" charset="0"/>
-              </a:rPr>
-              <a:t>+</a:t>
-            </a:r>
-            <a:r>
-              <a:rPr kumimoji="0" lang="fr-FR" altLang="fr-FR" sz="1600" b="0" i="0" u="none" strike="noStrike" cap="none" normalizeH="0" baseline="0" dirty="0" smtClean="0">
-                <a:ln>
-                  <a:noFill/>
-                </a:ln>
-                <a:solidFill>
-                  <a:srgbClr val="C0C0C0"/>
-                </a:solidFill>
-                <a:effectLst/>
-                <a:latin typeface="Cambria" panose="02040503050406030204" pitchFamily="18" charset="0"/>
-              </a:rPr>
-              <a:t> </a:t>
-            </a:r>
-            <a:r>
-              <a:rPr kumimoji="0" lang="fr-FR" altLang="fr-FR" sz="1600" b="0" i="0" u="none" strike="noStrike" cap="none" normalizeH="0" baseline="0" dirty="0" smtClean="0">
-                <a:ln>
-                  <a:noFill/>
-                </a:ln>
-                <a:solidFill>
-                  <a:srgbClr val="800000"/>
-                </a:solidFill>
-                <a:effectLst/>
-                <a:latin typeface="Cambria" panose="02040503050406030204" pitchFamily="18" charset="0"/>
-              </a:rPr>
-              <a:t>EDD</a:t>
-            </a:r>
-            <a:r>
-              <a:rPr kumimoji="0" lang="fr-FR" altLang="fr-FR" sz="1600" b="0" i="0" u="none" strike="noStrike" cap="none" normalizeH="0" baseline="0" dirty="0" smtClean="0">
-                <a:ln>
-                  <a:noFill/>
-                </a:ln>
-                <a:solidFill>
-                  <a:schemeClr val="tx1"/>
-                </a:solidFill>
-                <a:effectLst/>
-                <a:latin typeface="Cambria" panose="02040503050406030204" pitchFamily="18" charset="0"/>
-              </a:rPr>
-              <a:t>;</a:t>
-            </a:r>
-          </a:p>
-          <a:p>
-            <a:pPr lvl="0" eaLnBrk="0" fontAlgn="base" hangingPunct="0">
-              <a:spcBef>
-                <a:spcPct val="0"/>
-              </a:spcBef>
-              <a:spcAft>
-                <a:spcPct val="0"/>
-              </a:spcAft>
-            </a:pPr>
-            <a:r>
-              <a:rPr lang="fr-FR" altLang="fr-FR" sz="1600" dirty="0">
-                <a:latin typeface="Cambria" panose="02040503050406030204" pitchFamily="18" charset="0"/>
-              </a:rPr>
-              <a:t>	</a:t>
-            </a:r>
-            <a:r>
-              <a:rPr kumimoji="0" lang="fr-FR" altLang="fr-FR" sz="1600" b="0" i="0" u="none" strike="noStrike" cap="none" normalizeH="0" baseline="0" dirty="0" smtClean="0">
-                <a:ln>
-                  <a:noFill/>
-                </a:ln>
-                <a:solidFill>
-                  <a:srgbClr val="800000"/>
-                </a:solidFill>
-                <a:effectLst/>
-                <a:latin typeface="Cambria" panose="02040503050406030204" pitchFamily="18" charset="0"/>
-              </a:rPr>
-              <a:t> </a:t>
-            </a:r>
-            <a:r>
-              <a:rPr kumimoji="0" lang="fr-FR" altLang="fr-FR" sz="1600" b="0" i="0" u="none" strike="noStrike" cap="none" normalizeH="0" baseline="0" dirty="0" err="1" smtClean="0">
-                <a:ln>
-                  <a:noFill/>
-                </a:ln>
-                <a:solidFill>
-                  <a:srgbClr val="800000"/>
-                </a:solidFill>
-                <a:effectLst/>
-                <a:latin typeface="Cambria" panose="02040503050406030204" pitchFamily="18" charset="0"/>
-              </a:rPr>
-              <a:t>liguloVisu</a:t>
-            </a:r>
-            <a:r>
-              <a:rPr kumimoji="0" lang="fr-FR" altLang="fr-FR" sz="1600" b="0" i="0" u="none" strike="noStrike" cap="none" normalizeH="0" baseline="0" dirty="0" smtClean="0">
-                <a:ln>
-                  <a:noFill/>
-                </a:ln>
-                <a:solidFill>
-                  <a:srgbClr val="C0C0C0"/>
-                </a:solidFill>
-                <a:effectLst/>
-                <a:latin typeface="Cambria" panose="02040503050406030204" pitchFamily="18" charset="0"/>
-              </a:rPr>
-              <a:t> </a:t>
-            </a:r>
-            <a:r>
-              <a:rPr kumimoji="0" lang="fr-FR" altLang="fr-FR" sz="1600" b="0" i="0" u="none" strike="noStrike" cap="none" normalizeH="0" baseline="0" dirty="0" smtClean="0">
-                <a:ln>
-                  <a:noFill/>
-                </a:ln>
-                <a:solidFill>
-                  <a:schemeClr val="tx1"/>
-                </a:solidFill>
-                <a:effectLst/>
-                <a:latin typeface="Cambria" panose="02040503050406030204" pitchFamily="18" charset="0"/>
-              </a:rPr>
-              <a:t>=</a:t>
-            </a:r>
-            <a:r>
-              <a:rPr kumimoji="0" lang="fr-FR" altLang="fr-FR" sz="1600" b="0" i="0" u="none" strike="noStrike" cap="none" normalizeH="0" baseline="0" dirty="0" smtClean="0">
-                <a:ln>
-                  <a:noFill/>
-                </a:ln>
-                <a:solidFill>
-                  <a:srgbClr val="C0C0C0"/>
-                </a:solidFill>
-                <a:effectLst/>
-                <a:latin typeface="Cambria" panose="02040503050406030204" pitchFamily="18" charset="0"/>
-              </a:rPr>
-              <a:t> </a:t>
-            </a:r>
-            <a:r>
-              <a:rPr kumimoji="0" lang="fr-FR" altLang="fr-FR" sz="1600" b="0" i="0" u="none" strike="noStrike" cap="none" normalizeH="0" baseline="0" dirty="0" err="1" smtClean="0">
-                <a:ln>
-                  <a:noFill/>
-                </a:ln>
-                <a:solidFill>
-                  <a:srgbClr val="800000"/>
-                </a:solidFill>
-                <a:effectLst/>
-                <a:latin typeface="Cambria" panose="02040503050406030204" pitchFamily="18" charset="0"/>
-              </a:rPr>
-              <a:t>liguloVisu</a:t>
-            </a:r>
-            <a:r>
-              <a:rPr kumimoji="0" lang="fr-FR" altLang="fr-FR" sz="1600" b="0" i="0" u="none" strike="noStrike" cap="none" normalizeH="0" baseline="0" dirty="0" smtClean="0">
-                <a:ln>
-                  <a:noFill/>
-                </a:ln>
-                <a:solidFill>
-                  <a:srgbClr val="C0C0C0"/>
-                </a:solidFill>
-                <a:effectLst/>
-                <a:latin typeface="Cambria" panose="02040503050406030204" pitchFamily="18" charset="0"/>
-              </a:rPr>
-              <a:t> </a:t>
-            </a:r>
-            <a:r>
-              <a:rPr kumimoji="0" lang="fr-FR" altLang="fr-FR" sz="1600" b="0" i="0" u="none" strike="noStrike" cap="none" normalizeH="0" baseline="0" dirty="0" smtClean="0">
-                <a:ln>
-                  <a:noFill/>
-                </a:ln>
-                <a:solidFill>
-                  <a:schemeClr val="tx1"/>
-                </a:solidFill>
-                <a:effectLst/>
-                <a:latin typeface="Cambria" panose="02040503050406030204" pitchFamily="18" charset="0"/>
-              </a:rPr>
-              <a:t>+</a:t>
-            </a:r>
-            <a:r>
-              <a:rPr kumimoji="0" lang="fr-FR" altLang="fr-FR" sz="1600" b="0" i="0" u="none" strike="noStrike" cap="none" normalizeH="0" baseline="0" dirty="0" smtClean="0">
-                <a:ln>
-                  <a:noFill/>
-                </a:ln>
-                <a:solidFill>
-                  <a:srgbClr val="C0C0C0"/>
-                </a:solidFill>
-                <a:effectLst/>
-                <a:latin typeface="Cambria" panose="02040503050406030204" pitchFamily="18" charset="0"/>
-              </a:rPr>
-              <a:t> </a:t>
-            </a:r>
-            <a:r>
-              <a:rPr kumimoji="0" lang="fr-FR" altLang="fr-FR" sz="1600" b="0" i="0" u="none" strike="noStrike" cap="none" normalizeH="0" baseline="0" dirty="0" smtClean="0">
-                <a:ln>
-                  <a:noFill/>
-                </a:ln>
-                <a:solidFill>
-                  <a:srgbClr val="800000"/>
-                </a:solidFill>
-                <a:effectLst/>
-                <a:latin typeface="Cambria" panose="02040503050406030204" pitchFamily="18" charset="0"/>
-              </a:rPr>
-              <a:t>EDD</a:t>
-            </a:r>
-            <a:r>
-              <a:rPr kumimoji="0" lang="fr-FR" altLang="fr-FR" sz="1600" b="0" i="0" u="none" strike="noStrike" cap="none" normalizeH="0" baseline="0" dirty="0" smtClean="0">
-                <a:ln>
-                  <a:noFill/>
-                </a:ln>
-                <a:solidFill>
-                  <a:schemeClr val="tx1"/>
-                </a:solidFill>
-                <a:effectLst/>
-                <a:latin typeface="Cambria" panose="02040503050406030204" pitchFamily="18" charset="0"/>
-              </a:rPr>
-              <a:t>; </a:t>
-            </a:r>
-            <a:endParaRPr lang="fr-FR" altLang="fr-FR" sz="1600" dirty="0">
-              <a:latin typeface="Cambria" panose="02040503050406030204" pitchFamily="18" charset="0"/>
-            </a:endParaRPr>
-          </a:p>
-          <a:p>
-            <a:pPr lvl="0" eaLnBrk="0" fontAlgn="base" hangingPunct="0">
-              <a:spcBef>
-                <a:spcPct val="0"/>
-              </a:spcBef>
-              <a:spcAft>
-                <a:spcPct val="0"/>
-              </a:spcAft>
-            </a:pPr>
-            <a:r>
-              <a:rPr kumimoji="0" lang="fr-FR" altLang="fr-FR" sz="1600" b="0" i="0" u="none" strike="noStrike" cap="none" normalizeH="0" baseline="0" dirty="0" smtClean="0">
-                <a:ln>
-                  <a:noFill/>
-                </a:ln>
-                <a:solidFill>
-                  <a:schemeClr val="tx1"/>
-                </a:solidFill>
-                <a:effectLst/>
-                <a:latin typeface="Cambria" panose="02040503050406030204" pitchFamily="18" charset="0"/>
-              </a:rPr>
-              <a:t>}</a:t>
-            </a:r>
-            <a:br>
-              <a:rPr kumimoji="0" lang="fr-FR" altLang="fr-FR" sz="1600" b="0" i="0" u="none" strike="noStrike" cap="none" normalizeH="0" baseline="0" dirty="0" smtClean="0">
-                <a:ln>
-                  <a:noFill/>
-                </a:ln>
-                <a:solidFill>
-                  <a:schemeClr val="tx1"/>
-                </a:solidFill>
-                <a:effectLst/>
-                <a:latin typeface="Cambria" panose="02040503050406030204" pitchFamily="18" charset="0"/>
-              </a:rPr>
-            </a:br>
-            <a:endParaRPr kumimoji="0" lang="fr-FR" altLang="fr-FR" sz="1600" b="0" i="0" u="none" strike="noStrike" cap="none" normalizeH="0" baseline="0" dirty="0" smtClean="0">
-              <a:ln>
-                <a:noFill/>
-              </a:ln>
-              <a:solidFill>
-                <a:schemeClr val="tx1"/>
-              </a:solidFill>
-              <a:effectLst/>
-              <a:latin typeface="Cambria" panose="02040503050406030204" pitchFamily="18" charset="0"/>
-            </a:endParaRPr>
-          </a:p>
-          <a:p>
-            <a:pPr eaLnBrk="0" fontAlgn="base" hangingPunct="0">
-              <a:spcBef>
-                <a:spcPct val="0"/>
-              </a:spcBef>
-              <a:spcAft>
-                <a:spcPct val="0"/>
-              </a:spcAft>
-            </a:pPr>
-            <a:r>
-              <a:rPr lang="fr-FR" sz="1600" dirty="0" err="1" smtClean="0">
-                <a:solidFill>
-                  <a:srgbClr val="800000"/>
-                </a:solidFill>
-                <a:effectLst/>
-                <a:latin typeface="Cambria" panose="02040503050406030204" pitchFamily="18" charset="0"/>
-              </a:rPr>
-              <a:t>sla</a:t>
-            </a:r>
-            <a:r>
-              <a:rPr lang="fr-FR" sz="1600" dirty="0" smtClean="0">
-                <a:solidFill>
-                  <a:srgbClr val="C0C0C0"/>
-                </a:solidFill>
-                <a:effectLst/>
-                <a:latin typeface="Cambria" panose="02040503050406030204" pitchFamily="18" charset="0"/>
-              </a:rPr>
-              <a:t> </a:t>
-            </a:r>
-            <a:r>
-              <a:rPr lang="fr-FR" sz="1600" dirty="0" smtClean="0">
-                <a:latin typeface="Cambria" panose="02040503050406030204" pitchFamily="18" charset="0"/>
-              </a:rPr>
-              <a:t>=</a:t>
-            </a:r>
-            <a:r>
-              <a:rPr lang="fr-FR" sz="1600" dirty="0" smtClean="0">
-                <a:solidFill>
-                  <a:srgbClr val="C0C0C0"/>
-                </a:solidFill>
-                <a:effectLst/>
-                <a:latin typeface="Cambria" panose="02040503050406030204" pitchFamily="18" charset="0"/>
-              </a:rPr>
-              <a:t> </a:t>
-            </a:r>
-            <a:r>
-              <a:rPr lang="fr-FR" sz="1600" dirty="0" smtClean="0">
-                <a:solidFill>
-                  <a:srgbClr val="800000"/>
-                </a:solidFill>
-                <a:effectLst/>
-                <a:latin typeface="Cambria" panose="02040503050406030204" pitchFamily="18" charset="0"/>
-              </a:rPr>
-              <a:t>FSLA</a:t>
-            </a:r>
-            <a:r>
-              <a:rPr lang="fr-FR" sz="1600" dirty="0" smtClean="0">
-                <a:solidFill>
-                  <a:srgbClr val="C0C0C0"/>
-                </a:solidFill>
-                <a:effectLst/>
-                <a:latin typeface="Cambria" panose="02040503050406030204" pitchFamily="18" charset="0"/>
-              </a:rPr>
-              <a:t> </a:t>
-            </a:r>
-            <a:r>
-              <a:rPr lang="fr-FR" sz="1600" dirty="0" smtClean="0">
-                <a:latin typeface="Cambria" panose="02040503050406030204" pitchFamily="18" charset="0"/>
-              </a:rPr>
-              <a:t>-</a:t>
-            </a:r>
-            <a:r>
-              <a:rPr lang="fr-FR" sz="1600" dirty="0" smtClean="0">
-                <a:solidFill>
-                  <a:srgbClr val="C0C0C0"/>
-                </a:solidFill>
-                <a:effectLst/>
-                <a:latin typeface="Cambria" panose="02040503050406030204" pitchFamily="18" charset="0"/>
-              </a:rPr>
-              <a:t> </a:t>
-            </a:r>
-            <a:r>
-              <a:rPr lang="fr-FR" sz="1600" dirty="0" err="1" smtClean="0">
-                <a:solidFill>
-                  <a:srgbClr val="800000"/>
-                </a:solidFill>
-                <a:effectLst/>
-                <a:latin typeface="Cambria" panose="02040503050406030204" pitchFamily="18" charset="0"/>
-              </a:rPr>
-              <a:t>SLAp</a:t>
-            </a:r>
-            <a:r>
-              <a:rPr lang="fr-FR" sz="1600" dirty="0" smtClean="0">
-                <a:solidFill>
-                  <a:srgbClr val="C0C0C0"/>
-                </a:solidFill>
-                <a:effectLst/>
-                <a:latin typeface="Cambria" panose="02040503050406030204" pitchFamily="18" charset="0"/>
-              </a:rPr>
-              <a:t> </a:t>
-            </a:r>
-            <a:r>
-              <a:rPr lang="fr-FR" sz="1600" dirty="0" smtClean="0">
-                <a:latin typeface="Cambria" panose="02040503050406030204" pitchFamily="18" charset="0"/>
-              </a:rPr>
-              <a:t>*</a:t>
-            </a:r>
-            <a:r>
-              <a:rPr lang="fr-FR" sz="1600" dirty="0" smtClean="0">
-                <a:solidFill>
-                  <a:srgbClr val="C0C0C0"/>
-                </a:solidFill>
-                <a:effectLst/>
-                <a:latin typeface="Cambria" panose="02040503050406030204" pitchFamily="18" charset="0"/>
-              </a:rPr>
-              <a:t> </a:t>
-            </a:r>
-            <a:r>
-              <a:rPr lang="fr-FR" sz="1600" dirty="0" smtClean="0">
-                <a:latin typeface="Cambria" panose="02040503050406030204" pitchFamily="18" charset="0"/>
-              </a:rPr>
-              <a:t>log(</a:t>
-            </a:r>
-            <a:r>
-              <a:rPr lang="fr-FR" sz="1600" dirty="0" err="1" smtClean="0">
-                <a:solidFill>
-                  <a:srgbClr val="800000"/>
-                </a:solidFill>
-                <a:effectLst/>
-                <a:latin typeface="Cambria" panose="02040503050406030204" pitchFamily="18" charset="0"/>
-              </a:rPr>
-              <a:t>phenoStage</a:t>
-            </a:r>
-            <a:r>
-              <a:rPr lang="fr-FR" sz="1600" dirty="0" smtClean="0">
-                <a:latin typeface="Cambria" panose="02040503050406030204" pitchFamily="18" charset="0"/>
-              </a:rPr>
-              <a:t>);</a:t>
-            </a:r>
-          </a:p>
-          <a:p>
-            <a:pPr lvl="0" eaLnBrk="0" fontAlgn="base" hangingPunct="0">
-              <a:spcBef>
-                <a:spcPct val="0"/>
-              </a:spcBef>
-              <a:spcAft>
-                <a:spcPct val="0"/>
-              </a:spcAft>
-            </a:pPr>
-            <a:endParaRPr kumimoji="0" lang="fr-FR" altLang="fr-FR" sz="1600" b="0" i="0" u="none" strike="noStrike" cap="none" normalizeH="0" baseline="0" dirty="0" smtClean="0">
-              <a:ln>
-                <a:noFill/>
-              </a:ln>
-              <a:solidFill>
-                <a:schemeClr val="tx1"/>
-              </a:solidFill>
-              <a:effectLst/>
-              <a:latin typeface="Cambria" panose="02040503050406030204" pitchFamily="18" charset="0"/>
-            </a:endParaRPr>
-          </a:p>
-        </p:txBody>
-      </p:sp>
-    </p:spTree>
-    <p:extLst>
-      <p:ext uri="{BB962C8B-B14F-4D97-AF65-F5344CB8AC3E}">
-        <p14:creationId xmlns:p14="http://schemas.microsoft.com/office/powerpoint/2010/main" val="2774531770"/>
       </p:ext>
     </p:extLst>
   </p:cSld>

--- a/doc/Phenology.pptx
+++ b/doc/Phenology.pptx
@@ -5,12 +5,13 @@
     <p:sldMasterId id="2147483648" r:id="rId1"/>
   </p:sldMasterIdLst>
   <p:sldIdLst>
-    <p:sldId id="263" r:id="rId2"/>
-    <p:sldId id="257" r:id="rId3"/>
-    <p:sldId id="262" r:id="rId4"/>
-    <p:sldId id="261" r:id="rId5"/>
-    <p:sldId id="258" r:id="rId6"/>
-    <p:sldId id="259" r:id="rId7"/>
+    <p:sldId id="264" r:id="rId2"/>
+    <p:sldId id="263" r:id="rId3"/>
+    <p:sldId id="257" r:id="rId4"/>
+    <p:sldId id="262" r:id="rId5"/>
+    <p:sldId id="261" r:id="rId6"/>
+    <p:sldId id="258" r:id="rId7"/>
+    <p:sldId id="259" r:id="rId8"/>
   </p:sldIdLst>
   <p:sldSz cx="12192000" cy="6858000"/>
   <p:notesSz cx="6858000" cy="9144000"/>
@@ -2976,6 +2977,133 @@
       </p:grpSpPr>
       <p:sp>
         <p:nvSpPr>
+          <p:cNvPr id="2" name="Rectangle 1"/>
+          <p:cNvSpPr/>
+          <p:nvPr/>
+        </p:nvSpPr>
+        <p:spPr>
+          <a:xfrm>
+            <a:off x="3896634" y="1994746"/>
+            <a:ext cx="4664740" cy="2123658"/>
+          </a:xfrm>
+          <a:prstGeom prst="rect">
+            <a:avLst/>
+          </a:prstGeom>
+          <a:noFill/>
+        </p:spPr>
+        <p:txBody>
+          <a:bodyPr wrap="none" lIns="91440" tIns="45720" rIns="91440" bIns="45720">
+            <a:spAutoFit/>
+          </a:bodyPr>
+          <a:lstStyle/>
+          <a:p>
+            <a:pPr algn="ctr"/>
+            <a:r>
+              <a:rPr lang="fr-FR" sz="6600" b="0" cap="none" spc="0" dirty="0" err="1" smtClean="0">
+                <a:ln w="0"/>
+                <a:solidFill>
+                  <a:schemeClr val="tx1"/>
+                </a:solidFill>
+                <a:effectLst>
+                  <a:outerShdw blurRad="38100" dist="19050" dir="2700000" algn="tl" rotWithShape="0">
+                    <a:schemeClr val="dk1">
+                      <a:alpha val="40000"/>
+                    </a:schemeClr>
+                  </a:outerShdw>
+                </a:effectLst>
+              </a:rPr>
+              <a:t>Ecomeristem</a:t>
+            </a:r>
+            <a:endParaRPr lang="fr-FR" sz="6600" b="0" cap="none" spc="0" dirty="0" smtClean="0">
+              <a:ln w="0"/>
+              <a:solidFill>
+                <a:schemeClr val="tx1"/>
+              </a:solidFill>
+              <a:effectLst>
+                <a:outerShdw blurRad="38100" dist="19050" dir="2700000" algn="tl" rotWithShape="0">
+                  <a:schemeClr val="dk1">
+                    <a:alpha val="40000"/>
+                  </a:schemeClr>
+                </a:outerShdw>
+              </a:effectLst>
+            </a:endParaRPr>
+          </a:p>
+          <a:p>
+            <a:pPr algn="ctr"/>
+            <a:r>
+              <a:rPr lang="fr-FR" sz="6600" dirty="0" err="1">
+                <a:ln w="0"/>
+                <a:effectLst>
+                  <a:outerShdw blurRad="38100" dist="19050" dir="2700000" algn="tl" rotWithShape="0">
+                    <a:schemeClr val="dk1">
+                      <a:alpha val="40000"/>
+                    </a:schemeClr>
+                  </a:outerShdw>
+                </a:effectLst>
+              </a:rPr>
+              <a:t>P</a:t>
+            </a:r>
+            <a:r>
+              <a:rPr lang="fr-FR" sz="6600" dirty="0" err="1" smtClean="0">
+                <a:ln w="0"/>
+                <a:effectLst>
+                  <a:outerShdw blurRad="38100" dist="19050" dir="2700000" algn="tl" rotWithShape="0">
+                    <a:schemeClr val="dk1">
+                      <a:alpha val="40000"/>
+                    </a:schemeClr>
+                  </a:outerShdw>
+                </a:effectLst>
+              </a:rPr>
+              <a:t>henology</a:t>
+            </a:r>
+            <a:endParaRPr lang="fr-FR" sz="6600" b="0" cap="none" spc="0" dirty="0">
+              <a:ln w="0"/>
+              <a:solidFill>
+                <a:schemeClr val="tx1"/>
+              </a:solidFill>
+              <a:effectLst>
+                <a:outerShdw blurRad="38100" dist="19050" dir="2700000" algn="tl" rotWithShape="0">
+                  <a:schemeClr val="dk1">
+                    <a:alpha val="40000"/>
+                  </a:schemeClr>
+                </a:outerShdw>
+              </a:effectLst>
+            </a:endParaRPr>
+          </a:p>
+        </p:txBody>
+      </p:sp>
+    </p:spTree>
+    <p:extLst>
+      <p:ext uri="{BB962C8B-B14F-4D97-AF65-F5344CB8AC3E}">
+        <p14:creationId xmlns:p14="http://schemas.microsoft.com/office/powerpoint/2010/main" val="237553878"/>
+      </p:ext>
+    </p:extLst>
+  </p:cSld>
+  <p:clrMapOvr>
+    <a:masterClrMapping/>
+  </p:clrMapOvr>
+</p:sld>
+</file>
+
+<file path=ppt/slides/slide2.xml><?xml version="1.0" encoding="utf-8"?>
+<p:sld xmlns:a="http://schemas.openxmlformats.org/drawingml/2006/main" xmlns:r="http://schemas.openxmlformats.org/officeDocument/2006/relationships" xmlns:p="http://schemas.openxmlformats.org/presentationml/2006/main">
+  <p:cSld>
+    <p:spTree>
+      <p:nvGrpSpPr>
+        <p:cNvPr id="1" name=""/>
+        <p:cNvGrpSpPr/>
+        <p:nvPr/>
+      </p:nvGrpSpPr>
+      <p:grpSpPr>
+        <a:xfrm>
+          <a:off x="0" y="0"/>
+          <a:ext cx="0" cy="0"/>
+          <a:chOff x="0" y="0"/>
+          <a:chExt cx="0" cy="0"/>
+        </a:xfrm>
+      </p:grpSpPr>
+      <p:sp>
+        <p:nvSpPr>
           <p:cNvPr id="5" name="Rectangle 4"/>
           <p:cNvSpPr/>
           <p:nvPr/>
@@ -3485,7 +3613,7 @@
                 <a:effectLst/>
                 <a:latin typeface="Cambria" panose="02040503050406030204" pitchFamily="18" charset="0"/>
               </a:rPr>
-              <a:t>STOCKAVAILABLE</a:t>
+              <a:t>STOCK_AVAILABLE</a:t>
             </a:r>
             <a:r>
               <a:rPr kumimoji="0" lang="fr-FR" altLang="fr-FR" sz="1600" b="0" i="0" u="none" strike="noStrike" cap="none" normalizeH="0" baseline="0" dirty="0" smtClean="0">
@@ -5798,7 +5926,7 @@
 </p:sld>
 </file>
 
-<file path=ppt/slides/slide2.xml><?xml version="1.0" encoding="utf-8"?>
+<file path=ppt/slides/slide3.xml><?xml version="1.0" encoding="utf-8"?>
 <p:sld xmlns:a="http://schemas.openxmlformats.org/drawingml/2006/main" xmlns:r="http://schemas.openxmlformats.org/officeDocument/2006/relationships" xmlns:p="http://schemas.openxmlformats.org/presentationml/2006/main">
   <p:cSld>
     <p:spTree>
@@ -5829,19 +5957,17 @@
           <a:prstGeom prst="rect">
             <a:avLst/>
           </a:prstGeom>
-          <a:ln w="38100"/>
+          <a:ln/>
         </p:spPr>
         <p:style>
-          <a:lnRef idx="2">
-            <a:schemeClr val="accent1">
-              <a:shade val="50000"/>
-            </a:schemeClr>
+          <a:lnRef idx="0">
+            <a:schemeClr val="dk1"/>
           </a:lnRef>
-          <a:fillRef idx="1">
-            <a:schemeClr val="accent1"/>
+          <a:fillRef idx="3">
+            <a:schemeClr val="dk1"/>
           </a:fillRef>
-          <a:effectRef idx="0">
-            <a:schemeClr val="accent1"/>
+          <a:effectRef idx="3">
+            <a:schemeClr val="dk1"/>
           </a:effectRef>
           <a:fontRef idx="minor">
             <a:schemeClr val="lt1"/>
@@ -5874,19 +6000,17 @@
           <a:prstGeom prst="rect">
             <a:avLst/>
           </a:prstGeom>
-          <a:ln w="38100"/>
+          <a:ln/>
         </p:spPr>
         <p:style>
-          <a:lnRef idx="2">
-            <a:schemeClr val="accent1">
-              <a:shade val="50000"/>
-            </a:schemeClr>
+          <a:lnRef idx="0">
+            <a:schemeClr val="dk1"/>
           </a:lnRef>
-          <a:fillRef idx="1">
-            <a:schemeClr val="accent1"/>
+          <a:fillRef idx="3">
+            <a:schemeClr val="dk1"/>
           </a:fillRef>
-          <a:effectRef idx="0">
-            <a:schemeClr val="accent1"/>
+          <a:effectRef idx="3">
+            <a:schemeClr val="dk1"/>
           </a:effectRef>
           <a:fontRef idx="minor">
             <a:schemeClr val="lt1"/>
@@ -5919,19 +6043,17 @@
           <a:prstGeom prst="rect">
             <a:avLst/>
           </a:prstGeom>
-          <a:ln w="38100"/>
+          <a:ln/>
         </p:spPr>
         <p:style>
-          <a:lnRef idx="2">
-            <a:schemeClr val="accent1">
-              <a:shade val="50000"/>
-            </a:schemeClr>
+          <a:lnRef idx="0">
+            <a:schemeClr val="dk1"/>
           </a:lnRef>
-          <a:fillRef idx="1">
-            <a:schemeClr val="accent1"/>
+          <a:fillRef idx="3">
+            <a:schemeClr val="dk1"/>
           </a:fillRef>
-          <a:effectRef idx="0">
-            <a:schemeClr val="accent1"/>
+          <a:effectRef idx="3">
+            <a:schemeClr val="dk1"/>
           </a:effectRef>
           <a:fontRef idx="minor">
             <a:schemeClr val="lt1"/>
@@ -5964,19 +6086,17 @@
           <a:prstGeom prst="rect">
             <a:avLst/>
           </a:prstGeom>
-          <a:ln w="38100"/>
+          <a:ln/>
         </p:spPr>
         <p:style>
-          <a:lnRef idx="2">
-            <a:schemeClr val="accent1">
-              <a:shade val="50000"/>
-            </a:schemeClr>
+          <a:lnRef idx="0">
+            <a:schemeClr val="dk1"/>
           </a:lnRef>
-          <a:fillRef idx="1">
-            <a:schemeClr val="accent1"/>
+          <a:fillRef idx="3">
+            <a:schemeClr val="dk1"/>
           </a:fillRef>
-          <a:effectRef idx="0">
-            <a:schemeClr val="accent1"/>
+          <a:effectRef idx="3">
+            <a:schemeClr val="dk1"/>
           </a:effectRef>
           <a:fontRef idx="minor">
             <a:schemeClr val="lt1"/>
@@ -6009,19 +6129,17 @@
           <a:prstGeom prst="rect">
             <a:avLst/>
           </a:prstGeom>
-          <a:ln w="38100"/>
+          <a:ln/>
         </p:spPr>
         <p:style>
-          <a:lnRef idx="2">
-            <a:schemeClr val="accent1">
-              <a:shade val="50000"/>
-            </a:schemeClr>
+          <a:lnRef idx="0">
+            <a:schemeClr val="dk1"/>
           </a:lnRef>
-          <a:fillRef idx="1">
-            <a:schemeClr val="accent1"/>
+          <a:fillRef idx="3">
+            <a:schemeClr val="dk1"/>
           </a:fillRef>
-          <a:effectRef idx="0">
-            <a:schemeClr val="accent1"/>
+          <a:effectRef idx="3">
+            <a:schemeClr val="dk1"/>
           </a:effectRef>
           <a:fontRef idx="minor">
             <a:schemeClr val="lt1"/>
@@ -6054,19 +6172,17 @@
           <a:prstGeom prst="rect">
             <a:avLst/>
           </a:prstGeom>
-          <a:ln w="38100"/>
+          <a:ln/>
         </p:spPr>
         <p:style>
-          <a:lnRef idx="2">
-            <a:schemeClr val="accent1">
-              <a:shade val="50000"/>
-            </a:schemeClr>
+          <a:lnRef idx="0">
+            <a:schemeClr val="dk1"/>
           </a:lnRef>
-          <a:fillRef idx="1">
-            <a:schemeClr val="accent1"/>
+          <a:fillRef idx="3">
+            <a:schemeClr val="dk1"/>
           </a:fillRef>
-          <a:effectRef idx="0">
-            <a:schemeClr val="accent1"/>
+          <a:effectRef idx="3">
+            <a:schemeClr val="dk1"/>
           </a:effectRef>
           <a:fontRef idx="minor">
             <a:schemeClr val="lt1"/>
@@ -6099,19 +6215,17 @@
           <a:prstGeom prst="rect">
             <a:avLst/>
           </a:prstGeom>
-          <a:ln w="38100"/>
+          <a:ln/>
         </p:spPr>
         <p:style>
-          <a:lnRef idx="2">
-            <a:schemeClr val="accent1">
-              <a:shade val="50000"/>
-            </a:schemeClr>
+          <a:lnRef idx="0">
+            <a:schemeClr val="dk1"/>
           </a:lnRef>
-          <a:fillRef idx="1">
-            <a:schemeClr val="accent1"/>
+          <a:fillRef idx="3">
+            <a:schemeClr val="dk1"/>
           </a:fillRef>
-          <a:effectRef idx="0">
-            <a:schemeClr val="accent1"/>
+          <a:effectRef idx="3">
+            <a:schemeClr val="dk1"/>
           </a:effectRef>
           <a:fontRef idx="minor">
             <a:schemeClr val="lt1"/>
@@ -6144,19 +6258,17 @@
           <a:prstGeom prst="rect">
             <a:avLst/>
           </a:prstGeom>
-          <a:ln w="38100"/>
+          <a:ln/>
         </p:spPr>
         <p:style>
-          <a:lnRef idx="2">
-            <a:schemeClr val="accent1">
-              <a:shade val="50000"/>
-            </a:schemeClr>
+          <a:lnRef idx="0">
+            <a:schemeClr val="dk1"/>
           </a:lnRef>
-          <a:fillRef idx="1">
-            <a:schemeClr val="accent1"/>
+          <a:fillRef idx="3">
+            <a:schemeClr val="dk1"/>
           </a:fillRef>
-          <a:effectRef idx="0">
-            <a:schemeClr val="accent1"/>
+          <a:effectRef idx="3">
+            <a:schemeClr val="dk1"/>
           </a:effectRef>
           <a:fontRef idx="minor">
             <a:schemeClr val="lt1"/>
@@ -6443,8 +6555,8 @@
           </a:xfrm>
           <a:prstGeom prst="bentConnector4">
             <a:avLst>
-              <a:gd name="adj1" fmla="val -33431"/>
-              <a:gd name="adj2" fmla="val 180851"/>
+              <a:gd name="adj1" fmla="val -62607"/>
+              <a:gd name="adj2" fmla="val 210252"/>
             </a:avLst>
           </a:prstGeom>
           <a:ln w="38100">
@@ -6554,7 +6666,7 @@
         <p:spPr>
           <a:xfrm>
             <a:off x="401847" y="2697890"/>
-            <a:ext cx="2088404" cy="830997"/>
+            <a:ext cx="2088404" cy="1077218"/>
           </a:xfrm>
           <a:prstGeom prst="rect">
             <a:avLst/>
@@ -6579,7 +6691,7 @@
                 </a:solidFill>
                 <a:effectLst/>
               </a:rPr>
-              <a:t>= </a:t>
+              <a:t>== </a:t>
             </a:r>
             <a:r>
               <a:rPr lang="en-US" sz="1600" dirty="0" err="1" smtClean="0">
@@ -6689,7 +6801,7 @@
         <p:spPr>
           <a:xfrm>
             <a:off x="3247448" y="2865280"/>
-            <a:ext cx="1262269" cy="338554"/>
+            <a:ext cx="1364861" cy="338554"/>
           </a:xfrm>
           <a:prstGeom prst="rect">
             <a:avLst/>
@@ -6703,7 +6815,7 @@
           <a:p>
             <a:r>
               <a:rPr lang="fr-FR" sz="1600" dirty="0" smtClean="0"/>
-              <a:t>=</a:t>
+              <a:t>==</a:t>
             </a:r>
             <a:r>
               <a:rPr lang="fr-FR" sz="1600" dirty="0" smtClean="0">
@@ -6759,7 +6871,7 @@
           <a:p>
             <a:r>
               <a:rPr lang="fr-FR" sz="1600" dirty="0" smtClean="0"/>
-              <a:t>=</a:t>
+              <a:t>==</a:t>
             </a:r>
             <a:r>
               <a:rPr lang="fr-FR" sz="1600" dirty="0" smtClean="0">
@@ -6815,7 +6927,7 @@
           <a:p>
             <a:r>
               <a:rPr lang="fr-FR" sz="1600" dirty="0" smtClean="0"/>
-              <a:t>= </a:t>
+              <a:t>== </a:t>
             </a:r>
             <a:r>
               <a:rPr lang="fr-FR" sz="1600" dirty="0" err="1" smtClean="0">
@@ -6865,8 +6977,145 @@
         </p:nvSpPr>
         <p:spPr>
           <a:xfrm>
-            <a:off x="6305113" y="1951618"/>
+            <a:off x="6156839" y="1965443"/>
             <a:ext cx="2694507" cy="830997"/>
+          </a:xfrm>
+          <a:prstGeom prst="rect">
+            <a:avLst/>
+          </a:prstGeom>
+          <a:solidFill>
+            <a:srgbClr val="FFFFFF">
+              <a:alpha val="50196"/>
+            </a:srgbClr>
+          </a:solidFill>
+        </p:spPr>
+        <p:txBody>
+          <a:bodyPr wrap="square">
+            <a:spAutoFit/>
+          </a:bodyPr>
+          <a:lstStyle/>
+          <a:p>
+            <a:pPr algn="ctr"/>
+            <a:r>
+              <a:rPr lang="fr-FR" sz="1600" dirty="0" smtClean="0"/>
+              <a:t>==</a:t>
+            </a:r>
+            <a:r>
+              <a:rPr lang="fr-FR" sz="1600" dirty="0" smtClean="0">
+                <a:solidFill>
+                  <a:srgbClr val="C0C0C0"/>
+                </a:solidFill>
+                <a:effectLst/>
+              </a:rPr>
+              <a:t> </a:t>
+            </a:r>
+            <a:r>
+              <a:rPr lang="fr-FR" sz="1600" dirty="0" err="1" smtClean="0">
+                <a:solidFill>
+                  <a:srgbClr val="800000"/>
+                </a:solidFill>
+                <a:effectLst/>
+              </a:rPr>
+              <a:t>nb_leaf_pi</a:t>
+            </a:r>
+            <a:r>
+              <a:rPr lang="fr-FR" sz="1600" dirty="0" smtClean="0">
+                <a:solidFill>
+                  <a:srgbClr val="C0C0C0"/>
+                </a:solidFill>
+                <a:effectLst/>
+              </a:rPr>
+              <a:t> </a:t>
+            </a:r>
+            <a:r>
+              <a:rPr lang="fr-FR" sz="1600" dirty="0" smtClean="0"/>
+              <a:t>+</a:t>
+            </a:r>
+            <a:r>
+              <a:rPr lang="fr-FR" sz="1600" dirty="0" smtClean="0">
+                <a:solidFill>
+                  <a:srgbClr val="C0C0C0"/>
+                </a:solidFill>
+                <a:effectLst/>
+              </a:rPr>
+              <a:t> </a:t>
+            </a:r>
+            <a:r>
+              <a:rPr lang="fr-FR" sz="1600" dirty="0" smtClean="0">
+                <a:solidFill>
+                  <a:srgbClr val="000080"/>
+                </a:solidFill>
+                <a:effectLst/>
+              </a:rPr>
+              <a:t>1</a:t>
+            </a:r>
+            <a:r>
+              <a:rPr lang="fr-FR" sz="1600" dirty="0" smtClean="0">
+                <a:solidFill>
+                  <a:srgbClr val="C0C0C0"/>
+                </a:solidFill>
+                <a:effectLst/>
+              </a:rPr>
+              <a:t> </a:t>
+            </a:r>
+            <a:r>
+              <a:rPr lang="fr-FR" sz="1600" dirty="0" smtClean="0"/>
+              <a:t>+ </a:t>
+            </a:r>
+            <a:r>
+              <a:rPr lang="fr-FR" sz="1600" dirty="0" err="1" smtClean="0">
+                <a:solidFill>
+                  <a:srgbClr val="800000"/>
+                </a:solidFill>
+                <a:effectLst/>
+              </a:rPr>
+              <a:t>nb_leaf_max_after_pi</a:t>
+            </a:r>
+            <a:r>
+              <a:rPr lang="fr-FR" sz="1600" dirty="0" smtClean="0">
+                <a:solidFill>
+                  <a:srgbClr val="C0C0C0"/>
+                </a:solidFill>
+                <a:effectLst/>
+              </a:rPr>
+              <a:t> </a:t>
+            </a:r>
+            <a:r>
+              <a:rPr lang="fr-FR" sz="1600" dirty="0" smtClean="0"/>
+              <a:t>+</a:t>
+            </a:r>
+            <a:r>
+              <a:rPr lang="fr-FR" sz="1600" dirty="0" smtClean="0">
+                <a:solidFill>
+                  <a:srgbClr val="C0C0C0"/>
+                </a:solidFill>
+                <a:effectLst/>
+              </a:rPr>
+              <a:t> </a:t>
+            </a:r>
+            <a:r>
+              <a:rPr lang="fr-FR" sz="1600" dirty="0" err="1" smtClean="0">
+                <a:solidFill>
+                  <a:srgbClr val="800000"/>
+                </a:solidFill>
+                <a:effectLst/>
+              </a:rPr>
+              <a:t>phenostage_pre_flo_to_flo</a:t>
+            </a:r>
+            <a:endParaRPr lang="fr-FR" sz="1600" dirty="0"/>
+          </a:p>
+        </p:txBody>
+      </p:sp>
+      <p:sp>
+        <p:nvSpPr>
+          <p:cNvPr id="62" name="Rectangle 61"/>
+          <p:cNvSpPr/>
+          <p:nvPr/>
+        </p:nvSpPr>
+        <p:spPr>
+          <a:xfrm>
+            <a:off x="7822009" y="809916"/>
+            <a:ext cx="2776718" cy="584775"/>
           </a:xfrm>
           <a:prstGeom prst="rect">
             <a:avLst/>
@@ -6878,9 +7127,10 @@
           </a:bodyPr>
           <a:lstStyle/>
           <a:p>
+            <a:pPr algn="ctr"/>
             <a:r>
               <a:rPr lang="fr-FR" sz="1600" dirty="0" smtClean="0"/>
-              <a:t>=</a:t>
+              <a:t>==</a:t>
             </a:r>
             <a:r>
               <a:rPr lang="fr-FR" sz="1600" dirty="0" smtClean="0">
@@ -6891,6 +7141,9 @@
               </a:rPr>
               <a:t> </a:t>
             </a:r>
+          </a:p>
+          <a:p>
+            <a:pPr algn="ctr"/>
             <a:r>
               <a:rPr lang="fr-FR" sz="1600" dirty="0" err="1" smtClean="0">
                 <a:solidFill>
@@ -6898,140 +7151,9 @@
                 </a:solidFill>
                 <a:effectLst/>
               </a:rPr>
-              <a:t>nb_leaf_pi</a:t>
-            </a:r>
-            <a:r>
-              <a:rPr lang="fr-FR" sz="1600" dirty="0" smtClean="0">
-                <a:solidFill>
-                  <a:srgbClr val="C0C0C0"/>
-                </a:solidFill>
-                <a:effectLst/>
-              </a:rPr>
-              <a:t> </a:t>
-            </a:r>
-            <a:r>
-              <a:rPr lang="fr-FR" sz="1600" dirty="0" smtClean="0"/>
-              <a:t>+</a:t>
-            </a:r>
-            <a:r>
-              <a:rPr lang="fr-FR" sz="1600" dirty="0" smtClean="0">
-                <a:solidFill>
-                  <a:srgbClr val="C0C0C0"/>
-                </a:solidFill>
-                <a:effectLst/>
-              </a:rPr>
-              <a:t> </a:t>
-            </a:r>
-            <a:r>
-              <a:rPr lang="fr-FR" sz="1600" dirty="0" smtClean="0">
-                <a:solidFill>
-                  <a:srgbClr val="000080"/>
-                </a:solidFill>
-                <a:effectLst/>
-              </a:rPr>
-              <a:t>1</a:t>
-            </a:r>
-            <a:r>
-              <a:rPr lang="fr-FR" sz="1600" dirty="0" smtClean="0">
-                <a:solidFill>
-                  <a:srgbClr val="C0C0C0"/>
-                </a:solidFill>
-                <a:effectLst/>
-              </a:rPr>
-              <a:t> </a:t>
-            </a:r>
-            <a:r>
-              <a:rPr lang="fr-FR" sz="1600" dirty="0" smtClean="0"/>
-              <a:t>+ </a:t>
-            </a:r>
-            <a:r>
-              <a:rPr lang="fr-FR" sz="1600" dirty="0" err="1" smtClean="0">
-                <a:solidFill>
-                  <a:srgbClr val="800000"/>
-                </a:solidFill>
-                <a:effectLst/>
-              </a:rPr>
-              <a:t>nb_leaf_max_after_pi</a:t>
-            </a:r>
-            <a:r>
-              <a:rPr lang="fr-FR" sz="1600" dirty="0" smtClean="0">
-                <a:solidFill>
-                  <a:srgbClr val="C0C0C0"/>
-                </a:solidFill>
-                <a:effectLst/>
-              </a:rPr>
-              <a:t> </a:t>
-            </a:r>
-            <a:r>
-              <a:rPr lang="fr-FR" sz="1600" dirty="0" smtClean="0"/>
-              <a:t>+</a:t>
-            </a:r>
-            <a:r>
-              <a:rPr lang="fr-FR" sz="1600" dirty="0" smtClean="0">
-                <a:solidFill>
-                  <a:srgbClr val="C0C0C0"/>
-                </a:solidFill>
-                <a:effectLst/>
-              </a:rPr>
-              <a:t> </a:t>
-            </a:r>
-            <a:r>
-              <a:rPr lang="fr-FR" sz="1600" dirty="0" err="1" smtClean="0">
-                <a:solidFill>
-                  <a:srgbClr val="800000"/>
-                </a:solidFill>
-                <a:effectLst/>
-              </a:rPr>
-              <a:t>phenostage_pre_flo_to_flo</a:t>
+              <a:t>phenostage_to_end_filling</a:t>
             </a:r>
             <a:endParaRPr lang="fr-FR" sz="1600" dirty="0"/>
-          </a:p>
-        </p:txBody>
-      </p:sp>
-      <p:sp>
-        <p:nvSpPr>
-          <p:cNvPr id="62" name="Rectangle 61"/>
-          <p:cNvSpPr/>
-          <p:nvPr/>
-        </p:nvSpPr>
-        <p:spPr>
-          <a:xfrm>
-            <a:off x="8134748" y="809916"/>
-            <a:ext cx="2334126" cy="307777"/>
-          </a:xfrm>
-          <a:prstGeom prst="rect">
-            <a:avLst/>
-          </a:prstGeom>
-        </p:spPr>
-        <p:txBody>
-          <a:bodyPr wrap="square">
-            <a:spAutoFit/>
-          </a:bodyPr>
-          <a:lstStyle/>
-          <a:p>
-            <a:r>
-              <a:rPr lang="fr-FR" sz="1400" dirty="0" smtClean="0"/>
-              <a:t>=</a:t>
-            </a:r>
-            <a:r>
-              <a:rPr lang="fr-FR" sz="1400" dirty="0" smtClean="0">
-                <a:solidFill>
-                  <a:srgbClr val="C0C0C0"/>
-                </a:solidFill>
-                <a:effectLst/>
-              </a:rPr>
-              <a:t> </a:t>
-            </a:r>
-            <a:r>
-              <a:rPr lang="fr-FR" sz="1400" dirty="0" err="1" smtClean="0">
-                <a:solidFill>
-                  <a:srgbClr val="800000"/>
-                </a:solidFill>
-                <a:effectLst/>
-              </a:rPr>
-              <a:t>phenostage_to_end_filling</a:t>
-            </a:r>
-            <a:endParaRPr lang="fr-FR" sz="1400" dirty="0"/>
           </a:p>
         </p:txBody>
       </p:sp>
@@ -7043,12 +7165,17 @@
         </p:nvSpPr>
         <p:spPr>
           <a:xfrm>
-            <a:off x="9914044" y="2726780"/>
-            <a:ext cx="2704446" cy="307777"/>
+            <a:off x="9971943" y="2697890"/>
+            <a:ext cx="2299855" cy="584775"/>
           </a:xfrm>
           <a:prstGeom prst="rect">
             <a:avLst/>
           </a:prstGeom>
+          <a:solidFill>
+            <a:srgbClr val="FFFFFF">
+              <a:alpha val="50196"/>
+            </a:srgbClr>
+          </a:solidFill>
         </p:spPr>
         <p:txBody>
           <a:bodyPr wrap="square">
@@ -7056,12 +7183,16 @@
           </a:bodyPr>
           <a:lstStyle/>
           <a:p>
-            <a:r>
-              <a:rPr lang="fr-FR" sz="1400" dirty="0" smtClean="0"/>
-              <a:t>=</a:t>
-            </a:r>
-            <a:r>
-              <a:rPr lang="fr-FR" sz="1400" dirty="0" smtClean="0">
+            <a:pPr algn="ctr"/>
+            <a:r>
+              <a:rPr lang="fr-FR" sz="1600" dirty="0" smtClean="0"/>
+              <a:t>==</a:t>
+            </a:r>
+          </a:p>
+          <a:p>
+            <a:pPr algn="ctr"/>
+            <a:r>
+              <a:rPr lang="fr-FR" sz="1600" dirty="0" smtClean="0">
                 <a:solidFill>
                   <a:srgbClr val="C0C0C0"/>
                 </a:solidFill>
@@ -7070,7 +7201,7 @@
               <a:t> </a:t>
             </a:r>
             <a:r>
-              <a:rPr lang="fr-FR" sz="1400" dirty="0" err="1" smtClean="0">
+              <a:rPr lang="fr-FR" sz="1600" dirty="0" err="1" smtClean="0">
                 <a:solidFill>
                   <a:srgbClr val="800000"/>
                 </a:solidFill>
@@ -7078,7 +7209,7 @@
               </a:rPr>
               <a:t>phenostage_to_maturity</a:t>
             </a:r>
-            <a:endParaRPr lang="fr-FR" sz="1400" dirty="0"/>
+            <a:endParaRPr lang="fr-FR" sz="1600" dirty="0"/>
           </a:p>
         </p:txBody>
       </p:sp>
@@ -7138,7 +7269,7 @@
 </p:sld>
 </file>
 
-<file path=ppt/slides/slide3.xml><?xml version="1.0" encoding="utf-8"?>
+<file path=ppt/slides/slide4.xml><?xml version="1.0" encoding="utf-8"?>
 <p:sld xmlns:a="http://schemas.openxmlformats.org/drawingml/2006/main" xmlns:r="http://schemas.openxmlformats.org/officeDocument/2006/relationships" xmlns:p="http://schemas.openxmlformats.org/presentationml/2006/main">
   <p:cSld>
     <p:spTree>
@@ -7169,19 +7300,17 @@
           <a:prstGeom prst="rect">
             <a:avLst/>
           </a:prstGeom>
-          <a:ln w="38100"/>
+          <a:ln/>
         </p:spPr>
         <p:style>
-          <a:lnRef idx="2">
-            <a:schemeClr val="accent1">
-              <a:shade val="50000"/>
-            </a:schemeClr>
+          <a:lnRef idx="0">
+            <a:schemeClr val="dk1"/>
           </a:lnRef>
-          <a:fillRef idx="1">
-            <a:schemeClr val="accent1"/>
+          <a:fillRef idx="3">
+            <a:schemeClr val="dk1"/>
           </a:fillRef>
-          <a:effectRef idx="0">
-            <a:schemeClr val="accent1"/>
+          <a:effectRef idx="3">
+            <a:schemeClr val="dk1"/>
           </a:effectRef>
           <a:fontRef idx="minor">
             <a:schemeClr val="lt1"/>
@@ -7214,19 +7343,17 @@
           <a:prstGeom prst="rect">
             <a:avLst/>
           </a:prstGeom>
-          <a:ln w="38100"/>
+          <a:ln/>
         </p:spPr>
         <p:style>
-          <a:lnRef idx="2">
-            <a:schemeClr val="accent1">
-              <a:shade val="50000"/>
-            </a:schemeClr>
+          <a:lnRef idx="0">
+            <a:schemeClr val="dk1"/>
           </a:lnRef>
-          <a:fillRef idx="1">
-            <a:schemeClr val="accent1"/>
+          <a:fillRef idx="3">
+            <a:schemeClr val="dk1"/>
           </a:fillRef>
-          <a:effectRef idx="0">
-            <a:schemeClr val="accent1"/>
+          <a:effectRef idx="3">
+            <a:schemeClr val="dk1"/>
           </a:effectRef>
           <a:fontRef idx="minor">
             <a:schemeClr val="lt1"/>
@@ -7259,19 +7386,17 @@
           <a:prstGeom prst="rect">
             <a:avLst/>
           </a:prstGeom>
-          <a:ln w="38100"/>
+          <a:ln/>
         </p:spPr>
         <p:style>
-          <a:lnRef idx="2">
-            <a:schemeClr val="accent1">
-              <a:shade val="50000"/>
-            </a:schemeClr>
+          <a:lnRef idx="0">
+            <a:schemeClr val="dk1"/>
           </a:lnRef>
-          <a:fillRef idx="1">
-            <a:schemeClr val="accent1"/>
+          <a:fillRef idx="3">
+            <a:schemeClr val="dk1"/>
           </a:fillRef>
-          <a:effectRef idx="0">
-            <a:schemeClr val="accent1"/>
+          <a:effectRef idx="3">
+            <a:schemeClr val="dk1"/>
           </a:effectRef>
           <a:fontRef idx="minor">
             <a:schemeClr val="lt1"/>
@@ -7304,23 +7429,21 @@
           <a:prstGeom prst="rect">
             <a:avLst/>
           </a:prstGeom>
-          <a:ln w="38100">
+          <a:ln w="57150">
             <a:solidFill>
               <a:schemeClr val="accent2"/>
             </a:solidFill>
           </a:ln>
         </p:spPr>
         <p:style>
-          <a:lnRef idx="2">
-            <a:schemeClr val="accent1">
-              <a:shade val="50000"/>
-            </a:schemeClr>
+          <a:lnRef idx="0">
+            <a:schemeClr val="dk1"/>
           </a:lnRef>
-          <a:fillRef idx="1">
-            <a:schemeClr val="accent1"/>
+          <a:fillRef idx="3">
+            <a:schemeClr val="dk1"/>
           </a:fillRef>
-          <a:effectRef idx="0">
-            <a:schemeClr val="accent1"/>
+          <a:effectRef idx="3">
+            <a:schemeClr val="dk1"/>
           </a:effectRef>
           <a:fontRef idx="minor">
             <a:schemeClr val="lt1"/>
@@ -7353,23 +7476,21 @@
           <a:prstGeom prst="rect">
             <a:avLst/>
           </a:prstGeom>
-          <a:ln w="38100">
+          <a:ln w="57150">
             <a:solidFill>
               <a:schemeClr val="accent2"/>
             </a:solidFill>
           </a:ln>
         </p:spPr>
         <p:style>
-          <a:lnRef idx="2">
-            <a:schemeClr val="accent1">
-              <a:shade val="50000"/>
-            </a:schemeClr>
+          <a:lnRef idx="0">
+            <a:schemeClr val="dk1"/>
           </a:lnRef>
-          <a:fillRef idx="1">
-            <a:schemeClr val="accent1"/>
+          <a:fillRef idx="3">
+            <a:schemeClr val="dk1"/>
           </a:fillRef>
-          <a:effectRef idx="0">
-            <a:schemeClr val="accent1"/>
+          <a:effectRef idx="3">
+            <a:schemeClr val="dk1"/>
           </a:effectRef>
           <a:fontRef idx="minor">
             <a:schemeClr val="lt1"/>
@@ -7402,19 +7523,17 @@
           <a:prstGeom prst="rect">
             <a:avLst/>
           </a:prstGeom>
-          <a:ln w="38100"/>
+          <a:ln/>
         </p:spPr>
         <p:style>
-          <a:lnRef idx="2">
-            <a:schemeClr val="accent1">
-              <a:shade val="50000"/>
-            </a:schemeClr>
+          <a:lnRef idx="0">
+            <a:schemeClr val="dk1"/>
           </a:lnRef>
-          <a:fillRef idx="1">
-            <a:schemeClr val="accent1"/>
+          <a:fillRef idx="3">
+            <a:schemeClr val="dk1"/>
           </a:fillRef>
-          <a:effectRef idx="0">
-            <a:schemeClr val="accent1"/>
+          <a:effectRef idx="3">
+            <a:schemeClr val="dk1"/>
           </a:effectRef>
           <a:fontRef idx="minor">
             <a:schemeClr val="lt1"/>
@@ -7629,8 +7748,8 @@
           </a:xfrm>
           <a:prstGeom prst="bentConnector4">
             <a:avLst>
-              <a:gd name="adj1" fmla="val -33431"/>
-              <a:gd name="adj2" fmla="val 180851"/>
+              <a:gd name="adj1" fmla="val -78411"/>
+              <a:gd name="adj2" fmla="val 245532"/>
             </a:avLst>
           </a:prstGeom>
           <a:ln w="38100">
@@ -7915,21 +8034,19 @@
           <a:p>
             <a:r>
               <a:rPr lang="fr-FR" sz="1400" dirty="0" err="1" smtClean="0">
+                <a:solidFill>
+                  <a:srgbClr val="FF0000"/>
+                </a:solidFill>
                 <a:latin typeface="Verdana" panose="020B0604030504040204" pitchFamily="34" charset="0"/>
                 <a:ea typeface="Verdana" panose="020B0604030504040204" pitchFamily="34" charset="0"/>
                 <a:cs typeface="Verdana" panose="020B0604030504040204" pitchFamily="34" charset="0"/>
               </a:rPr>
-              <a:t>plant@</a:t>
-            </a:r>
-            <a:r>
-              <a:rPr lang="fr-FR" sz="1400" b="1" dirty="0" err="1" smtClean="0">
-                <a:latin typeface="Verdana" panose="020B0604030504040204" pitchFamily="34" charset="0"/>
-                <a:ea typeface="Verdana" panose="020B0604030504040204" pitchFamily="34" charset="0"/>
-                <a:cs typeface="Verdana" panose="020B0604030504040204" pitchFamily="34" charset="0"/>
-              </a:rPr>
-              <a:t>ELONG</a:t>
-            </a:r>
-            <a:endParaRPr lang="fr-FR" sz="1400" b="1" dirty="0">
+              <a:t>plant@ELONG</a:t>
+            </a:r>
+            <a:endParaRPr lang="fr-FR" sz="1400" dirty="0">
+              <a:solidFill>
+                <a:srgbClr val="FF0000"/>
+              </a:solidFill>
               <a:latin typeface="Verdana" panose="020B0604030504040204" pitchFamily="34" charset="0"/>
               <a:ea typeface="Verdana" panose="020B0604030504040204" pitchFamily="34" charset="0"/>
               <a:cs typeface="Verdana" panose="020B0604030504040204" pitchFamily="34" charset="0"/>
@@ -7991,7 +8108,7 @@
         </p:nvSpPr>
         <p:spPr>
           <a:xfrm>
-            <a:off x="3931439" y="5228252"/>
+            <a:off x="3973532" y="5322579"/>
             <a:ext cx="1385638" cy="307777"/>
           </a:xfrm>
           <a:prstGeom prst="rect">
@@ -8008,23 +8125,22 @@
           </a:bodyPr>
           <a:lstStyle/>
           <a:p>
+            <a:pPr algn="ctr"/>
             <a:r>
               <a:rPr lang="fr-FR" sz="1400" dirty="0" err="1" smtClean="0">
+                <a:solidFill>
+                  <a:srgbClr val="FF0000"/>
+                </a:solidFill>
                 <a:latin typeface="Verdana" panose="020B0604030504040204" pitchFamily="34" charset="0"/>
                 <a:ea typeface="Verdana" panose="020B0604030504040204" pitchFamily="34" charset="0"/>
                 <a:cs typeface="Verdana" panose="020B0604030504040204" pitchFamily="34" charset="0"/>
               </a:rPr>
-              <a:t>plant@</a:t>
-            </a:r>
-            <a:r>
-              <a:rPr lang="fr-FR" sz="1400" b="1" dirty="0" err="1" smtClean="0">
-                <a:latin typeface="Verdana" panose="020B0604030504040204" pitchFamily="34" charset="0"/>
-                <a:ea typeface="Verdana" panose="020B0604030504040204" pitchFamily="34" charset="0"/>
-                <a:cs typeface="Verdana" panose="020B0604030504040204" pitchFamily="34" charset="0"/>
-              </a:rPr>
-              <a:t>PI</a:t>
-            </a:r>
-            <a:endParaRPr lang="fr-FR" sz="1400" b="1" dirty="0">
+              <a:t>plant@PI</a:t>
+            </a:r>
+            <a:endParaRPr lang="fr-FR" sz="1400" dirty="0">
+              <a:solidFill>
+                <a:srgbClr val="FF0000"/>
+              </a:solidFill>
               <a:latin typeface="Verdana" panose="020B0604030504040204" pitchFamily="34" charset="0"/>
               <a:ea typeface="Verdana" panose="020B0604030504040204" pitchFamily="34" charset="0"/>
               <a:cs typeface="Verdana" panose="020B0604030504040204" pitchFamily="34" charset="0"/>
@@ -8127,7 +8243,7 @@
           <a:p>
             <a:pPr algn="ctr"/>
             <a:r>
-              <a:rPr lang="fr-FR" sz="1600" dirty="0" smtClean="0">
+              <a:rPr lang="fr-FR" sz="1600" i="1" dirty="0" smtClean="0">
                 <a:effectLst/>
               </a:rPr>
               <a:t>and</a:t>
@@ -8313,22 +8429,17 @@
           <a:prstGeom prst="ellipse">
             <a:avLst/>
           </a:prstGeom>
-          <a:solidFill>
-            <a:schemeClr val="accent6"/>
-          </a:solidFill>
-          <a:ln w="38100"/>
+          <a:ln/>
         </p:spPr>
         <p:style>
-          <a:lnRef idx="2">
-            <a:schemeClr val="accent1">
-              <a:shade val="50000"/>
-            </a:schemeClr>
+          <a:lnRef idx="0">
+            <a:schemeClr val="accent6"/>
           </a:lnRef>
-          <a:fillRef idx="1">
-            <a:schemeClr val="accent1"/>
+          <a:fillRef idx="3">
+            <a:schemeClr val="accent6"/>
           </a:fillRef>
-          <a:effectRef idx="0">
-            <a:schemeClr val="accent1"/>
+          <a:effectRef idx="3">
+            <a:schemeClr val="accent6"/>
           </a:effectRef>
           <a:fontRef idx="minor">
             <a:schemeClr val="lt1"/>
@@ -8361,6 +8472,11 @@
           <a:prstGeom prst="rect">
             <a:avLst/>
           </a:prstGeom>
+          <a:solidFill>
+            <a:srgbClr val="FFFFFF">
+              <a:alpha val="50196"/>
+            </a:srgbClr>
+          </a:solidFill>
         </p:spPr>
         <p:txBody>
           <a:bodyPr wrap="square">
@@ -8477,23 +8593,21 @@
           <a:prstGeom prst="rect">
             <a:avLst/>
           </a:prstGeom>
-          <a:ln w="38100">
+          <a:ln w="57150">
             <a:solidFill>
               <a:schemeClr val="accent2"/>
             </a:solidFill>
           </a:ln>
         </p:spPr>
         <p:style>
-          <a:lnRef idx="2">
-            <a:schemeClr val="accent1">
-              <a:shade val="50000"/>
-            </a:schemeClr>
+          <a:lnRef idx="0">
+            <a:schemeClr val="dk1"/>
           </a:lnRef>
-          <a:fillRef idx="1">
-            <a:schemeClr val="accent1"/>
+          <a:fillRef idx="3">
+            <a:schemeClr val="dk1"/>
           </a:fillRef>
-          <a:effectRef idx="0">
-            <a:schemeClr val="accent1"/>
+          <a:effectRef idx="3">
+            <a:schemeClr val="dk1"/>
           </a:effectRef>
           <a:fontRef idx="minor">
             <a:schemeClr val="lt1"/>
@@ -8526,23 +8640,21 @@
           <a:prstGeom prst="rect">
             <a:avLst/>
           </a:prstGeom>
-          <a:ln w="38100">
+          <a:ln w="57150">
             <a:solidFill>
               <a:schemeClr val="accent2"/>
             </a:solidFill>
           </a:ln>
         </p:spPr>
         <p:style>
-          <a:lnRef idx="2">
-            <a:schemeClr val="accent1">
-              <a:shade val="50000"/>
-            </a:schemeClr>
+          <a:lnRef idx="0">
+            <a:schemeClr val="dk1"/>
           </a:lnRef>
-          <a:fillRef idx="1">
-            <a:schemeClr val="accent1"/>
+          <a:fillRef idx="3">
+            <a:schemeClr val="dk1"/>
           </a:fillRef>
-          <a:effectRef idx="0">
-            <a:schemeClr val="accent1"/>
+          <a:effectRef idx="3">
+            <a:schemeClr val="dk1"/>
           </a:effectRef>
           <a:fontRef idx="minor">
             <a:schemeClr val="lt1"/>
@@ -8703,44 +8815,31 @@
             <a:pPr algn="ctr"/>
             <a:r>
               <a:rPr lang="fr-FR" sz="1400" dirty="0" err="1" smtClean="0">
+                <a:solidFill>
+                  <a:srgbClr val="FF0000"/>
+                </a:solidFill>
                 <a:latin typeface="Verdana" panose="020B0604030504040204" pitchFamily="34" charset="0"/>
                 <a:ea typeface="Verdana" panose="020B0604030504040204" pitchFamily="34" charset="0"/>
                 <a:cs typeface="Verdana" panose="020B0604030504040204" pitchFamily="34" charset="0"/>
               </a:rPr>
-              <a:t>plant@</a:t>
-            </a:r>
-            <a:r>
-              <a:rPr lang="fr-FR" sz="1400" b="1" dirty="0" err="1" smtClean="0">
-                <a:latin typeface="Verdana" panose="020B0604030504040204" pitchFamily="34" charset="0"/>
-                <a:ea typeface="Verdana" panose="020B0604030504040204" pitchFamily="34" charset="0"/>
-                <a:cs typeface="Verdana" panose="020B0604030504040204" pitchFamily="34" charset="0"/>
-              </a:rPr>
-              <a:t>PI</a:t>
-            </a:r>
+              <a:t>plant@PI</a:t>
+            </a:r>
+            <a:endParaRPr lang="fr-FR" sz="1400" dirty="0" smtClean="0">
+              <a:solidFill>
+                <a:srgbClr val="FF0000"/>
+              </a:solidFill>
+              <a:latin typeface="Verdana" panose="020B0604030504040204" pitchFamily="34" charset="0"/>
+              <a:ea typeface="Verdana" panose="020B0604030504040204" pitchFamily="34" charset="0"/>
+              <a:cs typeface="Verdana" panose="020B0604030504040204" pitchFamily="34" charset="0"/>
+            </a:endParaRPr>
+          </a:p>
+          <a:p>
+            <a:pPr algn="ctr"/>
             <a:endParaRPr lang="fr-FR" sz="1400" dirty="0" smtClean="0">
               <a:latin typeface="Verdana" panose="020B0604030504040204" pitchFamily="34" charset="0"/>
               <a:ea typeface="Verdana" panose="020B0604030504040204" pitchFamily="34" charset="0"/>
               <a:cs typeface="Verdana" panose="020B0604030504040204" pitchFamily="34" charset="0"/>
             </a:endParaRPr>
-          </a:p>
-          <a:p>
-            <a:pPr algn="ctr"/>
-            <a:r>
-              <a:rPr lang="fr-FR" sz="1400" dirty="0">
-                <a:latin typeface="Verdana" panose="020B0604030504040204" pitchFamily="34" charset="0"/>
-                <a:ea typeface="Verdana" panose="020B0604030504040204" pitchFamily="34" charset="0"/>
-                <a:cs typeface="Verdana" panose="020B0604030504040204" pitchFamily="34" charset="0"/>
-              </a:rPr>
-              <a:t>a</a:t>
-            </a:r>
-            <a:r>
-              <a:rPr lang="fr-FR" sz="1400" dirty="0" smtClean="0">
-                <a:latin typeface="Verdana" panose="020B0604030504040204" pitchFamily="34" charset="0"/>
-                <a:ea typeface="Verdana" panose="020B0604030504040204" pitchFamily="34" charset="0"/>
-                <a:cs typeface="Verdana" panose="020B0604030504040204" pitchFamily="34" charset="0"/>
-              </a:rPr>
-              <a:t>nd</a:t>
-            </a:r>
           </a:p>
           <a:p>
             <a:pPr algn="ctr"/>
@@ -8797,7 +8896,7 @@
 </p:sld>
 </file>
 
-<file path=ppt/slides/slide4.xml><?xml version="1.0" encoding="utf-8"?>
+<file path=ppt/slides/slide5.xml><?xml version="1.0" encoding="utf-8"?>
 <p:sld xmlns:a="http://schemas.openxmlformats.org/drawingml/2006/main" xmlns:r="http://schemas.openxmlformats.org/officeDocument/2006/relationships" xmlns:p="http://schemas.openxmlformats.org/presentationml/2006/main">
   <p:cSld>
     <p:spTree>
@@ -8822,7 +8921,7 @@
         </p:nvSpPr>
         <p:spPr>
           <a:xfrm>
-            <a:off x="1785937" y="5495516"/>
+            <a:off x="1687244" y="5611894"/>
             <a:ext cx="1360437" cy="923330"/>
           </a:xfrm>
           <a:prstGeom prst="rect">
@@ -8907,19 +9006,17 @@
           <a:prstGeom prst="rect">
             <a:avLst/>
           </a:prstGeom>
-          <a:ln w="38100"/>
+          <a:ln/>
         </p:spPr>
         <p:style>
-          <a:lnRef idx="2">
-            <a:schemeClr val="accent1">
-              <a:shade val="50000"/>
-            </a:schemeClr>
+          <a:lnRef idx="0">
+            <a:schemeClr val="dk1"/>
           </a:lnRef>
-          <a:fillRef idx="1">
-            <a:schemeClr val="accent1"/>
+          <a:fillRef idx="3">
+            <a:schemeClr val="dk1"/>
           </a:fillRef>
-          <a:effectRef idx="0">
-            <a:schemeClr val="accent1"/>
+          <a:effectRef idx="3">
+            <a:schemeClr val="dk1"/>
           </a:effectRef>
           <a:fontRef idx="minor">
             <a:schemeClr val="lt1"/>
@@ -8952,19 +9049,17 @@
           <a:prstGeom prst="rect">
             <a:avLst/>
           </a:prstGeom>
-          <a:ln w="38100"/>
+          <a:ln/>
         </p:spPr>
         <p:style>
-          <a:lnRef idx="2">
-            <a:schemeClr val="accent1">
-              <a:shade val="50000"/>
-            </a:schemeClr>
+          <a:lnRef idx="0">
+            <a:schemeClr val="dk1"/>
           </a:lnRef>
-          <a:fillRef idx="1">
-            <a:schemeClr val="accent1"/>
+          <a:fillRef idx="3">
+            <a:schemeClr val="dk1"/>
           </a:fillRef>
-          <a:effectRef idx="0">
-            <a:schemeClr val="accent1"/>
+          <a:effectRef idx="3">
+            <a:schemeClr val="dk1"/>
           </a:effectRef>
           <a:fontRef idx="minor">
             <a:schemeClr val="lt1"/>
@@ -8997,19 +9092,17 @@
           <a:prstGeom prst="rect">
             <a:avLst/>
           </a:prstGeom>
-          <a:ln w="38100"/>
+          <a:ln/>
         </p:spPr>
         <p:style>
-          <a:lnRef idx="2">
-            <a:schemeClr val="accent1">
-              <a:shade val="50000"/>
-            </a:schemeClr>
+          <a:lnRef idx="0">
+            <a:schemeClr val="dk1"/>
           </a:lnRef>
-          <a:fillRef idx="1">
-            <a:schemeClr val="accent1"/>
+          <a:fillRef idx="3">
+            <a:schemeClr val="dk1"/>
           </a:fillRef>
-          <a:effectRef idx="0">
-            <a:schemeClr val="accent1"/>
+          <a:effectRef idx="3">
+            <a:schemeClr val="dk1"/>
           </a:effectRef>
           <a:fontRef idx="minor">
             <a:schemeClr val="lt1"/>
@@ -9153,6 +9246,11 @@
           <a:prstGeom prst="rect">
             <a:avLst/>
           </a:prstGeom>
+          <a:solidFill>
+            <a:srgbClr val="FFFFFF">
+              <a:alpha val="50196"/>
+            </a:srgbClr>
+          </a:solidFill>
         </p:spPr>
         <p:txBody>
           <a:bodyPr wrap="square">
@@ -9214,7 +9312,7 @@
           <a:p>
             <a:pPr algn="ctr"/>
             <a:r>
-              <a:rPr lang="fr-FR" sz="1600" dirty="0" smtClean="0"/>
+              <a:rPr lang="fr-FR" sz="1600" i="1" dirty="0" smtClean="0"/>
               <a:t>and</a:t>
             </a:r>
           </a:p>
@@ -9223,7 +9321,7 @@
             <a:r>
               <a:rPr lang="fr-FR" sz="1600" dirty="0" smtClean="0">
                 <a:solidFill>
-                  <a:srgbClr val="800000"/>
+                  <a:srgbClr val="FF0000"/>
                 </a:solidFill>
               </a:rPr>
               <a:t>plant </a:t>
@@ -9231,7 +9329,7 @@
             <a:r>
               <a:rPr lang="fr-FR" sz="1600" dirty="0" err="1" smtClean="0">
                 <a:solidFill>
-                  <a:srgbClr val="800000"/>
+                  <a:srgbClr val="FF0000"/>
                 </a:solidFill>
               </a:rPr>
               <a:t>is</a:t>
@@ -9239,7 +9337,7 @@
             <a:r>
               <a:rPr lang="fr-FR" sz="1600" dirty="0" smtClean="0">
                 <a:solidFill>
-                  <a:srgbClr val="800000"/>
+                  <a:srgbClr val="FF0000"/>
                 </a:solidFill>
               </a:rPr>
               <a:t> </a:t>
@@ -9247,12 +9345,16 @@
             <a:r>
               <a:rPr lang="fr-FR" sz="1600" dirty="0" err="1" smtClean="0">
                 <a:solidFill>
-                  <a:srgbClr val="800000"/>
+                  <a:srgbClr val="FF0000"/>
                 </a:solidFill>
               </a:rPr>
               <a:t>growing</a:t>
             </a:r>
-            <a:endParaRPr lang="fr-FR" sz="1600" dirty="0"/>
+            <a:endParaRPr lang="fr-FR" sz="1600" dirty="0">
+              <a:solidFill>
+                <a:srgbClr val="FF0000"/>
+              </a:solidFill>
+            </a:endParaRPr>
           </a:p>
         </p:txBody>
       </p:sp>
@@ -9264,7 +9366,7 @@
         </p:nvSpPr>
         <p:spPr>
           <a:xfrm>
-            <a:off x="5695199" y="4286194"/>
+            <a:off x="6569079" y="5408412"/>
             <a:ext cx="2966453" cy="923330"/>
           </a:xfrm>
           <a:prstGeom prst="rect">
@@ -9349,19 +9451,17 @@
           <a:prstGeom prst="rect">
             <a:avLst/>
           </a:prstGeom>
-          <a:ln w="38100"/>
+          <a:ln/>
         </p:spPr>
         <p:style>
-          <a:lnRef idx="2">
-            <a:schemeClr val="accent1">
-              <a:shade val="50000"/>
-            </a:schemeClr>
+          <a:lnRef idx="0">
+            <a:schemeClr val="dk1"/>
           </a:lnRef>
-          <a:fillRef idx="1">
-            <a:schemeClr val="accent1"/>
+          <a:fillRef idx="3">
+            <a:schemeClr val="dk1"/>
           </a:fillRef>
-          <a:effectRef idx="0">
-            <a:schemeClr val="accent1"/>
+          <a:effectRef idx="3">
+            <a:schemeClr val="dk1"/>
           </a:effectRef>
           <a:fontRef idx="minor">
             <a:schemeClr val="lt1"/>
@@ -9394,19 +9494,17 @@
           <a:prstGeom prst="rect">
             <a:avLst/>
           </a:prstGeom>
-          <a:ln w="38100"/>
+          <a:ln/>
         </p:spPr>
         <p:style>
-          <a:lnRef idx="2">
-            <a:schemeClr val="accent1">
-              <a:shade val="50000"/>
-            </a:schemeClr>
+          <a:lnRef idx="0">
+            <a:schemeClr val="dk1"/>
           </a:lnRef>
-          <a:fillRef idx="1">
-            <a:schemeClr val="accent1"/>
+          <a:fillRef idx="3">
+            <a:schemeClr val="dk1"/>
           </a:fillRef>
-          <a:effectRef idx="0">
-            <a:schemeClr val="accent1"/>
+          <a:effectRef idx="3">
+            <a:schemeClr val="dk1"/>
           </a:effectRef>
           <a:fontRef idx="minor">
             <a:schemeClr val="lt1"/>
@@ -9439,19 +9537,17 @@
           <a:prstGeom prst="rect">
             <a:avLst/>
           </a:prstGeom>
-          <a:ln w="38100"/>
+          <a:ln/>
         </p:spPr>
         <p:style>
-          <a:lnRef idx="2">
-            <a:schemeClr val="accent1">
-              <a:shade val="50000"/>
-            </a:schemeClr>
+          <a:lnRef idx="0">
+            <a:schemeClr val="dk1"/>
           </a:lnRef>
-          <a:fillRef idx="1">
-            <a:schemeClr val="accent1"/>
+          <a:fillRef idx="3">
+            <a:schemeClr val="dk1"/>
           </a:fillRef>
-          <a:effectRef idx="0">
-            <a:schemeClr val="accent1"/>
+          <a:effectRef idx="3">
+            <a:schemeClr val="dk1"/>
           </a:effectRef>
           <a:fontRef idx="minor">
             <a:schemeClr val="lt1"/>
@@ -9606,50 +9702,20 @@
             <a:r>
               <a:rPr lang="fr-FR" sz="1600" dirty="0" err="1" smtClean="0">
                 <a:solidFill>
+                  <a:srgbClr val="FF0000"/>
+                </a:solidFill>
+                <a:effectLst/>
+              </a:rPr>
+              <a:t>culm@ELONG</a:t>
+            </a:r>
+            <a:r>
+              <a:rPr lang="fr-FR" sz="1600" dirty="0" smtClean="0">
+                <a:solidFill>
                   <a:srgbClr val="800000"/>
                 </a:solidFill>
                 <a:effectLst/>
               </a:rPr>
-              <a:t>culm@Elong</a:t>
-            </a:r>
-            <a:r>
-              <a:rPr lang="fr-FR" sz="1600" dirty="0" smtClean="0">
-                <a:solidFill>
-                  <a:srgbClr val="800000"/>
-                </a:solidFill>
-                <a:effectLst/>
-              </a:rPr>
               <a:t> </a:t>
-            </a:r>
-          </a:p>
-          <a:p>
-            <a:pPr algn="ctr"/>
-            <a:r>
-              <a:rPr lang="fr-FR" sz="1600" dirty="0" smtClean="0">
-                <a:effectLst/>
-              </a:rPr>
-              <a:t>or</a:t>
-            </a:r>
-            <a:r>
-              <a:rPr lang="fr-FR" sz="1600" dirty="0" smtClean="0">
-                <a:solidFill>
-                  <a:srgbClr val="800000"/>
-                </a:solidFill>
-                <a:effectLst/>
-              </a:rPr>
-              <a:t> </a:t>
-            </a:r>
-          </a:p>
-          <a:p>
-            <a:pPr algn="ctr"/>
-            <a:r>
-              <a:rPr lang="fr-FR" sz="1600" dirty="0" err="1" smtClean="0">
-                <a:solidFill>
-                  <a:srgbClr val="800000"/>
-                </a:solidFill>
-                <a:effectLst/>
-              </a:rPr>
-              <a:t>culm@PI</a:t>
             </a:r>
             <a:endParaRPr lang="fr-FR" sz="1600" dirty="0" smtClean="0">
               <a:solidFill>
@@ -9661,14 +9727,69 @@
           <a:p>
             <a:pPr algn="ctr"/>
             <a:r>
-              <a:rPr lang="fr-FR" sz="1600" i="1" dirty="0" smtClean="0"/>
-              <a:t>Le jour de </a:t>
-            </a:r>
-            <a:r>
-              <a:rPr lang="fr-FR" sz="1600" i="1" dirty="0" err="1" smtClean="0"/>
-              <a:t>ligulation</a:t>
+              <a:rPr lang="fr-FR" sz="1600" i="1" dirty="0" smtClean="0">
+                <a:effectLst/>
+              </a:rPr>
+              <a:t>or</a:t>
+            </a:r>
+            <a:r>
+              <a:rPr lang="fr-FR" sz="1600" dirty="0" smtClean="0">
+                <a:solidFill>
+                  <a:srgbClr val="800000"/>
+                </a:solidFill>
+                <a:effectLst/>
+              </a:rPr>
+              <a:t> </a:t>
+            </a:r>
+          </a:p>
+          <a:p>
+            <a:pPr algn="ctr"/>
+            <a:r>
+              <a:rPr lang="fr-FR" sz="1600" dirty="0" err="1" smtClean="0">
+                <a:solidFill>
+                  <a:srgbClr val="FF0000"/>
+                </a:solidFill>
+                <a:effectLst/>
+              </a:rPr>
+              <a:t>culm@PI</a:t>
+            </a:r>
+            <a:endParaRPr lang="fr-FR" sz="1600" dirty="0" smtClean="0">
+              <a:solidFill>
+                <a:srgbClr val="FF0000"/>
+              </a:solidFill>
+              <a:effectLst/>
+            </a:endParaRPr>
+          </a:p>
+          <a:p>
+            <a:pPr algn="ctr"/>
+            <a:r>
+              <a:rPr lang="fr-FR" sz="1600" i="1" dirty="0" smtClean="0">
+                <a:solidFill>
+                  <a:srgbClr val="FF0000"/>
+                </a:solidFill>
+              </a:rPr>
+              <a:t>At </a:t>
+            </a:r>
+            <a:r>
+              <a:rPr lang="fr-FR" sz="1600" i="1" dirty="0" err="1" smtClean="0">
+                <a:solidFill>
+                  <a:srgbClr val="FF0000"/>
+                </a:solidFill>
+              </a:rPr>
+              <a:t>lig</a:t>
+            </a:r>
+            <a:r>
+              <a:rPr lang="fr-FR" sz="1600" i="1" dirty="0" smtClean="0">
+                <a:solidFill>
+                  <a:srgbClr val="FF0000"/>
+                </a:solidFill>
+              </a:rPr>
+              <a:t> time</a:t>
             </a:r>
             <a:endParaRPr lang="fr-FR" sz="1600" i="1" dirty="0" smtClean="0">
+              <a:solidFill>
+                <a:srgbClr val="FF0000"/>
+              </a:solidFill>
               <a:effectLst/>
             </a:endParaRPr>
           </a:p>
@@ -9688,19 +9809,17 @@
           <a:prstGeom prst="rect">
             <a:avLst/>
           </a:prstGeom>
-          <a:ln w="38100"/>
+          <a:ln/>
         </p:spPr>
         <p:style>
-          <a:lnRef idx="2">
-            <a:schemeClr val="accent1">
-              <a:shade val="50000"/>
-            </a:schemeClr>
+          <a:lnRef idx="0">
+            <a:schemeClr val="dk1"/>
           </a:lnRef>
-          <a:fillRef idx="1">
-            <a:schemeClr val="accent1"/>
+          <a:fillRef idx="3">
+            <a:schemeClr val="dk1"/>
           </a:fillRef>
-          <a:effectRef idx="0">
-            <a:schemeClr val="accent1"/>
+          <a:effectRef idx="3">
+            <a:schemeClr val="dk1"/>
           </a:effectRef>
           <a:fontRef idx="minor">
             <a:schemeClr val="lt1"/>
@@ -9873,7 +9992,7 @@
 </p:sld>
 </file>
 
-<file path=ppt/slides/slide5.xml><?xml version="1.0" encoding="utf-8"?>
+<file path=ppt/slides/slide6.xml><?xml version="1.0" encoding="utf-8"?>
 <p:sld xmlns:a="http://schemas.openxmlformats.org/drawingml/2006/main" xmlns:r="http://schemas.openxmlformats.org/officeDocument/2006/relationships" xmlns:p="http://schemas.openxmlformats.org/presentationml/2006/main">
   <p:cSld>
     <p:spTree>
@@ -10013,7 +10132,7 @@
                   <a:noFill/>
                 </a:ln>
                 <a:solidFill>
-                  <a:srgbClr val="800080"/>
+                  <a:schemeClr val="accent2"/>
                 </a:solidFill>
                 <a:effectLst/>
                 <a:latin typeface="Arial Unicode MS"/>
@@ -10025,7 +10144,7 @@
                 <a:noFill/>
               </a:ln>
               <a:solidFill>
-                <a:schemeClr val="tx1"/>
+                <a:schemeClr val="accent2"/>
               </a:solidFill>
               <a:effectLst/>
               <a:latin typeface="Arial" panose="020B0604020202020204" pitchFamily="34" charset="0"/>
@@ -10064,7 +10183,7 @@
             <a:r>
               <a:rPr lang="fr-FR" altLang="fr-FR" dirty="0" smtClean="0">
                 <a:solidFill>
-                  <a:srgbClr val="800080"/>
+                  <a:srgbClr val="FF0000"/>
                 </a:solidFill>
                 <a:latin typeface="Arial Unicode MS"/>
               </a:rPr>
@@ -10078,19 +10197,28 @@
           <a:p>
             <a:pPr algn="ctr"/>
             <a:r>
+              <a:rPr lang="fr-FR" altLang="fr-FR" i="1" dirty="0" smtClean="0">
+                <a:latin typeface="Arial Unicode MS"/>
+              </a:rPr>
+              <a:t>or</a:t>
+            </a:r>
+            <a:r>
               <a:rPr lang="fr-FR" altLang="fr-FR" dirty="0" smtClean="0">
+                <a:solidFill>
+                  <a:srgbClr val="800080"/>
+                </a:solidFill>
                 <a:latin typeface="Arial Unicode MS"/>
               </a:rPr>
-              <a:t>or</a:t>
+              <a:t> </a:t>
             </a:r>
             <a:r>
               <a:rPr lang="fr-FR" altLang="fr-FR" dirty="0" smtClean="0">
                 <a:solidFill>
-                  <a:srgbClr val="800080"/>
+                  <a:srgbClr val="FF0000"/>
                 </a:solidFill>
                 <a:latin typeface="Arial Unicode MS"/>
               </a:rPr>
-              <a:t> ELONG</a:t>
+              <a:t>ELONG</a:t>
             </a:r>
             <a:r>
               <a:rPr lang="fr-FR" altLang="fr-FR" dirty="0" smtClean="0"/>
@@ -10101,9 +10229,41 @@
           <a:p>
             <a:pPr algn="ctr"/>
             <a:r>
+              <a:rPr lang="fr-FR" altLang="fr-FR" i="1" dirty="0" smtClean="0">
+                <a:latin typeface="Arial Unicode MS"/>
+              </a:rPr>
+              <a:t>or</a:t>
+            </a:r>
+            <a:r>
               <a:rPr lang="fr-FR" altLang="fr-FR" dirty="0" smtClean="0">
+                <a:solidFill>
+                  <a:srgbClr val="800080"/>
+                </a:solidFill>
                 <a:latin typeface="Arial Unicode MS"/>
               </a:rPr>
+              <a:t> </a:t>
+            </a:r>
+            <a:r>
+              <a:rPr lang="fr-FR" altLang="fr-FR" dirty="0" smtClean="0">
+                <a:solidFill>
+                  <a:srgbClr val="FF0000"/>
+                </a:solidFill>
+                <a:latin typeface="Arial Unicode MS"/>
+              </a:rPr>
+              <a:t>PI</a:t>
+            </a:r>
+            <a:endParaRPr lang="fr-FR" dirty="0" smtClean="0">
+              <a:solidFill>
+                <a:srgbClr val="FF0000"/>
+              </a:solidFill>
+            </a:endParaRPr>
+          </a:p>
+          <a:p>
+            <a:pPr algn="ctr"/>
+            <a:r>
+              <a:rPr lang="fr-FR" altLang="fr-FR" i="1" dirty="0" smtClean="0">
+                <a:latin typeface="Arial Unicode MS"/>
+              </a:rPr>
               <a:t>or</a:t>
             </a:r>
             <a:r>
@@ -10113,17 +10273,16 @@
                 </a:solidFill>
                 <a:latin typeface="Arial Unicode MS"/>
               </a:rPr>
-              <a:t> PI</a:t>
-            </a:r>
-            <a:endParaRPr lang="fr-FR" dirty="0" smtClean="0"/>
-          </a:p>
-          <a:p>
-            <a:pPr algn="ctr"/>
+              <a:t> </a:t>
+            </a:r>
             <a:r>
               <a:rPr lang="fr-FR" altLang="fr-FR" dirty="0" smtClean="0">
+                <a:solidFill>
+                  <a:srgbClr val="FF0000"/>
+                </a:solidFill>
                 <a:latin typeface="Arial Unicode MS"/>
               </a:rPr>
-              <a:t>or</a:t>
+              <a:t>PRE_FLO</a:t>
             </a:r>
             <a:r>
               <a:rPr lang="fr-FR" altLang="fr-FR" dirty="0" smtClean="0">
@@ -10132,7 +10291,7 @@
                 </a:solidFill>
                 <a:latin typeface="Arial Unicode MS"/>
               </a:rPr>
-              <a:t> PRE_FLO  </a:t>
+              <a:t>  </a:t>
             </a:r>
             <a:r>
               <a:rPr lang="fr-FR" altLang="fr-FR" dirty="0" smtClean="0">
@@ -10153,7 +10312,7 @@
           <a:p>
             <a:pPr algn="ctr"/>
             <a:r>
-              <a:rPr lang="fr-FR" dirty="0" smtClean="0">
+              <a:rPr lang="fr-FR" i="1" dirty="0" smtClean="0">
                 <a:latin typeface="Arial Unicode MS"/>
               </a:rPr>
               <a:t>and</a:t>
@@ -10164,7 +10323,7 @@
             <a:r>
               <a:rPr lang="fr-FR" altLang="fr-FR" dirty="0" smtClean="0">
                 <a:solidFill>
-                  <a:srgbClr val="6600CC"/>
+                  <a:srgbClr val="800000"/>
                 </a:solidFill>
                 <a:latin typeface="Arial" panose="020B0604020202020204" pitchFamily="34" charset="0"/>
               </a:rPr>
@@ -10172,19 +10331,19 @@
             </a:r>
             <a:endParaRPr lang="fr-FR" dirty="0" smtClean="0">
               <a:solidFill>
-                <a:srgbClr val="6600CC"/>
+                <a:srgbClr val="800000"/>
               </a:solidFill>
             </a:endParaRPr>
           </a:p>
           <a:p>
             <a:pPr algn="ctr"/>
             <a:r>
-              <a:rPr lang="fr-FR" dirty="0" smtClean="0">
+              <a:rPr lang="fr-FR" i="1" dirty="0" smtClean="0">
                 <a:latin typeface="Arial Unicode MS"/>
               </a:rPr>
               <a:t>and</a:t>
             </a:r>
-            <a:endParaRPr lang="fr-FR" dirty="0">
+            <a:endParaRPr lang="fr-FR" i="1" dirty="0">
               <a:solidFill>
                 <a:srgbClr val="800080"/>
               </a:solidFill>
@@ -10196,7 +10355,7 @@
             <a:r>
               <a:rPr lang="fr-FR" altLang="fr-FR" dirty="0" err="1" smtClean="0">
                 <a:solidFill>
-                  <a:srgbClr val="6600CC"/>
+                  <a:srgbClr val="800000"/>
                 </a:solidFill>
                 <a:latin typeface="Arial" panose="020B0604020202020204" pitchFamily="34" charset="0"/>
               </a:rPr>
@@ -10205,7 +10364,7 @@
             <a:r>
               <a:rPr lang="fr-FR" altLang="fr-FR" dirty="0" smtClean="0">
                 <a:solidFill>
-                  <a:srgbClr val="6600CC"/>
+                  <a:srgbClr val="800000"/>
                 </a:solidFill>
                 <a:latin typeface="Arial" panose="020B0604020202020204" pitchFamily="34" charset="0"/>
               </a:rPr>
@@ -10214,7 +10373,7 @@
             <a:r>
               <a:rPr lang="fr-FR" altLang="fr-FR" dirty="0">
                 <a:solidFill>
-                  <a:srgbClr val="6600CC"/>
+                  <a:srgbClr val="800000"/>
                 </a:solidFill>
                 <a:latin typeface="Arial" panose="020B0604020202020204" pitchFamily="34" charset="0"/>
               </a:rPr>
@@ -10222,7 +10381,7 @@
             </a:r>
             <a:endParaRPr lang="fr-FR" dirty="0" smtClean="0">
               <a:solidFill>
-                <a:srgbClr val="6600CC"/>
+                <a:srgbClr val="800000"/>
               </a:solidFill>
             </a:endParaRPr>
           </a:p>
@@ -10301,7 +10460,7 @@
             <a:r>
               <a:rPr lang="fr-FR" altLang="fr-FR" dirty="0" smtClean="0">
                 <a:solidFill>
-                  <a:srgbClr val="800080"/>
+                  <a:srgbClr val="FF0000"/>
                 </a:solidFill>
                 <a:latin typeface="Arial Unicode MS"/>
               </a:rPr>
@@ -10315,19 +10474,28 @@
           <a:p>
             <a:pPr algn="ctr"/>
             <a:r>
+              <a:rPr lang="fr-FR" altLang="fr-FR" i="1" dirty="0" smtClean="0">
+                <a:latin typeface="Arial Unicode MS"/>
+              </a:rPr>
+              <a:t>or</a:t>
+            </a:r>
+            <a:r>
               <a:rPr lang="fr-FR" altLang="fr-FR" dirty="0" smtClean="0">
+                <a:solidFill>
+                  <a:srgbClr val="800080"/>
+                </a:solidFill>
                 <a:latin typeface="Arial Unicode MS"/>
               </a:rPr>
-              <a:t>or</a:t>
+              <a:t> </a:t>
             </a:r>
             <a:r>
               <a:rPr lang="fr-FR" altLang="fr-FR" dirty="0" smtClean="0">
                 <a:solidFill>
-                  <a:srgbClr val="800080"/>
+                  <a:srgbClr val="FF0000"/>
                 </a:solidFill>
                 <a:latin typeface="Arial Unicode MS"/>
               </a:rPr>
-              <a:t> ELONG</a:t>
+              <a:t>ELONG</a:t>
             </a:r>
             <a:r>
               <a:rPr lang="fr-FR" altLang="fr-FR" dirty="0" smtClean="0"/>
@@ -10338,19 +10506,37 @@
           <a:p>
             <a:pPr algn="ctr"/>
             <a:r>
+              <a:rPr lang="fr-FR" altLang="fr-FR" i="1" dirty="0" smtClean="0">
+                <a:latin typeface="Arial Unicode MS"/>
+              </a:rPr>
+              <a:t>or</a:t>
+            </a:r>
+            <a:r>
               <a:rPr lang="fr-FR" altLang="fr-FR" dirty="0" smtClean="0">
+                <a:solidFill>
+                  <a:srgbClr val="800080"/>
+                </a:solidFill>
                 <a:latin typeface="Arial Unicode MS"/>
               </a:rPr>
-              <a:t>or</a:t>
+              <a:t> </a:t>
             </a:r>
             <a:r>
               <a:rPr lang="fr-FR" altLang="fr-FR" dirty="0" smtClean="0">
                 <a:solidFill>
+                  <a:srgbClr val="FF0000"/>
+                </a:solidFill>
+                <a:latin typeface="Arial Unicode MS"/>
+              </a:rPr>
+              <a:t>PI</a:t>
+            </a:r>
+            <a:r>
+              <a:rPr lang="fr-FR" altLang="fr-FR" dirty="0" smtClean="0">
+                <a:solidFill>
                   <a:srgbClr val="800080"/>
                 </a:solidFill>
                 <a:latin typeface="Arial Unicode MS"/>
               </a:rPr>
-              <a:t> PI </a:t>
+              <a:t> </a:t>
             </a:r>
             <a:r>
               <a:rPr lang="fr-FR" altLang="fr-FR" dirty="0" smtClean="0">
@@ -10372,7 +10558,7 @@
           <a:p>
             <a:pPr algn="ctr"/>
             <a:r>
-              <a:rPr lang="fr-FR" dirty="0" smtClean="0">
+              <a:rPr lang="fr-FR" i="1" dirty="0" smtClean="0">
                 <a:latin typeface="Arial Unicode MS"/>
               </a:rPr>
               <a:t>and</a:t>
@@ -10386,7 +10572,7 @@
                   <a:noFill/>
                 </a:ln>
                 <a:solidFill>
-                  <a:srgbClr val="800080"/>
+                  <a:schemeClr val="accent2"/>
                 </a:solidFill>
                 <a:effectLst/>
                 <a:latin typeface="Arial Unicode MS"/>
@@ -10397,7 +10583,7 @@
           <a:p>
             <a:pPr algn="ctr"/>
             <a:r>
-              <a:rPr lang="fr-FR" dirty="0" smtClean="0">
+              <a:rPr lang="fr-FR" i="1" dirty="0" smtClean="0">
                 <a:latin typeface="Arial Unicode MS"/>
               </a:rPr>
               <a:t>and</a:t>
@@ -10408,7 +10594,7 @@
             <a:r>
               <a:rPr lang="fr-FR" altLang="fr-FR" dirty="0" err="1" smtClean="0">
                 <a:solidFill>
-                  <a:srgbClr val="6600CC"/>
+                  <a:srgbClr val="800000"/>
                 </a:solidFill>
                 <a:latin typeface="Arial" panose="020B0604020202020204" pitchFamily="34" charset="0"/>
               </a:rPr>
@@ -10417,7 +10603,7 @@
             <a:r>
               <a:rPr lang="fr-FR" altLang="fr-FR" dirty="0" smtClean="0">
                 <a:solidFill>
-                  <a:srgbClr val="6600CC"/>
+                  <a:srgbClr val="800000"/>
                 </a:solidFill>
                 <a:latin typeface="Arial" panose="020B0604020202020204" pitchFamily="34" charset="0"/>
               </a:rPr>
@@ -10426,7 +10612,7 @@
             <a:r>
               <a:rPr lang="fr-FR" altLang="fr-FR" dirty="0" err="1" smtClean="0">
                 <a:solidFill>
-                  <a:srgbClr val="FF0000"/>
+                  <a:srgbClr val="800000"/>
                 </a:solidFill>
                 <a:latin typeface="Arial" panose="020B0604020202020204" pitchFamily="34" charset="0"/>
               </a:rPr>
@@ -10434,7 +10620,7 @@
             </a:r>
             <a:endParaRPr lang="fr-FR" dirty="0" smtClean="0">
               <a:solidFill>
-                <a:srgbClr val="6600CC"/>
+                <a:srgbClr val="800000"/>
               </a:solidFill>
             </a:endParaRPr>
           </a:p>
@@ -10683,7 +10869,7 @@
 </p:sld>
 </file>
 
-<file path=ppt/slides/slide6.xml><?xml version="1.0" encoding="utf-8"?>
+<file path=ppt/slides/slide7.xml><?xml version="1.0" encoding="utf-8"?>
 <p:sld xmlns:a="http://schemas.openxmlformats.org/drawingml/2006/main" xmlns:r="http://schemas.openxmlformats.org/officeDocument/2006/relationships" xmlns:p="http://schemas.openxmlformats.org/presentationml/2006/main">
   <p:cSld>
     <p:spTree>
